--- a/diploma_radkevich.pptx
+++ b/diploma_radkevich.pptx
@@ -5,19 +5,16 @@
     <p:sldMasterId id="2147484176" r:id="rId1"/>
   </p:sldMasterIdLst>
   <p:notesMasterIdLst>
-    <p:notesMasterId r:id="rId12"/>
+    <p:notesMasterId r:id="rId9"/>
   </p:notesMasterIdLst>
   <p:sldIdLst>
     <p:sldId id="257" r:id="rId2"/>
     <p:sldId id="269" r:id="rId3"/>
-    <p:sldId id="270" r:id="rId4"/>
-    <p:sldId id="272" r:id="rId5"/>
-    <p:sldId id="276" r:id="rId6"/>
-    <p:sldId id="277" r:id="rId7"/>
-    <p:sldId id="273" r:id="rId8"/>
-    <p:sldId id="274" r:id="rId9"/>
-    <p:sldId id="275" r:id="rId10"/>
-    <p:sldId id="267" r:id="rId11"/>
+    <p:sldId id="280" r:id="rId4"/>
+    <p:sldId id="270" r:id="rId5"/>
+    <p:sldId id="278" r:id="rId6"/>
+    <p:sldId id="279" r:id="rId7"/>
+    <p:sldId id="267" r:id="rId8"/>
   </p:sldIdLst>
   <p:sldSz cx="9144000" cy="6858000" type="screen4x3"/>
   <p:notesSz cx="6858000" cy="9144000"/>
@@ -165,6 +162,5069 @@
 </p:presentation>
 </file>
 
+<file path=ppt/diagrams/colors1.xml><?xml version="1.0" encoding="utf-8"?>
+<dgm:colorsDef xmlns:dgm="http://schemas.openxmlformats.org/drawingml/2006/diagram" xmlns:a="http://schemas.openxmlformats.org/drawingml/2006/main" uniqueId="urn:microsoft.com/office/officeart/2005/8/colors/accent0_1">
+  <dgm:title val=""/>
+  <dgm:desc val=""/>
+  <dgm:catLst>
+    <dgm:cat type="mainScheme" pri="10100"/>
+  </dgm:catLst>
+  <dgm:styleLbl name="node0">
+    <dgm:fillClrLst meth="repeat">
+      <a:schemeClr val="lt1"/>
+    </dgm:fillClrLst>
+    <dgm:linClrLst meth="repeat">
+      <a:schemeClr val="dk1">
+        <a:shade val="80000"/>
+      </a:schemeClr>
+    </dgm:linClrLst>
+    <dgm:effectClrLst/>
+    <dgm:txLinClrLst/>
+    <dgm:txFillClrLst meth="repeat">
+      <a:schemeClr val="dk1"/>
+    </dgm:txFillClrLst>
+    <dgm:txEffectClrLst/>
+  </dgm:styleLbl>
+  <dgm:styleLbl name="node1">
+    <dgm:fillClrLst meth="repeat">
+      <a:schemeClr val="lt1"/>
+    </dgm:fillClrLst>
+    <dgm:linClrLst meth="repeat">
+      <a:schemeClr val="dk1">
+        <a:shade val="80000"/>
+      </a:schemeClr>
+    </dgm:linClrLst>
+    <dgm:effectClrLst/>
+    <dgm:txLinClrLst/>
+    <dgm:txFillClrLst meth="repeat">
+      <a:schemeClr val="dk1"/>
+    </dgm:txFillClrLst>
+    <dgm:txEffectClrLst/>
+  </dgm:styleLbl>
+  <dgm:styleLbl name="alignNode1">
+    <dgm:fillClrLst meth="repeat">
+      <a:schemeClr val="lt1"/>
+    </dgm:fillClrLst>
+    <dgm:linClrLst meth="repeat">
+      <a:schemeClr val="dk1">
+        <a:shade val="80000"/>
+      </a:schemeClr>
+    </dgm:linClrLst>
+    <dgm:effectClrLst/>
+    <dgm:txLinClrLst/>
+    <dgm:txFillClrLst meth="repeat">
+      <a:schemeClr val="dk1"/>
+    </dgm:txFillClrLst>
+    <dgm:txEffectClrLst/>
+  </dgm:styleLbl>
+  <dgm:styleLbl name="lnNode1">
+    <dgm:fillClrLst meth="repeat">
+      <a:schemeClr val="lt1"/>
+    </dgm:fillClrLst>
+    <dgm:linClrLst meth="repeat">
+      <a:schemeClr val="dk1">
+        <a:shade val="80000"/>
+      </a:schemeClr>
+    </dgm:linClrLst>
+    <dgm:effectClrLst/>
+    <dgm:txLinClrLst/>
+    <dgm:txFillClrLst meth="repeat">
+      <a:schemeClr val="dk1"/>
+    </dgm:txFillClrLst>
+    <dgm:txEffectClrLst/>
+  </dgm:styleLbl>
+  <dgm:styleLbl name="vennNode1">
+    <dgm:fillClrLst meth="repeat">
+      <a:schemeClr val="lt1">
+        <a:alpha val="50000"/>
+      </a:schemeClr>
+    </dgm:fillClrLst>
+    <dgm:linClrLst meth="repeat">
+      <a:schemeClr val="dk1">
+        <a:shade val="80000"/>
+      </a:schemeClr>
+    </dgm:linClrLst>
+    <dgm:effectClrLst/>
+    <dgm:txLinClrLst/>
+    <dgm:txFillClrLst/>
+    <dgm:txEffectClrLst/>
+  </dgm:styleLbl>
+  <dgm:styleLbl name="node2">
+    <dgm:fillClrLst meth="repeat">
+      <a:schemeClr val="lt1"/>
+    </dgm:fillClrLst>
+    <dgm:linClrLst meth="repeat">
+      <a:schemeClr val="dk1">
+        <a:shade val="80000"/>
+      </a:schemeClr>
+    </dgm:linClrLst>
+    <dgm:effectClrLst/>
+    <dgm:txLinClrLst/>
+    <dgm:txFillClrLst meth="repeat">
+      <a:schemeClr val="dk1"/>
+    </dgm:txFillClrLst>
+    <dgm:txEffectClrLst/>
+  </dgm:styleLbl>
+  <dgm:styleLbl name="node3">
+    <dgm:fillClrLst meth="repeat">
+      <a:schemeClr val="lt1"/>
+    </dgm:fillClrLst>
+    <dgm:linClrLst meth="repeat">
+      <a:schemeClr val="dk1">
+        <a:shade val="80000"/>
+      </a:schemeClr>
+    </dgm:linClrLst>
+    <dgm:effectClrLst/>
+    <dgm:txLinClrLst/>
+    <dgm:txFillClrLst meth="repeat">
+      <a:schemeClr val="dk1"/>
+    </dgm:txFillClrLst>
+    <dgm:txEffectClrLst/>
+  </dgm:styleLbl>
+  <dgm:styleLbl name="node4">
+    <dgm:fillClrLst meth="repeat">
+      <a:schemeClr val="lt1"/>
+    </dgm:fillClrLst>
+    <dgm:linClrLst meth="repeat">
+      <a:schemeClr val="dk1">
+        <a:shade val="80000"/>
+      </a:schemeClr>
+    </dgm:linClrLst>
+    <dgm:effectClrLst/>
+    <dgm:txLinClrLst/>
+    <dgm:txFillClrLst meth="repeat">
+      <a:schemeClr val="dk1"/>
+    </dgm:txFillClrLst>
+    <dgm:txEffectClrLst/>
+  </dgm:styleLbl>
+  <dgm:styleLbl name="fgImgPlace1">
+    <dgm:fillClrLst meth="repeat">
+      <a:schemeClr val="dk1">
+        <a:tint val="40000"/>
+      </a:schemeClr>
+    </dgm:fillClrLst>
+    <dgm:linClrLst meth="repeat">
+      <a:schemeClr val="dk1">
+        <a:shade val="80000"/>
+      </a:schemeClr>
+    </dgm:linClrLst>
+    <dgm:effectClrLst/>
+    <dgm:txLinClrLst/>
+    <dgm:txFillClrLst meth="repeat">
+      <a:schemeClr val="lt1"/>
+    </dgm:txFillClrLst>
+    <dgm:txEffectClrLst/>
+  </dgm:styleLbl>
+  <dgm:styleLbl name="alignImgPlace1">
+    <dgm:fillClrLst meth="repeat">
+      <a:schemeClr val="dk1">
+        <a:tint val="40000"/>
+      </a:schemeClr>
+    </dgm:fillClrLst>
+    <dgm:linClrLst meth="repeat">
+      <a:schemeClr val="dk1">
+        <a:shade val="80000"/>
+      </a:schemeClr>
+    </dgm:linClrLst>
+    <dgm:effectClrLst/>
+    <dgm:txLinClrLst/>
+    <dgm:txFillClrLst meth="repeat">
+      <a:schemeClr val="lt1"/>
+    </dgm:txFillClrLst>
+    <dgm:txEffectClrLst/>
+  </dgm:styleLbl>
+  <dgm:styleLbl name="bgImgPlace1">
+    <dgm:fillClrLst meth="repeat">
+      <a:schemeClr val="dk1">
+        <a:tint val="40000"/>
+      </a:schemeClr>
+    </dgm:fillClrLst>
+    <dgm:linClrLst meth="repeat">
+      <a:schemeClr val="dk1">
+        <a:shade val="80000"/>
+      </a:schemeClr>
+    </dgm:linClrLst>
+    <dgm:effectClrLst/>
+    <dgm:txLinClrLst/>
+    <dgm:txFillClrLst meth="repeat">
+      <a:schemeClr val="lt1"/>
+    </dgm:txFillClrLst>
+    <dgm:txEffectClrLst/>
+  </dgm:styleLbl>
+  <dgm:styleLbl name="sibTrans2D1">
+    <dgm:fillClrLst meth="repeat">
+      <a:schemeClr val="dk1">
+        <a:tint val="60000"/>
+      </a:schemeClr>
+    </dgm:fillClrLst>
+    <dgm:linClrLst meth="repeat">
+      <a:schemeClr val="dk1">
+        <a:tint val="60000"/>
+      </a:schemeClr>
+    </dgm:linClrLst>
+    <dgm:effectClrLst/>
+    <dgm:txLinClrLst/>
+    <dgm:txFillClrLst meth="repeat">
+      <a:schemeClr val="dk1"/>
+    </dgm:txFillClrLst>
+    <dgm:txEffectClrLst/>
+  </dgm:styleLbl>
+  <dgm:styleLbl name="fgSibTrans2D1">
+    <dgm:fillClrLst meth="repeat">
+      <a:schemeClr val="dk1">
+        <a:tint val="60000"/>
+      </a:schemeClr>
+    </dgm:fillClrLst>
+    <dgm:linClrLst meth="repeat">
+      <a:schemeClr val="dk1">
+        <a:tint val="60000"/>
+      </a:schemeClr>
+    </dgm:linClrLst>
+    <dgm:effectClrLst/>
+    <dgm:txLinClrLst/>
+    <dgm:txFillClrLst meth="repeat">
+      <a:schemeClr val="dk1"/>
+    </dgm:txFillClrLst>
+    <dgm:txEffectClrLst/>
+  </dgm:styleLbl>
+  <dgm:styleLbl name="bgSibTrans2D1">
+    <dgm:fillClrLst meth="repeat">
+      <a:schemeClr val="dk1">
+        <a:tint val="60000"/>
+      </a:schemeClr>
+    </dgm:fillClrLst>
+    <dgm:linClrLst meth="repeat">
+      <a:schemeClr val="dk1">
+        <a:tint val="60000"/>
+      </a:schemeClr>
+    </dgm:linClrLst>
+    <dgm:effectClrLst/>
+    <dgm:txLinClrLst/>
+    <dgm:txFillClrLst meth="repeat">
+      <a:schemeClr val="dk1"/>
+    </dgm:txFillClrLst>
+    <dgm:txEffectClrLst/>
+  </dgm:styleLbl>
+  <dgm:styleLbl name="sibTrans1D1">
+    <dgm:fillClrLst meth="repeat">
+      <a:schemeClr val="dk1"/>
+    </dgm:fillClrLst>
+    <dgm:linClrLst meth="repeat">
+      <a:schemeClr val="dk1"/>
+    </dgm:linClrLst>
+    <dgm:effectClrLst/>
+    <dgm:txLinClrLst/>
+    <dgm:txFillClrLst meth="repeat">
+      <a:schemeClr val="tx1"/>
+    </dgm:txFillClrLst>
+    <dgm:txEffectClrLst/>
+  </dgm:styleLbl>
+  <dgm:styleLbl name="callout">
+    <dgm:fillClrLst meth="repeat">
+      <a:schemeClr val="dk1"/>
+    </dgm:fillClrLst>
+    <dgm:linClrLst meth="repeat">
+      <a:schemeClr val="dk1"/>
+    </dgm:linClrLst>
+    <dgm:effectClrLst/>
+    <dgm:txLinClrLst/>
+    <dgm:txFillClrLst meth="repeat">
+      <a:schemeClr val="tx1"/>
+    </dgm:txFillClrLst>
+    <dgm:txEffectClrLst/>
+  </dgm:styleLbl>
+  <dgm:styleLbl name="asst0">
+    <dgm:fillClrLst meth="repeat">
+      <a:schemeClr val="lt1"/>
+    </dgm:fillClrLst>
+    <dgm:linClrLst meth="repeat">
+      <a:schemeClr val="dk1">
+        <a:shade val="80000"/>
+      </a:schemeClr>
+    </dgm:linClrLst>
+    <dgm:effectClrLst/>
+    <dgm:txLinClrLst/>
+    <dgm:txFillClrLst meth="repeat">
+      <a:schemeClr val="dk1"/>
+    </dgm:txFillClrLst>
+    <dgm:txEffectClrLst/>
+  </dgm:styleLbl>
+  <dgm:styleLbl name="asst1">
+    <dgm:fillClrLst meth="repeat">
+      <a:schemeClr val="lt1"/>
+    </dgm:fillClrLst>
+    <dgm:linClrLst meth="repeat">
+      <a:schemeClr val="dk1">
+        <a:shade val="80000"/>
+      </a:schemeClr>
+    </dgm:linClrLst>
+    <dgm:effectClrLst/>
+    <dgm:txLinClrLst/>
+    <dgm:txFillClrLst meth="repeat">
+      <a:schemeClr val="dk1"/>
+    </dgm:txFillClrLst>
+    <dgm:txEffectClrLst/>
+  </dgm:styleLbl>
+  <dgm:styleLbl name="asst2">
+    <dgm:fillClrLst meth="repeat">
+      <a:schemeClr val="lt1"/>
+    </dgm:fillClrLst>
+    <dgm:linClrLst meth="repeat">
+      <a:schemeClr val="dk1">
+        <a:shade val="80000"/>
+      </a:schemeClr>
+    </dgm:linClrLst>
+    <dgm:effectClrLst/>
+    <dgm:txLinClrLst/>
+    <dgm:txFillClrLst meth="repeat">
+      <a:schemeClr val="dk1"/>
+    </dgm:txFillClrLst>
+    <dgm:txEffectClrLst/>
+  </dgm:styleLbl>
+  <dgm:styleLbl name="asst3">
+    <dgm:fillClrLst meth="repeat">
+      <a:schemeClr val="lt1"/>
+    </dgm:fillClrLst>
+    <dgm:linClrLst meth="repeat">
+      <a:schemeClr val="dk1">
+        <a:shade val="80000"/>
+      </a:schemeClr>
+    </dgm:linClrLst>
+    <dgm:effectClrLst/>
+    <dgm:txLinClrLst/>
+    <dgm:txFillClrLst meth="repeat">
+      <a:schemeClr val="dk1"/>
+    </dgm:txFillClrLst>
+    <dgm:txEffectClrLst/>
+  </dgm:styleLbl>
+  <dgm:styleLbl name="asst4">
+    <dgm:fillClrLst meth="repeat">
+      <a:schemeClr val="lt1"/>
+    </dgm:fillClrLst>
+    <dgm:linClrLst meth="repeat">
+      <a:schemeClr val="dk1">
+        <a:shade val="80000"/>
+      </a:schemeClr>
+    </dgm:linClrLst>
+    <dgm:effectClrLst/>
+    <dgm:txLinClrLst/>
+    <dgm:txFillClrLst meth="repeat">
+      <a:schemeClr val="dk1"/>
+    </dgm:txFillClrLst>
+    <dgm:txEffectClrLst/>
+  </dgm:styleLbl>
+  <dgm:styleLbl name="parChTrans2D1">
+    <dgm:fillClrLst meth="repeat">
+      <a:schemeClr val="dk1">
+        <a:tint val="60000"/>
+      </a:schemeClr>
+    </dgm:fillClrLst>
+    <dgm:linClrLst meth="repeat">
+      <a:schemeClr val="dk1">
+        <a:tint val="60000"/>
+      </a:schemeClr>
+    </dgm:linClrLst>
+    <dgm:effectClrLst/>
+    <dgm:txLinClrLst/>
+    <dgm:txFillClrLst/>
+    <dgm:txEffectClrLst/>
+  </dgm:styleLbl>
+  <dgm:styleLbl name="parChTrans2D2">
+    <dgm:fillClrLst meth="repeat">
+      <a:schemeClr val="dk1"/>
+    </dgm:fillClrLst>
+    <dgm:linClrLst meth="repeat">
+      <a:schemeClr val="dk1"/>
+    </dgm:linClrLst>
+    <dgm:effectClrLst/>
+    <dgm:txLinClrLst/>
+    <dgm:txFillClrLst/>
+    <dgm:txEffectClrLst/>
+  </dgm:styleLbl>
+  <dgm:styleLbl name="parChTrans2D3">
+    <dgm:fillClrLst meth="repeat">
+      <a:schemeClr val="dk1"/>
+    </dgm:fillClrLst>
+    <dgm:linClrLst meth="repeat">
+      <a:schemeClr val="dk1"/>
+    </dgm:linClrLst>
+    <dgm:effectClrLst/>
+    <dgm:txLinClrLst/>
+    <dgm:txFillClrLst/>
+    <dgm:txEffectClrLst/>
+  </dgm:styleLbl>
+  <dgm:styleLbl name="parChTrans2D4">
+    <dgm:fillClrLst meth="repeat">
+      <a:schemeClr val="dk1"/>
+    </dgm:fillClrLst>
+    <dgm:linClrLst meth="repeat">
+      <a:schemeClr val="dk1"/>
+    </dgm:linClrLst>
+    <dgm:effectClrLst/>
+    <dgm:txLinClrLst/>
+    <dgm:txFillClrLst meth="repeat">
+      <a:schemeClr val="lt1"/>
+    </dgm:txFillClrLst>
+    <dgm:txEffectClrLst/>
+  </dgm:styleLbl>
+  <dgm:styleLbl name="parChTrans1D1">
+    <dgm:fillClrLst meth="repeat">
+      <a:schemeClr val="dk1"/>
+    </dgm:fillClrLst>
+    <dgm:linClrLst meth="repeat">
+      <a:schemeClr val="dk1">
+        <a:shade val="60000"/>
+      </a:schemeClr>
+    </dgm:linClrLst>
+    <dgm:effectClrLst/>
+    <dgm:txLinClrLst/>
+    <dgm:txFillClrLst meth="repeat">
+      <a:schemeClr val="tx1"/>
+    </dgm:txFillClrLst>
+    <dgm:txEffectClrLst/>
+  </dgm:styleLbl>
+  <dgm:styleLbl name="parChTrans1D2">
+    <dgm:fillClrLst meth="repeat">
+      <a:schemeClr val="dk1"/>
+    </dgm:fillClrLst>
+    <dgm:linClrLst meth="repeat">
+      <a:schemeClr val="dk1">
+        <a:shade val="60000"/>
+      </a:schemeClr>
+    </dgm:linClrLst>
+    <dgm:effectClrLst/>
+    <dgm:txLinClrLst/>
+    <dgm:txFillClrLst meth="repeat">
+      <a:schemeClr val="tx1"/>
+    </dgm:txFillClrLst>
+    <dgm:txEffectClrLst/>
+  </dgm:styleLbl>
+  <dgm:styleLbl name="parChTrans1D3">
+    <dgm:fillClrLst meth="repeat">
+      <a:schemeClr val="dk1"/>
+    </dgm:fillClrLst>
+    <dgm:linClrLst meth="repeat">
+      <a:schemeClr val="dk1">
+        <a:shade val="80000"/>
+      </a:schemeClr>
+    </dgm:linClrLst>
+    <dgm:effectClrLst/>
+    <dgm:txLinClrLst/>
+    <dgm:txFillClrLst meth="repeat">
+      <a:schemeClr val="tx1"/>
+    </dgm:txFillClrLst>
+    <dgm:txEffectClrLst/>
+  </dgm:styleLbl>
+  <dgm:styleLbl name="parChTrans1D4">
+    <dgm:fillClrLst meth="repeat">
+      <a:schemeClr val="dk1"/>
+    </dgm:fillClrLst>
+    <dgm:linClrLst meth="repeat">
+      <a:schemeClr val="dk1">
+        <a:shade val="80000"/>
+      </a:schemeClr>
+    </dgm:linClrLst>
+    <dgm:effectClrLst/>
+    <dgm:txLinClrLst/>
+    <dgm:txFillClrLst meth="repeat">
+      <a:schemeClr val="tx1"/>
+    </dgm:txFillClrLst>
+    <dgm:txEffectClrLst/>
+  </dgm:styleLbl>
+  <dgm:styleLbl name="fgAcc1">
+    <dgm:fillClrLst meth="repeat">
+      <a:schemeClr val="dk1">
+        <a:alpha val="90000"/>
+        <a:tint val="40000"/>
+      </a:schemeClr>
+    </dgm:fillClrLst>
+    <dgm:linClrLst meth="repeat">
+      <a:schemeClr val="dk1"/>
+    </dgm:linClrLst>
+    <dgm:effectClrLst/>
+    <dgm:txLinClrLst/>
+    <dgm:txFillClrLst meth="repeat">
+      <a:schemeClr val="dk1"/>
+    </dgm:txFillClrLst>
+    <dgm:txEffectClrLst/>
+  </dgm:styleLbl>
+  <dgm:styleLbl name="conFgAcc1">
+    <dgm:fillClrLst meth="repeat">
+      <a:schemeClr val="dk1">
+        <a:alpha val="90000"/>
+        <a:tint val="40000"/>
+      </a:schemeClr>
+    </dgm:fillClrLst>
+    <dgm:linClrLst meth="repeat">
+      <a:schemeClr val="dk1"/>
+    </dgm:linClrLst>
+    <dgm:effectClrLst/>
+    <dgm:txLinClrLst/>
+    <dgm:txFillClrLst meth="repeat">
+      <a:schemeClr val="dk1"/>
+    </dgm:txFillClrLst>
+    <dgm:txEffectClrLst/>
+  </dgm:styleLbl>
+  <dgm:styleLbl name="alignAcc1">
+    <dgm:fillClrLst meth="repeat">
+      <a:schemeClr val="dk1">
+        <a:alpha val="90000"/>
+        <a:tint val="40000"/>
+      </a:schemeClr>
+    </dgm:fillClrLst>
+    <dgm:linClrLst meth="repeat">
+      <a:schemeClr val="dk1"/>
+    </dgm:linClrLst>
+    <dgm:effectClrLst/>
+    <dgm:txLinClrLst/>
+    <dgm:txFillClrLst meth="repeat">
+      <a:schemeClr val="dk1"/>
+    </dgm:txFillClrLst>
+    <dgm:txEffectClrLst/>
+  </dgm:styleLbl>
+  <dgm:styleLbl name="trAlignAcc1">
+    <dgm:fillClrLst meth="repeat">
+      <a:schemeClr val="dk1">
+        <a:alpha val="40000"/>
+        <a:tint val="40000"/>
+      </a:schemeClr>
+    </dgm:fillClrLst>
+    <dgm:linClrLst meth="repeat">
+      <a:schemeClr val="dk1"/>
+    </dgm:linClrLst>
+    <dgm:effectClrLst/>
+    <dgm:txLinClrLst/>
+    <dgm:txFillClrLst meth="repeat">
+      <a:schemeClr val="dk1"/>
+    </dgm:txFillClrLst>
+    <dgm:txEffectClrLst/>
+  </dgm:styleLbl>
+  <dgm:styleLbl name="bgAcc1">
+    <dgm:fillClrLst meth="repeat">
+      <a:schemeClr val="dk1">
+        <a:alpha val="90000"/>
+        <a:tint val="40000"/>
+      </a:schemeClr>
+    </dgm:fillClrLst>
+    <dgm:linClrLst meth="repeat">
+      <a:schemeClr val="dk1"/>
+    </dgm:linClrLst>
+    <dgm:effectClrLst/>
+    <dgm:txLinClrLst/>
+    <dgm:txFillClrLst meth="repeat">
+      <a:schemeClr val="dk1"/>
+    </dgm:txFillClrLst>
+    <dgm:txEffectClrLst/>
+  </dgm:styleLbl>
+  <dgm:styleLbl name="solidFgAcc1">
+    <dgm:fillClrLst meth="repeat">
+      <a:schemeClr val="lt1"/>
+    </dgm:fillClrLst>
+    <dgm:linClrLst meth="repeat">
+      <a:schemeClr val="dk1"/>
+    </dgm:linClrLst>
+    <dgm:effectClrLst/>
+    <dgm:txLinClrLst/>
+    <dgm:txFillClrLst meth="repeat">
+      <a:schemeClr val="dk1"/>
+    </dgm:txFillClrLst>
+    <dgm:txEffectClrLst/>
+  </dgm:styleLbl>
+  <dgm:styleLbl name="solidAlignAcc1">
+    <dgm:fillClrLst meth="repeat">
+      <a:schemeClr val="lt1"/>
+    </dgm:fillClrLst>
+    <dgm:linClrLst meth="repeat">
+      <a:schemeClr val="dk1"/>
+    </dgm:linClrLst>
+    <dgm:effectClrLst/>
+    <dgm:txLinClrLst/>
+    <dgm:txFillClrLst meth="repeat">
+      <a:schemeClr val="dk1"/>
+    </dgm:txFillClrLst>
+    <dgm:txEffectClrLst/>
+  </dgm:styleLbl>
+  <dgm:styleLbl name="solidBgAcc1">
+    <dgm:fillClrLst meth="repeat">
+      <a:schemeClr val="lt1"/>
+    </dgm:fillClrLst>
+    <dgm:linClrLst meth="repeat">
+      <a:schemeClr val="dk1"/>
+    </dgm:linClrLst>
+    <dgm:effectClrLst/>
+    <dgm:txLinClrLst/>
+    <dgm:txFillClrLst meth="repeat">
+      <a:schemeClr val="dk1"/>
+    </dgm:txFillClrLst>
+    <dgm:txEffectClrLst/>
+  </dgm:styleLbl>
+  <dgm:styleLbl name="fgAccFollowNode1">
+    <dgm:fillClrLst meth="repeat">
+      <a:schemeClr val="lt1">
+        <a:alpha val="90000"/>
+        <a:tint val="40000"/>
+      </a:schemeClr>
+    </dgm:fillClrLst>
+    <dgm:linClrLst meth="repeat">
+      <a:schemeClr val="dk1">
+        <a:alpha val="90000"/>
+      </a:schemeClr>
+    </dgm:linClrLst>
+    <dgm:effectClrLst/>
+    <dgm:txLinClrLst/>
+    <dgm:txFillClrLst meth="repeat">
+      <a:schemeClr val="dk1"/>
+    </dgm:txFillClrLst>
+    <dgm:txEffectClrLst/>
+  </dgm:styleLbl>
+  <dgm:styleLbl name="alignAccFollowNode1">
+    <dgm:fillClrLst meth="repeat">
+      <a:schemeClr val="lt1">
+        <a:alpha val="90000"/>
+        <a:tint val="40000"/>
+      </a:schemeClr>
+    </dgm:fillClrLst>
+    <dgm:linClrLst meth="repeat">
+      <a:schemeClr val="dk1">
+        <a:alpha val="90000"/>
+      </a:schemeClr>
+    </dgm:linClrLst>
+    <dgm:effectClrLst/>
+    <dgm:txLinClrLst/>
+    <dgm:txFillClrLst meth="repeat">
+      <a:schemeClr val="dk1"/>
+    </dgm:txFillClrLst>
+    <dgm:txEffectClrLst/>
+  </dgm:styleLbl>
+  <dgm:styleLbl name="bgAccFollowNode1">
+    <dgm:fillClrLst meth="repeat">
+      <a:schemeClr val="lt1">
+        <a:alpha val="90000"/>
+        <a:tint val="40000"/>
+      </a:schemeClr>
+    </dgm:fillClrLst>
+    <dgm:linClrLst meth="repeat">
+      <a:schemeClr val="dk1">
+        <a:alpha val="90000"/>
+      </a:schemeClr>
+    </dgm:linClrLst>
+    <dgm:effectClrLst/>
+    <dgm:txLinClrLst/>
+    <dgm:txFillClrLst meth="repeat">
+      <a:schemeClr val="dk1"/>
+    </dgm:txFillClrLst>
+    <dgm:txEffectClrLst/>
+  </dgm:styleLbl>
+  <dgm:styleLbl name="fgAcc0">
+    <dgm:fillClrLst meth="repeat">
+      <a:schemeClr val="dk1">
+        <a:alpha val="90000"/>
+        <a:tint val="40000"/>
+      </a:schemeClr>
+    </dgm:fillClrLst>
+    <dgm:linClrLst meth="repeat">
+      <a:schemeClr val="dk1"/>
+    </dgm:linClrLst>
+    <dgm:effectClrLst/>
+    <dgm:txLinClrLst/>
+    <dgm:txFillClrLst meth="repeat">
+      <a:schemeClr val="dk1"/>
+    </dgm:txFillClrLst>
+    <dgm:txEffectClrLst/>
+  </dgm:styleLbl>
+  <dgm:styleLbl name="fgAcc2">
+    <dgm:fillClrLst meth="repeat">
+      <a:schemeClr val="dk1">
+        <a:alpha val="90000"/>
+        <a:tint val="40000"/>
+      </a:schemeClr>
+    </dgm:fillClrLst>
+    <dgm:linClrLst meth="repeat">
+      <a:schemeClr val="dk1"/>
+    </dgm:linClrLst>
+    <dgm:effectClrLst/>
+    <dgm:txLinClrLst/>
+    <dgm:txFillClrLst meth="repeat">
+      <a:schemeClr val="dk1"/>
+    </dgm:txFillClrLst>
+    <dgm:txEffectClrLst/>
+  </dgm:styleLbl>
+  <dgm:styleLbl name="fgAcc3">
+    <dgm:fillClrLst meth="repeat">
+      <a:schemeClr val="dk1">
+        <a:alpha val="90000"/>
+        <a:tint val="40000"/>
+      </a:schemeClr>
+    </dgm:fillClrLst>
+    <dgm:linClrLst meth="repeat">
+      <a:schemeClr val="dk1"/>
+    </dgm:linClrLst>
+    <dgm:effectClrLst/>
+    <dgm:txLinClrLst/>
+    <dgm:txFillClrLst meth="repeat">
+      <a:schemeClr val="dk1"/>
+    </dgm:txFillClrLst>
+    <dgm:txEffectClrLst/>
+  </dgm:styleLbl>
+  <dgm:styleLbl name="fgAcc4">
+    <dgm:fillClrLst meth="repeat">
+      <a:schemeClr val="dk1">
+        <a:alpha val="90000"/>
+        <a:tint val="40000"/>
+      </a:schemeClr>
+    </dgm:fillClrLst>
+    <dgm:linClrLst meth="repeat">
+      <a:schemeClr val="dk1"/>
+    </dgm:linClrLst>
+    <dgm:effectClrLst/>
+    <dgm:txLinClrLst/>
+    <dgm:txFillClrLst meth="repeat">
+      <a:schemeClr val="dk1"/>
+    </dgm:txFillClrLst>
+    <dgm:txEffectClrLst/>
+  </dgm:styleLbl>
+  <dgm:styleLbl name="bgShp">
+    <dgm:fillClrLst meth="repeat">
+      <a:schemeClr val="dk1">
+        <a:tint val="40000"/>
+      </a:schemeClr>
+    </dgm:fillClrLst>
+    <dgm:linClrLst meth="repeat">
+      <a:schemeClr val="dk1"/>
+    </dgm:linClrLst>
+    <dgm:effectClrLst/>
+    <dgm:txLinClrLst/>
+    <dgm:txFillClrLst meth="repeat">
+      <a:schemeClr val="dk1"/>
+    </dgm:txFillClrLst>
+    <dgm:txEffectClrLst/>
+  </dgm:styleLbl>
+  <dgm:styleLbl name="dkBgShp">
+    <dgm:fillClrLst meth="repeat">
+      <a:schemeClr val="dk1">
+        <a:shade val="80000"/>
+      </a:schemeClr>
+    </dgm:fillClrLst>
+    <dgm:linClrLst meth="repeat">
+      <a:schemeClr val="dk1"/>
+    </dgm:linClrLst>
+    <dgm:effectClrLst/>
+    <dgm:txLinClrLst/>
+    <dgm:txFillClrLst meth="repeat">
+      <a:schemeClr val="lt1"/>
+    </dgm:txFillClrLst>
+    <dgm:txEffectClrLst/>
+  </dgm:styleLbl>
+  <dgm:styleLbl name="trBgShp">
+    <dgm:fillClrLst meth="repeat">
+      <a:schemeClr val="dk1">
+        <a:tint val="50000"/>
+        <a:alpha val="40000"/>
+      </a:schemeClr>
+    </dgm:fillClrLst>
+    <dgm:linClrLst meth="repeat">
+      <a:schemeClr val="dk1"/>
+    </dgm:linClrLst>
+    <dgm:effectClrLst/>
+    <dgm:txLinClrLst/>
+    <dgm:txFillClrLst meth="repeat">
+      <a:schemeClr val="lt1"/>
+    </dgm:txFillClrLst>
+    <dgm:txEffectClrLst/>
+  </dgm:styleLbl>
+  <dgm:styleLbl name="fgShp">
+    <dgm:fillClrLst meth="repeat">
+      <a:schemeClr val="dk1">
+        <a:tint val="60000"/>
+      </a:schemeClr>
+    </dgm:fillClrLst>
+    <dgm:linClrLst meth="repeat">
+      <a:schemeClr val="lt1"/>
+    </dgm:linClrLst>
+    <dgm:effectClrLst/>
+    <dgm:txLinClrLst/>
+    <dgm:txFillClrLst meth="repeat">
+      <a:schemeClr val="dk1"/>
+    </dgm:txFillClrLst>
+    <dgm:txEffectClrLst/>
+  </dgm:styleLbl>
+  <dgm:styleLbl name="revTx">
+    <dgm:fillClrLst meth="repeat">
+      <a:schemeClr val="lt1">
+        <a:alpha val="0"/>
+      </a:schemeClr>
+    </dgm:fillClrLst>
+    <dgm:linClrLst meth="repeat">
+      <a:schemeClr val="dk1">
+        <a:alpha val="0"/>
+      </a:schemeClr>
+    </dgm:linClrLst>
+    <dgm:effectClrLst/>
+    <dgm:txLinClrLst/>
+    <dgm:txFillClrLst meth="repeat">
+      <a:schemeClr val="tx1"/>
+    </dgm:txFillClrLst>
+    <dgm:txEffectClrLst/>
+  </dgm:styleLbl>
+</dgm:colorsDef>
+</file>
+
+<file path=ppt/diagrams/colors2.xml><?xml version="1.0" encoding="utf-8"?>
+<dgm:colorsDef xmlns:dgm="http://schemas.openxmlformats.org/drawingml/2006/diagram" xmlns:a="http://schemas.openxmlformats.org/drawingml/2006/main" uniqueId="urn:microsoft.com/office/officeart/2005/8/colors/accent0_1">
+  <dgm:title val=""/>
+  <dgm:desc val=""/>
+  <dgm:catLst>
+    <dgm:cat type="mainScheme" pri="10100"/>
+  </dgm:catLst>
+  <dgm:styleLbl name="node0">
+    <dgm:fillClrLst meth="repeat">
+      <a:schemeClr val="lt1"/>
+    </dgm:fillClrLst>
+    <dgm:linClrLst meth="repeat">
+      <a:schemeClr val="dk1">
+        <a:shade val="80000"/>
+      </a:schemeClr>
+    </dgm:linClrLst>
+    <dgm:effectClrLst/>
+    <dgm:txLinClrLst/>
+    <dgm:txFillClrLst meth="repeat">
+      <a:schemeClr val="dk1"/>
+    </dgm:txFillClrLst>
+    <dgm:txEffectClrLst/>
+  </dgm:styleLbl>
+  <dgm:styleLbl name="node1">
+    <dgm:fillClrLst meth="repeat">
+      <a:schemeClr val="lt1"/>
+    </dgm:fillClrLst>
+    <dgm:linClrLst meth="repeat">
+      <a:schemeClr val="dk1">
+        <a:shade val="80000"/>
+      </a:schemeClr>
+    </dgm:linClrLst>
+    <dgm:effectClrLst/>
+    <dgm:txLinClrLst/>
+    <dgm:txFillClrLst meth="repeat">
+      <a:schemeClr val="dk1"/>
+    </dgm:txFillClrLst>
+    <dgm:txEffectClrLst/>
+  </dgm:styleLbl>
+  <dgm:styleLbl name="alignNode1">
+    <dgm:fillClrLst meth="repeat">
+      <a:schemeClr val="lt1"/>
+    </dgm:fillClrLst>
+    <dgm:linClrLst meth="repeat">
+      <a:schemeClr val="dk1">
+        <a:shade val="80000"/>
+      </a:schemeClr>
+    </dgm:linClrLst>
+    <dgm:effectClrLst/>
+    <dgm:txLinClrLst/>
+    <dgm:txFillClrLst meth="repeat">
+      <a:schemeClr val="dk1"/>
+    </dgm:txFillClrLst>
+    <dgm:txEffectClrLst/>
+  </dgm:styleLbl>
+  <dgm:styleLbl name="lnNode1">
+    <dgm:fillClrLst meth="repeat">
+      <a:schemeClr val="lt1"/>
+    </dgm:fillClrLst>
+    <dgm:linClrLst meth="repeat">
+      <a:schemeClr val="dk1">
+        <a:shade val="80000"/>
+      </a:schemeClr>
+    </dgm:linClrLst>
+    <dgm:effectClrLst/>
+    <dgm:txLinClrLst/>
+    <dgm:txFillClrLst meth="repeat">
+      <a:schemeClr val="dk1"/>
+    </dgm:txFillClrLst>
+    <dgm:txEffectClrLst/>
+  </dgm:styleLbl>
+  <dgm:styleLbl name="vennNode1">
+    <dgm:fillClrLst meth="repeat">
+      <a:schemeClr val="lt1">
+        <a:alpha val="50000"/>
+      </a:schemeClr>
+    </dgm:fillClrLst>
+    <dgm:linClrLst meth="repeat">
+      <a:schemeClr val="dk1">
+        <a:shade val="80000"/>
+      </a:schemeClr>
+    </dgm:linClrLst>
+    <dgm:effectClrLst/>
+    <dgm:txLinClrLst/>
+    <dgm:txFillClrLst/>
+    <dgm:txEffectClrLst/>
+  </dgm:styleLbl>
+  <dgm:styleLbl name="node2">
+    <dgm:fillClrLst meth="repeat">
+      <a:schemeClr val="lt1"/>
+    </dgm:fillClrLst>
+    <dgm:linClrLst meth="repeat">
+      <a:schemeClr val="dk1">
+        <a:shade val="80000"/>
+      </a:schemeClr>
+    </dgm:linClrLst>
+    <dgm:effectClrLst/>
+    <dgm:txLinClrLst/>
+    <dgm:txFillClrLst meth="repeat">
+      <a:schemeClr val="dk1"/>
+    </dgm:txFillClrLst>
+    <dgm:txEffectClrLst/>
+  </dgm:styleLbl>
+  <dgm:styleLbl name="node3">
+    <dgm:fillClrLst meth="repeat">
+      <a:schemeClr val="lt1"/>
+    </dgm:fillClrLst>
+    <dgm:linClrLst meth="repeat">
+      <a:schemeClr val="dk1">
+        <a:shade val="80000"/>
+      </a:schemeClr>
+    </dgm:linClrLst>
+    <dgm:effectClrLst/>
+    <dgm:txLinClrLst/>
+    <dgm:txFillClrLst meth="repeat">
+      <a:schemeClr val="dk1"/>
+    </dgm:txFillClrLst>
+    <dgm:txEffectClrLst/>
+  </dgm:styleLbl>
+  <dgm:styleLbl name="node4">
+    <dgm:fillClrLst meth="repeat">
+      <a:schemeClr val="lt1"/>
+    </dgm:fillClrLst>
+    <dgm:linClrLst meth="repeat">
+      <a:schemeClr val="dk1">
+        <a:shade val="80000"/>
+      </a:schemeClr>
+    </dgm:linClrLst>
+    <dgm:effectClrLst/>
+    <dgm:txLinClrLst/>
+    <dgm:txFillClrLst meth="repeat">
+      <a:schemeClr val="dk1"/>
+    </dgm:txFillClrLst>
+    <dgm:txEffectClrLst/>
+  </dgm:styleLbl>
+  <dgm:styleLbl name="fgImgPlace1">
+    <dgm:fillClrLst meth="repeat">
+      <a:schemeClr val="dk1">
+        <a:tint val="40000"/>
+      </a:schemeClr>
+    </dgm:fillClrLst>
+    <dgm:linClrLst meth="repeat">
+      <a:schemeClr val="dk1">
+        <a:shade val="80000"/>
+      </a:schemeClr>
+    </dgm:linClrLst>
+    <dgm:effectClrLst/>
+    <dgm:txLinClrLst/>
+    <dgm:txFillClrLst meth="repeat">
+      <a:schemeClr val="lt1"/>
+    </dgm:txFillClrLst>
+    <dgm:txEffectClrLst/>
+  </dgm:styleLbl>
+  <dgm:styleLbl name="alignImgPlace1">
+    <dgm:fillClrLst meth="repeat">
+      <a:schemeClr val="dk1">
+        <a:tint val="40000"/>
+      </a:schemeClr>
+    </dgm:fillClrLst>
+    <dgm:linClrLst meth="repeat">
+      <a:schemeClr val="dk1">
+        <a:shade val="80000"/>
+      </a:schemeClr>
+    </dgm:linClrLst>
+    <dgm:effectClrLst/>
+    <dgm:txLinClrLst/>
+    <dgm:txFillClrLst meth="repeat">
+      <a:schemeClr val="lt1"/>
+    </dgm:txFillClrLst>
+    <dgm:txEffectClrLst/>
+  </dgm:styleLbl>
+  <dgm:styleLbl name="bgImgPlace1">
+    <dgm:fillClrLst meth="repeat">
+      <a:schemeClr val="dk1">
+        <a:tint val="40000"/>
+      </a:schemeClr>
+    </dgm:fillClrLst>
+    <dgm:linClrLst meth="repeat">
+      <a:schemeClr val="dk1">
+        <a:shade val="80000"/>
+      </a:schemeClr>
+    </dgm:linClrLst>
+    <dgm:effectClrLst/>
+    <dgm:txLinClrLst/>
+    <dgm:txFillClrLst meth="repeat">
+      <a:schemeClr val="lt1"/>
+    </dgm:txFillClrLst>
+    <dgm:txEffectClrLst/>
+  </dgm:styleLbl>
+  <dgm:styleLbl name="sibTrans2D1">
+    <dgm:fillClrLst meth="repeat">
+      <a:schemeClr val="dk1">
+        <a:tint val="60000"/>
+      </a:schemeClr>
+    </dgm:fillClrLst>
+    <dgm:linClrLst meth="repeat">
+      <a:schemeClr val="dk1">
+        <a:tint val="60000"/>
+      </a:schemeClr>
+    </dgm:linClrLst>
+    <dgm:effectClrLst/>
+    <dgm:txLinClrLst/>
+    <dgm:txFillClrLst meth="repeat">
+      <a:schemeClr val="dk1"/>
+    </dgm:txFillClrLst>
+    <dgm:txEffectClrLst/>
+  </dgm:styleLbl>
+  <dgm:styleLbl name="fgSibTrans2D1">
+    <dgm:fillClrLst meth="repeat">
+      <a:schemeClr val="dk1">
+        <a:tint val="60000"/>
+      </a:schemeClr>
+    </dgm:fillClrLst>
+    <dgm:linClrLst meth="repeat">
+      <a:schemeClr val="dk1">
+        <a:tint val="60000"/>
+      </a:schemeClr>
+    </dgm:linClrLst>
+    <dgm:effectClrLst/>
+    <dgm:txLinClrLst/>
+    <dgm:txFillClrLst meth="repeat">
+      <a:schemeClr val="dk1"/>
+    </dgm:txFillClrLst>
+    <dgm:txEffectClrLst/>
+  </dgm:styleLbl>
+  <dgm:styleLbl name="bgSibTrans2D1">
+    <dgm:fillClrLst meth="repeat">
+      <a:schemeClr val="dk1">
+        <a:tint val="60000"/>
+      </a:schemeClr>
+    </dgm:fillClrLst>
+    <dgm:linClrLst meth="repeat">
+      <a:schemeClr val="dk1">
+        <a:tint val="60000"/>
+      </a:schemeClr>
+    </dgm:linClrLst>
+    <dgm:effectClrLst/>
+    <dgm:txLinClrLst/>
+    <dgm:txFillClrLst meth="repeat">
+      <a:schemeClr val="dk1"/>
+    </dgm:txFillClrLst>
+    <dgm:txEffectClrLst/>
+  </dgm:styleLbl>
+  <dgm:styleLbl name="sibTrans1D1">
+    <dgm:fillClrLst meth="repeat">
+      <a:schemeClr val="dk1"/>
+    </dgm:fillClrLst>
+    <dgm:linClrLst meth="repeat">
+      <a:schemeClr val="dk1"/>
+    </dgm:linClrLst>
+    <dgm:effectClrLst/>
+    <dgm:txLinClrLst/>
+    <dgm:txFillClrLst meth="repeat">
+      <a:schemeClr val="tx1"/>
+    </dgm:txFillClrLst>
+    <dgm:txEffectClrLst/>
+  </dgm:styleLbl>
+  <dgm:styleLbl name="callout">
+    <dgm:fillClrLst meth="repeat">
+      <a:schemeClr val="dk1"/>
+    </dgm:fillClrLst>
+    <dgm:linClrLst meth="repeat">
+      <a:schemeClr val="dk1"/>
+    </dgm:linClrLst>
+    <dgm:effectClrLst/>
+    <dgm:txLinClrLst/>
+    <dgm:txFillClrLst meth="repeat">
+      <a:schemeClr val="tx1"/>
+    </dgm:txFillClrLst>
+    <dgm:txEffectClrLst/>
+  </dgm:styleLbl>
+  <dgm:styleLbl name="asst0">
+    <dgm:fillClrLst meth="repeat">
+      <a:schemeClr val="lt1"/>
+    </dgm:fillClrLst>
+    <dgm:linClrLst meth="repeat">
+      <a:schemeClr val="dk1">
+        <a:shade val="80000"/>
+      </a:schemeClr>
+    </dgm:linClrLst>
+    <dgm:effectClrLst/>
+    <dgm:txLinClrLst/>
+    <dgm:txFillClrLst meth="repeat">
+      <a:schemeClr val="dk1"/>
+    </dgm:txFillClrLst>
+    <dgm:txEffectClrLst/>
+  </dgm:styleLbl>
+  <dgm:styleLbl name="asst1">
+    <dgm:fillClrLst meth="repeat">
+      <a:schemeClr val="lt1"/>
+    </dgm:fillClrLst>
+    <dgm:linClrLst meth="repeat">
+      <a:schemeClr val="dk1">
+        <a:shade val="80000"/>
+      </a:schemeClr>
+    </dgm:linClrLst>
+    <dgm:effectClrLst/>
+    <dgm:txLinClrLst/>
+    <dgm:txFillClrLst meth="repeat">
+      <a:schemeClr val="dk1"/>
+    </dgm:txFillClrLst>
+    <dgm:txEffectClrLst/>
+  </dgm:styleLbl>
+  <dgm:styleLbl name="asst2">
+    <dgm:fillClrLst meth="repeat">
+      <a:schemeClr val="lt1"/>
+    </dgm:fillClrLst>
+    <dgm:linClrLst meth="repeat">
+      <a:schemeClr val="dk1">
+        <a:shade val="80000"/>
+      </a:schemeClr>
+    </dgm:linClrLst>
+    <dgm:effectClrLst/>
+    <dgm:txLinClrLst/>
+    <dgm:txFillClrLst meth="repeat">
+      <a:schemeClr val="dk1"/>
+    </dgm:txFillClrLst>
+    <dgm:txEffectClrLst/>
+  </dgm:styleLbl>
+  <dgm:styleLbl name="asst3">
+    <dgm:fillClrLst meth="repeat">
+      <a:schemeClr val="lt1"/>
+    </dgm:fillClrLst>
+    <dgm:linClrLst meth="repeat">
+      <a:schemeClr val="dk1">
+        <a:shade val="80000"/>
+      </a:schemeClr>
+    </dgm:linClrLst>
+    <dgm:effectClrLst/>
+    <dgm:txLinClrLst/>
+    <dgm:txFillClrLst meth="repeat">
+      <a:schemeClr val="dk1"/>
+    </dgm:txFillClrLst>
+    <dgm:txEffectClrLst/>
+  </dgm:styleLbl>
+  <dgm:styleLbl name="asst4">
+    <dgm:fillClrLst meth="repeat">
+      <a:schemeClr val="lt1"/>
+    </dgm:fillClrLst>
+    <dgm:linClrLst meth="repeat">
+      <a:schemeClr val="dk1">
+        <a:shade val="80000"/>
+      </a:schemeClr>
+    </dgm:linClrLst>
+    <dgm:effectClrLst/>
+    <dgm:txLinClrLst/>
+    <dgm:txFillClrLst meth="repeat">
+      <a:schemeClr val="dk1"/>
+    </dgm:txFillClrLst>
+    <dgm:txEffectClrLst/>
+  </dgm:styleLbl>
+  <dgm:styleLbl name="parChTrans2D1">
+    <dgm:fillClrLst meth="repeat">
+      <a:schemeClr val="dk1">
+        <a:tint val="60000"/>
+      </a:schemeClr>
+    </dgm:fillClrLst>
+    <dgm:linClrLst meth="repeat">
+      <a:schemeClr val="dk1">
+        <a:tint val="60000"/>
+      </a:schemeClr>
+    </dgm:linClrLst>
+    <dgm:effectClrLst/>
+    <dgm:txLinClrLst/>
+    <dgm:txFillClrLst/>
+    <dgm:txEffectClrLst/>
+  </dgm:styleLbl>
+  <dgm:styleLbl name="parChTrans2D2">
+    <dgm:fillClrLst meth="repeat">
+      <a:schemeClr val="dk1"/>
+    </dgm:fillClrLst>
+    <dgm:linClrLst meth="repeat">
+      <a:schemeClr val="dk1"/>
+    </dgm:linClrLst>
+    <dgm:effectClrLst/>
+    <dgm:txLinClrLst/>
+    <dgm:txFillClrLst/>
+    <dgm:txEffectClrLst/>
+  </dgm:styleLbl>
+  <dgm:styleLbl name="parChTrans2D3">
+    <dgm:fillClrLst meth="repeat">
+      <a:schemeClr val="dk1"/>
+    </dgm:fillClrLst>
+    <dgm:linClrLst meth="repeat">
+      <a:schemeClr val="dk1"/>
+    </dgm:linClrLst>
+    <dgm:effectClrLst/>
+    <dgm:txLinClrLst/>
+    <dgm:txFillClrLst/>
+    <dgm:txEffectClrLst/>
+  </dgm:styleLbl>
+  <dgm:styleLbl name="parChTrans2D4">
+    <dgm:fillClrLst meth="repeat">
+      <a:schemeClr val="dk1"/>
+    </dgm:fillClrLst>
+    <dgm:linClrLst meth="repeat">
+      <a:schemeClr val="dk1"/>
+    </dgm:linClrLst>
+    <dgm:effectClrLst/>
+    <dgm:txLinClrLst/>
+    <dgm:txFillClrLst meth="repeat">
+      <a:schemeClr val="lt1"/>
+    </dgm:txFillClrLst>
+    <dgm:txEffectClrLst/>
+  </dgm:styleLbl>
+  <dgm:styleLbl name="parChTrans1D1">
+    <dgm:fillClrLst meth="repeat">
+      <a:schemeClr val="dk1"/>
+    </dgm:fillClrLst>
+    <dgm:linClrLst meth="repeat">
+      <a:schemeClr val="dk1">
+        <a:shade val="60000"/>
+      </a:schemeClr>
+    </dgm:linClrLst>
+    <dgm:effectClrLst/>
+    <dgm:txLinClrLst/>
+    <dgm:txFillClrLst meth="repeat">
+      <a:schemeClr val="tx1"/>
+    </dgm:txFillClrLst>
+    <dgm:txEffectClrLst/>
+  </dgm:styleLbl>
+  <dgm:styleLbl name="parChTrans1D2">
+    <dgm:fillClrLst meth="repeat">
+      <a:schemeClr val="dk1"/>
+    </dgm:fillClrLst>
+    <dgm:linClrLst meth="repeat">
+      <a:schemeClr val="dk1">
+        <a:shade val="60000"/>
+      </a:schemeClr>
+    </dgm:linClrLst>
+    <dgm:effectClrLst/>
+    <dgm:txLinClrLst/>
+    <dgm:txFillClrLst meth="repeat">
+      <a:schemeClr val="tx1"/>
+    </dgm:txFillClrLst>
+    <dgm:txEffectClrLst/>
+  </dgm:styleLbl>
+  <dgm:styleLbl name="parChTrans1D3">
+    <dgm:fillClrLst meth="repeat">
+      <a:schemeClr val="dk1"/>
+    </dgm:fillClrLst>
+    <dgm:linClrLst meth="repeat">
+      <a:schemeClr val="dk1">
+        <a:shade val="80000"/>
+      </a:schemeClr>
+    </dgm:linClrLst>
+    <dgm:effectClrLst/>
+    <dgm:txLinClrLst/>
+    <dgm:txFillClrLst meth="repeat">
+      <a:schemeClr val="tx1"/>
+    </dgm:txFillClrLst>
+    <dgm:txEffectClrLst/>
+  </dgm:styleLbl>
+  <dgm:styleLbl name="parChTrans1D4">
+    <dgm:fillClrLst meth="repeat">
+      <a:schemeClr val="dk1"/>
+    </dgm:fillClrLst>
+    <dgm:linClrLst meth="repeat">
+      <a:schemeClr val="dk1">
+        <a:shade val="80000"/>
+      </a:schemeClr>
+    </dgm:linClrLst>
+    <dgm:effectClrLst/>
+    <dgm:txLinClrLst/>
+    <dgm:txFillClrLst meth="repeat">
+      <a:schemeClr val="tx1"/>
+    </dgm:txFillClrLst>
+    <dgm:txEffectClrLst/>
+  </dgm:styleLbl>
+  <dgm:styleLbl name="fgAcc1">
+    <dgm:fillClrLst meth="repeat">
+      <a:schemeClr val="dk1">
+        <a:alpha val="90000"/>
+        <a:tint val="40000"/>
+      </a:schemeClr>
+    </dgm:fillClrLst>
+    <dgm:linClrLst meth="repeat">
+      <a:schemeClr val="dk1"/>
+    </dgm:linClrLst>
+    <dgm:effectClrLst/>
+    <dgm:txLinClrLst/>
+    <dgm:txFillClrLst meth="repeat">
+      <a:schemeClr val="dk1"/>
+    </dgm:txFillClrLst>
+    <dgm:txEffectClrLst/>
+  </dgm:styleLbl>
+  <dgm:styleLbl name="conFgAcc1">
+    <dgm:fillClrLst meth="repeat">
+      <a:schemeClr val="dk1">
+        <a:alpha val="90000"/>
+        <a:tint val="40000"/>
+      </a:schemeClr>
+    </dgm:fillClrLst>
+    <dgm:linClrLst meth="repeat">
+      <a:schemeClr val="dk1"/>
+    </dgm:linClrLst>
+    <dgm:effectClrLst/>
+    <dgm:txLinClrLst/>
+    <dgm:txFillClrLst meth="repeat">
+      <a:schemeClr val="dk1"/>
+    </dgm:txFillClrLst>
+    <dgm:txEffectClrLst/>
+  </dgm:styleLbl>
+  <dgm:styleLbl name="alignAcc1">
+    <dgm:fillClrLst meth="repeat">
+      <a:schemeClr val="dk1">
+        <a:alpha val="90000"/>
+        <a:tint val="40000"/>
+      </a:schemeClr>
+    </dgm:fillClrLst>
+    <dgm:linClrLst meth="repeat">
+      <a:schemeClr val="dk1"/>
+    </dgm:linClrLst>
+    <dgm:effectClrLst/>
+    <dgm:txLinClrLst/>
+    <dgm:txFillClrLst meth="repeat">
+      <a:schemeClr val="dk1"/>
+    </dgm:txFillClrLst>
+    <dgm:txEffectClrLst/>
+  </dgm:styleLbl>
+  <dgm:styleLbl name="trAlignAcc1">
+    <dgm:fillClrLst meth="repeat">
+      <a:schemeClr val="dk1">
+        <a:alpha val="40000"/>
+        <a:tint val="40000"/>
+      </a:schemeClr>
+    </dgm:fillClrLst>
+    <dgm:linClrLst meth="repeat">
+      <a:schemeClr val="dk1"/>
+    </dgm:linClrLst>
+    <dgm:effectClrLst/>
+    <dgm:txLinClrLst/>
+    <dgm:txFillClrLst meth="repeat">
+      <a:schemeClr val="dk1"/>
+    </dgm:txFillClrLst>
+    <dgm:txEffectClrLst/>
+  </dgm:styleLbl>
+  <dgm:styleLbl name="bgAcc1">
+    <dgm:fillClrLst meth="repeat">
+      <a:schemeClr val="dk1">
+        <a:alpha val="90000"/>
+        <a:tint val="40000"/>
+      </a:schemeClr>
+    </dgm:fillClrLst>
+    <dgm:linClrLst meth="repeat">
+      <a:schemeClr val="dk1"/>
+    </dgm:linClrLst>
+    <dgm:effectClrLst/>
+    <dgm:txLinClrLst/>
+    <dgm:txFillClrLst meth="repeat">
+      <a:schemeClr val="dk1"/>
+    </dgm:txFillClrLst>
+    <dgm:txEffectClrLst/>
+  </dgm:styleLbl>
+  <dgm:styleLbl name="solidFgAcc1">
+    <dgm:fillClrLst meth="repeat">
+      <a:schemeClr val="lt1"/>
+    </dgm:fillClrLst>
+    <dgm:linClrLst meth="repeat">
+      <a:schemeClr val="dk1"/>
+    </dgm:linClrLst>
+    <dgm:effectClrLst/>
+    <dgm:txLinClrLst/>
+    <dgm:txFillClrLst meth="repeat">
+      <a:schemeClr val="dk1"/>
+    </dgm:txFillClrLst>
+    <dgm:txEffectClrLst/>
+  </dgm:styleLbl>
+  <dgm:styleLbl name="solidAlignAcc1">
+    <dgm:fillClrLst meth="repeat">
+      <a:schemeClr val="lt1"/>
+    </dgm:fillClrLst>
+    <dgm:linClrLst meth="repeat">
+      <a:schemeClr val="dk1"/>
+    </dgm:linClrLst>
+    <dgm:effectClrLst/>
+    <dgm:txLinClrLst/>
+    <dgm:txFillClrLst meth="repeat">
+      <a:schemeClr val="dk1"/>
+    </dgm:txFillClrLst>
+    <dgm:txEffectClrLst/>
+  </dgm:styleLbl>
+  <dgm:styleLbl name="solidBgAcc1">
+    <dgm:fillClrLst meth="repeat">
+      <a:schemeClr val="lt1"/>
+    </dgm:fillClrLst>
+    <dgm:linClrLst meth="repeat">
+      <a:schemeClr val="dk1"/>
+    </dgm:linClrLst>
+    <dgm:effectClrLst/>
+    <dgm:txLinClrLst/>
+    <dgm:txFillClrLst meth="repeat">
+      <a:schemeClr val="dk1"/>
+    </dgm:txFillClrLst>
+    <dgm:txEffectClrLst/>
+  </dgm:styleLbl>
+  <dgm:styleLbl name="fgAccFollowNode1">
+    <dgm:fillClrLst meth="repeat">
+      <a:schemeClr val="lt1">
+        <a:alpha val="90000"/>
+        <a:tint val="40000"/>
+      </a:schemeClr>
+    </dgm:fillClrLst>
+    <dgm:linClrLst meth="repeat">
+      <a:schemeClr val="dk1">
+        <a:alpha val="90000"/>
+      </a:schemeClr>
+    </dgm:linClrLst>
+    <dgm:effectClrLst/>
+    <dgm:txLinClrLst/>
+    <dgm:txFillClrLst meth="repeat">
+      <a:schemeClr val="dk1"/>
+    </dgm:txFillClrLst>
+    <dgm:txEffectClrLst/>
+  </dgm:styleLbl>
+  <dgm:styleLbl name="alignAccFollowNode1">
+    <dgm:fillClrLst meth="repeat">
+      <a:schemeClr val="lt1">
+        <a:alpha val="90000"/>
+        <a:tint val="40000"/>
+      </a:schemeClr>
+    </dgm:fillClrLst>
+    <dgm:linClrLst meth="repeat">
+      <a:schemeClr val="dk1">
+        <a:alpha val="90000"/>
+      </a:schemeClr>
+    </dgm:linClrLst>
+    <dgm:effectClrLst/>
+    <dgm:txLinClrLst/>
+    <dgm:txFillClrLst meth="repeat">
+      <a:schemeClr val="dk1"/>
+    </dgm:txFillClrLst>
+    <dgm:txEffectClrLst/>
+  </dgm:styleLbl>
+  <dgm:styleLbl name="bgAccFollowNode1">
+    <dgm:fillClrLst meth="repeat">
+      <a:schemeClr val="lt1">
+        <a:alpha val="90000"/>
+        <a:tint val="40000"/>
+      </a:schemeClr>
+    </dgm:fillClrLst>
+    <dgm:linClrLst meth="repeat">
+      <a:schemeClr val="dk1">
+        <a:alpha val="90000"/>
+      </a:schemeClr>
+    </dgm:linClrLst>
+    <dgm:effectClrLst/>
+    <dgm:txLinClrLst/>
+    <dgm:txFillClrLst meth="repeat">
+      <a:schemeClr val="dk1"/>
+    </dgm:txFillClrLst>
+    <dgm:txEffectClrLst/>
+  </dgm:styleLbl>
+  <dgm:styleLbl name="fgAcc0">
+    <dgm:fillClrLst meth="repeat">
+      <a:schemeClr val="dk1">
+        <a:alpha val="90000"/>
+        <a:tint val="40000"/>
+      </a:schemeClr>
+    </dgm:fillClrLst>
+    <dgm:linClrLst meth="repeat">
+      <a:schemeClr val="dk1"/>
+    </dgm:linClrLst>
+    <dgm:effectClrLst/>
+    <dgm:txLinClrLst/>
+    <dgm:txFillClrLst meth="repeat">
+      <a:schemeClr val="dk1"/>
+    </dgm:txFillClrLst>
+    <dgm:txEffectClrLst/>
+  </dgm:styleLbl>
+  <dgm:styleLbl name="fgAcc2">
+    <dgm:fillClrLst meth="repeat">
+      <a:schemeClr val="dk1">
+        <a:alpha val="90000"/>
+        <a:tint val="40000"/>
+      </a:schemeClr>
+    </dgm:fillClrLst>
+    <dgm:linClrLst meth="repeat">
+      <a:schemeClr val="dk1"/>
+    </dgm:linClrLst>
+    <dgm:effectClrLst/>
+    <dgm:txLinClrLst/>
+    <dgm:txFillClrLst meth="repeat">
+      <a:schemeClr val="dk1"/>
+    </dgm:txFillClrLst>
+    <dgm:txEffectClrLst/>
+  </dgm:styleLbl>
+  <dgm:styleLbl name="fgAcc3">
+    <dgm:fillClrLst meth="repeat">
+      <a:schemeClr val="dk1">
+        <a:alpha val="90000"/>
+        <a:tint val="40000"/>
+      </a:schemeClr>
+    </dgm:fillClrLst>
+    <dgm:linClrLst meth="repeat">
+      <a:schemeClr val="dk1"/>
+    </dgm:linClrLst>
+    <dgm:effectClrLst/>
+    <dgm:txLinClrLst/>
+    <dgm:txFillClrLst meth="repeat">
+      <a:schemeClr val="dk1"/>
+    </dgm:txFillClrLst>
+    <dgm:txEffectClrLst/>
+  </dgm:styleLbl>
+  <dgm:styleLbl name="fgAcc4">
+    <dgm:fillClrLst meth="repeat">
+      <a:schemeClr val="dk1">
+        <a:alpha val="90000"/>
+        <a:tint val="40000"/>
+      </a:schemeClr>
+    </dgm:fillClrLst>
+    <dgm:linClrLst meth="repeat">
+      <a:schemeClr val="dk1"/>
+    </dgm:linClrLst>
+    <dgm:effectClrLst/>
+    <dgm:txLinClrLst/>
+    <dgm:txFillClrLst meth="repeat">
+      <a:schemeClr val="dk1"/>
+    </dgm:txFillClrLst>
+    <dgm:txEffectClrLst/>
+  </dgm:styleLbl>
+  <dgm:styleLbl name="bgShp">
+    <dgm:fillClrLst meth="repeat">
+      <a:schemeClr val="dk1">
+        <a:tint val="40000"/>
+      </a:schemeClr>
+    </dgm:fillClrLst>
+    <dgm:linClrLst meth="repeat">
+      <a:schemeClr val="dk1"/>
+    </dgm:linClrLst>
+    <dgm:effectClrLst/>
+    <dgm:txLinClrLst/>
+    <dgm:txFillClrLst meth="repeat">
+      <a:schemeClr val="dk1"/>
+    </dgm:txFillClrLst>
+    <dgm:txEffectClrLst/>
+  </dgm:styleLbl>
+  <dgm:styleLbl name="dkBgShp">
+    <dgm:fillClrLst meth="repeat">
+      <a:schemeClr val="dk1">
+        <a:shade val="80000"/>
+      </a:schemeClr>
+    </dgm:fillClrLst>
+    <dgm:linClrLst meth="repeat">
+      <a:schemeClr val="dk1"/>
+    </dgm:linClrLst>
+    <dgm:effectClrLst/>
+    <dgm:txLinClrLst/>
+    <dgm:txFillClrLst meth="repeat">
+      <a:schemeClr val="lt1"/>
+    </dgm:txFillClrLst>
+    <dgm:txEffectClrLst/>
+  </dgm:styleLbl>
+  <dgm:styleLbl name="trBgShp">
+    <dgm:fillClrLst meth="repeat">
+      <a:schemeClr val="dk1">
+        <a:tint val="50000"/>
+        <a:alpha val="40000"/>
+      </a:schemeClr>
+    </dgm:fillClrLst>
+    <dgm:linClrLst meth="repeat">
+      <a:schemeClr val="dk1"/>
+    </dgm:linClrLst>
+    <dgm:effectClrLst/>
+    <dgm:txLinClrLst/>
+    <dgm:txFillClrLst meth="repeat">
+      <a:schemeClr val="lt1"/>
+    </dgm:txFillClrLst>
+    <dgm:txEffectClrLst/>
+  </dgm:styleLbl>
+  <dgm:styleLbl name="fgShp">
+    <dgm:fillClrLst meth="repeat">
+      <a:schemeClr val="dk1">
+        <a:tint val="60000"/>
+      </a:schemeClr>
+    </dgm:fillClrLst>
+    <dgm:linClrLst meth="repeat">
+      <a:schemeClr val="lt1"/>
+    </dgm:linClrLst>
+    <dgm:effectClrLst/>
+    <dgm:txLinClrLst/>
+    <dgm:txFillClrLst meth="repeat">
+      <a:schemeClr val="dk1"/>
+    </dgm:txFillClrLst>
+    <dgm:txEffectClrLst/>
+  </dgm:styleLbl>
+  <dgm:styleLbl name="revTx">
+    <dgm:fillClrLst meth="repeat">
+      <a:schemeClr val="lt1">
+        <a:alpha val="0"/>
+      </a:schemeClr>
+    </dgm:fillClrLst>
+    <dgm:linClrLst meth="repeat">
+      <a:schemeClr val="dk1">
+        <a:alpha val="0"/>
+      </a:schemeClr>
+    </dgm:linClrLst>
+    <dgm:effectClrLst/>
+    <dgm:txLinClrLst/>
+    <dgm:txFillClrLst meth="repeat">
+      <a:schemeClr val="tx1"/>
+    </dgm:txFillClrLst>
+    <dgm:txEffectClrLst/>
+  </dgm:styleLbl>
+</dgm:colorsDef>
+</file>
+
+<file path=ppt/diagrams/data1.xml><?xml version="1.0" encoding="utf-8"?>
+<dgm:dataModel xmlns:dgm="http://schemas.openxmlformats.org/drawingml/2006/diagram" xmlns:a="http://schemas.openxmlformats.org/drawingml/2006/main">
+  <dgm:ptLst>
+    <dgm:pt modelId="{DBDE0CE2-05B5-9442-9E39-D1BCA623C6E0}" type="doc">
+      <dgm:prSet loTypeId="urn:microsoft.com/office/officeart/2005/8/layout/default" loCatId="" qsTypeId="urn:microsoft.com/office/officeart/2005/8/quickstyle/simple2" qsCatId="simple" csTypeId="urn:microsoft.com/office/officeart/2005/8/colors/accent0_1" csCatId="mainScheme" phldr="1"/>
+      <dgm:spPr/>
+      <dgm:t>
+        <a:bodyPr/>
+        <a:lstStyle/>
+        <a:p>
+          <a:endParaRPr lang="en-US"/>
+        </a:p>
+      </dgm:t>
+    </dgm:pt>
+    <dgm:pt modelId="{4A41A610-8481-A048-B706-9DC0082484EE}">
+      <dgm:prSet phldrT="[Text]"/>
+      <dgm:spPr/>
+      <dgm:t>
+        <a:bodyPr/>
+        <a:lstStyle/>
+        <a:p>
+          <a:r>
+            <a:rPr lang="ru-RU" b="1" dirty="0" smtClean="0"/>
+            <a:t>Б</a:t>
+          </a:r>
+          <a:r>
+            <a:rPr lang="ru-RU" dirty="0" smtClean="0"/>
+            <a:t> – объекты размещаются в нескольких контролируемых зонах, соединённых каналами связи, но не имеют выхода в сети общего пользования</a:t>
+          </a:r>
+          <a:endParaRPr lang="en-US" dirty="0"/>
+        </a:p>
+      </dgm:t>
+    </dgm:pt>
+    <dgm:pt modelId="{CE614C01-B700-A649-B3CA-84D77C43A6E8}" type="parTrans" cxnId="{FC078C7D-F8C0-1B44-8ED3-07DCDFEC53E3}">
+      <dgm:prSet/>
+      <dgm:spPr/>
+      <dgm:t>
+        <a:bodyPr/>
+        <a:lstStyle/>
+        <a:p>
+          <a:endParaRPr lang="en-US"/>
+        </a:p>
+      </dgm:t>
+    </dgm:pt>
+    <dgm:pt modelId="{0781CB0E-D563-4D42-BC21-3D655F027EE8}" type="sibTrans" cxnId="{FC078C7D-F8C0-1B44-8ED3-07DCDFEC53E3}">
+      <dgm:prSet/>
+      <dgm:spPr/>
+      <dgm:t>
+        <a:bodyPr/>
+        <a:lstStyle/>
+        <a:p>
+          <a:endParaRPr lang="en-US"/>
+        </a:p>
+      </dgm:t>
+    </dgm:pt>
+    <dgm:pt modelId="{8FC543A0-BEF4-7242-835D-E2FA63C80006}">
+      <dgm:prSet phldrT="[Text]"/>
+      <dgm:spPr/>
+      <dgm:t>
+        <a:bodyPr/>
+        <a:lstStyle/>
+        <a:p>
+          <a:r>
+            <a:rPr lang="ru-RU" b="1" dirty="0" smtClean="0"/>
+            <a:t>2</a:t>
+          </a:r>
+          <a:r>
+            <a:rPr lang="ru-RU" dirty="0" smtClean="0"/>
+            <a:t> – обрабатывается информация распространения которой ограниченно, за исключением государственных секретов</a:t>
+          </a:r>
+          <a:endParaRPr lang="en-US" dirty="0"/>
+        </a:p>
+      </dgm:t>
+    </dgm:pt>
+    <dgm:pt modelId="{A6B0A66E-1AA0-B24B-9EB7-8AEA5AFB6AD7}" type="parTrans" cxnId="{9DD49378-33F4-E745-900D-4BA6D96F763A}">
+      <dgm:prSet/>
+      <dgm:spPr/>
+      <dgm:t>
+        <a:bodyPr/>
+        <a:lstStyle/>
+        <a:p>
+          <a:endParaRPr lang="en-US"/>
+        </a:p>
+      </dgm:t>
+    </dgm:pt>
+    <dgm:pt modelId="{4D328C4E-1B24-2B46-B3D0-9F533D468661}" type="sibTrans" cxnId="{9DD49378-33F4-E745-900D-4BA6D96F763A}">
+      <dgm:prSet/>
+      <dgm:spPr/>
+      <dgm:t>
+        <a:bodyPr/>
+        <a:lstStyle/>
+        <a:p>
+          <a:endParaRPr lang="en-US"/>
+        </a:p>
+      </dgm:t>
+    </dgm:pt>
+    <dgm:pt modelId="{47BC6B5C-00C9-7943-BD08-51CEB6882355}" type="pres">
+      <dgm:prSet presAssocID="{DBDE0CE2-05B5-9442-9E39-D1BCA623C6E0}" presName="diagram" presStyleCnt="0">
+        <dgm:presLayoutVars>
+          <dgm:dir/>
+          <dgm:resizeHandles val="exact"/>
+        </dgm:presLayoutVars>
+      </dgm:prSet>
+      <dgm:spPr/>
+    </dgm:pt>
+    <dgm:pt modelId="{47AE162D-EC10-7343-A4F0-7D7376F90BCE}" type="pres">
+      <dgm:prSet presAssocID="{4A41A610-8481-A048-B706-9DC0082484EE}" presName="node" presStyleLbl="node1" presStyleIdx="0" presStyleCnt="2" custScaleY="133507">
+        <dgm:presLayoutVars>
+          <dgm:bulletEnabled val="1"/>
+        </dgm:presLayoutVars>
+      </dgm:prSet>
+      <dgm:spPr/>
+      <dgm:t>
+        <a:bodyPr/>
+        <a:lstStyle/>
+        <a:p>
+          <a:endParaRPr lang="en-US"/>
+        </a:p>
+      </dgm:t>
+    </dgm:pt>
+    <dgm:pt modelId="{7634DFBE-220B-1142-A8F1-4BA3FCD0E628}" type="pres">
+      <dgm:prSet presAssocID="{0781CB0E-D563-4D42-BC21-3D655F027EE8}" presName="sibTrans" presStyleCnt="0"/>
+      <dgm:spPr/>
+    </dgm:pt>
+    <dgm:pt modelId="{631A1666-C234-D84A-961E-AC19B939696F}" type="pres">
+      <dgm:prSet presAssocID="{8FC543A0-BEF4-7242-835D-E2FA63C80006}" presName="node" presStyleLbl="node1" presStyleIdx="1" presStyleCnt="2" custScaleY="133507">
+        <dgm:presLayoutVars>
+          <dgm:bulletEnabled val="1"/>
+        </dgm:presLayoutVars>
+      </dgm:prSet>
+      <dgm:spPr/>
+      <dgm:t>
+        <a:bodyPr/>
+        <a:lstStyle/>
+        <a:p>
+          <a:endParaRPr lang="en-US"/>
+        </a:p>
+      </dgm:t>
+    </dgm:pt>
+  </dgm:ptLst>
+  <dgm:cxnLst>
+    <dgm:cxn modelId="{400683B6-9ED8-4D41-8F09-127F6DFB5FA5}" type="presOf" srcId="{DBDE0CE2-05B5-9442-9E39-D1BCA623C6E0}" destId="{47BC6B5C-00C9-7943-BD08-51CEB6882355}" srcOrd="0" destOrd="0" presId="urn:microsoft.com/office/officeart/2005/8/layout/default"/>
+    <dgm:cxn modelId="{040A40A8-3692-AD44-8BA7-A832DBC34243}" type="presOf" srcId="{4A41A610-8481-A048-B706-9DC0082484EE}" destId="{47AE162D-EC10-7343-A4F0-7D7376F90BCE}" srcOrd="0" destOrd="0" presId="urn:microsoft.com/office/officeart/2005/8/layout/default"/>
+    <dgm:cxn modelId="{9DD49378-33F4-E745-900D-4BA6D96F763A}" srcId="{DBDE0CE2-05B5-9442-9E39-D1BCA623C6E0}" destId="{8FC543A0-BEF4-7242-835D-E2FA63C80006}" srcOrd="1" destOrd="0" parTransId="{A6B0A66E-1AA0-B24B-9EB7-8AEA5AFB6AD7}" sibTransId="{4D328C4E-1B24-2B46-B3D0-9F533D468661}"/>
+    <dgm:cxn modelId="{FC078C7D-F8C0-1B44-8ED3-07DCDFEC53E3}" srcId="{DBDE0CE2-05B5-9442-9E39-D1BCA623C6E0}" destId="{4A41A610-8481-A048-B706-9DC0082484EE}" srcOrd="0" destOrd="0" parTransId="{CE614C01-B700-A649-B3CA-84D77C43A6E8}" sibTransId="{0781CB0E-D563-4D42-BC21-3D655F027EE8}"/>
+    <dgm:cxn modelId="{1ED7E4A7-5650-E74B-BAA4-6964AA91347D}" type="presOf" srcId="{8FC543A0-BEF4-7242-835D-E2FA63C80006}" destId="{631A1666-C234-D84A-961E-AC19B939696F}" srcOrd="0" destOrd="0" presId="urn:microsoft.com/office/officeart/2005/8/layout/default"/>
+    <dgm:cxn modelId="{C726104D-369D-4A4B-9E20-EED35468FB3D}" type="presParOf" srcId="{47BC6B5C-00C9-7943-BD08-51CEB6882355}" destId="{47AE162D-EC10-7343-A4F0-7D7376F90BCE}" srcOrd="0" destOrd="0" presId="urn:microsoft.com/office/officeart/2005/8/layout/default"/>
+    <dgm:cxn modelId="{503C4794-326F-A84A-A3DA-A78B5D7705B4}" type="presParOf" srcId="{47BC6B5C-00C9-7943-BD08-51CEB6882355}" destId="{7634DFBE-220B-1142-A8F1-4BA3FCD0E628}" srcOrd="1" destOrd="0" presId="urn:microsoft.com/office/officeart/2005/8/layout/default"/>
+    <dgm:cxn modelId="{AD7A53D2-4E03-CD4C-9DFE-CA08092985EF}" type="presParOf" srcId="{47BC6B5C-00C9-7943-BD08-51CEB6882355}" destId="{631A1666-C234-D84A-961E-AC19B939696F}" srcOrd="2" destOrd="0" presId="urn:microsoft.com/office/officeart/2005/8/layout/default"/>
+  </dgm:cxnLst>
+  <dgm:bg/>
+  <dgm:whole/>
+  <dgm:extLst>
+    <a:ext uri="http://schemas.microsoft.com/office/drawing/2008/diagram">
+      <dsp:dataModelExt xmlns:dsp="http://schemas.microsoft.com/office/drawing/2008/diagram" relId="rId7" minVer="http://schemas.openxmlformats.org/drawingml/2006/diagram"/>
+    </a:ext>
+  </dgm:extLst>
+</dgm:dataModel>
+</file>
+
+<file path=ppt/diagrams/data2.xml><?xml version="1.0" encoding="utf-8"?>
+<dgm:dataModel xmlns:dgm="http://schemas.openxmlformats.org/drawingml/2006/diagram" xmlns:a="http://schemas.openxmlformats.org/drawingml/2006/main">
+  <dgm:ptLst>
+    <dgm:pt modelId="{08956FB5-2BA9-F444-B631-C7A32D7D7FFF}" type="doc">
+      <dgm:prSet loTypeId="urn:microsoft.com/office/officeart/2005/8/layout/lProcess3" loCatId="" qsTypeId="urn:microsoft.com/office/officeart/2005/8/quickstyle/simple2" qsCatId="simple" csTypeId="urn:microsoft.com/office/officeart/2005/8/colors/accent0_1" csCatId="mainScheme" phldr="1"/>
+      <dgm:spPr/>
+      <dgm:t>
+        <a:bodyPr/>
+        <a:lstStyle/>
+        <a:p>
+          <a:endParaRPr lang="en-US"/>
+        </a:p>
+      </dgm:t>
+    </dgm:pt>
+    <dgm:pt modelId="{D4EF2F5A-5CD1-C942-9510-3B49D8A73545}">
+      <dgm:prSet phldrT="[Text]"/>
+      <dgm:spPr/>
+      <dgm:t>
+        <a:bodyPr/>
+        <a:lstStyle/>
+        <a:p>
+          <a:r>
+            <a:rPr lang="ru-RU" dirty="0" smtClean="0"/>
+            <a:t>Система имеет подключение к сетям общего пользования</a:t>
+          </a:r>
+          <a:endParaRPr lang="en-US" dirty="0"/>
+        </a:p>
+      </dgm:t>
+    </dgm:pt>
+    <dgm:pt modelId="{B289CD9A-015E-134A-813E-9D43902ED969}" type="parTrans" cxnId="{6EB57A10-BF3B-184E-A99D-4ACE1C6297BB}">
+      <dgm:prSet/>
+      <dgm:spPr/>
+      <dgm:t>
+        <a:bodyPr/>
+        <a:lstStyle/>
+        <a:p>
+          <a:endParaRPr lang="en-US"/>
+        </a:p>
+      </dgm:t>
+    </dgm:pt>
+    <dgm:pt modelId="{DE352029-B2A6-0349-BE79-12433AA329DB}" type="sibTrans" cxnId="{6EB57A10-BF3B-184E-A99D-4ACE1C6297BB}">
+      <dgm:prSet/>
+      <dgm:spPr/>
+      <dgm:t>
+        <a:bodyPr/>
+        <a:lstStyle/>
+        <a:p>
+          <a:endParaRPr lang="en-US"/>
+        </a:p>
+      </dgm:t>
+    </dgm:pt>
+    <dgm:pt modelId="{54B0D7A7-3B21-7B4F-8B8C-B60F0806E7A5}">
+      <dgm:prSet phldrT="[Text]"/>
+      <dgm:spPr/>
+      <dgm:t>
+        <a:bodyPr/>
+        <a:lstStyle/>
+        <a:p>
+          <a:r>
+            <a:rPr lang="ru-RU" dirty="0" smtClean="0"/>
+            <a:t>Нет, поскольку класс Б2 предполагает отсутствие такого подключения</a:t>
+          </a:r>
+          <a:endParaRPr lang="en-US" dirty="0"/>
+        </a:p>
+      </dgm:t>
+    </dgm:pt>
+    <dgm:pt modelId="{F4E77238-CE8B-2242-8556-31100A1B258A}" type="parTrans" cxnId="{F6EE8793-6662-144E-94B0-BE0569D3ADC8}">
+      <dgm:prSet/>
+      <dgm:spPr/>
+      <dgm:t>
+        <a:bodyPr/>
+        <a:lstStyle/>
+        <a:p>
+          <a:endParaRPr lang="en-US"/>
+        </a:p>
+      </dgm:t>
+    </dgm:pt>
+    <dgm:pt modelId="{1B260CE7-8635-7F4D-80B1-A64FEC2113BC}" type="sibTrans" cxnId="{F6EE8793-6662-144E-94B0-BE0569D3ADC8}">
+      <dgm:prSet/>
+      <dgm:spPr/>
+      <dgm:t>
+        <a:bodyPr/>
+        <a:lstStyle/>
+        <a:p>
+          <a:endParaRPr lang="en-US"/>
+        </a:p>
+      </dgm:t>
+    </dgm:pt>
+    <dgm:pt modelId="{D277101A-9FD8-BE46-A7A3-294E4A608BC4}">
+      <dgm:prSet phldrT="[Text]"/>
+      <dgm:spPr/>
+      <dgm:t>
+        <a:bodyPr/>
+        <a:lstStyle/>
+        <a:p>
+          <a:r>
+            <a:rPr lang="ru-RU" dirty="0" smtClean="0"/>
+            <a:t>Части системы находятся в двух и более областях РБ</a:t>
+          </a:r>
+          <a:endParaRPr lang="en-US" dirty="0"/>
+        </a:p>
+      </dgm:t>
+    </dgm:pt>
+    <dgm:pt modelId="{B3A12F3F-A674-F142-9F73-E5BCD2A2335B}" type="parTrans" cxnId="{7374C3C4-7E72-5B4A-BDED-0C2798A68BA8}">
+      <dgm:prSet/>
+      <dgm:spPr/>
+      <dgm:t>
+        <a:bodyPr/>
+        <a:lstStyle/>
+        <a:p>
+          <a:endParaRPr lang="en-US"/>
+        </a:p>
+      </dgm:t>
+    </dgm:pt>
+    <dgm:pt modelId="{224C74CB-5768-6E4B-8EF9-2BE2A6F369F3}" type="sibTrans" cxnId="{7374C3C4-7E72-5B4A-BDED-0C2798A68BA8}">
+      <dgm:prSet/>
+      <dgm:spPr/>
+      <dgm:t>
+        <a:bodyPr/>
+        <a:lstStyle/>
+        <a:p>
+          <a:endParaRPr lang="en-US"/>
+        </a:p>
+      </dgm:t>
+    </dgm:pt>
+    <dgm:pt modelId="{788CC632-171F-1943-8D7F-2B62FB60C573}">
+      <dgm:prSet phldrT="[Text]"/>
+      <dgm:spPr/>
+      <dgm:t>
+        <a:bodyPr/>
+        <a:lstStyle/>
+        <a:p>
+          <a:r>
+            <a:rPr lang="ru-RU" dirty="0" smtClean="0"/>
+            <a:t>Возможно для учебных заведений, но более общая ситуация когда в одной </a:t>
+          </a:r>
+          <a:endParaRPr lang="en-US" dirty="0"/>
+        </a:p>
+      </dgm:t>
+    </dgm:pt>
+    <dgm:pt modelId="{C5A9CD5F-1A3C-C24E-9FC5-E2A42BDB6B79}" type="parTrans" cxnId="{FF494D36-51D3-5244-9EC6-7557BA644DAC}">
+      <dgm:prSet/>
+      <dgm:spPr/>
+      <dgm:t>
+        <a:bodyPr/>
+        <a:lstStyle/>
+        <a:p>
+          <a:endParaRPr lang="en-US"/>
+        </a:p>
+      </dgm:t>
+    </dgm:pt>
+    <dgm:pt modelId="{4B97A73D-860C-224B-83AD-F6F0213AF73B}" type="sibTrans" cxnId="{FF494D36-51D3-5244-9EC6-7557BA644DAC}">
+      <dgm:prSet/>
+      <dgm:spPr/>
+      <dgm:t>
+        <a:bodyPr/>
+        <a:lstStyle/>
+        <a:p>
+          <a:endParaRPr lang="en-US"/>
+        </a:p>
+      </dgm:t>
+    </dgm:pt>
+    <dgm:pt modelId="{B4E6E3C7-9165-2849-8038-5C655F37E655}" type="pres">
+      <dgm:prSet presAssocID="{08956FB5-2BA9-F444-B631-C7A32D7D7FFF}" presName="Name0" presStyleCnt="0">
+        <dgm:presLayoutVars>
+          <dgm:chPref val="3"/>
+          <dgm:dir/>
+          <dgm:animLvl val="lvl"/>
+          <dgm:resizeHandles/>
+        </dgm:presLayoutVars>
+      </dgm:prSet>
+      <dgm:spPr/>
+    </dgm:pt>
+    <dgm:pt modelId="{A6F78139-B7AA-2E47-BA0B-1E77E34E59BA}" type="pres">
+      <dgm:prSet presAssocID="{D4EF2F5A-5CD1-C942-9510-3B49D8A73545}" presName="horFlow" presStyleCnt="0"/>
+      <dgm:spPr/>
+    </dgm:pt>
+    <dgm:pt modelId="{250D1BB7-1DEF-2747-8630-09926DAC8C56}" type="pres">
+      <dgm:prSet presAssocID="{D4EF2F5A-5CD1-C942-9510-3B49D8A73545}" presName="bigChev" presStyleLbl="node1" presStyleIdx="0" presStyleCnt="2"/>
+      <dgm:spPr/>
+    </dgm:pt>
+    <dgm:pt modelId="{55CFAB59-CC6B-6D4B-9CA4-6D1689028405}" type="pres">
+      <dgm:prSet presAssocID="{F4E77238-CE8B-2242-8556-31100A1B258A}" presName="parTrans" presStyleCnt="0"/>
+      <dgm:spPr/>
+    </dgm:pt>
+    <dgm:pt modelId="{D2C6DD9C-DB43-FD48-A61C-8ADC33C393BA}" type="pres">
+      <dgm:prSet presAssocID="{54B0D7A7-3B21-7B4F-8B8C-B60F0806E7A5}" presName="node" presStyleLbl="alignAccFollowNode1" presStyleIdx="0" presStyleCnt="2">
+        <dgm:presLayoutVars>
+          <dgm:bulletEnabled val="1"/>
+        </dgm:presLayoutVars>
+      </dgm:prSet>
+      <dgm:spPr/>
+      <dgm:t>
+        <a:bodyPr/>
+        <a:lstStyle/>
+        <a:p>
+          <a:endParaRPr lang="en-US"/>
+        </a:p>
+      </dgm:t>
+    </dgm:pt>
+    <dgm:pt modelId="{BC54993B-0F46-B54D-9218-B104C0B12E6C}" type="pres">
+      <dgm:prSet presAssocID="{D4EF2F5A-5CD1-C942-9510-3B49D8A73545}" presName="vSp" presStyleCnt="0"/>
+      <dgm:spPr/>
+    </dgm:pt>
+    <dgm:pt modelId="{592B86A3-7966-CE44-A5AB-4C214B3AB596}" type="pres">
+      <dgm:prSet presAssocID="{D277101A-9FD8-BE46-A7A3-294E4A608BC4}" presName="horFlow" presStyleCnt="0"/>
+      <dgm:spPr/>
+    </dgm:pt>
+    <dgm:pt modelId="{62005EC8-3BFC-7341-8D82-6CD018C202C3}" type="pres">
+      <dgm:prSet presAssocID="{D277101A-9FD8-BE46-A7A3-294E4A608BC4}" presName="bigChev" presStyleLbl="node1" presStyleIdx="1" presStyleCnt="2"/>
+      <dgm:spPr/>
+      <dgm:t>
+        <a:bodyPr/>
+        <a:lstStyle/>
+        <a:p>
+          <a:endParaRPr lang="en-US"/>
+        </a:p>
+      </dgm:t>
+    </dgm:pt>
+    <dgm:pt modelId="{8E99C5DD-C925-6C43-B638-97BEDFF6CCFA}" type="pres">
+      <dgm:prSet presAssocID="{C5A9CD5F-1A3C-C24E-9FC5-E2A42BDB6B79}" presName="parTrans" presStyleCnt="0"/>
+      <dgm:spPr/>
+    </dgm:pt>
+    <dgm:pt modelId="{6BA6A454-8F66-FF48-9093-8D8A9705792D}" type="pres">
+      <dgm:prSet presAssocID="{788CC632-171F-1943-8D7F-2B62FB60C573}" presName="node" presStyleLbl="alignAccFollowNode1" presStyleIdx="1" presStyleCnt="2">
+        <dgm:presLayoutVars>
+          <dgm:bulletEnabled val="1"/>
+        </dgm:presLayoutVars>
+      </dgm:prSet>
+      <dgm:spPr/>
+      <dgm:t>
+        <a:bodyPr/>
+        <a:lstStyle/>
+        <a:p>
+          <a:endParaRPr lang="en-US"/>
+        </a:p>
+      </dgm:t>
+    </dgm:pt>
+  </dgm:ptLst>
+  <dgm:cxnLst>
+    <dgm:cxn modelId="{D5830E2B-C9FA-EF4C-9A4D-98D76D4A48F7}" type="presOf" srcId="{788CC632-171F-1943-8D7F-2B62FB60C573}" destId="{6BA6A454-8F66-FF48-9093-8D8A9705792D}" srcOrd="0" destOrd="0" presId="urn:microsoft.com/office/officeart/2005/8/layout/lProcess3"/>
+    <dgm:cxn modelId="{6EB57A10-BF3B-184E-A99D-4ACE1C6297BB}" srcId="{08956FB5-2BA9-F444-B631-C7A32D7D7FFF}" destId="{D4EF2F5A-5CD1-C942-9510-3B49D8A73545}" srcOrd="0" destOrd="0" parTransId="{B289CD9A-015E-134A-813E-9D43902ED969}" sibTransId="{DE352029-B2A6-0349-BE79-12433AA329DB}"/>
+    <dgm:cxn modelId="{B4ED797E-8702-3244-B5A1-5078223F73F5}" type="presOf" srcId="{D4EF2F5A-5CD1-C942-9510-3B49D8A73545}" destId="{250D1BB7-1DEF-2747-8630-09926DAC8C56}" srcOrd="0" destOrd="0" presId="urn:microsoft.com/office/officeart/2005/8/layout/lProcess3"/>
+    <dgm:cxn modelId="{7374C3C4-7E72-5B4A-BDED-0C2798A68BA8}" srcId="{08956FB5-2BA9-F444-B631-C7A32D7D7FFF}" destId="{D277101A-9FD8-BE46-A7A3-294E4A608BC4}" srcOrd="1" destOrd="0" parTransId="{B3A12F3F-A674-F142-9F73-E5BCD2A2335B}" sibTransId="{224C74CB-5768-6E4B-8EF9-2BE2A6F369F3}"/>
+    <dgm:cxn modelId="{F95B757D-E29E-D544-A9D2-9B483EC18864}" type="presOf" srcId="{54B0D7A7-3B21-7B4F-8B8C-B60F0806E7A5}" destId="{D2C6DD9C-DB43-FD48-A61C-8ADC33C393BA}" srcOrd="0" destOrd="0" presId="urn:microsoft.com/office/officeart/2005/8/layout/lProcess3"/>
+    <dgm:cxn modelId="{44B65CBF-DB95-224D-8EA9-2FFAFA266E84}" type="presOf" srcId="{D277101A-9FD8-BE46-A7A3-294E4A608BC4}" destId="{62005EC8-3BFC-7341-8D82-6CD018C202C3}" srcOrd="0" destOrd="0" presId="urn:microsoft.com/office/officeart/2005/8/layout/lProcess3"/>
+    <dgm:cxn modelId="{F6EE8793-6662-144E-94B0-BE0569D3ADC8}" srcId="{D4EF2F5A-5CD1-C942-9510-3B49D8A73545}" destId="{54B0D7A7-3B21-7B4F-8B8C-B60F0806E7A5}" srcOrd="0" destOrd="0" parTransId="{F4E77238-CE8B-2242-8556-31100A1B258A}" sibTransId="{1B260CE7-8635-7F4D-80B1-A64FEC2113BC}"/>
+    <dgm:cxn modelId="{FF494D36-51D3-5244-9EC6-7557BA644DAC}" srcId="{D277101A-9FD8-BE46-A7A3-294E4A608BC4}" destId="{788CC632-171F-1943-8D7F-2B62FB60C573}" srcOrd="0" destOrd="0" parTransId="{C5A9CD5F-1A3C-C24E-9FC5-E2A42BDB6B79}" sibTransId="{4B97A73D-860C-224B-83AD-F6F0213AF73B}"/>
+    <dgm:cxn modelId="{50EA4708-C272-2142-99FF-15343A1D2519}" type="presOf" srcId="{08956FB5-2BA9-F444-B631-C7A32D7D7FFF}" destId="{B4E6E3C7-9165-2849-8038-5C655F37E655}" srcOrd="0" destOrd="0" presId="urn:microsoft.com/office/officeart/2005/8/layout/lProcess3"/>
+    <dgm:cxn modelId="{926C2EE6-0745-CE41-B20D-65F7512E4064}" type="presParOf" srcId="{B4E6E3C7-9165-2849-8038-5C655F37E655}" destId="{A6F78139-B7AA-2E47-BA0B-1E77E34E59BA}" srcOrd="0" destOrd="0" presId="urn:microsoft.com/office/officeart/2005/8/layout/lProcess3"/>
+    <dgm:cxn modelId="{B6DC2F4C-1F28-0248-B9CD-F8B17815B9AE}" type="presParOf" srcId="{A6F78139-B7AA-2E47-BA0B-1E77E34E59BA}" destId="{250D1BB7-1DEF-2747-8630-09926DAC8C56}" srcOrd="0" destOrd="0" presId="urn:microsoft.com/office/officeart/2005/8/layout/lProcess3"/>
+    <dgm:cxn modelId="{2DE99937-D08A-484A-B2C6-5B3D620D6CCB}" type="presParOf" srcId="{A6F78139-B7AA-2E47-BA0B-1E77E34E59BA}" destId="{55CFAB59-CC6B-6D4B-9CA4-6D1689028405}" srcOrd="1" destOrd="0" presId="urn:microsoft.com/office/officeart/2005/8/layout/lProcess3"/>
+    <dgm:cxn modelId="{A3D9C51C-14C0-EE4F-84D9-F0B1E2F85A0C}" type="presParOf" srcId="{A6F78139-B7AA-2E47-BA0B-1E77E34E59BA}" destId="{D2C6DD9C-DB43-FD48-A61C-8ADC33C393BA}" srcOrd="2" destOrd="0" presId="urn:microsoft.com/office/officeart/2005/8/layout/lProcess3"/>
+    <dgm:cxn modelId="{2A1299A1-337D-B647-925A-B3246ABEBA14}" type="presParOf" srcId="{B4E6E3C7-9165-2849-8038-5C655F37E655}" destId="{BC54993B-0F46-B54D-9218-B104C0B12E6C}" srcOrd="1" destOrd="0" presId="urn:microsoft.com/office/officeart/2005/8/layout/lProcess3"/>
+    <dgm:cxn modelId="{4A34A300-7C2B-A142-8385-F0C7CF674AAA}" type="presParOf" srcId="{B4E6E3C7-9165-2849-8038-5C655F37E655}" destId="{592B86A3-7966-CE44-A5AB-4C214B3AB596}" srcOrd="2" destOrd="0" presId="urn:microsoft.com/office/officeart/2005/8/layout/lProcess3"/>
+    <dgm:cxn modelId="{081AD775-2B27-7D48-BA0C-9165BBC75C2E}" type="presParOf" srcId="{592B86A3-7966-CE44-A5AB-4C214B3AB596}" destId="{62005EC8-3BFC-7341-8D82-6CD018C202C3}" srcOrd="0" destOrd="0" presId="urn:microsoft.com/office/officeart/2005/8/layout/lProcess3"/>
+    <dgm:cxn modelId="{FC64F814-E0BF-DE4B-97A5-CF4DFE7EA5EA}" type="presParOf" srcId="{592B86A3-7966-CE44-A5AB-4C214B3AB596}" destId="{8E99C5DD-C925-6C43-B638-97BEDFF6CCFA}" srcOrd="1" destOrd="0" presId="urn:microsoft.com/office/officeart/2005/8/layout/lProcess3"/>
+    <dgm:cxn modelId="{73DF3069-C680-F043-9F94-5AE345D63318}" type="presParOf" srcId="{592B86A3-7966-CE44-A5AB-4C214B3AB596}" destId="{6BA6A454-8F66-FF48-9093-8D8A9705792D}" srcOrd="2" destOrd="0" presId="urn:microsoft.com/office/officeart/2005/8/layout/lProcess3"/>
+  </dgm:cxnLst>
+  <dgm:bg/>
+  <dgm:whole/>
+  <dgm:extLst>
+    <a:ext uri="http://schemas.microsoft.com/office/drawing/2008/diagram">
+      <dsp:dataModelExt xmlns:dsp="http://schemas.microsoft.com/office/drawing/2008/diagram" relId="rId7" minVer="http://schemas.openxmlformats.org/drawingml/2006/diagram"/>
+    </a:ext>
+  </dgm:extLst>
+</dgm:dataModel>
+</file>
+
+<file path=ppt/diagrams/drawing1.xml><?xml version="1.0" encoding="utf-8"?>
+<dsp:drawing xmlns:dgm="http://schemas.openxmlformats.org/drawingml/2006/diagram" xmlns:dsp="http://schemas.microsoft.com/office/drawing/2008/diagram" xmlns:a="http://schemas.openxmlformats.org/drawingml/2006/main">
+  <dsp:spTree>
+    <dsp:nvGrpSpPr>
+      <dsp:cNvPr id="0" name=""/>
+      <dsp:cNvGrpSpPr/>
+    </dsp:nvGrpSpPr>
+    <dsp:grpSpPr/>
+    <dsp:sp modelId="{47AE162D-EC10-7343-A4F0-7D7376F90BCE}">
+      <dsp:nvSpPr>
+        <dsp:cNvPr id="0" name=""/>
+        <dsp:cNvSpPr/>
+      </dsp:nvSpPr>
+      <dsp:spPr>
+        <a:xfrm>
+          <a:off x="1037" y="216026"/>
+          <a:ext cx="4045175" cy="3240355"/>
+        </a:xfrm>
+        <a:prstGeom prst="rect">
+          <a:avLst/>
+        </a:prstGeom>
+        <a:solidFill>
+          <a:schemeClr val="lt1">
+            <a:hueOff val="0"/>
+            <a:satOff val="0"/>
+            <a:lumOff val="0"/>
+            <a:alphaOff val="0"/>
+          </a:schemeClr>
+        </a:solidFill>
+        <a:ln w="38100" cap="flat" cmpd="sng" algn="ctr">
+          <a:solidFill>
+            <a:schemeClr val="dk1">
+              <a:shade val="80000"/>
+              <a:hueOff val="0"/>
+              <a:satOff val="0"/>
+              <a:lumOff val="0"/>
+              <a:alphaOff val="0"/>
+            </a:schemeClr>
+          </a:solidFill>
+          <a:prstDash val="solid"/>
+        </a:ln>
+        <a:effectLst>
+          <a:outerShdw blurRad="38100" dist="25400" dir="5400000" algn="t" rotWithShape="0">
+            <a:srgbClr val="000000">
+              <a:alpha val="50000"/>
+            </a:srgbClr>
+          </a:outerShdw>
+        </a:effectLst>
+      </dsp:spPr>
+      <dsp:style>
+        <a:lnRef idx="3">
+          <a:scrgbClr r="0" g="0" b="0"/>
+        </a:lnRef>
+        <a:fillRef idx="1">
+          <a:scrgbClr r="0" g="0" b="0"/>
+        </a:fillRef>
+        <a:effectRef idx="1">
+          <a:scrgbClr r="0" g="0" b="0"/>
+        </a:effectRef>
+        <a:fontRef idx="minor">
+          <a:schemeClr val="lt1"/>
+        </a:fontRef>
+      </dsp:style>
+      <dsp:txBody>
+        <a:bodyPr spcFirstLastPara="0" vert="horz" wrap="square" lIns="102870" tIns="102870" rIns="102870" bIns="102870" numCol="1" spcCol="1270" anchor="ctr" anchorCtr="0">
+          <a:noAutofit/>
+        </a:bodyPr>
+        <a:lstStyle/>
+        <a:p>
+          <a:pPr lvl="0" algn="ctr" defTabSz="1200150">
+            <a:lnSpc>
+              <a:spcPct val="90000"/>
+            </a:lnSpc>
+            <a:spcBef>
+              <a:spcPct val="0"/>
+            </a:spcBef>
+            <a:spcAft>
+              <a:spcPct val="35000"/>
+            </a:spcAft>
+          </a:pPr>
+          <a:r>
+            <a:rPr lang="ru-RU" sz="2700" b="1" kern="1200" dirty="0" smtClean="0"/>
+            <a:t>Б</a:t>
+          </a:r>
+          <a:r>
+            <a:rPr lang="ru-RU" sz="2700" kern="1200" dirty="0" smtClean="0"/>
+            <a:t> – объекты размещаются в нескольких контролируемых зонах, соединённых каналами связи, но не имеют выхода в сети общего пользования</a:t>
+          </a:r>
+          <a:endParaRPr lang="en-US" sz="2700" kern="1200" dirty="0"/>
+        </a:p>
+      </dsp:txBody>
+      <dsp:txXfrm>
+        <a:off x="1037" y="216026"/>
+        <a:ext cx="4045175" cy="3240355"/>
+      </dsp:txXfrm>
+    </dsp:sp>
+    <dsp:sp modelId="{631A1666-C234-D84A-961E-AC19B939696F}">
+      <dsp:nvSpPr>
+        <dsp:cNvPr id="0" name=""/>
+        <dsp:cNvSpPr/>
+      </dsp:nvSpPr>
+      <dsp:spPr>
+        <a:xfrm>
+          <a:off x="4450730" y="216026"/>
+          <a:ext cx="4045175" cy="3240355"/>
+        </a:xfrm>
+        <a:prstGeom prst="rect">
+          <a:avLst/>
+        </a:prstGeom>
+        <a:solidFill>
+          <a:schemeClr val="lt1">
+            <a:hueOff val="0"/>
+            <a:satOff val="0"/>
+            <a:lumOff val="0"/>
+            <a:alphaOff val="0"/>
+          </a:schemeClr>
+        </a:solidFill>
+        <a:ln w="38100" cap="flat" cmpd="sng" algn="ctr">
+          <a:solidFill>
+            <a:schemeClr val="dk1">
+              <a:shade val="80000"/>
+              <a:hueOff val="0"/>
+              <a:satOff val="0"/>
+              <a:lumOff val="0"/>
+              <a:alphaOff val="0"/>
+            </a:schemeClr>
+          </a:solidFill>
+          <a:prstDash val="solid"/>
+        </a:ln>
+        <a:effectLst>
+          <a:outerShdw blurRad="38100" dist="25400" dir="5400000" algn="t" rotWithShape="0">
+            <a:srgbClr val="000000">
+              <a:alpha val="50000"/>
+            </a:srgbClr>
+          </a:outerShdw>
+        </a:effectLst>
+      </dsp:spPr>
+      <dsp:style>
+        <a:lnRef idx="3">
+          <a:scrgbClr r="0" g="0" b="0"/>
+        </a:lnRef>
+        <a:fillRef idx="1">
+          <a:scrgbClr r="0" g="0" b="0"/>
+        </a:fillRef>
+        <a:effectRef idx="1">
+          <a:scrgbClr r="0" g="0" b="0"/>
+        </a:effectRef>
+        <a:fontRef idx="minor">
+          <a:schemeClr val="lt1"/>
+        </a:fontRef>
+      </dsp:style>
+      <dsp:txBody>
+        <a:bodyPr spcFirstLastPara="0" vert="horz" wrap="square" lIns="102870" tIns="102870" rIns="102870" bIns="102870" numCol="1" spcCol="1270" anchor="ctr" anchorCtr="0">
+          <a:noAutofit/>
+        </a:bodyPr>
+        <a:lstStyle/>
+        <a:p>
+          <a:pPr lvl="0" algn="ctr" defTabSz="1200150">
+            <a:lnSpc>
+              <a:spcPct val="90000"/>
+            </a:lnSpc>
+            <a:spcBef>
+              <a:spcPct val="0"/>
+            </a:spcBef>
+            <a:spcAft>
+              <a:spcPct val="35000"/>
+            </a:spcAft>
+          </a:pPr>
+          <a:r>
+            <a:rPr lang="ru-RU" sz="2700" b="1" kern="1200" dirty="0" smtClean="0"/>
+            <a:t>2</a:t>
+          </a:r>
+          <a:r>
+            <a:rPr lang="ru-RU" sz="2700" kern="1200" dirty="0" smtClean="0"/>
+            <a:t> – обрабатывается информация распространения которой ограниченно, за исключением государственных секретов</a:t>
+          </a:r>
+          <a:endParaRPr lang="en-US" sz="2700" kern="1200" dirty="0"/>
+        </a:p>
+      </dsp:txBody>
+      <dsp:txXfrm>
+        <a:off x="4450730" y="216026"/>
+        <a:ext cx="4045175" cy="3240355"/>
+      </dsp:txXfrm>
+    </dsp:sp>
+  </dsp:spTree>
+</dsp:drawing>
+</file>
+
+<file path=ppt/diagrams/drawing2.xml><?xml version="1.0" encoding="utf-8"?>
+<dsp:drawing xmlns:dgm="http://schemas.openxmlformats.org/drawingml/2006/diagram" xmlns:dsp="http://schemas.microsoft.com/office/drawing/2008/diagram" xmlns:a="http://schemas.openxmlformats.org/drawingml/2006/main">
+  <dsp:spTree>
+    <dsp:nvGrpSpPr>
+      <dsp:cNvPr id="0" name=""/>
+      <dsp:cNvGrpSpPr/>
+    </dsp:nvGrpSpPr>
+    <dsp:grpSpPr/>
+    <dsp:sp modelId="{250D1BB7-1DEF-2747-8630-09926DAC8C56}">
+      <dsp:nvSpPr>
+        <dsp:cNvPr id="0" name=""/>
+        <dsp:cNvSpPr/>
+      </dsp:nvSpPr>
+      <dsp:spPr>
+        <a:xfrm>
+          <a:off x="2067" y="780675"/>
+          <a:ext cx="4148617" cy="1659446"/>
+        </a:xfrm>
+        <a:prstGeom prst="chevron">
+          <a:avLst/>
+        </a:prstGeom>
+        <a:solidFill>
+          <a:schemeClr val="lt1">
+            <a:hueOff val="0"/>
+            <a:satOff val="0"/>
+            <a:lumOff val="0"/>
+            <a:alphaOff val="0"/>
+          </a:schemeClr>
+        </a:solidFill>
+        <a:ln w="38100" cap="flat" cmpd="sng" algn="ctr">
+          <a:solidFill>
+            <a:schemeClr val="dk1">
+              <a:shade val="80000"/>
+              <a:hueOff val="0"/>
+              <a:satOff val="0"/>
+              <a:lumOff val="0"/>
+              <a:alphaOff val="0"/>
+            </a:schemeClr>
+          </a:solidFill>
+          <a:prstDash val="solid"/>
+        </a:ln>
+        <a:effectLst>
+          <a:outerShdw blurRad="38100" dist="25400" dir="5400000" algn="t" rotWithShape="0">
+            <a:srgbClr val="000000">
+              <a:alpha val="50000"/>
+            </a:srgbClr>
+          </a:outerShdw>
+        </a:effectLst>
+      </dsp:spPr>
+      <dsp:style>
+        <a:lnRef idx="3">
+          <a:scrgbClr r="0" g="0" b="0"/>
+        </a:lnRef>
+        <a:fillRef idx="1">
+          <a:scrgbClr r="0" g="0" b="0"/>
+        </a:fillRef>
+        <a:effectRef idx="1">
+          <a:scrgbClr r="0" g="0" b="0"/>
+        </a:effectRef>
+        <a:fontRef idx="minor">
+          <a:schemeClr val="lt1"/>
+        </a:fontRef>
+      </dsp:style>
+      <dsp:txBody>
+        <a:bodyPr spcFirstLastPara="0" vert="horz" wrap="square" lIns="34290" tIns="17145" rIns="0" bIns="17145" numCol="1" spcCol="1270" anchor="ctr" anchorCtr="0">
+          <a:noAutofit/>
+        </a:bodyPr>
+        <a:lstStyle/>
+        <a:p>
+          <a:pPr lvl="0" algn="ctr" defTabSz="1200150">
+            <a:lnSpc>
+              <a:spcPct val="90000"/>
+            </a:lnSpc>
+            <a:spcBef>
+              <a:spcPct val="0"/>
+            </a:spcBef>
+            <a:spcAft>
+              <a:spcPct val="35000"/>
+            </a:spcAft>
+          </a:pPr>
+          <a:r>
+            <a:rPr lang="ru-RU" sz="2700" kern="1200" dirty="0" smtClean="0"/>
+            <a:t>Система имеет подключение к сетям общего пользования</a:t>
+          </a:r>
+          <a:endParaRPr lang="en-US" sz="2700" kern="1200" dirty="0"/>
+        </a:p>
+      </dsp:txBody>
+      <dsp:txXfrm>
+        <a:off x="831790" y="780675"/>
+        <a:ext cx="2489171" cy="1659446"/>
+      </dsp:txXfrm>
+    </dsp:sp>
+    <dsp:sp modelId="{D2C6DD9C-DB43-FD48-A61C-8ADC33C393BA}">
+      <dsp:nvSpPr>
+        <dsp:cNvPr id="0" name=""/>
+        <dsp:cNvSpPr/>
+      </dsp:nvSpPr>
+      <dsp:spPr>
+        <a:xfrm>
+          <a:off x="3611364" y="921728"/>
+          <a:ext cx="3443352" cy="1377340"/>
+        </a:xfrm>
+        <a:prstGeom prst="chevron">
+          <a:avLst/>
+        </a:prstGeom>
+        <a:solidFill>
+          <a:schemeClr val="lt1">
+            <a:alpha val="90000"/>
+            <a:tint val="40000"/>
+            <a:hueOff val="0"/>
+            <a:satOff val="0"/>
+            <a:lumOff val="0"/>
+            <a:alphaOff val="0"/>
+          </a:schemeClr>
+        </a:solidFill>
+        <a:ln w="12700" cap="flat" cmpd="sng" algn="ctr">
+          <a:solidFill>
+            <a:schemeClr val="dk1">
+              <a:alpha val="90000"/>
+              <a:hueOff val="0"/>
+              <a:satOff val="0"/>
+              <a:lumOff val="0"/>
+              <a:alphaOff val="0"/>
+            </a:schemeClr>
+          </a:solidFill>
+          <a:prstDash val="solid"/>
+        </a:ln>
+        <a:effectLst/>
+      </dsp:spPr>
+      <dsp:style>
+        <a:lnRef idx="2">
+          <a:scrgbClr r="0" g="0" b="0"/>
+        </a:lnRef>
+        <a:fillRef idx="1">
+          <a:scrgbClr r="0" g="0" b="0"/>
+        </a:fillRef>
+        <a:effectRef idx="0">
+          <a:scrgbClr r="0" g="0" b="0"/>
+        </a:effectRef>
+        <a:fontRef idx="minor"/>
+      </dsp:style>
+      <dsp:txBody>
+        <a:bodyPr spcFirstLastPara="0" vert="horz" wrap="square" lIns="21590" tIns="10795" rIns="0" bIns="10795" numCol="1" spcCol="1270" anchor="ctr" anchorCtr="0">
+          <a:noAutofit/>
+        </a:bodyPr>
+        <a:lstStyle/>
+        <a:p>
+          <a:pPr lvl="0" algn="ctr" defTabSz="755650">
+            <a:lnSpc>
+              <a:spcPct val="90000"/>
+            </a:lnSpc>
+            <a:spcBef>
+              <a:spcPct val="0"/>
+            </a:spcBef>
+            <a:spcAft>
+              <a:spcPct val="35000"/>
+            </a:spcAft>
+          </a:pPr>
+          <a:r>
+            <a:rPr lang="ru-RU" sz="1700" kern="1200" dirty="0" smtClean="0"/>
+            <a:t>Нет, поскольку класс Б2 предполагает отсутствие такого подключения</a:t>
+          </a:r>
+          <a:endParaRPr lang="en-US" sz="1700" kern="1200" dirty="0"/>
+        </a:p>
+      </dsp:txBody>
+      <dsp:txXfrm>
+        <a:off x="4300034" y="921728"/>
+        <a:ext cx="2066012" cy="1377340"/>
+      </dsp:txXfrm>
+    </dsp:sp>
+    <dsp:sp modelId="{62005EC8-3BFC-7341-8D82-6CD018C202C3}">
+      <dsp:nvSpPr>
+        <dsp:cNvPr id="0" name=""/>
+        <dsp:cNvSpPr/>
+      </dsp:nvSpPr>
+      <dsp:spPr>
+        <a:xfrm>
+          <a:off x="2067" y="2672445"/>
+          <a:ext cx="4148617" cy="1659446"/>
+        </a:xfrm>
+        <a:prstGeom prst="chevron">
+          <a:avLst/>
+        </a:prstGeom>
+        <a:solidFill>
+          <a:schemeClr val="lt1">
+            <a:hueOff val="0"/>
+            <a:satOff val="0"/>
+            <a:lumOff val="0"/>
+            <a:alphaOff val="0"/>
+          </a:schemeClr>
+        </a:solidFill>
+        <a:ln w="38100" cap="flat" cmpd="sng" algn="ctr">
+          <a:solidFill>
+            <a:schemeClr val="dk1">
+              <a:shade val="80000"/>
+              <a:hueOff val="0"/>
+              <a:satOff val="0"/>
+              <a:lumOff val="0"/>
+              <a:alphaOff val="0"/>
+            </a:schemeClr>
+          </a:solidFill>
+          <a:prstDash val="solid"/>
+        </a:ln>
+        <a:effectLst>
+          <a:outerShdw blurRad="38100" dist="25400" dir="5400000" algn="t" rotWithShape="0">
+            <a:srgbClr val="000000">
+              <a:alpha val="50000"/>
+            </a:srgbClr>
+          </a:outerShdw>
+        </a:effectLst>
+      </dsp:spPr>
+      <dsp:style>
+        <a:lnRef idx="3">
+          <a:scrgbClr r="0" g="0" b="0"/>
+        </a:lnRef>
+        <a:fillRef idx="1">
+          <a:scrgbClr r="0" g="0" b="0"/>
+        </a:fillRef>
+        <a:effectRef idx="1">
+          <a:scrgbClr r="0" g="0" b="0"/>
+        </a:effectRef>
+        <a:fontRef idx="minor">
+          <a:schemeClr val="lt1"/>
+        </a:fontRef>
+      </dsp:style>
+      <dsp:txBody>
+        <a:bodyPr spcFirstLastPara="0" vert="horz" wrap="square" lIns="34290" tIns="17145" rIns="0" bIns="17145" numCol="1" spcCol="1270" anchor="ctr" anchorCtr="0">
+          <a:noAutofit/>
+        </a:bodyPr>
+        <a:lstStyle/>
+        <a:p>
+          <a:pPr lvl="0" algn="ctr" defTabSz="1200150">
+            <a:lnSpc>
+              <a:spcPct val="90000"/>
+            </a:lnSpc>
+            <a:spcBef>
+              <a:spcPct val="0"/>
+            </a:spcBef>
+            <a:spcAft>
+              <a:spcPct val="35000"/>
+            </a:spcAft>
+          </a:pPr>
+          <a:r>
+            <a:rPr lang="ru-RU" sz="2700" kern="1200" dirty="0" smtClean="0"/>
+            <a:t>Части системы находятся в двух и более областях РБ</a:t>
+          </a:r>
+          <a:endParaRPr lang="en-US" sz="2700" kern="1200" dirty="0"/>
+        </a:p>
+      </dsp:txBody>
+      <dsp:txXfrm>
+        <a:off x="831790" y="2672445"/>
+        <a:ext cx="2489171" cy="1659446"/>
+      </dsp:txXfrm>
+    </dsp:sp>
+    <dsp:sp modelId="{6BA6A454-8F66-FF48-9093-8D8A9705792D}">
+      <dsp:nvSpPr>
+        <dsp:cNvPr id="0" name=""/>
+        <dsp:cNvSpPr/>
+      </dsp:nvSpPr>
+      <dsp:spPr>
+        <a:xfrm>
+          <a:off x="3611364" y="2813498"/>
+          <a:ext cx="3443352" cy="1377340"/>
+        </a:xfrm>
+        <a:prstGeom prst="chevron">
+          <a:avLst/>
+        </a:prstGeom>
+        <a:solidFill>
+          <a:schemeClr val="lt1">
+            <a:alpha val="90000"/>
+            <a:tint val="40000"/>
+            <a:hueOff val="0"/>
+            <a:satOff val="0"/>
+            <a:lumOff val="0"/>
+            <a:alphaOff val="0"/>
+          </a:schemeClr>
+        </a:solidFill>
+        <a:ln w="12700" cap="flat" cmpd="sng" algn="ctr">
+          <a:solidFill>
+            <a:schemeClr val="dk1">
+              <a:alpha val="90000"/>
+              <a:hueOff val="0"/>
+              <a:satOff val="0"/>
+              <a:lumOff val="0"/>
+              <a:alphaOff val="0"/>
+            </a:schemeClr>
+          </a:solidFill>
+          <a:prstDash val="solid"/>
+        </a:ln>
+        <a:effectLst/>
+      </dsp:spPr>
+      <dsp:style>
+        <a:lnRef idx="2">
+          <a:scrgbClr r="0" g="0" b="0"/>
+        </a:lnRef>
+        <a:fillRef idx="1">
+          <a:scrgbClr r="0" g="0" b="0"/>
+        </a:fillRef>
+        <a:effectRef idx="0">
+          <a:scrgbClr r="0" g="0" b="0"/>
+        </a:effectRef>
+        <a:fontRef idx="minor"/>
+      </dsp:style>
+      <dsp:txBody>
+        <a:bodyPr spcFirstLastPara="0" vert="horz" wrap="square" lIns="21590" tIns="10795" rIns="0" bIns="10795" numCol="1" spcCol="1270" anchor="ctr" anchorCtr="0">
+          <a:noAutofit/>
+        </a:bodyPr>
+        <a:lstStyle/>
+        <a:p>
+          <a:pPr lvl="0" algn="ctr" defTabSz="755650">
+            <a:lnSpc>
+              <a:spcPct val="90000"/>
+            </a:lnSpc>
+            <a:spcBef>
+              <a:spcPct val="0"/>
+            </a:spcBef>
+            <a:spcAft>
+              <a:spcPct val="35000"/>
+            </a:spcAft>
+          </a:pPr>
+          <a:r>
+            <a:rPr lang="ru-RU" sz="1700" kern="1200" dirty="0" smtClean="0"/>
+            <a:t>Возможно для учебных заведений, но более общая ситуация когда в одной </a:t>
+          </a:r>
+          <a:endParaRPr lang="en-US" sz="1700" kern="1200" dirty="0"/>
+        </a:p>
+      </dsp:txBody>
+      <dsp:txXfrm>
+        <a:off x="4300034" y="2813498"/>
+        <a:ext cx="2066012" cy="1377340"/>
+      </dsp:txXfrm>
+    </dsp:sp>
+  </dsp:spTree>
+</dsp:drawing>
+</file>
+
+<file path=ppt/diagrams/layout1.xml><?xml version="1.0" encoding="utf-8"?>
+<dgm:layoutDef xmlns:dgm="http://schemas.openxmlformats.org/drawingml/2006/diagram" xmlns:a="http://schemas.openxmlformats.org/drawingml/2006/main" uniqueId="urn:microsoft.com/office/officeart/2005/8/layout/default">
+  <dgm:title val=""/>
+  <dgm:desc val=""/>
+  <dgm:catLst>
+    <dgm:cat type="list" pri="400"/>
+  </dgm:catLst>
+  <dgm:sampData>
+    <dgm:dataModel>
+      <dgm:ptLst>
+        <dgm:pt modelId="0" type="doc"/>
+        <dgm:pt modelId="1">
+          <dgm:prSet phldr="1"/>
+        </dgm:pt>
+        <dgm:pt modelId="2">
+          <dgm:prSet phldr="1"/>
+        </dgm:pt>
+        <dgm:pt modelId="3">
+          <dgm:prSet phldr="1"/>
+        </dgm:pt>
+        <dgm:pt modelId="4">
+          <dgm:prSet phldr="1"/>
+        </dgm:pt>
+        <dgm:pt modelId="5">
+          <dgm:prSet phldr="1"/>
+        </dgm:pt>
+      </dgm:ptLst>
+      <dgm:cxnLst>
+        <dgm:cxn modelId="6" srcId="0" destId="1" srcOrd="0" destOrd="0"/>
+        <dgm:cxn modelId="7" srcId="0" destId="2" srcOrd="1" destOrd="0"/>
+        <dgm:cxn modelId="8" srcId="0" destId="3" srcOrd="2" destOrd="0"/>
+        <dgm:cxn modelId="9" srcId="0" destId="4" srcOrd="3" destOrd="0"/>
+        <dgm:cxn modelId="10" srcId="0" destId="5" srcOrd="4" destOrd="0"/>
+      </dgm:cxnLst>
+      <dgm:bg/>
+      <dgm:whole/>
+    </dgm:dataModel>
+  </dgm:sampData>
+  <dgm:styleData>
+    <dgm:dataModel>
+      <dgm:ptLst>
+        <dgm:pt modelId="0" type="doc"/>
+        <dgm:pt modelId="1"/>
+        <dgm:pt modelId="2"/>
+      </dgm:ptLst>
+      <dgm:cxnLst>
+        <dgm:cxn modelId="3" srcId="0" destId="1" srcOrd="0" destOrd="0"/>
+        <dgm:cxn modelId="4" srcId="0" destId="2" srcOrd="1" destOrd="0"/>
+      </dgm:cxnLst>
+      <dgm:bg/>
+      <dgm:whole/>
+    </dgm:dataModel>
+  </dgm:styleData>
+  <dgm:clrData>
+    <dgm:dataModel>
+      <dgm:ptLst>
+        <dgm:pt modelId="0" type="doc"/>
+        <dgm:pt modelId="1"/>
+        <dgm:pt modelId="2"/>
+        <dgm:pt modelId="3"/>
+        <dgm:pt modelId="4"/>
+        <dgm:pt modelId="5"/>
+        <dgm:pt modelId="6"/>
+      </dgm:ptLst>
+      <dgm:cxnLst>
+        <dgm:cxn modelId="7" srcId="0" destId="1" srcOrd="0" destOrd="0"/>
+        <dgm:cxn modelId="8" srcId="0" destId="2" srcOrd="1" destOrd="0"/>
+        <dgm:cxn modelId="9" srcId="0" destId="3" srcOrd="2" destOrd="0"/>
+        <dgm:cxn modelId="10" srcId="0" destId="4" srcOrd="3" destOrd="0"/>
+        <dgm:cxn modelId="11" srcId="0" destId="5" srcOrd="4" destOrd="0"/>
+        <dgm:cxn modelId="12" srcId="0" destId="6" srcOrd="5" destOrd="0"/>
+      </dgm:cxnLst>
+      <dgm:bg/>
+      <dgm:whole/>
+    </dgm:dataModel>
+  </dgm:clrData>
+  <dgm:layoutNode name="diagram">
+    <dgm:varLst>
+      <dgm:dir/>
+      <dgm:resizeHandles val="exact"/>
+    </dgm:varLst>
+    <dgm:choose name="Name0">
+      <dgm:if name="Name1" func="var" arg="dir" op="equ" val="norm">
+        <dgm:alg type="snake">
+          <dgm:param type="grDir" val="tL"/>
+          <dgm:param type="flowDir" val="row"/>
+          <dgm:param type="contDir" val="sameDir"/>
+          <dgm:param type="off" val="ctr"/>
+        </dgm:alg>
+      </dgm:if>
+      <dgm:else name="Name2">
+        <dgm:alg type="snake">
+          <dgm:param type="grDir" val="tR"/>
+          <dgm:param type="flowDir" val="row"/>
+          <dgm:param type="contDir" val="sameDir"/>
+          <dgm:param type="off" val="ctr"/>
+        </dgm:alg>
+      </dgm:else>
+    </dgm:choose>
+    <dgm:shape xmlns:r="http://schemas.openxmlformats.org/officeDocument/2006/relationships" r:blip="">
+      <dgm:adjLst/>
+    </dgm:shape>
+    <dgm:presOf/>
+    <dgm:constrLst>
+      <dgm:constr type="w" for="ch" forName="node" refType="w"/>
+      <dgm:constr type="h" for="ch" forName="node" refType="w" refFor="ch" refForName="node" fact="0.6"/>
+      <dgm:constr type="w" for="ch" forName="sibTrans" refType="w" refFor="ch" refForName="node" fact="0.1"/>
+      <dgm:constr type="sp" refType="w" refFor="ch" refForName="sibTrans"/>
+      <dgm:constr type="primFontSz" for="ch" forName="node" op="equ" val="65"/>
+    </dgm:constrLst>
+    <dgm:ruleLst/>
+    <dgm:forEach name="Name3" axis="ch" ptType="node">
+      <dgm:layoutNode name="node">
+        <dgm:varLst>
+          <dgm:bulletEnabled val="1"/>
+        </dgm:varLst>
+        <dgm:alg type="tx"/>
+        <dgm:shape xmlns:r="http://schemas.openxmlformats.org/officeDocument/2006/relationships" type="rect" r:blip="">
+          <dgm:adjLst/>
+        </dgm:shape>
+        <dgm:presOf axis="desOrSelf" ptType="node"/>
+        <dgm:constrLst>
+          <dgm:constr type="lMarg" refType="primFontSz" fact="0.3"/>
+          <dgm:constr type="rMarg" refType="primFontSz" fact="0.3"/>
+          <dgm:constr type="tMarg" refType="primFontSz" fact="0.3"/>
+          <dgm:constr type="bMarg" refType="primFontSz" fact="0.3"/>
+        </dgm:constrLst>
+        <dgm:ruleLst>
+          <dgm:rule type="primFontSz" val="5" fact="NaN" max="NaN"/>
+        </dgm:ruleLst>
+      </dgm:layoutNode>
+      <dgm:forEach name="Name4" axis="followSib" ptType="sibTrans" cnt="1">
+        <dgm:layoutNode name="sibTrans">
+          <dgm:alg type="sp"/>
+          <dgm:shape xmlns:r="http://schemas.openxmlformats.org/officeDocument/2006/relationships" r:blip="">
+            <dgm:adjLst/>
+          </dgm:shape>
+          <dgm:presOf/>
+          <dgm:constrLst/>
+          <dgm:ruleLst/>
+        </dgm:layoutNode>
+      </dgm:forEach>
+    </dgm:forEach>
+  </dgm:layoutNode>
+</dgm:layoutDef>
+</file>
+
+<file path=ppt/diagrams/layout2.xml><?xml version="1.0" encoding="utf-8"?>
+<dgm:layoutDef xmlns:dgm="http://schemas.openxmlformats.org/drawingml/2006/diagram" xmlns:a="http://schemas.openxmlformats.org/drawingml/2006/main" uniqueId="urn:microsoft.com/office/officeart/2005/8/layout/lProcess3">
+  <dgm:title val=""/>
+  <dgm:desc val=""/>
+  <dgm:catLst>
+    <dgm:cat type="process" pri="11000"/>
+    <dgm:cat type="convert" pri="12000"/>
+  </dgm:catLst>
+  <dgm:sampData>
+    <dgm:dataModel>
+      <dgm:ptLst>
+        <dgm:pt modelId="0" type="doc"/>
+        <dgm:pt modelId="1">
+          <dgm:prSet phldr="1"/>
+        </dgm:pt>
+        <dgm:pt modelId="11">
+          <dgm:prSet phldr="1"/>
+        </dgm:pt>
+        <dgm:pt modelId="12">
+          <dgm:prSet phldr="1"/>
+        </dgm:pt>
+        <dgm:pt modelId="2">
+          <dgm:prSet phldr="1"/>
+        </dgm:pt>
+        <dgm:pt modelId="21">
+          <dgm:prSet phldr="1"/>
+        </dgm:pt>
+        <dgm:pt modelId="22">
+          <dgm:prSet phldr="1"/>
+        </dgm:pt>
+        <dgm:pt modelId="3">
+          <dgm:prSet phldr="1"/>
+        </dgm:pt>
+        <dgm:pt modelId="31">
+          <dgm:prSet phldr="1"/>
+        </dgm:pt>
+        <dgm:pt modelId="32">
+          <dgm:prSet phldr="1"/>
+        </dgm:pt>
+      </dgm:ptLst>
+      <dgm:cxnLst>
+        <dgm:cxn modelId="4" srcId="0" destId="1" srcOrd="0" destOrd="0"/>
+        <dgm:cxn modelId="5" srcId="0" destId="2" srcOrd="1" destOrd="0"/>
+        <dgm:cxn modelId="6" srcId="0" destId="3" srcOrd="2" destOrd="0"/>
+        <dgm:cxn modelId="41" srcId="1" destId="11" srcOrd="0" destOrd="0"/>
+        <dgm:cxn modelId="42" srcId="1" destId="12" srcOrd="1" destOrd="0"/>
+        <dgm:cxn modelId="51" srcId="2" destId="21" srcOrd="0" destOrd="0"/>
+        <dgm:cxn modelId="52" srcId="2" destId="22" srcOrd="1" destOrd="0"/>
+        <dgm:cxn modelId="61" srcId="3" destId="31" srcOrd="0" destOrd="0"/>
+        <dgm:cxn modelId="62" srcId="3" destId="32" srcOrd="1" destOrd="0"/>
+      </dgm:cxnLst>
+      <dgm:bg/>
+      <dgm:whole/>
+    </dgm:dataModel>
+  </dgm:sampData>
+  <dgm:styleData>
+    <dgm:dataModel>
+      <dgm:ptLst>
+        <dgm:pt modelId="0" type="doc"/>
+        <dgm:pt modelId="1"/>
+        <dgm:pt modelId="2"/>
+      </dgm:ptLst>
+      <dgm:cxnLst>
+        <dgm:cxn modelId="4" srcId="0" destId="1" srcOrd="0" destOrd="0"/>
+        <dgm:cxn modelId="5" srcId="1" destId="2" srcOrd="0" destOrd="0"/>
+      </dgm:cxnLst>
+      <dgm:bg/>
+      <dgm:whole/>
+    </dgm:dataModel>
+  </dgm:styleData>
+  <dgm:clrData>
+    <dgm:dataModel>
+      <dgm:ptLst>
+        <dgm:pt modelId="0" type="doc"/>
+        <dgm:pt modelId="1"/>
+        <dgm:pt modelId="11"/>
+        <dgm:pt modelId="2"/>
+        <dgm:pt modelId="21"/>
+        <dgm:pt modelId="3"/>
+        <dgm:pt modelId="31"/>
+        <dgm:pt modelId="4"/>
+        <dgm:pt modelId="41"/>
+      </dgm:ptLst>
+      <dgm:cxnLst>
+        <dgm:cxn modelId="5" srcId="0" destId="1" srcOrd="0" destOrd="0"/>
+        <dgm:cxn modelId="6" srcId="0" destId="2" srcOrd="1" destOrd="0"/>
+        <dgm:cxn modelId="7" srcId="0" destId="3" srcOrd="2" destOrd="0"/>
+        <dgm:cxn modelId="8" srcId="0" destId="4" srcOrd="3" destOrd="0"/>
+        <dgm:cxn modelId="51" srcId="1" destId="11" srcOrd="0" destOrd="0"/>
+        <dgm:cxn modelId="61" srcId="2" destId="21" srcOrd="0" destOrd="0"/>
+        <dgm:cxn modelId="71" srcId="3" destId="31" srcOrd="0" destOrd="0"/>
+        <dgm:cxn modelId="81" srcId="4" destId="41" srcOrd="0" destOrd="0"/>
+      </dgm:cxnLst>
+      <dgm:bg/>
+      <dgm:whole/>
+    </dgm:dataModel>
+  </dgm:clrData>
+  <dgm:layoutNode name="Name0">
+    <dgm:varLst>
+      <dgm:chPref val="3"/>
+      <dgm:dir/>
+      <dgm:animLvl val="lvl"/>
+      <dgm:resizeHandles/>
+    </dgm:varLst>
+    <dgm:choose name="Name1">
+      <dgm:if name="Name2" func="var" arg="dir" op="equ" val="norm">
+        <dgm:alg type="lin">
+          <dgm:param type="linDir" val="fromT"/>
+          <dgm:param type="vertAlign" val="mid"/>
+          <dgm:param type="nodeHorzAlign" val="l"/>
+          <dgm:param type="nodeVertAlign" val="t"/>
+          <dgm:param type="fallback" val="2D"/>
+        </dgm:alg>
+      </dgm:if>
+      <dgm:else name="Name3">
+        <dgm:alg type="lin">
+          <dgm:param type="linDir" val="fromT"/>
+          <dgm:param type="vertAlign" val="mid"/>
+          <dgm:param type="nodeHorzAlign" val="r"/>
+          <dgm:param type="nodeVertAlign" val="t"/>
+          <dgm:param type="fallback" val="2D"/>
+        </dgm:alg>
+      </dgm:else>
+    </dgm:choose>
+    <dgm:shape xmlns:r="http://schemas.openxmlformats.org/officeDocument/2006/relationships" r:blip="">
+      <dgm:adjLst/>
+    </dgm:shape>
+    <dgm:presOf/>
+    <dgm:constrLst>
+      <dgm:constr type="w" for="des" forName="bigChev" refType="w"/>
+      <dgm:constr type="h" for="des" forName="bigChev" refType="w" refFor="des" refForName="bigChev" op="equ" fact="0.4"/>
+      <dgm:constr type="w" for="des" forName="node" refType="w" refFor="des" refForName="bigChev" fact="0.83"/>
+      <dgm:constr type="h" for="des" forName="node" refType="w" refFor="des" refForName="node" op="equ" fact="0.4"/>
+      <dgm:constr type="w" for="des" forName="parTrans" refType="w" refFor="des" refForName="bigChev" op="equ" fact="-0.13"/>
+      <dgm:constr type="w" for="des" forName="sibTrans" refType="w" refFor="des" refForName="node" op="equ" fact="-0.14"/>
+      <dgm:constr type="h" for="ch" forName="vSp" refType="h" refFor="des" refForName="bigChev" op="equ" fact="0.14"/>
+      <dgm:constr type="primFontSz" for="des" forName="node" op="equ"/>
+      <dgm:constr type="primFontSz" for="des" forName="bigChev" op="equ"/>
+    </dgm:constrLst>
+    <dgm:ruleLst/>
+    <dgm:forEach name="Name4" axis="ch" ptType="node">
+      <dgm:layoutNode name="horFlow">
+        <dgm:choose name="Name5">
+          <dgm:if name="Name6" func="var" arg="dir" op="equ" val="norm">
+            <dgm:alg type="lin">
+              <dgm:param type="linDir" val="fromL"/>
+              <dgm:param type="nodeHorzAlign" val="l"/>
+              <dgm:param type="nodeVertAlign" val="mid"/>
+              <dgm:param type="fallback" val="2D"/>
+            </dgm:alg>
+          </dgm:if>
+          <dgm:else name="Name7">
+            <dgm:alg type="lin">
+              <dgm:param type="linDir" val="fromR"/>
+              <dgm:param type="nodeHorzAlign" val="r"/>
+              <dgm:param type="nodeVertAlign" val="mid"/>
+              <dgm:param type="fallback" val="2D"/>
+            </dgm:alg>
+          </dgm:else>
+        </dgm:choose>
+        <dgm:shape xmlns:r="http://schemas.openxmlformats.org/officeDocument/2006/relationships" r:blip="">
+          <dgm:adjLst/>
+        </dgm:shape>
+        <dgm:presOf/>
+        <dgm:constrLst/>
+        <dgm:ruleLst/>
+        <dgm:layoutNode name="bigChev" styleLbl="node1">
+          <dgm:alg type="tx"/>
+          <dgm:choose name="Name8">
+            <dgm:if name="Name9" func="var" arg="dir" op="equ" val="norm">
+              <dgm:shape xmlns:r="http://schemas.openxmlformats.org/officeDocument/2006/relationships" type="chevron" r:blip="">
+                <dgm:adjLst/>
+              </dgm:shape>
+              <dgm:presOf axis="self"/>
+              <dgm:constrLst>
+                <dgm:constr type="primFontSz" val="65"/>
+                <dgm:constr type="rMarg"/>
+                <dgm:constr type="lMarg" refType="primFontSz" fact="0.1"/>
+                <dgm:constr type="tMarg" refType="primFontSz" fact="0.05"/>
+                <dgm:constr type="bMarg" refType="primFontSz" fact="0.05"/>
+              </dgm:constrLst>
+            </dgm:if>
+            <dgm:else name="Name10">
+              <dgm:shape xmlns:r="http://schemas.openxmlformats.org/officeDocument/2006/relationships" rot="180" type="chevron" r:blip="">
+                <dgm:adjLst/>
+              </dgm:shape>
+              <dgm:presOf axis="self"/>
+              <dgm:constrLst>
+                <dgm:constr type="primFontSz" val="65"/>
+                <dgm:constr type="lMarg"/>
+                <dgm:constr type="rMarg" refType="primFontSz" fact="0.1"/>
+                <dgm:constr type="tMarg" refType="primFontSz" fact="0.05"/>
+                <dgm:constr type="bMarg" refType="primFontSz" fact="0.05"/>
+              </dgm:constrLst>
+            </dgm:else>
+          </dgm:choose>
+          <dgm:ruleLst>
+            <dgm:rule type="primFontSz" val="5" fact="NaN" max="NaN"/>
+          </dgm:ruleLst>
+        </dgm:layoutNode>
+        <dgm:forEach name="parTransForEach" axis="ch" ptType="parTrans" cnt="1">
+          <dgm:layoutNode name="parTrans">
+            <dgm:alg type="sp"/>
+            <dgm:shape xmlns:r="http://schemas.openxmlformats.org/officeDocument/2006/relationships" r:blip="">
+              <dgm:adjLst/>
+            </dgm:shape>
+            <dgm:presOf/>
+            <dgm:constrLst/>
+            <dgm:ruleLst/>
+          </dgm:layoutNode>
+        </dgm:forEach>
+        <dgm:forEach name="Name11" axis="ch" ptType="node">
+          <dgm:layoutNode name="node" styleLbl="alignAccFollowNode1">
+            <dgm:varLst>
+              <dgm:bulletEnabled val="1"/>
+            </dgm:varLst>
+            <dgm:alg type="tx"/>
+            <dgm:choose name="Name12">
+              <dgm:if name="Name13" func="var" arg="dir" op="equ" val="norm">
+                <dgm:shape xmlns:r="http://schemas.openxmlformats.org/officeDocument/2006/relationships" type="chevron" r:blip="">
+                  <dgm:adjLst/>
+                </dgm:shape>
+                <dgm:presOf axis="desOrSelf" ptType="node"/>
+                <dgm:constrLst>
+                  <dgm:constr type="primFontSz" val="65"/>
+                  <dgm:constr type="rMarg"/>
+                  <dgm:constr type="lMarg" refType="primFontSz" fact="0.1"/>
+                  <dgm:constr type="tMarg" refType="primFontSz" fact="0.05"/>
+                  <dgm:constr type="bMarg" refType="primFontSz" fact="0.05"/>
+                </dgm:constrLst>
+              </dgm:if>
+              <dgm:else name="Name14">
+                <dgm:shape xmlns:r="http://schemas.openxmlformats.org/officeDocument/2006/relationships" rot="180" type="chevron" r:blip="">
+                  <dgm:adjLst/>
+                </dgm:shape>
+                <dgm:presOf axis="desOrSelf" ptType="node"/>
+                <dgm:constrLst>
+                  <dgm:constr type="primFontSz" val="65"/>
+                  <dgm:constr type="lMarg"/>
+                  <dgm:constr type="rMarg" refType="primFontSz" fact="0.1"/>
+                  <dgm:constr type="tMarg" refType="primFontSz" fact="0.05"/>
+                  <dgm:constr type="bMarg" refType="primFontSz" fact="0.05"/>
+                </dgm:constrLst>
+              </dgm:else>
+            </dgm:choose>
+            <dgm:ruleLst>
+              <dgm:rule type="primFontSz" val="5" fact="NaN" max="NaN"/>
+            </dgm:ruleLst>
+          </dgm:layoutNode>
+          <dgm:forEach name="sibTransForEach" axis="followSib" ptType="sibTrans" cnt="1">
+            <dgm:layoutNode name="sibTrans">
+              <dgm:alg type="sp"/>
+              <dgm:shape xmlns:r="http://schemas.openxmlformats.org/officeDocument/2006/relationships" r:blip="">
+                <dgm:adjLst/>
+              </dgm:shape>
+              <dgm:presOf/>
+              <dgm:constrLst/>
+              <dgm:ruleLst/>
+            </dgm:layoutNode>
+          </dgm:forEach>
+        </dgm:forEach>
+      </dgm:layoutNode>
+      <dgm:choose name="Name15">
+        <dgm:if name="Name16" axis="self" ptType="node" func="revPos" op="gte" val="2">
+          <dgm:layoutNode name="vSp">
+            <dgm:alg type="sp"/>
+            <dgm:shape xmlns:r="http://schemas.openxmlformats.org/officeDocument/2006/relationships" r:blip="">
+              <dgm:adjLst/>
+            </dgm:shape>
+            <dgm:presOf/>
+            <dgm:constrLst/>
+            <dgm:ruleLst/>
+          </dgm:layoutNode>
+        </dgm:if>
+        <dgm:else name="Name17"/>
+      </dgm:choose>
+    </dgm:forEach>
+  </dgm:layoutNode>
+</dgm:layoutDef>
+</file>
+
+<file path=ppt/diagrams/quickStyle1.xml><?xml version="1.0" encoding="utf-8"?>
+<dgm:styleDef xmlns:dgm="http://schemas.openxmlformats.org/drawingml/2006/diagram" xmlns:a="http://schemas.openxmlformats.org/drawingml/2006/main" uniqueId="urn:microsoft.com/office/officeart/2005/8/quickstyle/simple2">
+  <dgm:title val=""/>
+  <dgm:desc val=""/>
+  <dgm:catLst>
+    <dgm:cat type="simple" pri="10200"/>
+  </dgm:catLst>
+  <dgm:scene3d>
+    <a:camera prst="orthographicFront"/>
+    <a:lightRig rig="threePt" dir="t"/>
+  </dgm:scene3d>
+  <dgm:styleLbl name="node0">
+    <dgm:scene3d>
+      <a:camera prst="orthographicFront"/>
+      <a:lightRig rig="threePt" dir="t"/>
+    </dgm:scene3d>
+    <dgm:sp3d/>
+    <dgm:txPr/>
+    <dgm:style>
+      <a:lnRef idx="3">
+        <a:scrgbClr r="0" g="0" b="0"/>
+      </a:lnRef>
+      <a:fillRef idx="1">
+        <a:scrgbClr r="0" g="0" b="0"/>
+      </a:fillRef>
+      <a:effectRef idx="1">
+        <a:scrgbClr r="0" g="0" b="0"/>
+      </a:effectRef>
+      <a:fontRef idx="minor">
+        <a:schemeClr val="lt1"/>
+      </a:fontRef>
+    </dgm:style>
+  </dgm:styleLbl>
+  <dgm:styleLbl name="lnNode1">
+    <dgm:scene3d>
+      <a:camera prst="orthographicFront"/>
+      <a:lightRig rig="threePt" dir="t"/>
+    </dgm:scene3d>
+    <dgm:sp3d/>
+    <dgm:txPr/>
+    <dgm:style>
+      <a:lnRef idx="3">
+        <a:scrgbClr r="0" g="0" b="0"/>
+      </a:lnRef>
+      <a:fillRef idx="1">
+        <a:scrgbClr r="0" g="0" b="0"/>
+      </a:fillRef>
+      <a:effectRef idx="1">
+        <a:scrgbClr r="0" g="0" b="0"/>
+      </a:effectRef>
+      <a:fontRef idx="minor">
+        <a:schemeClr val="lt1"/>
+      </a:fontRef>
+    </dgm:style>
+  </dgm:styleLbl>
+  <dgm:styleLbl name="vennNode1">
+    <dgm:scene3d>
+      <a:camera prst="orthographicFront"/>
+      <a:lightRig rig="threePt" dir="t"/>
+    </dgm:scene3d>
+    <dgm:sp3d/>
+    <dgm:txPr/>
+    <dgm:style>
+      <a:lnRef idx="3">
+        <a:scrgbClr r="0" g="0" b="0"/>
+      </a:lnRef>
+      <a:fillRef idx="1">
+        <a:scrgbClr r="0" g="0" b="0"/>
+      </a:fillRef>
+      <a:effectRef idx="0">
+        <a:scrgbClr r="0" g="0" b="0"/>
+      </a:effectRef>
+      <a:fontRef idx="minor">
+        <a:schemeClr val="tx1"/>
+      </a:fontRef>
+    </dgm:style>
+  </dgm:styleLbl>
+  <dgm:styleLbl name="alignNode1">
+    <dgm:scene3d>
+      <a:camera prst="orthographicFront"/>
+      <a:lightRig rig="threePt" dir="t"/>
+    </dgm:scene3d>
+    <dgm:sp3d/>
+    <dgm:txPr/>
+    <dgm:style>
+      <a:lnRef idx="2">
+        <a:scrgbClr r="0" g="0" b="0"/>
+      </a:lnRef>
+      <a:fillRef idx="1">
+        <a:scrgbClr r="0" g="0" b="0"/>
+      </a:fillRef>
+      <a:effectRef idx="1">
+        <a:scrgbClr r="0" g="0" b="0"/>
+      </a:effectRef>
+      <a:fontRef idx="minor">
+        <a:schemeClr val="lt1"/>
+      </a:fontRef>
+    </dgm:style>
+  </dgm:styleLbl>
+  <dgm:styleLbl name="node1">
+    <dgm:scene3d>
+      <a:camera prst="orthographicFront"/>
+      <a:lightRig rig="threePt" dir="t"/>
+    </dgm:scene3d>
+    <dgm:sp3d/>
+    <dgm:txPr/>
+    <dgm:style>
+      <a:lnRef idx="3">
+        <a:scrgbClr r="0" g="0" b="0"/>
+      </a:lnRef>
+      <a:fillRef idx="1">
+        <a:scrgbClr r="0" g="0" b="0"/>
+      </a:fillRef>
+      <a:effectRef idx="1">
+        <a:scrgbClr r="0" g="0" b="0"/>
+      </a:effectRef>
+      <a:fontRef idx="minor">
+        <a:schemeClr val="lt1"/>
+      </a:fontRef>
+    </dgm:style>
+  </dgm:styleLbl>
+  <dgm:styleLbl name="node2">
+    <dgm:scene3d>
+      <a:camera prst="orthographicFront"/>
+      <a:lightRig rig="threePt" dir="t"/>
+    </dgm:scene3d>
+    <dgm:sp3d/>
+    <dgm:txPr/>
+    <dgm:style>
+      <a:lnRef idx="3">
+        <a:scrgbClr r="0" g="0" b="0"/>
+      </a:lnRef>
+      <a:fillRef idx="1">
+        <a:scrgbClr r="0" g="0" b="0"/>
+      </a:fillRef>
+      <a:effectRef idx="1">
+        <a:scrgbClr r="0" g="0" b="0"/>
+      </a:effectRef>
+      <a:fontRef idx="minor">
+        <a:schemeClr val="lt1"/>
+      </a:fontRef>
+    </dgm:style>
+  </dgm:styleLbl>
+  <dgm:styleLbl name="node3">
+    <dgm:scene3d>
+      <a:camera prst="orthographicFront"/>
+      <a:lightRig rig="threePt" dir="t"/>
+    </dgm:scene3d>
+    <dgm:sp3d/>
+    <dgm:txPr/>
+    <dgm:style>
+      <a:lnRef idx="3">
+        <a:scrgbClr r="0" g="0" b="0"/>
+      </a:lnRef>
+      <a:fillRef idx="1">
+        <a:scrgbClr r="0" g="0" b="0"/>
+      </a:fillRef>
+      <a:effectRef idx="1">
+        <a:scrgbClr r="0" g="0" b="0"/>
+      </a:effectRef>
+      <a:fontRef idx="minor">
+        <a:schemeClr val="lt1"/>
+      </a:fontRef>
+    </dgm:style>
+  </dgm:styleLbl>
+  <dgm:styleLbl name="node4">
+    <dgm:scene3d>
+      <a:camera prst="orthographicFront"/>
+      <a:lightRig rig="threePt" dir="t"/>
+    </dgm:scene3d>
+    <dgm:sp3d/>
+    <dgm:txPr/>
+    <dgm:style>
+      <a:lnRef idx="3">
+        <a:scrgbClr r="0" g="0" b="0"/>
+      </a:lnRef>
+      <a:fillRef idx="1">
+        <a:scrgbClr r="0" g="0" b="0"/>
+      </a:fillRef>
+      <a:effectRef idx="1">
+        <a:scrgbClr r="0" g="0" b="0"/>
+      </a:effectRef>
+      <a:fontRef idx="minor">
+        <a:schemeClr val="lt1"/>
+      </a:fontRef>
+    </dgm:style>
+  </dgm:styleLbl>
+  <dgm:styleLbl name="fgImgPlace1">
+    <dgm:scene3d>
+      <a:camera prst="orthographicFront"/>
+      <a:lightRig rig="threePt" dir="t"/>
+    </dgm:scene3d>
+    <dgm:sp3d/>
+    <dgm:txPr/>
+    <dgm:style>
+      <a:lnRef idx="3">
+        <a:scrgbClr r="0" g="0" b="0"/>
+      </a:lnRef>
+      <a:fillRef idx="1">
+        <a:scrgbClr r="0" g="0" b="0"/>
+      </a:fillRef>
+      <a:effectRef idx="1">
+        <a:scrgbClr r="0" g="0" b="0"/>
+      </a:effectRef>
+      <a:fontRef idx="minor"/>
+    </dgm:style>
+  </dgm:styleLbl>
+  <dgm:styleLbl name="alignImgPlace1">
+    <dgm:scene3d>
+      <a:camera prst="orthographicFront"/>
+      <a:lightRig rig="threePt" dir="t"/>
+    </dgm:scene3d>
+    <dgm:sp3d/>
+    <dgm:txPr/>
+    <dgm:style>
+      <a:lnRef idx="3">
+        <a:scrgbClr r="0" g="0" b="0"/>
+      </a:lnRef>
+      <a:fillRef idx="1">
+        <a:scrgbClr r="0" g="0" b="0"/>
+      </a:fillRef>
+      <a:effectRef idx="1">
+        <a:scrgbClr r="0" g="0" b="0"/>
+      </a:effectRef>
+      <a:fontRef idx="minor"/>
+    </dgm:style>
+  </dgm:styleLbl>
+  <dgm:styleLbl name="bgImgPlace1">
+    <dgm:scene3d>
+      <a:camera prst="orthographicFront"/>
+      <a:lightRig rig="threePt" dir="t"/>
+    </dgm:scene3d>
+    <dgm:sp3d/>
+    <dgm:txPr/>
+    <dgm:style>
+      <a:lnRef idx="3">
+        <a:scrgbClr r="0" g="0" b="0"/>
+      </a:lnRef>
+      <a:fillRef idx="1">
+        <a:scrgbClr r="0" g="0" b="0"/>
+      </a:fillRef>
+      <a:effectRef idx="1">
+        <a:scrgbClr r="0" g="0" b="0"/>
+      </a:effectRef>
+      <a:fontRef idx="minor"/>
+    </dgm:style>
+  </dgm:styleLbl>
+  <dgm:styleLbl name="sibTrans2D1">
+    <dgm:scene3d>
+      <a:camera prst="orthographicFront"/>
+      <a:lightRig rig="threePt" dir="t"/>
+    </dgm:scene3d>
+    <dgm:sp3d/>
+    <dgm:txPr/>
+    <dgm:style>
+      <a:lnRef idx="0">
+        <a:scrgbClr r="0" g="0" b="0"/>
+      </a:lnRef>
+      <a:fillRef idx="1">
+        <a:scrgbClr r="0" g="0" b="0"/>
+      </a:fillRef>
+      <a:effectRef idx="1">
+        <a:scrgbClr r="0" g="0" b="0"/>
+      </a:effectRef>
+      <a:fontRef idx="minor">
+        <a:schemeClr val="lt1"/>
+      </a:fontRef>
+    </dgm:style>
+  </dgm:styleLbl>
+  <dgm:styleLbl name="fgSibTrans2D1">
+    <dgm:scene3d>
+      <a:camera prst="orthographicFront"/>
+      <a:lightRig rig="threePt" dir="t"/>
+    </dgm:scene3d>
+    <dgm:sp3d/>
+    <dgm:txPr/>
+    <dgm:style>
+      <a:lnRef idx="0">
+        <a:scrgbClr r="0" g="0" b="0"/>
+      </a:lnRef>
+      <a:fillRef idx="1">
+        <a:scrgbClr r="0" g="0" b="0"/>
+      </a:fillRef>
+      <a:effectRef idx="1">
+        <a:scrgbClr r="0" g="0" b="0"/>
+      </a:effectRef>
+      <a:fontRef idx="minor">
+        <a:schemeClr val="lt1"/>
+      </a:fontRef>
+    </dgm:style>
+  </dgm:styleLbl>
+  <dgm:styleLbl name="bgSibTrans2D1">
+    <dgm:scene3d>
+      <a:camera prst="orthographicFront"/>
+      <a:lightRig rig="threePt" dir="t"/>
+    </dgm:scene3d>
+    <dgm:sp3d/>
+    <dgm:txPr/>
+    <dgm:style>
+      <a:lnRef idx="0">
+        <a:scrgbClr r="0" g="0" b="0"/>
+      </a:lnRef>
+      <a:fillRef idx="1">
+        <a:scrgbClr r="0" g="0" b="0"/>
+      </a:fillRef>
+      <a:effectRef idx="1">
+        <a:scrgbClr r="0" g="0" b="0"/>
+      </a:effectRef>
+      <a:fontRef idx="minor">
+        <a:schemeClr val="lt1"/>
+      </a:fontRef>
+    </dgm:style>
+  </dgm:styleLbl>
+  <dgm:styleLbl name="sibTrans1D1">
+    <dgm:scene3d>
+      <a:camera prst="orthographicFront"/>
+      <a:lightRig rig="threePt" dir="t"/>
+    </dgm:scene3d>
+    <dgm:sp3d/>
+    <dgm:txPr/>
+    <dgm:style>
+      <a:lnRef idx="1">
+        <a:scrgbClr r="0" g="0" b="0"/>
+      </a:lnRef>
+      <a:fillRef idx="0">
+        <a:scrgbClr r="0" g="0" b="0"/>
+      </a:fillRef>
+      <a:effectRef idx="0">
+        <a:scrgbClr r="0" g="0" b="0"/>
+      </a:effectRef>
+      <a:fontRef idx="minor"/>
+    </dgm:style>
+  </dgm:styleLbl>
+  <dgm:styleLbl name="callout">
+    <dgm:scene3d>
+      <a:camera prst="orthographicFront"/>
+      <a:lightRig rig="threePt" dir="t"/>
+    </dgm:scene3d>
+    <dgm:sp3d/>
+    <dgm:txPr/>
+    <dgm:style>
+      <a:lnRef idx="2">
+        <a:scrgbClr r="0" g="0" b="0"/>
+      </a:lnRef>
+      <a:fillRef idx="1">
+        <a:scrgbClr r="0" g="0" b="0"/>
+      </a:fillRef>
+      <a:effectRef idx="1">
+        <a:scrgbClr r="0" g="0" b="0"/>
+      </a:effectRef>
+      <a:fontRef idx="minor"/>
+    </dgm:style>
+  </dgm:styleLbl>
+  <dgm:styleLbl name="asst0">
+    <dgm:scene3d>
+      <a:camera prst="orthographicFront"/>
+      <a:lightRig rig="threePt" dir="t"/>
+    </dgm:scene3d>
+    <dgm:sp3d/>
+    <dgm:txPr/>
+    <dgm:style>
+      <a:lnRef idx="3">
+        <a:scrgbClr r="0" g="0" b="0"/>
+      </a:lnRef>
+      <a:fillRef idx="1">
+        <a:scrgbClr r="0" g="0" b="0"/>
+      </a:fillRef>
+      <a:effectRef idx="1">
+        <a:scrgbClr r="0" g="0" b="0"/>
+      </a:effectRef>
+      <a:fontRef idx="minor">
+        <a:schemeClr val="lt1"/>
+      </a:fontRef>
+    </dgm:style>
+  </dgm:styleLbl>
+  <dgm:styleLbl name="asst1">
+    <dgm:scene3d>
+      <a:camera prst="orthographicFront"/>
+      <a:lightRig rig="threePt" dir="t"/>
+    </dgm:scene3d>
+    <dgm:sp3d/>
+    <dgm:txPr/>
+    <dgm:style>
+      <a:lnRef idx="3">
+        <a:scrgbClr r="0" g="0" b="0"/>
+      </a:lnRef>
+      <a:fillRef idx="1">
+        <a:scrgbClr r="0" g="0" b="0"/>
+      </a:fillRef>
+      <a:effectRef idx="1">
+        <a:scrgbClr r="0" g="0" b="0"/>
+      </a:effectRef>
+      <a:fontRef idx="minor">
+        <a:schemeClr val="lt1"/>
+      </a:fontRef>
+    </dgm:style>
+  </dgm:styleLbl>
+  <dgm:styleLbl name="asst2">
+    <dgm:scene3d>
+      <a:camera prst="orthographicFront"/>
+      <a:lightRig rig="threePt" dir="t"/>
+    </dgm:scene3d>
+    <dgm:sp3d/>
+    <dgm:txPr/>
+    <dgm:style>
+      <a:lnRef idx="3">
+        <a:scrgbClr r="0" g="0" b="0"/>
+      </a:lnRef>
+      <a:fillRef idx="1">
+        <a:scrgbClr r="0" g="0" b="0"/>
+      </a:fillRef>
+      <a:effectRef idx="1">
+        <a:scrgbClr r="0" g="0" b="0"/>
+      </a:effectRef>
+      <a:fontRef idx="minor">
+        <a:schemeClr val="lt1"/>
+      </a:fontRef>
+    </dgm:style>
+  </dgm:styleLbl>
+  <dgm:styleLbl name="asst3">
+    <dgm:scene3d>
+      <a:camera prst="orthographicFront"/>
+      <a:lightRig rig="threePt" dir="t"/>
+    </dgm:scene3d>
+    <dgm:sp3d/>
+    <dgm:txPr/>
+    <dgm:style>
+      <a:lnRef idx="3">
+        <a:scrgbClr r="0" g="0" b="0"/>
+      </a:lnRef>
+      <a:fillRef idx="1">
+        <a:scrgbClr r="0" g="0" b="0"/>
+      </a:fillRef>
+      <a:effectRef idx="1">
+        <a:scrgbClr r="0" g="0" b="0"/>
+      </a:effectRef>
+      <a:fontRef idx="minor">
+        <a:schemeClr val="lt1"/>
+      </a:fontRef>
+    </dgm:style>
+  </dgm:styleLbl>
+  <dgm:styleLbl name="asst4">
+    <dgm:scene3d>
+      <a:camera prst="orthographicFront"/>
+      <a:lightRig rig="threePt" dir="t"/>
+    </dgm:scene3d>
+    <dgm:sp3d/>
+    <dgm:txPr/>
+    <dgm:style>
+      <a:lnRef idx="3">
+        <a:scrgbClr r="0" g="0" b="0"/>
+      </a:lnRef>
+      <a:fillRef idx="1">
+        <a:scrgbClr r="0" g="0" b="0"/>
+      </a:fillRef>
+      <a:effectRef idx="1">
+        <a:scrgbClr r="0" g="0" b="0"/>
+      </a:effectRef>
+      <a:fontRef idx="minor">
+        <a:schemeClr val="lt1"/>
+      </a:fontRef>
+    </dgm:style>
+  </dgm:styleLbl>
+  <dgm:styleLbl name="parChTrans2D1">
+    <dgm:scene3d>
+      <a:camera prst="orthographicFront"/>
+      <a:lightRig rig="threePt" dir="t"/>
+    </dgm:scene3d>
+    <dgm:sp3d/>
+    <dgm:txPr/>
+    <dgm:style>
+      <a:lnRef idx="3">
+        <a:scrgbClr r="0" g="0" b="0"/>
+      </a:lnRef>
+      <a:fillRef idx="1">
+        <a:scrgbClr r="0" g="0" b="0"/>
+      </a:fillRef>
+      <a:effectRef idx="1">
+        <a:scrgbClr r="0" g="0" b="0"/>
+      </a:effectRef>
+      <a:fontRef idx="minor">
+        <a:schemeClr val="lt1"/>
+      </a:fontRef>
+    </dgm:style>
+  </dgm:styleLbl>
+  <dgm:styleLbl name="parChTrans2D2">
+    <dgm:scene3d>
+      <a:camera prst="orthographicFront"/>
+      <a:lightRig rig="threePt" dir="t"/>
+    </dgm:scene3d>
+    <dgm:sp3d/>
+    <dgm:txPr/>
+    <dgm:style>
+      <a:lnRef idx="3">
+        <a:scrgbClr r="0" g="0" b="0"/>
+      </a:lnRef>
+      <a:fillRef idx="1">
+        <a:scrgbClr r="0" g="0" b="0"/>
+      </a:fillRef>
+      <a:effectRef idx="1">
+        <a:scrgbClr r="0" g="0" b="0"/>
+      </a:effectRef>
+      <a:fontRef idx="minor">
+        <a:schemeClr val="lt1"/>
+      </a:fontRef>
+    </dgm:style>
+  </dgm:styleLbl>
+  <dgm:styleLbl name="parChTrans2D3">
+    <dgm:scene3d>
+      <a:camera prst="orthographicFront"/>
+      <a:lightRig rig="threePt" dir="t"/>
+    </dgm:scene3d>
+    <dgm:sp3d/>
+    <dgm:txPr/>
+    <dgm:style>
+      <a:lnRef idx="3">
+        <a:scrgbClr r="0" g="0" b="0"/>
+      </a:lnRef>
+      <a:fillRef idx="1">
+        <a:scrgbClr r="0" g="0" b="0"/>
+      </a:fillRef>
+      <a:effectRef idx="1">
+        <a:scrgbClr r="0" g="0" b="0"/>
+      </a:effectRef>
+      <a:fontRef idx="minor">
+        <a:schemeClr val="lt1"/>
+      </a:fontRef>
+    </dgm:style>
+  </dgm:styleLbl>
+  <dgm:styleLbl name="parChTrans2D4">
+    <dgm:scene3d>
+      <a:camera prst="orthographicFront"/>
+      <a:lightRig rig="threePt" dir="t"/>
+    </dgm:scene3d>
+    <dgm:sp3d/>
+    <dgm:txPr/>
+    <dgm:style>
+      <a:lnRef idx="3">
+        <a:scrgbClr r="0" g="0" b="0"/>
+      </a:lnRef>
+      <a:fillRef idx="1">
+        <a:scrgbClr r="0" g="0" b="0"/>
+      </a:fillRef>
+      <a:effectRef idx="1">
+        <a:scrgbClr r="0" g="0" b="0"/>
+      </a:effectRef>
+      <a:fontRef idx="minor">
+        <a:schemeClr val="lt1"/>
+      </a:fontRef>
+    </dgm:style>
+  </dgm:styleLbl>
+  <dgm:styleLbl name="parChTrans1D1">
+    <dgm:scene3d>
+      <a:camera prst="orthographicFront"/>
+      <a:lightRig rig="threePt" dir="t"/>
+    </dgm:scene3d>
+    <dgm:sp3d/>
+    <dgm:txPr/>
+    <dgm:style>
+      <a:lnRef idx="2">
+        <a:scrgbClr r="0" g="0" b="0"/>
+      </a:lnRef>
+      <a:fillRef idx="0">
+        <a:scrgbClr r="0" g="0" b="0"/>
+      </a:fillRef>
+      <a:effectRef idx="0">
+        <a:scrgbClr r="0" g="0" b="0"/>
+      </a:effectRef>
+      <a:fontRef idx="minor"/>
+    </dgm:style>
+  </dgm:styleLbl>
+  <dgm:styleLbl name="parChTrans1D2">
+    <dgm:scene3d>
+      <a:camera prst="orthographicFront"/>
+      <a:lightRig rig="threePt" dir="t"/>
+    </dgm:scene3d>
+    <dgm:sp3d/>
+    <dgm:txPr/>
+    <dgm:style>
+      <a:lnRef idx="2">
+        <a:scrgbClr r="0" g="0" b="0"/>
+      </a:lnRef>
+      <a:fillRef idx="0">
+        <a:scrgbClr r="0" g="0" b="0"/>
+      </a:fillRef>
+      <a:effectRef idx="0">
+        <a:scrgbClr r="0" g="0" b="0"/>
+      </a:effectRef>
+      <a:fontRef idx="minor"/>
+    </dgm:style>
+  </dgm:styleLbl>
+  <dgm:styleLbl name="parChTrans1D3">
+    <dgm:scene3d>
+      <a:camera prst="orthographicFront"/>
+      <a:lightRig rig="threePt" dir="t"/>
+    </dgm:scene3d>
+    <dgm:sp3d/>
+    <dgm:txPr/>
+    <dgm:style>
+      <a:lnRef idx="2">
+        <a:scrgbClr r="0" g="0" b="0"/>
+      </a:lnRef>
+      <a:fillRef idx="0">
+        <a:scrgbClr r="0" g="0" b="0"/>
+      </a:fillRef>
+      <a:effectRef idx="0">
+        <a:scrgbClr r="0" g="0" b="0"/>
+      </a:effectRef>
+      <a:fontRef idx="minor"/>
+    </dgm:style>
+  </dgm:styleLbl>
+  <dgm:styleLbl name="parChTrans1D4">
+    <dgm:scene3d>
+      <a:camera prst="orthographicFront"/>
+      <a:lightRig rig="threePt" dir="t"/>
+    </dgm:scene3d>
+    <dgm:sp3d/>
+    <dgm:txPr/>
+    <dgm:style>
+      <a:lnRef idx="2">
+        <a:scrgbClr r="0" g="0" b="0"/>
+      </a:lnRef>
+      <a:fillRef idx="0">
+        <a:scrgbClr r="0" g="0" b="0"/>
+      </a:fillRef>
+      <a:effectRef idx="0">
+        <a:scrgbClr r="0" g="0" b="0"/>
+      </a:effectRef>
+      <a:fontRef idx="minor"/>
+    </dgm:style>
+  </dgm:styleLbl>
+  <dgm:styleLbl name="fgAcc1">
+    <dgm:scene3d>
+      <a:camera prst="orthographicFront"/>
+      <a:lightRig rig="threePt" dir="t"/>
+    </dgm:scene3d>
+    <dgm:sp3d/>
+    <dgm:txPr/>
+    <dgm:style>
+      <a:lnRef idx="2">
+        <a:scrgbClr r="0" g="0" b="0"/>
+      </a:lnRef>
+      <a:fillRef idx="1">
+        <a:scrgbClr r="0" g="0" b="0"/>
+      </a:fillRef>
+      <a:effectRef idx="0">
+        <a:scrgbClr r="0" g="0" b="0"/>
+      </a:effectRef>
+      <a:fontRef idx="minor"/>
+    </dgm:style>
+  </dgm:styleLbl>
+  <dgm:styleLbl name="conFgAcc1">
+    <dgm:scene3d>
+      <a:camera prst="orthographicFront"/>
+      <a:lightRig rig="threePt" dir="t"/>
+    </dgm:scene3d>
+    <dgm:sp3d/>
+    <dgm:txPr/>
+    <dgm:style>
+      <a:lnRef idx="2">
+        <a:scrgbClr r="0" g="0" b="0"/>
+      </a:lnRef>
+      <a:fillRef idx="1">
+        <a:scrgbClr r="0" g="0" b="0"/>
+      </a:fillRef>
+      <a:effectRef idx="0">
+        <a:scrgbClr r="0" g="0" b="0"/>
+      </a:effectRef>
+      <a:fontRef idx="minor"/>
+    </dgm:style>
+  </dgm:styleLbl>
+  <dgm:styleLbl name="alignAcc1">
+    <dgm:scene3d>
+      <a:camera prst="orthographicFront"/>
+      <a:lightRig rig="threePt" dir="t"/>
+    </dgm:scene3d>
+    <dgm:sp3d/>
+    <dgm:txPr/>
+    <dgm:style>
+      <a:lnRef idx="2">
+        <a:scrgbClr r="0" g="0" b="0"/>
+      </a:lnRef>
+      <a:fillRef idx="1">
+        <a:scrgbClr r="0" g="0" b="0"/>
+      </a:fillRef>
+      <a:effectRef idx="0">
+        <a:scrgbClr r="0" g="0" b="0"/>
+      </a:effectRef>
+      <a:fontRef idx="minor"/>
+    </dgm:style>
+  </dgm:styleLbl>
+  <dgm:styleLbl name="trAlignAcc1">
+    <dgm:scene3d>
+      <a:camera prst="orthographicFront"/>
+      <a:lightRig rig="threePt" dir="t"/>
+    </dgm:scene3d>
+    <dgm:sp3d/>
+    <dgm:txPr/>
+    <dgm:style>
+      <a:lnRef idx="1">
+        <a:scrgbClr r="0" g="0" b="0"/>
+      </a:lnRef>
+      <a:fillRef idx="1">
+        <a:scrgbClr r="0" g="0" b="0"/>
+      </a:fillRef>
+      <a:effectRef idx="0">
+        <a:scrgbClr r="0" g="0" b="0"/>
+      </a:effectRef>
+      <a:fontRef idx="minor"/>
+    </dgm:style>
+  </dgm:styleLbl>
+  <dgm:styleLbl name="bgAcc1">
+    <dgm:scene3d>
+      <a:camera prst="orthographicFront"/>
+      <a:lightRig rig="threePt" dir="t"/>
+    </dgm:scene3d>
+    <dgm:sp3d/>
+    <dgm:txPr/>
+    <dgm:style>
+      <a:lnRef idx="2">
+        <a:scrgbClr r="0" g="0" b="0"/>
+      </a:lnRef>
+      <a:fillRef idx="1">
+        <a:scrgbClr r="0" g="0" b="0"/>
+      </a:fillRef>
+      <a:effectRef idx="0">
+        <a:scrgbClr r="0" g="0" b="0"/>
+      </a:effectRef>
+      <a:fontRef idx="minor"/>
+    </dgm:style>
+  </dgm:styleLbl>
+  <dgm:styleLbl name="solidFgAcc1">
+    <dgm:scene3d>
+      <a:camera prst="orthographicFront"/>
+      <a:lightRig rig="threePt" dir="t"/>
+    </dgm:scene3d>
+    <dgm:sp3d/>
+    <dgm:txPr/>
+    <dgm:style>
+      <a:lnRef idx="2">
+        <a:scrgbClr r="0" g="0" b="0"/>
+      </a:lnRef>
+      <a:fillRef idx="1">
+        <a:scrgbClr r="0" g="0" b="0"/>
+      </a:fillRef>
+      <a:effectRef idx="0">
+        <a:scrgbClr r="0" g="0" b="0"/>
+      </a:effectRef>
+      <a:fontRef idx="minor"/>
+    </dgm:style>
+  </dgm:styleLbl>
+  <dgm:styleLbl name="solidAlignAcc1">
+    <dgm:scene3d>
+      <a:camera prst="orthographicFront"/>
+      <a:lightRig rig="threePt" dir="t"/>
+    </dgm:scene3d>
+    <dgm:sp3d/>
+    <dgm:txPr/>
+    <dgm:style>
+      <a:lnRef idx="2">
+        <a:scrgbClr r="0" g="0" b="0"/>
+      </a:lnRef>
+      <a:fillRef idx="1">
+        <a:scrgbClr r="0" g="0" b="0"/>
+      </a:fillRef>
+      <a:effectRef idx="0">
+        <a:scrgbClr r="0" g="0" b="0"/>
+      </a:effectRef>
+      <a:fontRef idx="minor"/>
+    </dgm:style>
+  </dgm:styleLbl>
+  <dgm:styleLbl name="solidBgAcc1">
+    <dgm:scene3d>
+      <a:camera prst="orthographicFront"/>
+      <a:lightRig rig="threePt" dir="t"/>
+    </dgm:scene3d>
+    <dgm:sp3d/>
+    <dgm:txPr/>
+    <dgm:style>
+      <a:lnRef idx="2">
+        <a:scrgbClr r="0" g="0" b="0"/>
+      </a:lnRef>
+      <a:fillRef idx="1">
+        <a:scrgbClr r="0" g="0" b="0"/>
+      </a:fillRef>
+      <a:effectRef idx="0">
+        <a:scrgbClr r="0" g="0" b="0"/>
+      </a:effectRef>
+      <a:fontRef idx="minor"/>
+    </dgm:style>
+  </dgm:styleLbl>
+  <dgm:styleLbl name="fgAccFollowNode1">
+    <dgm:scene3d>
+      <a:camera prst="orthographicFront"/>
+      <a:lightRig rig="threePt" dir="t"/>
+    </dgm:scene3d>
+    <dgm:sp3d/>
+    <dgm:txPr/>
+    <dgm:style>
+      <a:lnRef idx="2">
+        <a:scrgbClr r="0" g="0" b="0"/>
+      </a:lnRef>
+      <a:fillRef idx="1">
+        <a:scrgbClr r="0" g="0" b="0"/>
+      </a:fillRef>
+      <a:effectRef idx="0">
+        <a:scrgbClr r="0" g="0" b="0"/>
+      </a:effectRef>
+      <a:fontRef idx="minor"/>
+    </dgm:style>
+  </dgm:styleLbl>
+  <dgm:styleLbl name="alignAccFollowNode1">
+    <dgm:scene3d>
+      <a:camera prst="orthographicFront"/>
+      <a:lightRig rig="threePt" dir="t"/>
+    </dgm:scene3d>
+    <dgm:sp3d/>
+    <dgm:txPr/>
+    <dgm:style>
+      <a:lnRef idx="2">
+        <a:scrgbClr r="0" g="0" b="0"/>
+      </a:lnRef>
+      <a:fillRef idx="1">
+        <a:scrgbClr r="0" g="0" b="0"/>
+      </a:fillRef>
+      <a:effectRef idx="0">
+        <a:scrgbClr r="0" g="0" b="0"/>
+      </a:effectRef>
+      <a:fontRef idx="minor"/>
+    </dgm:style>
+  </dgm:styleLbl>
+  <dgm:styleLbl name="bgAccFollowNode1">
+    <dgm:scene3d>
+      <a:camera prst="orthographicFront"/>
+      <a:lightRig rig="threePt" dir="t"/>
+    </dgm:scene3d>
+    <dgm:sp3d/>
+    <dgm:txPr/>
+    <dgm:style>
+      <a:lnRef idx="2">
+        <a:scrgbClr r="0" g="0" b="0"/>
+      </a:lnRef>
+      <a:fillRef idx="1">
+        <a:scrgbClr r="0" g="0" b="0"/>
+      </a:fillRef>
+      <a:effectRef idx="0">
+        <a:scrgbClr r="0" g="0" b="0"/>
+      </a:effectRef>
+      <a:fontRef idx="minor"/>
+    </dgm:style>
+  </dgm:styleLbl>
+  <dgm:styleLbl name="fgAcc0">
+    <dgm:scene3d>
+      <a:camera prst="orthographicFront"/>
+      <a:lightRig rig="threePt" dir="t"/>
+    </dgm:scene3d>
+    <dgm:sp3d/>
+    <dgm:txPr/>
+    <dgm:style>
+      <a:lnRef idx="2">
+        <a:scrgbClr r="0" g="0" b="0"/>
+      </a:lnRef>
+      <a:fillRef idx="1">
+        <a:scrgbClr r="0" g="0" b="0"/>
+      </a:fillRef>
+      <a:effectRef idx="0">
+        <a:scrgbClr r="0" g="0" b="0"/>
+      </a:effectRef>
+      <a:fontRef idx="minor"/>
+    </dgm:style>
+  </dgm:styleLbl>
+  <dgm:styleLbl name="fgAcc2">
+    <dgm:scene3d>
+      <a:camera prst="orthographicFront"/>
+      <a:lightRig rig="threePt" dir="t"/>
+    </dgm:scene3d>
+    <dgm:sp3d/>
+    <dgm:txPr/>
+    <dgm:style>
+      <a:lnRef idx="2">
+        <a:scrgbClr r="0" g="0" b="0"/>
+      </a:lnRef>
+      <a:fillRef idx="1">
+        <a:scrgbClr r="0" g="0" b="0"/>
+      </a:fillRef>
+      <a:effectRef idx="0">
+        <a:scrgbClr r="0" g="0" b="0"/>
+      </a:effectRef>
+      <a:fontRef idx="minor"/>
+    </dgm:style>
+  </dgm:styleLbl>
+  <dgm:styleLbl name="fgAcc3">
+    <dgm:scene3d>
+      <a:camera prst="orthographicFront"/>
+      <a:lightRig rig="threePt" dir="t"/>
+    </dgm:scene3d>
+    <dgm:sp3d/>
+    <dgm:txPr/>
+    <dgm:style>
+      <a:lnRef idx="2">
+        <a:scrgbClr r="0" g="0" b="0"/>
+      </a:lnRef>
+      <a:fillRef idx="1">
+        <a:scrgbClr r="0" g="0" b="0"/>
+      </a:fillRef>
+      <a:effectRef idx="0">
+        <a:scrgbClr r="0" g="0" b="0"/>
+      </a:effectRef>
+      <a:fontRef idx="minor"/>
+    </dgm:style>
+  </dgm:styleLbl>
+  <dgm:styleLbl name="fgAcc4">
+    <dgm:scene3d>
+      <a:camera prst="orthographicFront"/>
+      <a:lightRig rig="threePt" dir="t"/>
+    </dgm:scene3d>
+    <dgm:sp3d/>
+    <dgm:txPr/>
+    <dgm:style>
+      <a:lnRef idx="2">
+        <a:scrgbClr r="0" g="0" b="0"/>
+      </a:lnRef>
+      <a:fillRef idx="1">
+        <a:scrgbClr r="0" g="0" b="0"/>
+      </a:fillRef>
+      <a:effectRef idx="0">
+        <a:scrgbClr r="0" g="0" b="0"/>
+      </a:effectRef>
+      <a:fontRef idx="minor"/>
+    </dgm:style>
+  </dgm:styleLbl>
+  <dgm:styleLbl name="bgShp">
+    <dgm:scene3d>
+      <a:camera prst="orthographicFront"/>
+      <a:lightRig rig="threePt" dir="t"/>
+    </dgm:scene3d>
+    <dgm:sp3d/>
+    <dgm:txPr/>
+    <dgm:style>
+      <a:lnRef idx="0">
+        <a:scrgbClr r="0" g="0" b="0"/>
+      </a:lnRef>
+      <a:fillRef idx="1">
+        <a:scrgbClr r="0" g="0" b="0"/>
+      </a:fillRef>
+      <a:effectRef idx="0">
+        <a:scrgbClr r="0" g="0" b="0"/>
+      </a:effectRef>
+      <a:fontRef idx="minor"/>
+    </dgm:style>
+  </dgm:styleLbl>
+  <dgm:styleLbl name="dkBgShp">
+    <dgm:scene3d>
+      <a:camera prst="orthographicFront"/>
+      <a:lightRig rig="threePt" dir="t"/>
+    </dgm:scene3d>
+    <dgm:sp3d/>
+    <dgm:txPr/>
+    <dgm:style>
+      <a:lnRef idx="0">
+        <a:scrgbClr r="0" g="0" b="0"/>
+      </a:lnRef>
+      <a:fillRef idx="1">
+        <a:scrgbClr r="0" g="0" b="0"/>
+      </a:fillRef>
+      <a:effectRef idx="0">
+        <a:scrgbClr r="0" g="0" b="0"/>
+      </a:effectRef>
+      <a:fontRef idx="minor"/>
+    </dgm:style>
+  </dgm:styleLbl>
+  <dgm:styleLbl name="trBgShp">
+    <dgm:scene3d>
+      <a:camera prst="orthographicFront"/>
+      <a:lightRig rig="threePt" dir="t"/>
+    </dgm:scene3d>
+    <dgm:sp3d/>
+    <dgm:txPr/>
+    <dgm:style>
+      <a:lnRef idx="0">
+        <a:scrgbClr r="0" g="0" b="0"/>
+      </a:lnRef>
+      <a:fillRef idx="1">
+        <a:scrgbClr r="0" g="0" b="0"/>
+      </a:fillRef>
+      <a:effectRef idx="0">
+        <a:scrgbClr r="0" g="0" b="0"/>
+      </a:effectRef>
+      <a:fontRef idx="minor"/>
+    </dgm:style>
+  </dgm:styleLbl>
+  <dgm:styleLbl name="fgShp">
+    <dgm:scene3d>
+      <a:camera prst="orthographicFront"/>
+      <a:lightRig rig="threePt" dir="t"/>
+    </dgm:scene3d>
+    <dgm:sp3d/>
+    <dgm:txPr/>
+    <dgm:style>
+      <a:lnRef idx="3">
+        <a:scrgbClr r="0" g="0" b="0"/>
+      </a:lnRef>
+      <a:fillRef idx="1">
+        <a:scrgbClr r="0" g="0" b="0"/>
+      </a:fillRef>
+      <a:effectRef idx="1">
+        <a:scrgbClr r="0" g="0" b="0"/>
+      </a:effectRef>
+      <a:fontRef idx="minor"/>
+    </dgm:style>
+  </dgm:styleLbl>
+  <dgm:styleLbl name="revTx">
+    <dgm:scene3d>
+      <a:camera prst="orthographicFront"/>
+      <a:lightRig rig="threePt" dir="t"/>
+    </dgm:scene3d>
+    <dgm:sp3d/>
+    <dgm:txPr/>
+    <dgm:style>
+      <a:lnRef idx="0">
+        <a:scrgbClr r="0" g="0" b="0"/>
+      </a:lnRef>
+      <a:fillRef idx="0">
+        <a:scrgbClr r="0" g="0" b="0"/>
+      </a:fillRef>
+      <a:effectRef idx="0">
+        <a:scrgbClr r="0" g="0" b="0"/>
+      </a:effectRef>
+      <a:fontRef idx="minor"/>
+    </dgm:style>
+  </dgm:styleLbl>
+</dgm:styleDef>
+</file>
+
+<file path=ppt/diagrams/quickStyle2.xml><?xml version="1.0" encoding="utf-8"?>
+<dgm:styleDef xmlns:dgm="http://schemas.openxmlformats.org/drawingml/2006/diagram" xmlns:a="http://schemas.openxmlformats.org/drawingml/2006/main" uniqueId="urn:microsoft.com/office/officeart/2005/8/quickstyle/simple2">
+  <dgm:title val=""/>
+  <dgm:desc val=""/>
+  <dgm:catLst>
+    <dgm:cat type="simple" pri="10200"/>
+  </dgm:catLst>
+  <dgm:scene3d>
+    <a:camera prst="orthographicFront"/>
+    <a:lightRig rig="threePt" dir="t"/>
+  </dgm:scene3d>
+  <dgm:styleLbl name="node0">
+    <dgm:scene3d>
+      <a:camera prst="orthographicFront"/>
+      <a:lightRig rig="threePt" dir="t"/>
+    </dgm:scene3d>
+    <dgm:sp3d/>
+    <dgm:txPr/>
+    <dgm:style>
+      <a:lnRef idx="3">
+        <a:scrgbClr r="0" g="0" b="0"/>
+      </a:lnRef>
+      <a:fillRef idx="1">
+        <a:scrgbClr r="0" g="0" b="0"/>
+      </a:fillRef>
+      <a:effectRef idx="1">
+        <a:scrgbClr r="0" g="0" b="0"/>
+      </a:effectRef>
+      <a:fontRef idx="minor">
+        <a:schemeClr val="lt1"/>
+      </a:fontRef>
+    </dgm:style>
+  </dgm:styleLbl>
+  <dgm:styleLbl name="lnNode1">
+    <dgm:scene3d>
+      <a:camera prst="orthographicFront"/>
+      <a:lightRig rig="threePt" dir="t"/>
+    </dgm:scene3d>
+    <dgm:sp3d/>
+    <dgm:txPr/>
+    <dgm:style>
+      <a:lnRef idx="3">
+        <a:scrgbClr r="0" g="0" b="0"/>
+      </a:lnRef>
+      <a:fillRef idx="1">
+        <a:scrgbClr r="0" g="0" b="0"/>
+      </a:fillRef>
+      <a:effectRef idx="1">
+        <a:scrgbClr r="0" g="0" b="0"/>
+      </a:effectRef>
+      <a:fontRef idx="minor">
+        <a:schemeClr val="lt1"/>
+      </a:fontRef>
+    </dgm:style>
+  </dgm:styleLbl>
+  <dgm:styleLbl name="vennNode1">
+    <dgm:scene3d>
+      <a:camera prst="orthographicFront"/>
+      <a:lightRig rig="threePt" dir="t"/>
+    </dgm:scene3d>
+    <dgm:sp3d/>
+    <dgm:txPr/>
+    <dgm:style>
+      <a:lnRef idx="3">
+        <a:scrgbClr r="0" g="0" b="0"/>
+      </a:lnRef>
+      <a:fillRef idx="1">
+        <a:scrgbClr r="0" g="0" b="0"/>
+      </a:fillRef>
+      <a:effectRef idx="0">
+        <a:scrgbClr r="0" g="0" b="0"/>
+      </a:effectRef>
+      <a:fontRef idx="minor">
+        <a:schemeClr val="tx1"/>
+      </a:fontRef>
+    </dgm:style>
+  </dgm:styleLbl>
+  <dgm:styleLbl name="alignNode1">
+    <dgm:scene3d>
+      <a:camera prst="orthographicFront"/>
+      <a:lightRig rig="threePt" dir="t"/>
+    </dgm:scene3d>
+    <dgm:sp3d/>
+    <dgm:txPr/>
+    <dgm:style>
+      <a:lnRef idx="2">
+        <a:scrgbClr r="0" g="0" b="0"/>
+      </a:lnRef>
+      <a:fillRef idx="1">
+        <a:scrgbClr r="0" g="0" b="0"/>
+      </a:fillRef>
+      <a:effectRef idx="1">
+        <a:scrgbClr r="0" g="0" b="0"/>
+      </a:effectRef>
+      <a:fontRef idx="minor">
+        <a:schemeClr val="lt1"/>
+      </a:fontRef>
+    </dgm:style>
+  </dgm:styleLbl>
+  <dgm:styleLbl name="node1">
+    <dgm:scene3d>
+      <a:camera prst="orthographicFront"/>
+      <a:lightRig rig="threePt" dir="t"/>
+    </dgm:scene3d>
+    <dgm:sp3d/>
+    <dgm:txPr/>
+    <dgm:style>
+      <a:lnRef idx="3">
+        <a:scrgbClr r="0" g="0" b="0"/>
+      </a:lnRef>
+      <a:fillRef idx="1">
+        <a:scrgbClr r="0" g="0" b="0"/>
+      </a:fillRef>
+      <a:effectRef idx="1">
+        <a:scrgbClr r="0" g="0" b="0"/>
+      </a:effectRef>
+      <a:fontRef idx="minor">
+        <a:schemeClr val="lt1"/>
+      </a:fontRef>
+    </dgm:style>
+  </dgm:styleLbl>
+  <dgm:styleLbl name="node2">
+    <dgm:scene3d>
+      <a:camera prst="orthographicFront"/>
+      <a:lightRig rig="threePt" dir="t"/>
+    </dgm:scene3d>
+    <dgm:sp3d/>
+    <dgm:txPr/>
+    <dgm:style>
+      <a:lnRef idx="3">
+        <a:scrgbClr r="0" g="0" b="0"/>
+      </a:lnRef>
+      <a:fillRef idx="1">
+        <a:scrgbClr r="0" g="0" b="0"/>
+      </a:fillRef>
+      <a:effectRef idx="1">
+        <a:scrgbClr r="0" g="0" b="0"/>
+      </a:effectRef>
+      <a:fontRef idx="minor">
+        <a:schemeClr val="lt1"/>
+      </a:fontRef>
+    </dgm:style>
+  </dgm:styleLbl>
+  <dgm:styleLbl name="node3">
+    <dgm:scene3d>
+      <a:camera prst="orthographicFront"/>
+      <a:lightRig rig="threePt" dir="t"/>
+    </dgm:scene3d>
+    <dgm:sp3d/>
+    <dgm:txPr/>
+    <dgm:style>
+      <a:lnRef idx="3">
+        <a:scrgbClr r="0" g="0" b="0"/>
+      </a:lnRef>
+      <a:fillRef idx="1">
+        <a:scrgbClr r="0" g="0" b="0"/>
+      </a:fillRef>
+      <a:effectRef idx="1">
+        <a:scrgbClr r="0" g="0" b="0"/>
+      </a:effectRef>
+      <a:fontRef idx="minor">
+        <a:schemeClr val="lt1"/>
+      </a:fontRef>
+    </dgm:style>
+  </dgm:styleLbl>
+  <dgm:styleLbl name="node4">
+    <dgm:scene3d>
+      <a:camera prst="orthographicFront"/>
+      <a:lightRig rig="threePt" dir="t"/>
+    </dgm:scene3d>
+    <dgm:sp3d/>
+    <dgm:txPr/>
+    <dgm:style>
+      <a:lnRef idx="3">
+        <a:scrgbClr r="0" g="0" b="0"/>
+      </a:lnRef>
+      <a:fillRef idx="1">
+        <a:scrgbClr r="0" g="0" b="0"/>
+      </a:fillRef>
+      <a:effectRef idx="1">
+        <a:scrgbClr r="0" g="0" b="0"/>
+      </a:effectRef>
+      <a:fontRef idx="minor">
+        <a:schemeClr val="lt1"/>
+      </a:fontRef>
+    </dgm:style>
+  </dgm:styleLbl>
+  <dgm:styleLbl name="fgImgPlace1">
+    <dgm:scene3d>
+      <a:camera prst="orthographicFront"/>
+      <a:lightRig rig="threePt" dir="t"/>
+    </dgm:scene3d>
+    <dgm:sp3d/>
+    <dgm:txPr/>
+    <dgm:style>
+      <a:lnRef idx="3">
+        <a:scrgbClr r="0" g="0" b="0"/>
+      </a:lnRef>
+      <a:fillRef idx="1">
+        <a:scrgbClr r="0" g="0" b="0"/>
+      </a:fillRef>
+      <a:effectRef idx="1">
+        <a:scrgbClr r="0" g="0" b="0"/>
+      </a:effectRef>
+      <a:fontRef idx="minor"/>
+    </dgm:style>
+  </dgm:styleLbl>
+  <dgm:styleLbl name="alignImgPlace1">
+    <dgm:scene3d>
+      <a:camera prst="orthographicFront"/>
+      <a:lightRig rig="threePt" dir="t"/>
+    </dgm:scene3d>
+    <dgm:sp3d/>
+    <dgm:txPr/>
+    <dgm:style>
+      <a:lnRef idx="3">
+        <a:scrgbClr r="0" g="0" b="0"/>
+      </a:lnRef>
+      <a:fillRef idx="1">
+        <a:scrgbClr r="0" g="0" b="0"/>
+      </a:fillRef>
+      <a:effectRef idx="1">
+        <a:scrgbClr r="0" g="0" b="0"/>
+      </a:effectRef>
+      <a:fontRef idx="minor"/>
+    </dgm:style>
+  </dgm:styleLbl>
+  <dgm:styleLbl name="bgImgPlace1">
+    <dgm:scene3d>
+      <a:camera prst="orthographicFront"/>
+      <a:lightRig rig="threePt" dir="t"/>
+    </dgm:scene3d>
+    <dgm:sp3d/>
+    <dgm:txPr/>
+    <dgm:style>
+      <a:lnRef idx="3">
+        <a:scrgbClr r="0" g="0" b="0"/>
+      </a:lnRef>
+      <a:fillRef idx="1">
+        <a:scrgbClr r="0" g="0" b="0"/>
+      </a:fillRef>
+      <a:effectRef idx="1">
+        <a:scrgbClr r="0" g="0" b="0"/>
+      </a:effectRef>
+      <a:fontRef idx="minor"/>
+    </dgm:style>
+  </dgm:styleLbl>
+  <dgm:styleLbl name="sibTrans2D1">
+    <dgm:scene3d>
+      <a:camera prst="orthographicFront"/>
+      <a:lightRig rig="threePt" dir="t"/>
+    </dgm:scene3d>
+    <dgm:sp3d/>
+    <dgm:txPr/>
+    <dgm:style>
+      <a:lnRef idx="0">
+        <a:scrgbClr r="0" g="0" b="0"/>
+      </a:lnRef>
+      <a:fillRef idx="1">
+        <a:scrgbClr r="0" g="0" b="0"/>
+      </a:fillRef>
+      <a:effectRef idx="1">
+        <a:scrgbClr r="0" g="0" b="0"/>
+      </a:effectRef>
+      <a:fontRef idx="minor">
+        <a:schemeClr val="lt1"/>
+      </a:fontRef>
+    </dgm:style>
+  </dgm:styleLbl>
+  <dgm:styleLbl name="fgSibTrans2D1">
+    <dgm:scene3d>
+      <a:camera prst="orthographicFront"/>
+      <a:lightRig rig="threePt" dir="t"/>
+    </dgm:scene3d>
+    <dgm:sp3d/>
+    <dgm:txPr/>
+    <dgm:style>
+      <a:lnRef idx="0">
+        <a:scrgbClr r="0" g="0" b="0"/>
+      </a:lnRef>
+      <a:fillRef idx="1">
+        <a:scrgbClr r="0" g="0" b="0"/>
+      </a:fillRef>
+      <a:effectRef idx="1">
+        <a:scrgbClr r="0" g="0" b="0"/>
+      </a:effectRef>
+      <a:fontRef idx="minor">
+        <a:schemeClr val="lt1"/>
+      </a:fontRef>
+    </dgm:style>
+  </dgm:styleLbl>
+  <dgm:styleLbl name="bgSibTrans2D1">
+    <dgm:scene3d>
+      <a:camera prst="orthographicFront"/>
+      <a:lightRig rig="threePt" dir="t"/>
+    </dgm:scene3d>
+    <dgm:sp3d/>
+    <dgm:txPr/>
+    <dgm:style>
+      <a:lnRef idx="0">
+        <a:scrgbClr r="0" g="0" b="0"/>
+      </a:lnRef>
+      <a:fillRef idx="1">
+        <a:scrgbClr r="0" g="0" b="0"/>
+      </a:fillRef>
+      <a:effectRef idx="1">
+        <a:scrgbClr r="0" g="0" b="0"/>
+      </a:effectRef>
+      <a:fontRef idx="minor">
+        <a:schemeClr val="lt1"/>
+      </a:fontRef>
+    </dgm:style>
+  </dgm:styleLbl>
+  <dgm:styleLbl name="sibTrans1D1">
+    <dgm:scene3d>
+      <a:camera prst="orthographicFront"/>
+      <a:lightRig rig="threePt" dir="t"/>
+    </dgm:scene3d>
+    <dgm:sp3d/>
+    <dgm:txPr/>
+    <dgm:style>
+      <a:lnRef idx="1">
+        <a:scrgbClr r="0" g="0" b="0"/>
+      </a:lnRef>
+      <a:fillRef idx="0">
+        <a:scrgbClr r="0" g="0" b="0"/>
+      </a:fillRef>
+      <a:effectRef idx="0">
+        <a:scrgbClr r="0" g="0" b="0"/>
+      </a:effectRef>
+      <a:fontRef idx="minor"/>
+    </dgm:style>
+  </dgm:styleLbl>
+  <dgm:styleLbl name="callout">
+    <dgm:scene3d>
+      <a:camera prst="orthographicFront"/>
+      <a:lightRig rig="threePt" dir="t"/>
+    </dgm:scene3d>
+    <dgm:sp3d/>
+    <dgm:txPr/>
+    <dgm:style>
+      <a:lnRef idx="2">
+        <a:scrgbClr r="0" g="0" b="0"/>
+      </a:lnRef>
+      <a:fillRef idx="1">
+        <a:scrgbClr r="0" g="0" b="0"/>
+      </a:fillRef>
+      <a:effectRef idx="1">
+        <a:scrgbClr r="0" g="0" b="0"/>
+      </a:effectRef>
+      <a:fontRef idx="minor"/>
+    </dgm:style>
+  </dgm:styleLbl>
+  <dgm:styleLbl name="asst0">
+    <dgm:scene3d>
+      <a:camera prst="orthographicFront"/>
+      <a:lightRig rig="threePt" dir="t"/>
+    </dgm:scene3d>
+    <dgm:sp3d/>
+    <dgm:txPr/>
+    <dgm:style>
+      <a:lnRef idx="3">
+        <a:scrgbClr r="0" g="0" b="0"/>
+      </a:lnRef>
+      <a:fillRef idx="1">
+        <a:scrgbClr r="0" g="0" b="0"/>
+      </a:fillRef>
+      <a:effectRef idx="1">
+        <a:scrgbClr r="0" g="0" b="0"/>
+      </a:effectRef>
+      <a:fontRef idx="minor">
+        <a:schemeClr val="lt1"/>
+      </a:fontRef>
+    </dgm:style>
+  </dgm:styleLbl>
+  <dgm:styleLbl name="asst1">
+    <dgm:scene3d>
+      <a:camera prst="orthographicFront"/>
+      <a:lightRig rig="threePt" dir="t"/>
+    </dgm:scene3d>
+    <dgm:sp3d/>
+    <dgm:txPr/>
+    <dgm:style>
+      <a:lnRef idx="3">
+        <a:scrgbClr r="0" g="0" b="0"/>
+      </a:lnRef>
+      <a:fillRef idx="1">
+        <a:scrgbClr r="0" g="0" b="0"/>
+      </a:fillRef>
+      <a:effectRef idx="1">
+        <a:scrgbClr r="0" g="0" b="0"/>
+      </a:effectRef>
+      <a:fontRef idx="minor">
+        <a:schemeClr val="lt1"/>
+      </a:fontRef>
+    </dgm:style>
+  </dgm:styleLbl>
+  <dgm:styleLbl name="asst2">
+    <dgm:scene3d>
+      <a:camera prst="orthographicFront"/>
+      <a:lightRig rig="threePt" dir="t"/>
+    </dgm:scene3d>
+    <dgm:sp3d/>
+    <dgm:txPr/>
+    <dgm:style>
+      <a:lnRef idx="3">
+        <a:scrgbClr r="0" g="0" b="0"/>
+      </a:lnRef>
+      <a:fillRef idx="1">
+        <a:scrgbClr r="0" g="0" b="0"/>
+      </a:fillRef>
+      <a:effectRef idx="1">
+        <a:scrgbClr r="0" g="0" b="0"/>
+      </a:effectRef>
+      <a:fontRef idx="minor">
+        <a:schemeClr val="lt1"/>
+      </a:fontRef>
+    </dgm:style>
+  </dgm:styleLbl>
+  <dgm:styleLbl name="asst3">
+    <dgm:scene3d>
+      <a:camera prst="orthographicFront"/>
+      <a:lightRig rig="threePt" dir="t"/>
+    </dgm:scene3d>
+    <dgm:sp3d/>
+    <dgm:txPr/>
+    <dgm:style>
+      <a:lnRef idx="3">
+        <a:scrgbClr r="0" g="0" b="0"/>
+      </a:lnRef>
+      <a:fillRef idx="1">
+        <a:scrgbClr r="0" g="0" b="0"/>
+      </a:fillRef>
+      <a:effectRef idx="1">
+        <a:scrgbClr r="0" g="0" b="0"/>
+      </a:effectRef>
+      <a:fontRef idx="minor">
+        <a:schemeClr val="lt1"/>
+      </a:fontRef>
+    </dgm:style>
+  </dgm:styleLbl>
+  <dgm:styleLbl name="asst4">
+    <dgm:scene3d>
+      <a:camera prst="orthographicFront"/>
+      <a:lightRig rig="threePt" dir="t"/>
+    </dgm:scene3d>
+    <dgm:sp3d/>
+    <dgm:txPr/>
+    <dgm:style>
+      <a:lnRef idx="3">
+        <a:scrgbClr r="0" g="0" b="0"/>
+      </a:lnRef>
+      <a:fillRef idx="1">
+        <a:scrgbClr r="0" g="0" b="0"/>
+      </a:fillRef>
+      <a:effectRef idx="1">
+        <a:scrgbClr r="0" g="0" b="0"/>
+      </a:effectRef>
+      <a:fontRef idx="minor">
+        <a:schemeClr val="lt1"/>
+      </a:fontRef>
+    </dgm:style>
+  </dgm:styleLbl>
+  <dgm:styleLbl name="parChTrans2D1">
+    <dgm:scene3d>
+      <a:camera prst="orthographicFront"/>
+      <a:lightRig rig="threePt" dir="t"/>
+    </dgm:scene3d>
+    <dgm:sp3d/>
+    <dgm:txPr/>
+    <dgm:style>
+      <a:lnRef idx="3">
+        <a:scrgbClr r="0" g="0" b="0"/>
+      </a:lnRef>
+      <a:fillRef idx="1">
+        <a:scrgbClr r="0" g="0" b="0"/>
+      </a:fillRef>
+      <a:effectRef idx="1">
+        <a:scrgbClr r="0" g="0" b="0"/>
+      </a:effectRef>
+      <a:fontRef idx="minor">
+        <a:schemeClr val="lt1"/>
+      </a:fontRef>
+    </dgm:style>
+  </dgm:styleLbl>
+  <dgm:styleLbl name="parChTrans2D2">
+    <dgm:scene3d>
+      <a:camera prst="orthographicFront"/>
+      <a:lightRig rig="threePt" dir="t"/>
+    </dgm:scene3d>
+    <dgm:sp3d/>
+    <dgm:txPr/>
+    <dgm:style>
+      <a:lnRef idx="3">
+        <a:scrgbClr r="0" g="0" b="0"/>
+      </a:lnRef>
+      <a:fillRef idx="1">
+        <a:scrgbClr r="0" g="0" b="0"/>
+      </a:fillRef>
+      <a:effectRef idx="1">
+        <a:scrgbClr r="0" g="0" b="0"/>
+      </a:effectRef>
+      <a:fontRef idx="minor">
+        <a:schemeClr val="lt1"/>
+      </a:fontRef>
+    </dgm:style>
+  </dgm:styleLbl>
+  <dgm:styleLbl name="parChTrans2D3">
+    <dgm:scene3d>
+      <a:camera prst="orthographicFront"/>
+      <a:lightRig rig="threePt" dir="t"/>
+    </dgm:scene3d>
+    <dgm:sp3d/>
+    <dgm:txPr/>
+    <dgm:style>
+      <a:lnRef idx="3">
+        <a:scrgbClr r="0" g="0" b="0"/>
+      </a:lnRef>
+      <a:fillRef idx="1">
+        <a:scrgbClr r="0" g="0" b="0"/>
+      </a:fillRef>
+      <a:effectRef idx="1">
+        <a:scrgbClr r="0" g="0" b="0"/>
+      </a:effectRef>
+      <a:fontRef idx="minor">
+        <a:schemeClr val="lt1"/>
+      </a:fontRef>
+    </dgm:style>
+  </dgm:styleLbl>
+  <dgm:styleLbl name="parChTrans2D4">
+    <dgm:scene3d>
+      <a:camera prst="orthographicFront"/>
+      <a:lightRig rig="threePt" dir="t"/>
+    </dgm:scene3d>
+    <dgm:sp3d/>
+    <dgm:txPr/>
+    <dgm:style>
+      <a:lnRef idx="3">
+        <a:scrgbClr r="0" g="0" b="0"/>
+      </a:lnRef>
+      <a:fillRef idx="1">
+        <a:scrgbClr r="0" g="0" b="0"/>
+      </a:fillRef>
+      <a:effectRef idx="1">
+        <a:scrgbClr r="0" g="0" b="0"/>
+      </a:effectRef>
+      <a:fontRef idx="minor">
+        <a:schemeClr val="lt1"/>
+      </a:fontRef>
+    </dgm:style>
+  </dgm:styleLbl>
+  <dgm:styleLbl name="parChTrans1D1">
+    <dgm:scene3d>
+      <a:camera prst="orthographicFront"/>
+      <a:lightRig rig="threePt" dir="t"/>
+    </dgm:scene3d>
+    <dgm:sp3d/>
+    <dgm:txPr/>
+    <dgm:style>
+      <a:lnRef idx="2">
+        <a:scrgbClr r="0" g="0" b="0"/>
+      </a:lnRef>
+      <a:fillRef idx="0">
+        <a:scrgbClr r="0" g="0" b="0"/>
+      </a:fillRef>
+      <a:effectRef idx="0">
+        <a:scrgbClr r="0" g="0" b="0"/>
+      </a:effectRef>
+      <a:fontRef idx="minor"/>
+    </dgm:style>
+  </dgm:styleLbl>
+  <dgm:styleLbl name="parChTrans1D2">
+    <dgm:scene3d>
+      <a:camera prst="orthographicFront"/>
+      <a:lightRig rig="threePt" dir="t"/>
+    </dgm:scene3d>
+    <dgm:sp3d/>
+    <dgm:txPr/>
+    <dgm:style>
+      <a:lnRef idx="2">
+        <a:scrgbClr r="0" g="0" b="0"/>
+      </a:lnRef>
+      <a:fillRef idx="0">
+        <a:scrgbClr r="0" g="0" b="0"/>
+      </a:fillRef>
+      <a:effectRef idx="0">
+        <a:scrgbClr r="0" g="0" b="0"/>
+      </a:effectRef>
+      <a:fontRef idx="minor"/>
+    </dgm:style>
+  </dgm:styleLbl>
+  <dgm:styleLbl name="parChTrans1D3">
+    <dgm:scene3d>
+      <a:camera prst="orthographicFront"/>
+      <a:lightRig rig="threePt" dir="t"/>
+    </dgm:scene3d>
+    <dgm:sp3d/>
+    <dgm:txPr/>
+    <dgm:style>
+      <a:lnRef idx="2">
+        <a:scrgbClr r="0" g="0" b="0"/>
+      </a:lnRef>
+      <a:fillRef idx="0">
+        <a:scrgbClr r="0" g="0" b="0"/>
+      </a:fillRef>
+      <a:effectRef idx="0">
+        <a:scrgbClr r="0" g="0" b="0"/>
+      </a:effectRef>
+      <a:fontRef idx="minor"/>
+    </dgm:style>
+  </dgm:styleLbl>
+  <dgm:styleLbl name="parChTrans1D4">
+    <dgm:scene3d>
+      <a:camera prst="orthographicFront"/>
+      <a:lightRig rig="threePt" dir="t"/>
+    </dgm:scene3d>
+    <dgm:sp3d/>
+    <dgm:txPr/>
+    <dgm:style>
+      <a:lnRef idx="2">
+        <a:scrgbClr r="0" g="0" b="0"/>
+      </a:lnRef>
+      <a:fillRef idx="0">
+        <a:scrgbClr r="0" g="0" b="0"/>
+      </a:fillRef>
+      <a:effectRef idx="0">
+        <a:scrgbClr r="0" g="0" b="0"/>
+      </a:effectRef>
+      <a:fontRef idx="minor"/>
+    </dgm:style>
+  </dgm:styleLbl>
+  <dgm:styleLbl name="fgAcc1">
+    <dgm:scene3d>
+      <a:camera prst="orthographicFront"/>
+      <a:lightRig rig="threePt" dir="t"/>
+    </dgm:scene3d>
+    <dgm:sp3d/>
+    <dgm:txPr/>
+    <dgm:style>
+      <a:lnRef idx="2">
+        <a:scrgbClr r="0" g="0" b="0"/>
+      </a:lnRef>
+      <a:fillRef idx="1">
+        <a:scrgbClr r="0" g="0" b="0"/>
+      </a:fillRef>
+      <a:effectRef idx="0">
+        <a:scrgbClr r="0" g="0" b="0"/>
+      </a:effectRef>
+      <a:fontRef idx="minor"/>
+    </dgm:style>
+  </dgm:styleLbl>
+  <dgm:styleLbl name="conFgAcc1">
+    <dgm:scene3d>
+      <a:camera prst="orthographicFront"/>
+      <a:lightRig rig="threePt" dir="t"/>
+    </dgm:scene3d>
+    <dgm:sp3d/>
+    <dgm:txPr/>
+    <dgm:style>
+      <a:lnRef idx="2">
+        <a:scrgbClr r="0" g="0" b="0"/>
+      </a:lnRef>
+      <a:fillRef idx="1">
+        <a:scrgbClr r="0" g="0" b="0"/>
+      </a:fillRef>
+      <a:effectRef idx="0">
+        <a:scrgbClr r="0" g="0" b="0"/>
+      </a:effectRef>
+      <a:fontRef idx="minor"/>
+    </dgm:style>
+  </dgm:styleLbl>
+  <dgm:styleLbl name="alignAcc1">
+    <dgm:scene3d>
+      <a:camera prst="orthographicFront"/>
+      <a:lightRig rig="threePt" dir="t"/>
+    </dgm:scene3d>
+    <dgm:sp3d/>
+    <dgm:txPr/>
+    <dgm:style>
+      <a:lnRef idx="2">
+        <a:scrgbClr r="0" g="0" b="0"/>
+      </a:lnRef>
+      <a:fillRef idx="1">
+        <a:scrgbClr r="0" g="0" b="0"/>
+      </a:fillRef>
+      <a:effectRef idx="0">
+        <a:scrgbClr r="0" g="0" b="0"/>
+      </a:effectRef>
+      <a:fontRef idx="minor"/>
+    </dgm:style>
+  </dgm:styleLbl>
+  <dgm:styleLbl name="trAlignAcc1">
+    <dgm:scene3d>
+      <a:camera prst="orthographicFront"/>
+      <a:lightRig rig="threePt" dir="t"/>
+    </dgm:scene3d>
+    <dgm:sp3d/>
+    <dgm:txPr/>
+    <dgm:style>
+      <a:lnRef idx="1">
+        <a:scrgbClr r="0" g="0" b="0"/>
+      </a:lnRef>
+      <a:fillRef idx="1">
+        <a:scrgbClr r="0" g="0" b="0"/>
+      </a:fillRef>
+      <a:effectRef idx="0">
+        <a:scrgbClr r="0" g="0" b="0"/>
+      </a:effectRef>
+      <a:fontRef idx="minor"/>
+    </dgm:style>
+  </dgm:styleLbl>
+  <dgm:styleLbl name="bgAcc1">
+    <dgm:scene3d>
+      <a:camera prst="orthographicFront"/>
+      <a:lightRig rig="threePt" dir="t"/>
+    </dgm:scene3d>
+    <dgm:sp3d/>
+    <dgm:txPr/>
+    <dgm:style>
+      <a:lnRef idx="2">
+        <a:scrgbClr r="0" g="0" b="0"/>
+      </a:lnRef>
+      <a:fillRef idx="1">
+        <a:scrgbClr r="0" g="0" b="0"/>
+      </a:fillRef>
+      <a:effectRef idx="0">
+        <a:scrgbClr r="0" g="0" b="0"/>
+      </a:effectRef>
+      <a:fontRef idx="minor"/>
+    </dgm:style>
+  </dgm:styleLbl>
+  <dgm:styleLbl name="solidFgAcc1">
+    <dgm:scene3d>
+      <a:camera prst="orthographicFront"/>
+      <a:lightRig rig="threePt" dir="t"/>
+    </dgm:scene3d>
+    <dgm:sp3d/>
+    <dgm:txPr/>
+    <dgm:style>
+      <a:lnRef idx="2">
+        <a:scrgbClr r="0" g="0" b="0"/>
+      </a:lnRef>
+      <a:fillRef idx="1">
+        <a:scrgbClr r="0" g="0" b="0"/>
+      </a:fillRef>
+      <a:effectRef idx="0">
+        <a:scrgbClr r="0" g="0" b="0"/>
+      </a:effectRef>
+      <a:fontRef idx="minor"/>
+    </dgm:style>
+  </dgm:styleLbl>
+  <dgm:styleLbl name="solidAlignAcc1">
+    <dgm:scene3d>
+      <a:camera prst="orthographicFront"/>
+      <a:lightRig rig="threePt" dir="t"/>
+    </dgm:scene3d>
+    <dgm:sp3d/>
+    <dgm:txPr/>
+    <dgm:style>
+      <a:lnRef idx="2">
+        <a:scrgbClr r="0" g="0" b="0"/>
+      </a:lnRef>
+      <a:fillRef idx="1">
+        <a:scrgbClr r="0" g="0" b="0"/>
+      </a:fillRef>
+      <a:effectRef idx="0">
+        <a:scrgbClr r="0" g="0" b="0"/>
+      </a:effectRef>
+      <a:fontRef idx="minor"/>
+    </dgm:style>
+  </dgm:styleLbl>
+  <dgm:styleLbl name="solidBgAcc1">
+    <dgm:scene3d>
+      <a:camera prst="orthographicFront"/>
+      <a:lightRig rig="threePt" dir="t"/>
+    </dgm:scene3d>
+    <dgm:sp3d/>
+    <dgm:txPr/>
+    <dgm:style>
+      <a:lnRef idx="2">
+        <a:scrgbClr r="0" g="0" b="0"/>
+      </a:lnRef>
+      <a:fillRef idx="1">
+        <a:scrgbClr r="0" g="0" b="0"/>
+      </a:fillRef>
+      <a:effectRef idx="0">
+        <a:scrgbClr r="0" g="0" b="0"/>
+      </a:effectRef>
+      <a:fontRef idx="minor"/>
+    </dgm:style>
+  </dgm:styleLbl>
+  <dgm:styleLbl name="fgAccFollowNode1">
+    <dgm:scene3d>
+      <a:camera prst="orthographicFront"/>
+      <a:lightRig rig="threePt" dir="t"/>
+    </dgm:scene3d>
+    <dgm:sp3d/>
+    <dgm:txPr/>
+    <dgm:style>
+      <a:lnRef idx="2">
+        <a:scrgbClr r="0" g="0" b="0"/>
+      </a:lnRef>
+      <a:fillRef idx="1">
+        <a:scrgbClr r="0" g="0" b="0"/>
+      </a:fillRef>
+      <a:effectRef idx="0">
+        <a:scrgbClr r="0" g="0" b="0"/>
+      </a:effectRef>
+      <a:fontRef idx="minor"/>
+    </dgm:style>
+  </dgm:styleLbl>
+  <dgm:styleLbl name="alignAccFollowNode1">
+    <dgm:scene3d>
+      <a:camera prst="orthographicFront"/>
+      <a:lightRig rig="threePt" dir="t"/>
+    </dgm:scene3d>
+    <dgm:sp3d/>
+    <dgm:txPr/>
+    <dgm:style>
+      <a:lnRef idx="2">
+        <a:scrgbClr r="0" g="0" b="0"/>
+      </a:lnRef>
+      <a:fillRef idx="1">
+        <a:scrgbClr r="0" g="0" b="0"/>
+      </a:fillRef>
+      <a:effectRef idx="0">
+        <a:scrgbClr r="0" g="0" b="0"/>
+      </a:effectRef>
+      <a:fontRef idx="minor"/>
+    </dgm:style>
+  </dgm:styleLbl>
+  <dgm:styleLbl name="bgAccFollowNode1">
+    <dgm:scene3d>
+      <a:camera prst="orthographicFront"/>
+      <a:lightRig rig="threePt" dir="t"/>
+    </dgm:scene3d>
+    <dgm:sp3d/>
+    <dgm:txPr/>
+    <dgm:style>
+      <a:lnRef idx="2">
+        <a:scrgbClr r="0" g="0" b="0"/>
+      </a:lnRef>
+      <a:fillRef idx="1">
+        <a:scrgbClr r="0" g="0" b="0"/>
+      </a:fillRef>
+      <a:effectRef idx="0">
+        <a:scrgbClr r="0" g="0" b="0"/>
+      </a:effectRef>
+      <a:fontRef idx="minor"/>
+    </dgm:style>
+  </dgm:styleLbl>
+  <dgm:styleLbl name="fgAcc0">
+    <dgm:scene3d>
+      <a:camera prst="orthographicFront"/>
+      <a:lightRig rig="threePt" dir="t"/>
+    </dgm:scene3d>
+    <dgm:sp3d/>
+    <dgm:txPr/>
+    <dgm:style>
+      <a:lnRef idx="2">
+        <a:scrgbClr r="0" g="0" b="0"/>
+      </a:lnRef>
+      <a:fillRef idx="1">
+        <a:scrgbClr r="0" g="0" b="0"/>
+      </a:fillRef>
+      <a:effectRef idx="0">
+        <a:scrgbClr r="0" g="0" b="0"/>
+      </a:effectRef>
+      <a:fontRef idx="minor"/>
+    </dgm:style>
+  </dgm:styleLbl>
+  <dgm:styleLbl name="fgAcc2">
+    <dgm:scene3d>
+      <a:camera prst="orthographicFront"/>
+      <a:lightRig rig="threePt" dir="t"/>
+    </dgm:scene3d>
+    <dgm:sp3d/>
+    <dgm:txPr/>
+    <dgm:style>
+      <a:lnRef idx="2">
+        <a:scrgbClr r="0" g="0" b="0"/>
+      </a:lnRef>
+      <a:fillRef idx="1">
+        <a:scrgbClr r="0" g="0" b="0"/>
+      </a:fillRef>
+      <a:effectRef idx="0">
+        <a:scrgbClr r="0" g="0" b="0"/>
+      </a:effectRef>
+      <a:fontRef idx="minor"/>
+    </dgm:style>
+  </dgm:styleLbl>
+  <dgm:styleLbl name="fgAcc3">
+    <dgm:scene3d>
+      <a:camera prst="orthographicFront"/>
+      <a:lightRig rig="threePt" dir="t"/>
+    </dgm:scene3d>
+    <dgm:sp3d/>
+    <dgm:txPr/>
+    <dgm:style>
+      <a:lnRef idx="2">
+        <a:scrgbClr r="0" g="0" b="0"/>
+      </a:lnRef>
+      <a:fillRef idx="1">
+        <a:scrgbClr r="0" g="0" b="0"/>
+      </a:fillRef>
+      <a:effectRef idx="0">
+        <a:scrgbClr r="0" g="0" b="0"/>
+      </a:effectRef>
+      <a:fontRef idx="minor"/>
+    </dgm:style>
+  </dgm:styleLbl>
+  <dgm:styleLbl name="fgAcc4">
+    <dgm:scene3d>
+      <a:camera prst="orthographicFront"/>
+      <a:lightRig rig="threePt" dir="t"/>
+    </dgm:scene3d>
+    <dgm:sp3d/>
+    <dgm:txPr/>
+    <dgm:style>
+      <a:lnRef idx="2">
+        <a:scrgbClr r="0" g="0" b="0"/>
+      </a:lnRef>
+      <a:fillRef idx="1">
+        <a:scrgbClr r="0" g="0" b="0"/>
+      </a:fillRef>
+      <a:effectRef idx="0">
+        <a:scrgbClr r="0" g="0" b="0"/>
+      </a:effectRef>
+      <a:fontRef idx="minor"/>
+    </dgm:style>
+  </dgm:styleLbl>
+  <dgm:styleLbl name="bgShp">
+    <dgm:scene3d>
+      <a:camera prst="orthographicFront"/>
+      <a:lightRig rig="threePt" dir="t"/>
+    </dgm:scene3d>
+    <dgm:sp3d/>
+    <dgm:txPr/>
+    <dgm:style>
+      <a:lnRef idx="0">
+        <a:scrgbClr r="0" g="0" b="0"/>
+      </a:lnRef>
+      <a:fillRef idx="1">
+        <a:scrgbClr r="0" g="0" b="0"/>
+      </a:fillRef>
+      <a:effectRef idx="0">
+        <a:scrgbClr r="0" g="0" b="0"/>
+      </a:effectRef>
+      <a:fontRef idx="minor"/>
+    </dgm:style>
+  </dgm:styleLbl>
+  <dgm:styleLbl name="dkBgShp">
+    <dgm:scene3d>
+      <a:camera prst="orthographicFront"/>
+      <a:lightRig rig="threePt" dir="t"/>
+    </dgm:scene3d>
+    <dgm:sp3d/>
+    <dgm:txPr/>
+    <dgm:style>
+      <a:lnRef idx="0">
+        <a:scrgbClr r="0" g="0" b="0"/>
+      </a:lnRef>
+      <a:fillRef idx="1">
+        <a:scrgbClr r="0" g="0" b="0"/>
+      </a:fillRef>
+      <a:effectRef idx="0">
+        <a:scrgbClr r="0" g="0" b="0"/>
+      </a:effectRef>
+      <a:fontRef idx="minor"/>
+    </dgm:style>
+  </dgm:styleLbl>
+  <dgm:styleLbl name="trBgShp">
+    <dgm:scene3d>
+      <a:camera prst="orthographicFront"/>
+      <a:lightRig rig="threePt" dir="t"/>
+    </dgm:scene3d>
+    <dgm:sp3d/>
+    <dgm:txPr/>
+    <dgm:style>
+      <a:lnRef idx="0">
+        <a:scrgbClr r="0" g="0" b="0"/>
+      </a:lnRef>
+      <a:fillRef idx="1">
+        <a:scrgbClr r="0" g="0" b="0"/>
+      </a:fillRef>
+      <a:effectRef idx="0">
+        <a:scrgbClr r="0" g="0" b="0"/>
+      </a:effectRef>
+      <a:fontRef idx="minor"/>
+    </dgm:style>
+  </dgm:styleLbl>
+  <dgm:styleLbl name="fgShp">
+    <dgm:scene3d>
+      <a:camera prst="orthographicFront"/>
+      <a:lightRig rig="threePt" dir="t"/>
+    </dgm:scene3d>
+    <dgm:sp3d/>
+    <dgm:txPr/>
+    <dgm:style>
+      <a:lnRef idx="3">
+        <a:scrgbClr r="0" g="0" b="0"/>
+      </a:lnRef>
+      <a:fillRef idx="1">
+        <a:scrgbClr r="0" g="0" b="0"/>
+      </a:fillRef>
+      <a:effectRef idx="1">
+        <a:scrgbClr r="0" g="0" b="0"/>
+      </a:effectRef>
+      <a:fontRef idx="minor"/>
+    </dgm:style>
+  </dgm:styleLbl>
+  <dgm:styleLbl name="revTx">
+    <dgm:scene3d>
+      <a:camera prst="orthographicFront"/>
+      <a:lightRig rig="threePt" dir="t"/>
+    </dgm:scene3d>
+    <dgm:sp3d/>
+    <dgm:txPr/>
+    <dgm:style>
+      <a:lnRef idx="0">
+        <a:scrgbClr r="0" g="0" b="0"/>
+      </a:lnRef>
+      <a:fillRef idx="0">
+        <a:scrgbClr r="0" g="0" b="0"/>
+      </a:fillRef>
+      <a:effectRef idx="0">
+        <a:scrgbClr r="0" g="0" b="0"/>
+      </a:effectRef>
+      <a:fontRef idx="minor"/>
+    </dgm:style>
+  </dgm:styleLbl>
+</dgm:styleDef>
+</file>
+
 <file path=ppt/notesMasters/notesMaster1.xml><?xml version="1.0" encoding="utf-8"?>
 <p:notesMaster xmlns:a="http://schemas.openxmlformats.org/drawingml/2006/main" xmlns:r="http://schemas.openxmlformats.org/officeDocument/2006/relationships" xmlns:p="http://schemas.openxmlformats.org/presentationml/2006/main">
   <p:cSld>
@@ -272,7 +5332,7 @@
               <a:pPr>
                 <a:defRPr/>
               </a:pPr>
-              <a:t>13.06.2017</a:t>
+              <a:t>14.06.2017</a:t>
             </a:fld>
             <a:endParaRPr lang="ru-RU" dirty="0"/>
           </a:p>
@@ -690,7 +5750,43 @@
                 <a:spcPct val="0"/>
               </a:spcBef>
             </a:pPr>
-            <a:endParaRPr lang="ru-RU" altLang="ru-RU"/>
+            <a:r>
+              <a:rPr lang="ru-RU" altLang="ru-RU" b="0" i="0" dirty="0" smtClean="0">
+                <a:latin typeface="Times New Roman" charset="0"/>
+                <a:ea typeface="Times New Roman" charset="0"/>
+                <a:cs typeface="Times New Roman" charset="0"/>
+              </a:rPr>
+              <a:t>Добрый день, меня</a:t>
+            </a:r>
+            <a:r>
+              <a:rPr lang="ru-RU" altLang="ru-RU" b="0" i="0" baseline="0" dirty="0" smtClean="0">
+                <a:latin typeface="Times New Roman" charset="0"/>
+                <a:ea typeface="Times New Roman" charset="0"/>
+                <a:cs typeface="Times New Roman" charset="0"/>
+              </a:rPr>
+              <a:t> зовут Радкевич Владислав, моя тема «</a:t>
+            </a:r>
+            <a:r>
+              <a:rPr lang="ru-RU" sz="1200" b="0" i="0" dirty="0" smtClean="0">
+                <a:latin typeface="Times New Roman" charset="0"/>
+                <a:ea typeface="Times New Roman" charset="0"/>
+                <a:cs typeface="Times New Roman" charset="0"/>
+              </a:rPr>
+              <a:t>Проектирование системы защиты информации информационной системы класса Б2 на примере информационной системы учебного заведения</a:t>
+            </a:r>
+            <a:r>
+              <a:rPr lang="ru-RU" altLang="ru-RU" b="0" i="0" baseline="0" dirty="0" smtClean="0">
+                <a:latin typeface="Times New Roman" charset="0"/>
+                <a:ea typeface="Times New Roman" charset="0"/>
+                <a:cs typeface="Times New Roman" charset="0"/>
+              </a:rPr>
+              <a:t>», мой научный руководитель Резников Геннадий Константинович.</a:t>
+            </a:r>
+            <a:endParaRPr lang="ru-RU" altLang="ru-RU" b="0" i="0" dirty="0">
+              <a:latin typeface="Times New Roman" charset="0"/>
+              <a:ea typeface="Times New Roman" charset="0"/>
+              <a:cs typeface="Times New Roman" charset="0"/>
+            </a:endParaRPr>
           </a:p>
         </p:txBody>
       </p:sp>
@@ -839,6 +5935,913 @@
 </p:notes>
 </file>
 
+<file path=ppt/notesSlides/notesSlide2.xml><?xml version="1.0" encoding="utf-8"?>
+<p:notes xmlns:a="http://schemas.openxmlformats.org/drawingml/2006/main" xmlns:r="http://schemas.openxmlformats.org/officeDocument/2006/relationships" xmlns:p="http://schemas.openxmlformats.org/presentationml/2006/main">
+  <p:cSld>
+    <p:spTree>
+      <p:nvGrpSpPr>
+        <p:cNvPr id="1" name=""/>
+        <p:cNvGrpSpPr/>
+        <p:nvPr/>
+      </p:nvGrpSpPr>
+      <p:grpSpPr>
+        <a:xfrm>
+          <a:off x="0" y="0"/>
+          <a:ext cx="0" cy="0"/>
+          <a:chOff x="0" y="0"/>
+          <a:chExt cx="0" cy="0"/>
+        </a:xfrm>
+      </p:grpSpPr>
+      <p:sp>
+        <p:nvSpPr>
+          <p:cNvPr id="2" name="Slide Image Placeholder 1"/>
+          <p:cNvSpPr>
+            <a:spLocks noGrp="1" noRot="1" noChangeAspect="1"/>
+          </p:cNvSpPr>
+          <p:nvPr>
+            <p:ph type="sldImg"/>
+          </p:nvPr>
+        </p:nvSpPr>
+        <p:spPr/>
+      </p:sp>
+      <p:sp>
+        <p:nvSpPr>
+          <p:cNvPr id="3" name="Notes Placeholder 2"/>
+          <p:cNvSpPr>
+            <a:spLocks noGrp="1"/>
+          </p:cNvSpPr>
+          <p:nvPr>
+            <p:ph type="body" idx="1"/>
+          </p:nvPr>
+        </p:nvSpPr>
+        <p:spPr/>
+        <p:txBody>
+          <a:bodyPr/>
+          <a:lstStyle/>
+          <a:p>
+            <a:r>
+              <a:rPr lang="ru-RU" b="0" i="0" dirty="0" smtClean="0">
+                <a:latin typeface="Times New Roman" charset="0"/>
+                <a:ea typeface="Times New Roman" charset="0"/>
+                <a:cs typeface="Times New Roman" charset="0"/>
+              </a:rPr>
+              <a:t>Целью</a:t>
+            </a:r>
+            <a:r>
+              <a:rPr lang="ru-RU" b="0" i="0" baseline="0" dirty="0" smtClean="0">
+                <a:latin typeface="Times New Roman" charset="0"/>
+                <a:ea typeface="Times New Roman" charset="0"/>
+                <a:cs typeface="Times New Roman" charset="0"/>
+              </a:rPr>
+              <a:t> моей работы было проектирование системы защиты информации информационной системы класса Б2, для реализации этой цели были поставлены следующие задачи.</a:t>
+            </a:r>
+            <a:endParaRPr lang="en-US" b="0" i="0" dirty="0">
+              <a:latin typeface="Times New Roman" charset="0"/>
+              <a:ea typeface="Times New Roman" charset="0"/>
+              <a:cs typeface="Times New Roman" charset="0"/>
+            </a:endParaRPr>
+          </a:p>
+        </p:txBody>
+      </p:sp>
+      <p:sp>
+        <p:nvSpPr>
+          <p:cNvPr id="4" name="Slide Number Placeholder 3"/>
+          <p:cNvSpPr>
+            <a:spLocks noGrp="1"/>
+          </p:cNvSpPr>
+          <p:nvPr>
+            <p:ph type="sldNum" sz="quarter" idx="10"/>
+          </p:nvPr>
+        </p:nvSpPr>
+        <p:spPr/>
+        <p:txBody>
+          <a:bodyPr/>
+          <a:lstStyle/>
+          <a:p>
+            <a:fld id="{E3D4ECE9-6E2B-8A4F-A28E-680864DBC511}" type="slidenum">
+              <a:rPr lang="ru-RU" altLang="ru-RU" smtClean="0"/>
+              <a:pPr/>
+              <a:t>2</a:t>
+            </a:fld>
+            <a:endParaRPr lang="ru-RU" altLang="ru-RU"/>
+          </a:p>
+        </p:txBody>
+      </p:sp>
+    </p:spTree>
+    <p:extLst>
+      <p:ext uri="{BB962C8B-B14F-4D97-AF65-F5344CB8AC3E}">
+        <p14:creationId xmlns:p14="http://schemas.microsoft.com/office/powerpoint/2010/main" val="1616391098"/>
+      </p:ext>
+    </p:extLst>
+  </p:cSld>
+  <p:clrMapOvr>
+    <a:masterClrMapping/>
+  </p:clrMapOvr>
+</p:notes>
+</file>
+
+<file path=ppt/notesSlides/notesSlide3.xml><?xml version="1.0" encoding="utf-8"?>
+<p:notes xmlns:a="http://schemas.openxmlformats.org/drawingml/2006/main" xmlns:r="http://schemas.openxmlformats.org/officeDocument/2006/relationships" xmlns:p="http://schemas.openxmlformats.org/presentationml/2006/main">
+  <p:cSld>
+    <p:spTree>
+      <p:nvGrpSpPr>
+        <p:cNvPr id="1" name=""/>
+        <p:cNvGrpSpPr/>
+        <p:nvPr/>
+      </p:nvGrpSpPr>
+      <p:grpSpPr>
+        <a:xfrm>
+          <a:off x="0" y="0"/>
+          <a:ext cx="0" cy="0"/>
+          <a:chOff x="0" y="0"/>
+          <a:chExt cx="0" cy="0"/>
+        </a:xfrm>
+      </p:grpSpPr>
+      <p:sp>
+        <p:nvSpPr>
+          <p:cNvPr id="2" name="Slide Image Placeholder 1"/>
+          <p:cNvSpPr>
+            <a:spLocks noGrp="1" noRot="1" noChangeAspect="1"/>
+          </p:cNvSpPr>
+          <p:nvPr>
+            <p:ph type="sldImg"/>
+          </p:nvPr>
+        </p:nvSpPr>
+        <p:spPr/>
+      </p:sp>
+      <p:sp>
+        <p:nvSpPr>
+          <p:cNvPr id="3" name="Notes Placeholder 2"/>
+          <p:cNvSpPr>
+            <a:spLocks noGrp="1"/>
+          </p:cNvSpPr>
+          <p:nvPr>
+            <p:ph type="body" idx="1"/>
+          </p:nvPr>
+        </p:nvSpPr>
+        <p:spPr/>
+        <p:txBody>
+          <a:bodyPr/>
+          <a:lstStyle/>
+          <a:p>
+            <a:pPr marL="0" marR="0" indent="0" algn="l" defTabSz="914400" rtl="0" eaLnBrk="0" fontAlgn="base" latinLnBrk="0" hangingPunct="0">
+              <a:lnSpc>
+                <a:spcPct val="100000"/>
+              </a:lnSpc>
+              <a:spcBef>
+                <a:spcPct val="30000"/>
+              </a:spcBef>
+              <a:spcAft>
+                <a:spcPct val="0"/>
+              </a:spcAft>
+              <a:buClrTx/>
+              <a:buSzTx/>
+              <a:buFontTx/>
+              <a:buNone/>
+              <a:tabLst/>
+              <a:defRPr/>
+            </a:pPr>
+            <a:r>
+              <a:rPr lang="ru-RU" sz="1200" b="1" i="0" kern="1200" dirty="0" smtClean="0">
+                <a:solidFill>
+                  <a:schemeClr val="tx1"/>
+                </a:solidFill>
+                <a:effectLst/>
+                <a:latin typeface="Times New Roman" charset="0"/>
+                <a:ea typeface="Times New Roman" charset="0"/>
+                <a:cs typeface="Times New Roman" charset="0"/>
+              </a:rPr>
+              <a:t>Что</a:t>
+            </a:r>
+            <a:r>
+              <a:rPr lang="ru-RU" sz="1200" b="1" i="0" kern="1200" baseline="0" dirty="0" smtClean="0">
+                <a:solidFill>
+                  <a:schemeClr val="tx1"/>
+                </a:solidFill>
+                <a:effectLst/>
+                <a:latin typeface="Times New Roman" charset="0"/>
+                <a:ea typeface="Times New Roman" charset="0"/>
+                <a:cs typeface="Times New Roman" charset="0"/>
+              </a:rPr>
+              <a:t> же такое защита информации?</a:t>
+            </a:r>
+          </a:p>
+          <a:p>
+            <a:pPr marL="0" marR="0" indent="0" algn="l" defTabSz="914400" rtl="0" eaLnBrk="0" fontAlgn="base" latinLnBrk="0" hangingPunct="0">
+              <a:lnSpc>
+                <a:spcPct val="100000"/>
+              </a:lnSpc>
+              <a:spcBef>
+                <a:spcPct val="30000"/>
+              </a:spcBef>
+              <a:spcAft>
+                <a:spcPct val="0"/>
+              </a:spcAft>
+              <a:buClrTx/>
+              <a:buSzTx/>
+              <a:buFontTx/>
+              <a:buNone/>
+              <a:tabLst/>
+              <a:defRPr/>
+            </a:pPr>
+            <a:r>
+              <a:rPr lang="ru-RU" sz="1200" b="0" i="0" kern="1200" baseline="0" dirty="0" smtClean="0">
+                <a:solidFill>
+                  <a:schemeClr val="tx1"/>
+                </a:solidFill>
+                <a:effectLst/>
+                <a:latin typeface="Times New Roman" charset="0"/>
+                <a:ea typeface="Times New Roman" charset="0"/>
+                <a:cs typeface="Times New Roman" charset="0"/>
+              </a:rPr>
+              <a:t>В зарубежной литературе очень часто можно встретить, что защищённость информации достигается тремя свойствами, которые графически представляются в виде треугольника, однако это не совсем справедливо в нашей стране. У нас защищённость информации в соответствии с законом «</a:t>
+            </a:r>
+            <a:r>
+              <a:rPr lang="ru-RU" sz="1200" b="0" i="0" kern="1200" dirty="0" smtClean="0">
+                <a:solidFill>
+                  <a:schemeClr val="tx1"/>
+                </a:solidFill>
+                <a:effectLst/>
+                <a:latin typeface="Times New Roman" charset="0"/>
+                <a:ea typeface="Times New Roman" charset="0"/>
+                <a:cs typeface="Times New Roman" charset="0"/>
+              </a:rPr>
+              <a:t>Об информации, информатизации и защите информации</a:t>
+            </a:r>
+            <a:r>
+              <a:rPr lang="ru-RU" sz="1200" b="0" i="0" kern="1200" baseline="0" dirty="0" smtClean="0">
+                <a:solidFill>
+                  <a:schemeClr val="tx1"/>
+                </a:solidFill>
+                <a:effectLst/>
+                <a:latin typeface="Times New Roman" charset="0"/>
+                <a:ea typeface="Times New Roman" charset="0"/>
+                <a:cs typeface="Times New Roman" charset="0"/>
+              </a:rPr>
+              <a:t>» достигается пятью свойствами которые вы видите на слайде. </a:t>
+            </a:r>
+          </a:p>
+          <a:p>
+            <a:pPr marL="0" marR="0" indent="0" algn="l" defTabSz="914400" rtl="0" eaLnBrk="0" fontAlgn="base" latinLnBrk="0" hangingPunct="0">
+              <a:lnSpc>
+                <a:spcPct val="100000"/>
+              </a:lnSpc>
+              <a:spcBef>
+                <a:spcPct val="30000"/>
+              </a:spcBef>
+              <a:spcAft>
+                <a:spcPct val="0"/>
+              </a:spcAft>
+              <a:buClrTx/>
+              <a:buSzTx/>
+              <a:buFontTx/>
+              <a:buNone/>
+              <a:tabLst/>
+              <a:defRPr/>
+            </a:pPr>
+            <a:r>
+              <a:rPr lang="ru-RU" sz="1200" b="0" i="0" kern="1200" baseline="0" dirty="0" smtClean="0">
+                <a:solidFill>
+                  <a:schemeClr val="tx1"/>
+                </a:solidFill>
+                <a:effectLst/>
+                <a:latin typeface="Times New Roman" charset="0"/>
+                <a:ea typeface="Times New Roman" charset="0"/>
+                <a:cs typeface="Times New Roman" charset="0"/>
+              </a:rPr>
+              <a:t>В соответствии с этим, с</a:t>
+            </a:r>
+            <a:r>
+              <a:rPr lang="ru-RU" sz="1200" b="0" i="0" kern="1200" dirty="0" smtClean="0">
+                <a:solidFill>
+                  <a:schemeClr val="tx1"/>
+                </a:solidFill>
+                <a:effectLst/>
+                <a:latin typeface="Times New Roman" charset="0"/>
+                <a:ea typeface="Times New Roman" charset="0"/>
+                <a:cs typeface="Times New Roman" charset="0"/>
+              </a:rPr>
+              <a:t>истема защиты информации – это комплекс правовых, организационных и технических мер, направленных на обеспечение конфиденциальности, целостности, доступности,</a:t>
+            </a:r>
+            <a:r>
+              <a:rPr lang="ru-RU" sz="1200" b="0" i="0" kern="1200" baseline="0" dirty="0" smtClean="0">
+                <a:solidFill>
+                  <a:schemeClr val="tx1"/>
+                </a:solidFill>
+                <a:effectLst/>
+                <a:latin typeface="Times New Roman" charset="0"/>
+                <a:ea typeface="Times New Roman" charset="0"/>
+                <a:cs typeface="Times New Roman" charset="0"/>
+              </a:rPr>
+              <a:t> </a:t>
+            </a:r>
+            <a:r>
+              <a:rPr lang="ru-RU" sz="1200" b="0" i="0" kern="1200" dirty="0" smtClean="0">
+                <a:solidFill>
+                  <a:schemeClr val="tx1"/>
+                </a:solidFill>
+                <a:effectLst/>
+                <a:latin typeface="Times New Roman" charset="0"/>
+                <a:ea typeface="Times New Roman" charset="0"/>
+                <a:cs typeface="Times New Roman" charset="0"/>
+              </a:rPr>
+              <a:t>подлинности</a:t>
+            </a:r>
+            <a:r>
+              <a:rPr lang="ru-RU" sz="1200" b="0" i="0" kern="1200" baseline="0" dirty="0" smtClean="0">
+                <a:solidFill>
+                  <a:schemeClr val="tx1"/>
+                </a:solidFill>
+                <a:effectLst/>
+                <a:latin typeface="Times New Roman" charset="0"/>
+                <a:ea typeface="Times New Roman" charset="0"/>
+                <a:cs typeface="Times New Roman" charset="0"/>
+              </a:rPr>
+              <a:t> </a:t>
+            </a:r>
+            <a:r>
+              <a:rPr lang="ru-RU" sz="1200" b="0" i="0" kern="1200" dirty="0" smtClean="0">
+                <a:solidFill>
+                  <a:schemeClr val="tx1"/>
+                </a:solidFill>
+                <a:effectLst/>
+                <a:latin typeface="Times New Roman" charset="0"/>
+                <a:ea typeface="Times New Roman" charset="0"/>
+                <a:cs typeface="Times New Roman" charset="0"/>
+              </a:rPr>
+              <a:t>и сохранности информации.</a:t>
+            </a:r>
+            <a:endParaRPr lang="en-US" sz="1200" b="0" i="0" kern="1200" dirty="0" smtClean="0">
+              <a:solidFill>
+                <a:schemeClr val="tx1"/>
+              </a:solidFill>
+              <a:effectLst/>
+              <a:latin typeface="Times New Roman" charset="0"/>
+              <a:ea typeface="Times New Roman" charset="0"/>
+              <a:cs typeface="Times New Roman" charset="0"/>
+            </a:endParaRPr>
+          </a:p>
+        </p:txBody>
+      </p:sp>
+      <p:sp>
+        <p:nvSpPr>
+          <p:cNvPr id="4" name="Slide Number Placeholder 3"/>
+          <p:cNvSpPr>
+            <a:spLocks noGrp="1"/>
+          </p:cNvSpPr>
+          <p:nvPr>
+            <p:ph type="sldNum" sz="quarter" idx="10"/>
+          </p:nvPr>
+        </p:nvSpPr>
+        <p:spPr/>
+        <p:txBody>
+          <a:bodyPr/>
+          <a:lstStyle/>
+          <a:p>
+            <a:fld id="{E3D4ECE9-6E2B-8A4F-A28E-680864DBC511}" type="slidenum">
+              <a:rPr lang="ru-RU" altLang="ru-RU" smtClean="0"/>
+              <a:pPr/>
+              <a:t>3</a:t>
+            </a:fld>
+            <a:endParaRPr lang="ru-RU" altLang="ru-RU"/>
+          </a:p>
+        </p:txBody>
+      </p:sp>
+    </p:spTree>
+    <p:extLst>
+      <p:ext uri="{BB962C8B-B14F-4D97-AF65-F5344CB8AC3E}">
+        <p14:creationId xmlns:p14="http://schemas.microsoft.com/office/powerpoint/2010/main" val="865494873"/>
+      </p:ext>
+    </p:extLst>
+  </p:cSld>
+  <p:clrMapOvr>
+    <a:masterClrMapping/>
+  </p:clrMapOvr>
+</p:notes>
+</file>
+
+<file path=ppt/notesSlides/notesSlide4.xml><?xml version="1.0" encoding="utf-8"?>
+<p:notes xmlns:a="http://schemas.openxmlformats.org/drawingml/2006/main" xmlns:r="http://schemas.openxmlformats.org/officeDocument/2006/relationships" xmlns:p="http://schemas.openxmlformats.org/presentationml/2006/main">
+  <p:cSld>
+    <p:spTree>
+      <p:nvGrpSpPr>
+        <p:cNvPr id="1" name=""/>
+        <p:cNvGrpSpPr/>
+        <p:nvPr/>
+      </p:nvGrpSpPr>
+      <p:grpSpPr>
+        <a:xfrm>
+          <a:off x="0" y="0"/>
+          <a:ext cx="0" cy="0"/>
+          <a:chOff x="0" y="0"/>
+          <a:chExt cx="0" cy="0"/>
+        </a:xfrm>
+      </p:grpSpPr>
+      <p:sp>
+        <p:nvSpPr>
+          <p:cNvPr id="2" name="Slide Image Placeholder 1"/>
+          <p:cNvSpPr>
+            <a:spLocks noGrp="1" noRot="1" noChangeAspect="1"/>
+          </p:cNvSpPr>
+          <p:nvPr>
+            <p:ph type="sldImg"/>
+          </p:nvPr>
+        </p:nvSpPr>
+        <p:spPr/>
+      </p:sp>
+      <p:sp>
+        <p:nvSpPr>
+          <p:cNvPr id="3" name="Notes Placeholder 2"/>
+          <p:cNvSpPr>
+            <a:spLocks noGrp="1"/>
+          </p:cNvSpPr>
+          <p:nvPr>
+            <p:ph type="body" idx="1"/>
+          </p:nvPr>
+        </p:nvSpPr>
+        <p:spPr/>
+        <p:txBody>
+          <a:bodyPr/>
+          <a:lstStyle/>
+          <a:p>
+            <a:r>
+              <a:rPr lang="ru-RU" b="0" i="0" dirty="0" smtClean="0">
+                <a:latin typeface="Times New Roman" charset="0"/>
+                <a:ea typeface="Times New Roman" charset="0"/>
+                <a:cs typeface="Times New Roman" charset="0"/>
+              </a:rPr>
+              <a:t>На данном слайде</a:t>
+            </a:r>
+            <a:r>
+              <a:rPr lang="ru-RU" b="0" i="0" baseline="0" dirty="0" smtClean="0">
+                <a:latin typeface="Times New Roman" charset="0"/>
+                <a:ea typeface="Times New Roman" charset="0"/>
+                <a:cs typeface="Times New Roman" charset="0"/>
+              </a:rPr>
+              <a:t> мы видим этапы разработки СЗИ, основных два:</a:t>
+            </a:r>
+          </a:p>
+          <a:p>
+            <a:pPr marL="228600" indent="-228600">
+              <a:buAutoNum type="arabicPeriod"/>
+            </a:pPr>
+            <a:r>
+              <a:rPr lang="ru-RU" b="0" i="0" baseline="0" dirty="0" smtClean="0">
+                <a:latin typeface="Times New Roman" charset="0"/>
+                <a:ea typeface="Times New Roman" charset="0"/>
+                <a:cs typeface="Times New Roman" charset="0"/>
+              </a:rPr>
+              <a:t>Проектирование СЗИ</a:t>
+            </a:r>
+          </a:p>
+          <a:p>
+            <a:pPr marL="228600" indent="-228600">
+              <a:buAutoNum type="arabicPeriod"/>
+            </a:pPr>
+            <a:r>
+              <a:rPr lang="ru-RU" b="0" i="0" baseline="0" dirty="0" smtClean="0">
+                <a:latin typeface="Times New Roman" charset="0"/>
+                <a:ea typeface="Times New Roman" charset="0"/>
+                <a:cs typeface="Times New Roman" charset="0"/>
+              </a:rPr>
+              <a:t>Создание СЗИ</a:t>
+            </a:r>
+            <a:endParaRPr lang="en-US" b="0" i="0" dirty="0">
+              <a:latin typeface="Times New Roman" charset="0"/>
+              <a:ea typeface="Times New Roman" charset="0"/>
+              <a:cs typeface="Times New Roman" charset="0"/>
+            </a:endParaRPr>
+          </a:p>
+        </p:txBody>
+      </p:sp>
+      <p:sp>
+        <p:nvSpPr>
+          <p:cNvPr id="4" name="Slide Number Placeholder 3"/>
+          <p:cNvSpPr>
+            <a:spLocks noGrp="1"/>
+          </p:cNvSpPr>
+          <p:nvPr>
+            <p:ph type="sldNum" sz="quarter" idx="10"/>
+          </p:nvPr>
+        </p:nvSpPr>
+        <p:spPr/>
+        <p:txBody>
+          <a:bodyPr/>
+          <a:lstStyle/>
+          <a:p>
+            <a:fld id="{E3D4ECE9-6E2B-8A4F-A28E-680864DBC511}" type="slidenum">
+              <a:rPr lang="ru-RU" altLang="ru-RU" smtClean="0"/>
+              <a:pPr/>
+              <a:t>4</a:t>
+            </a:fld>
+            <a:endParaRPr lang="ru-RU" altLang="ru-RU"/>
+          </a:p>
+        </p:txBody>
+      </p:sp>
+    </p:spTree>
+    <p:extLst>
+      <p:ext uri="{BB962C8B-B14F-4D97-AF65-F5344CB8AC3E}">
+        <p14:creationId xmlns:p14="http://schemas.microsoft.com/office/powerpoint/2010/main" val="1641176923"/>
+      </p:ext>
+    </p:extLst>
+  </p:cSld>
+  <p:clrMapOvr>
+    <a:masterClrMapping/>
+  </p:clrMapOvr>
+</p:notes>
+</file>
+
+<file path=ppt/notesSlides/notesSlide5.xml><?xml version="1.0" encoding="utf-8"?>
+<p:notes xmlns:a="http://schemas.openxmlformats.org/drawingml/2006/main" xmlns:r="http://schemas.openxmlformats.org/officeDocument/2006/relationships" xmlns:p="http://schemas.openxmlformats.org/presentationml/2006/main">
+  <p:cSld>
+    <p:spTree>
+      <p:nvGrpSpPr>
+        <p:cNvPr id="1" name=""/>
+        <p:cNvGrpSpPr/>
+        <p:nvPr/>
+      </p:nvGrpSpPr>
+      <p:grpSpPr>
+        <a:xfrm>
+          <a:off x="0" y="0"/>
+          <a:ext cx="0" cy="0"/>
+          <a:chOff x="0" y="0"/>
+          <a:chExt cx="0" cy="0"/>
+        </a:xfrm>
+      </p:grpSpPr>
+      <p:sp>
+        <p:nvSpPr>
+          <p:cNvPr id="2" name="Slide Image Placeholder 1"/>
+          <p:cNvSpPr>
+            <a:spLocks noGrp="1" noRot="1" noChangeAspect="1"/>
+          </p:cNvSpPr>
+          <p:nvPr>
+            <p:ph type="sldImg"/>
+          </p:nvPr>
+        </p:nvSpPr>
+        <p:spPr/>
+      </p:sp>
+      <p:sp>
+        <p:nvSpPr>
+          <p:cNvPr id="3" name="Notes Placeholder 2"/>
+          <p:cNvSpPr>
+            <a:spLocks noGrp="1"/>
+          </p:cNvSpPr>
+          <p:nvPr>
+            <p:ph type="body" idx="1"/>
+          </p:nvPr>
+        </p:nvSpPr>
+        <p:spPr/>
+        <p:txBody>
+          <a:bodyPr/>
+          <a:lstStyle/>
+          <a:p>
+            <a:r>
+              <a:rPr lang="ru-RU" b="1" i="0" dirty="0" smtClean="0">
+                <a:latin typeface="Times New Roman" charset="0"/>
+                <a:ea typeface="Times New Roman" charset="0"/>
+                <a:cs typeface="Times New Roman" charset="0"/>
+              </a:rPr>
+              <a:t>Что</a:t>
+            </a:r>
+            <a:r>
+              <a:rPr lang="ru-RU" b="1" i="0" baseline="0" dirty="0" smtClean="0">
+                <a:latin typeface="Times New Roman" charset="0"/>
+                <a:ea typeface="Times New Roman" charset="0"/>
+                <a:cs typeface="Times New Roman" charset="0"/>
+              </a:rPr>
+              <a:t> же такое информационная система класса Б2?</a:t>
+            </a:r>
+          </a:p>
+          <a:p>
+            <a:pPr marL="228600" marR="0" lvl="0" indent="-228600" algn="l" defTabSz="914400" rtl="0" eaLnBrk="0" fontAlgn="base" latinLnBrk="0" hangingPunct="0">
+              <a:lnSpc>
+                <a:spcPct val="100000"/>
+              </a:lnSpc>
+              <a:spcBef>
+                <a:spcPct val="30000"/>
+              </a:spcBef>
+              <a:spcAft>
+                <a:spcPct val="0"/>
+              </a:spcAft>
+              <a:buClrTx/>
+              <a:buSzTx/>
+              <a:buFontTx/>
+              <a:buAutoNum type="arabicPeriod"/>
+              <a:tabLst/>
+              <a:defRPr/>
+            </a:pPr>
+            <a:r>
+              <a:rPr lang="ru-RU" b="0" i="0" baseline="0" dirty="0" smtClean="0">
+                <a:latin typeface="Times New Roman" charset="0"/>
+                <a:ea typeface="Times New Roman" charset="0"/>
+                <a:cs typeface="Times New Roman" charset="0"/>
+              </a:rPr>
+              <a:t>Б – </a:t>
+            </a:r>
+            <a:r>
+              <a:rPr lang="ru-RU" dirty="0" smtClean="0"/>
+              <a:t>объекты размещаются в нескольких контролируемых зонах, соединённых каналами связи, но не имеют выхода в сети общего пользования;</a:t>
+            </a:r>
+            <a:r>
+              <a:rPr lang="ru-RU" baseline="0" dirty="0" smtClean="0"/>
+              <a:t> (самым простом корпоративная сеть, несколько компьютеров соединённых между собой каналами связи)</a:t>
+            </a:r>
+            <a:endParaRPr lang="ru-RU" b="0" i="0" dirty="0" smtClean="0">
+              <a:latin typeface="Times New Roman" charset="0"/>
+              <a:ea typeface="Times New Roman" charset="0"/>
+              <a:cs typeface="Times New Roman" charset="0"/>
+            </a:endParaRPr>
+          </a:p>
+          <a:p>
+            <a:pPr marL="228600" marR="0" lvl="0" indent="-228600" algn="l" defTabSz="914400" rtl="0" eaLnBrk="0" fontAlgn="base" latinLnBrk="0" hangingPunct="0">
+              <a:lnSpc>
+                <a:spcPct val="100000"/>
+              </a:lnSpc>
+              <a:spcBef>
+                <a:spcPct val="30000"/>
+              </a:spcBef>
+              <a:spcAft>
+                <a:spcPct val="0"/>
+              </a:spcAft>
+              <a:buClrTx/>
+              <a:buSzTx/>
+              <a:buFontTx/>
+              <a:buAutoNum type="arabicPeriod"/>
+              <a:tabLst/>
+              <a:defRPr/>
+            </a:pPr>
+            <a:r>
+              <a:rPr lang="ru-RU" b="0" i="0" dirty="0" smtClean="0">
+                <a:latin typeface="Times New Roman" charset="0"/>
+                <a:ea typeface="Times New Roman" charset="0"/>
+                <a:cs typeface="Times New Roman" charset="0"/>
+              </a:rPr>
+              <a:t>2 –</a:t>
+            </a:r>
+            <a:r>
+              <a:rPr lang="ru-RU" b="0" i="0" baseline="0" dirty="0" smtClean="0">
+                <a:latin typeface="Times New Roman" charset="0"/>
+                <a:ea typeface="Times New Roman" charset="0"/>
+                <a:cs typeface="Times New Roman" charset="0"/>
+              </a:rPr>
+              <a:t> </a:t>
+            </a:r>
+            <a:r>
+              <a:rPr lang="ru-RU" dirty="0" smtClean="0"/>
+              <a:t>обрабатывается информация распространения которой ограниченно, за исключением государственных секретов. (персональные</a:t>
+            </a:r>
+            <a:r>
+              <a:rPr lang="ru-RU" baseline="0" dirty="0" smtClean="0"/>
+              <a:t> данные</a:t>
+            </a:r>
+            <a:r>
+              <a:rPr lang="ru-RU" dirty="0" smtClean="0"/>
+              <a:t>)</a:t>
+            </a:r>
+            <a:endParaRPr lang="en-US" dirty="0" smtClean="0"/>
+          </a:p>
+        </p:txBody>
+      </p:sp>
+      <p:sp>
+        <p:nvSpPr>
+          <p:cNvPr id="4" name="Slide Number Placeholder 3"/>
+          <p:cNvSpPr>
+            <a:spLocks noGrp="1"/>
+          </p:cNvSpPr>
+          <p:nvPr>
+            <p:ph type="sldNum" sz="quarter" idx="10"/>
+          </p:nvPr>
+        </p:nvSpPr>
+        <p:spPr/>
+        <p:txBody>
+          <a:bodyPr/>
+          <a:lstStyle/>
+          <a:p>
+            <a:fld id="{E3D4ECE9-6E2B-8A4F-A28E-680864DBC511}" type="slidenum">
+              <a:rPr lang="ru-RU" altLang="ru-RU" smtClean="0"/>
+              <a:pPr/>
+              <a:t>5</a:t>
+            </a:fld>
+            <a:endParaRPr lang="ru-RU" altLang="ru-RU"/>
+          </a:p>
+        </p:txBody>
+      </p:sp>
+    </p:spTree>
+    <p:extLst>
+      <p:ext uri="{BB962C8B-B14F-4D97-AF65-F5344CB8AC3E}">
+        <p14:creationId xmlns:p14="http://schemas.microsoft.com/office/powerpoint/2010/main" val="762643381"/>
+      </p:ext>
+    </p:extLst>
+  </p:cSld>
+  <p:clrMapOvr>
+    <a:masterClrMapping/>
+  </p:clrMapOvr>
+</p:notes>
+</file>
+
+<file path=ppt/notesSlides/notesSlide6.xml><?xml version="1.0" encoding="utf-8"?>
+<p:notes xmlns:a="http://schemas.openxmlformats.org/drawingml/2006/main" xmlns:r="http://schemas.openxmlformats.org/officeDocument/2006/relationships" xmlns:p="http://schemas.openxmlformats.org/presentationml/2006/main">
+  <p:cSld>
+    <p:spTree>
+      <p:nvGrpSpPr>
+        <p:cNvPr id="1" name=""/>
+        <p:cNvGrpSpPr/>
+        <p:nvPr/>
+      </p:nvGrpSpPr>
+      <p:grpSpPr>
+        <a:xfrm>
+          <a:off x="0" y="0"/>
+          <a:ext cx="0" cy="0"/>
+          <a:chOff x="0" y="0"/>
+          <a:chExt cx="0" cy="0"/>
+        </a:xfrm>
+      </p:grpSpPr>
+      <p:sp>
+        <p:nvSpPr>
+          <p:cNvPr id="2" name="Slide Image Placeholder 1"/>
+          <p:cNvSpPr>
+            <a:spLocks noGrp="1" noRot="1" noChangeAspect="1"/>
+          </p:cNvSpPr>
+          <p:nvPr>
+            <p:ph type="sldImg"/>
+          </p:nvPr>
+        </p:nvSpPr>
+        <p:spPr/>
+      </p:sp>
+      <p:sp>
+        <p:nvSpPr>
+          <p:cNvPr id="3" name="Notes Placeholder 2"/>
+          <p:cNvSpPr>
+            <a:spLocks noGrp="1"/>
+          </p:cNvSpPr>
+          <p:nvPr>
+            <p:ph type="body" idx="1"/>
+          </p:nvPr>
+        </p:nvSpPr>
+        <p:spPr/>
+        <p:txBody>
+          <a:bodyPr/>
+          <a:lstStyle/>
+          <a:p>
+            <a:r>
+              <a:rPr lang="ru-RU" b="1" i="0" dirty="0" smtClean="0">
+                <a:latin typeface="Times New Roman" charset="0"/>
+                <a:ea typeface="Times New Roman" charset="0"/>
+                <a:cs typeface="Times New Roman" charset="0"/>
+              </a:rPr>
+              <a:t>Технической</a:t>
+            </a:r>
+            <a:r>
+              <a:rPr lang="ru-RU" b="1" i="0" baseline="0" dirty="0" smtClean="0">
+                <a:latin typeface="Times New Roman" charset="0"/>
+                <a:ea typeface="Times New Roman" charset="0"/>
+                <a:cs typeface="Times New Roman" charset="0"/>
+              </a:rPr>
+              <a:t> задание или задание по безопасности?</a:t>
+            </a:r>
+          </a:p>
+          <a:p>
+            <a:r>
+              <a:rPr lang="ru-RU" b="0" i="0" dirty="0" smtClean="0">
+                <a:latin typeface="Times New Roman" charset="0"/>
+                <a:ea typeface="Times New Roman" charset="0"/>
+                <a:cs typeface="Times New Roman" charset="0"/>
+              </a:rPr>
+              <a:t>В соответствии со 62</a:t>
+            </a:r>
+            <a:r>
+              <a:rPr lang="ru-RU" b="0" i="0" baseline="0" dirty="0" smtClean="0">
+                <a:latin typeface="Times New Roman" charset="0"/>
+                <a:ea typeface="Times New Roman" charset="0"/>
+                <a:cs typeface="Times New Roman" charset="0"/>
+              </a:rPr>
+              <a:t> приказом ОАЦ ЗБ разрабатывается только в двух случаях:</a:t>
+            </a:r>
+          </a:p>
+          <a:p>
+            <a:endParaRPr lang="ru-RU" b="0" i="0" baseline="0" dirty="0" smtClean="0">
+              <a:latin typeface="Times New Roman" charset="0"/>
+              <a:ea typeface="Times New Roman" charset="0"/>
+              <a:cs typeface="Times New Roman" charset="0"/>
+            </a:endParaRPr>
+          </a:p>
+          <a:p>
+            <a:pPr lvl="0"/>
+            <a:r>
+              <a:rPr lang="ru-RU" b="0" i="0" baseline="0" dirty="0" smtClean="0">
+                <a:latin typeface="Times New Roman" charset="0"/>
+                <a:ea typeface="Times New Roman" charset="0"/>
+                <a:cs typeface="Times New Roman" charset="0"/>
+              </a:rPr>
+              <a:t>– </a:t>
+            </a:r>
+            <a:r>
+              <a:rPr lang="ru-RU" b="0" i="0" baseline="0" dirty="0" smtClean="0">
+                <a:latin typeface="+mn-lt"/>
+                <a:ea typeface="+mn-ea"/>
+                <a:cs typeface="+mn-cs"/>
+              </a:rPr>
+              <a:t>с</a:t>
+            </a:r>
+            <a:r>
+              <a:rPr lang="ru-RU" dirty="0" smtClean="0"/>
+              <a:t>истема имеет подключение к сетям общего пользования:</a:t>
+            </a:r>
+            <a:r>
+              <a:rPr lang="ru-RU" baseline="0" dirty="0" smtClean="0"/>
+              <a:t> данный вариант полностью исключается поскольку, класс нашей информационной системы не разрешает такого подключения.</a:t>
+            </a:r>
+          </a:p>
+          <a:p>
+            <a:pPr lvl="0"/>
+            <a:endParaRPr lang="en-US" dirty="0" smtClean="0"/>
+          </a:p>
+          <a:p>
+            <a:pPr lvl="0"/>
+            <a:r>
+              <a:rPr lang="ru-RU" sz="1200" b="0" i="0" kern="1200" dirty="0" smtClean="0">
+                <a:solidFill>
+                  <a:schemeClr val="tx1"/>
+                </a:solidFill>
+                <a:effectLst/>
+                <a:latin typeface="Times New Roman" charset="0"/>
+                <a:ea typeface="Times New Roman" charset="0"/>
+                <a:cs typeface="Times New Roman" charset="0"/>
+              </a:rPr>
+              <a:t>– </a:t>
+            </a:r>
+            <a:r>
+              <a:rPr lang="ru-RU" sz="1200" b="0" i="0" kern="1200" dirty="0" smtClean="0">
+                <a:solidFill>
+                  <a:schemeClr val="tx1"/>
+                </a:solidFill>
+                <a:effectLst/>
+                <a:latin typeface="+mn-lt"/>
+                <a:ea typeface="+mn-ea"/>
+                <a:cs typeface="+mn-cs"/>
+              </a:rPr>
+              <a:t>ч</a:t>
+            </a:r>
+            <a:r>
+              <a:rPr lang="ru-RU" dirty="0" smtClean="0"/>
+              <a:t>асти системы находятся одновременно на территории двух и более областей РБ:</a:t>
+            </a:r>
+            <a:r>
+              <a:rPr lang="ru-RU" baseline="0" dirty="0" smtClean="0"/>
+              <a:t> такой вариант возможен для учебных заведений, но всё же более общей является ситуация что учебное заведение распылается в пределах одной области.</a:t>
+            </a:r>
+          </a:p>
+          <a:p>
+            <a:pPr lvl="0"/>
+            <a:endParaRPr lang="ru-RU" baseline="0" dirty="0" smtClean="0"/>
+          </a:p>
+          <a:p>
+            <a:pPr lvl="0"/>
+            <a:r>
+              <a:rPr lang="ru-RU" baseline="0" dirty="0" smtClean="0"/>
+              <a:t>И всего вышесказанного был сделан вывод что будем разрабатывать ТЗ.</a:t>
+            </a:r>
+            <a:endParaRPr lang="en-US" dirty="0"/>
+          </a:p>
+        </p:txBody>
+      </p:sp>
+      <p:sp>
+        <p:nvSpPr>
+          <p:cNvPr id="4" name="Slide Number Placeholder 3"/>
+          <p:cNvSpPr>
+            <a:spLocks noGrp="1"/>
+          </p:cNvSpPr>
+          <p:nvPr>
+            <p:ph type="sldNum" sz="quarter" idx="10"/>
+          </p:nvPr>
+        </p:nvSpPr>
+        <p:spPr/>
+        <p:txBody>
+          <a:bodyPr/>
+          <a:lstStyle/>
+          <a:p>
+            <a:fld id="{E3D4ECE9-6E2B-8A4F-A28E-680864DBC511}" type="slidenum">
+              <a:rPr lang="ru-RU" altLang="ru-RU" smtClean="0"/>
+              <a:pPr/>
+              <a:t>6</a:t>
+            </a:fld>
+            <a:endParaRPr lang="ru-RU" altLang="ru-RU"/>
+          </a:p>
+        </p:txBody>
+      </p:sp>
+    </p:spTree>
+    <p:extLst>
+      <p:ext uri="{BB962C8B-B14F-4D97-AF65-F5344CB8AC3E}">
+        <p14:creationId xmlns:p14="http://schemas.microsoft.com/office/powerpoint/2010/main" val="767077378"/>
+      </p:ext>
+    </p:extLst>
+  </p:cSld>
+  <p:clrMapOvr>
+    <a:masterClrMapping/>
+  </p:clrMapOvr>
+</p:notes>
+</file>
+
 <file path=ppt/slideLayouts/slideLayout1.xml><?xml version="1.0" encoding="utf-8"?>
 <p:sldLayout xmlns:a="http://schemas.openxmlformats.org/drawingml/2006/main" xmlns:r="http://schemas.openxmlformats.org/officeDocument/2006/relationships" xmlns:p="http://schemas.openxmlformats.org/presentationml/2006/main" showMasterSp="0" type="title" preserve="1">
   <p:cSld name="Титульный слайд">
@@ -1261,7 +7264,7 @@
               <a:pPr>
                 <a:defRPr/>
               </a:pPr>
-              <a:t>13.06.2017</a:t>
+              <a:t>14.06.2017</a:t>
             </a:fld>
             <a:endParaRPr lang="ru-RU" dirty="0"/>
           </a:p>
@@ -1453,7 +7456,7 @@
               <a:pPr>
                 <a:defRPr/>
               </a:pPr>
-              <a:t>13.06.2017</a:t>
+              <a:t>14.06.2017</a:t>
             </a:fld>
             <a:endParaRPr lang="ru-RU" dirty="0"/>
           </a:p>
@@ -1655,7 +7658,7 @@
               <a:pPr>
                 <a:defRPr/>
               </a:pPr>
-              <a:t>13.06.2017</a:t>
+              <a:t>14.06.2017</a:t>
             </a:fld>
             <a:endParaRPr lang="ru-RU" dirty="0"/>
           </a:p>
@@ -1852,7 +7855,7 @@
               <a:pPr>
                 <a:defRPr/>
               </a:pPr>
-              <a:t>13.06.2017</a:t>
+              <a:t>14.06.2017</a:t>
             </a:fld>
             <a:endParaRPr lang="ru-RU" dirty="0"/>
           </a:p>
@@ -2362,7 +8365,7 @@
               <a:pPr>
                 <a:defRPr/>
               </a:pPr>
-              <a:t>13.06.2017</a:t>
+              <a:t>14.06.2017</a:t>
             </a:fld>
             <a:endParaRPr lang="ru-RU" dirty="0"/>
           </a:p>
@@ -2626,7 +8629,7 @@
               <a:pPr>
                 <a:defRPr/>
               </a:pPr>
-              <a:t>13.06.2017</a:t>
+              <a:t>14.06.2017</a:t>
             </a:fld>
             <a:endParaRPr lang="ru-RU" dirty="0"/>
           </a:p>
@@ -3015,7 +9018,7 @@
               <a:pPr>
                 <a:defRPr/>
               </a:pPr>
-              <a:t>13.06.2017</a:t>
+              <a:t>14.06.2017</a:t>
             </a:fld>
             <a:endParaRPr lang="ru-RU" dirty="0"/>
           </a:p>
@@ -3155,7 +9158,7 @@
               <a:pPr>
                 <a:defRPr/>
               </a:pPr>
-              <a:t>13.06.2017</a:t>
+              <a:t>14.06.2017</a:t>
             </a:fld>
             <a:endParaRPr lang="ru-RU" dirty="0"/>
           </a:p>
@@ -3272,7 +9275,7 @@
               <a:pPr>
                 <a:defRPr/>
               </a:pPr>
-              <a:t>13.06.2017</a:t>
+              <a:t>14.06.2017</a:t>
             </a:fld>
             <a:endParaRPr lang="ru-RU" dirty="0"/>
           </a:p>
@@ -3639,7 +9642,7 @@
               <a:pPr>
                 <a:defRPr/>
               </a:pPr>
-              <a:t>13.06.2017</a:t>
+              <a:t>14.06.2017</a:t>
             </a:fld>
             <a:endParaRPr lang="ru-RU" dirty="0"/>
           </a:p>
@@ -4053,7 +10056,7 @@
               <a:pPr>
                 <a:defRPr/>
               </a:pPr>
-              <a:t>13.06.2017</a:t>
+              <a:t>14.06.2017</a:t>
             </a:fld>
             <a:endParaRPr lang="ru-RU" dirty="0"/>
           </a:p>
@@ -4466,7 +10469,7 @@
               <a:pPr>
                 <a:defRPr/>
               </a:pPr>
-              <a:t>13.06.2017</a:t>
+              <a:t>14.06.2017</a:t>
             </a:fld>
             <a:endParaRPr lang="ru-RU" dirty="0"/>
           </a:p>
@@ -5020,13 +11023,13 @@
         </p:nvSpPr>
         <p:spPr>
           <a:xfrm>
-            <a:off x="684213" y="215900"/>
-            <a:ext cx="8208962" cy="6525468"/>
+            <a:off x="684213" y="404664"/>
+            <a:ext cx="8208962" cy="5832648"/>
           </a:xfrm>
         </p:spPr>
         <p:txBody>
           <a:bodyPr>
-            <a:normAutofit fontScale="85000" lnSpcReduction="20000"/>
+            <a:normAutofit fontScale="77500" lnSpcReduction="20000"/>
           </a:bodyPr>
           <a:lstStyle/>
           <a:p>
@@ -5042,42 +11045,98 @@
               <a:defRPr/>
             </a:pPr>
             <a:r>
+              <a:rPr lang="ru-RU" sz="2200" b="1" dirty="0" smtClean="0">
+                <a:solidFill>
+                  <a:srgbClr val="093470"/>
+                </a:solidFill>
+                <a:latin typeface="Times New Roman" charset="0"/>
+                <a:ea typeface="Times New Roman" charset="0"/>
+                <a:cs typeface="Times New Roman" charset="0"/>
+              </a:rPr>
+              <a:t>БЕЛОРУССКИЙ  ГОСУДАРСТВЕННЫЙ  УНИВЕРСИТЕТ</a:t>
+            </a:r>
+            <a:r>
+              <a:rPr lang="ru-RU" sz="2200" dirty="0" smtClean="0">
+                <a:solidFill>
+                  <a:srgbClr val="093470"/>
+                </a:solidFill>
+                <a:latin typeface="Times New Roman" charset="0"/>
+                <a:ea typeface="Times New Roman" charset="0"/>
+                <a:cs typeface="Times New Roman" charset="0"/>
+              </a:rPr>
+              <a:t/>
+            </a:r>
+            <a:br>
+              <a:rPr lang="ru-RU" sz="2200" dirty="0" smtClean="0">
+                <a:solidFill>
+                  <a:srgbClr val="093470"/>
+                </a:solidFill>
+                <a:latin typeface="Times New Roman" charset="0"/>
+                <a:ea typeface="Times New Roman" charset="0"/>
+                <a:cs typeface="Times New Roman" charset="0"/>
+              </a:rPr>
+            </a:br>
+            <a:r>
+              <a:rPr lang="ru-RU" sz="2200" b="1" dirty="0" smtClean="0">
+                <a:solidFill>
+                  <a:srgbClr val="093470"/>
+                </a:solidFill>
+                <a:latin typeface="Times New Roman" charset="0"/>
+                <a:ea typeface="Times New Roman" charset="0"/>
+                <a:cs typeface="Times New Roman" charset="0"/>
+              </a:rPr>
+              <a:t>ФАКУЛЬТЕТ  РАДИОФИЗИКИ И КОМПЬЮТЕРНЫХ ТЕХНОЛОГИЙ</a:t>
+            </a:r>
+            <a:r>
+              <a:rPr lang="ru-RU" sz="2200" dirty="0" smtClean="0">
+                <a:solidFill>
+                  <a:srgbClr val="093470"/>
+                </a:solidFill>
+                <a:latin typeface="Times New Roman" charset="0"/>
+                <a:ea typeface="Times New Roman" charset="0"/>
+                <a:cs typeface="Times New Roman" charset="0"/>
+              </a:rPr>
+              <a:t/>
+            </a:r>
+            <a:br>
+              <a:rPr lang="ru-RU" sz="2200" dirty="0" smtClean="0">
+                <a:solidFill>
+                  <a:srgbClr val="093470"/>
+                </a:solidFill>
+                <a:latin typeface="Times New Roman" charset="0"/>
+                <a:ea typeface="Times New Roman" charset="0"/>
+                <a:cs typeface="Times New Roman" charset="0"/>
+              </a:rPr>
+            </a:br>
+            <a:r>
+              <a:rPr lang="ru-RU" sz="2200" dirty="0" smtClean="0">
+                <a:solidFill>
+                  <a:srgbClr val="093470"/>
+                </a:solidFill>
+                <a:latin typeface="Times New Roman" charset="0"/>
+                <a:ea typeface="Times New Roman" charset="0"/>
+                <a:cs typeface="Times New Roman" charset="0"/>
+              </a:rPr>
+              <a:t> </a:t>
+            </a:r>
+            <a:r>
+              <a:rPr lang="ru-RU" sz="2200" b="1" dirty="0" smtClean="0">
+                <a:solidFill>
+                  <a:srgbClr val="093470"/>
+                </a:solidFill>
+                <a:latin typeface="Times New Roman" charset="0"/>
+                <a:ea typeface="Times New Roman" charset="0"/>
+                <a:cs typeface="Times New Roman" charset="0"/>
+              </a:rPr>
+              <a:t>КАФЕДРА ТЕЛЕКОММУНИКАЦИЙ И ИНФОРМАЦИОННЫХ ТЕХНОЛОГИЙ</a:t>
+            </a:r>
+            <a:r>
               <a:rPr lang="ru-RU" sz="2200" dirty="0" smtClean="0">
                 <a:latin typeface="Times New Roman" charset="0"/>
                 <a:ea typeface="Times New Roman" charset="0"/>
                 <a:cs typeface="Times New Roman" charset="0"/>
               </a:rPr>
-              <a:t>БЕЛОРУССКИЙ  ГОСУДАРСТВЕННЫЙ  УНИВЕРСИТЕТ</a:t>
-            </a:r>
-            <a:br>
-              <a:rPr lang="ru-RU" sz="2200" dirty="0" smtClean="0">
-                <a:latin typeface="Times New Roman" charset="0"/>
-                <a:ea typeface="Times New Roman" charset="0"/>
-                <a:cs typeface="Times New Roman" charset="0"/>
-              </a:rPr>
-            </a:br>
-            <a:r>
-              <a:rPr lang="ru-RU" sz="2200" dirty="0" smtClean="0">
-                <a:latin typeface="Times New Roman" charset="0"/>
-                <a:ea typeface="Times New Roman" charset="0"/>
-                <a:cs typeface="Times New Roman" charset="0"/>
-              </a:rPr>
-              <a:t>ФАКУЛЬТЕТ  РАДИОФИЗИКИ И КОМПЬЮТЕРНЫХ ТЕХНОЛОГИЙ</a:t>
-            </a:r>
-            <a:br>
-              <a:rPr lang="ru-RU" sz="2200" dirty="0" smtClean="0">
-                <a:latin typeface="Times New Roman" charset="0"/>
-                <a:ea typeface="Times New Roman" charset="0"/>
-                <a:cs typeface="Times New Roman" charset="0"/>
-              </a:rPr>
-            </a:br>
-            <a:r>
-              <a:rPr lang="ru-RU" sz="2200" dirty="0" smtClean="0">
-                <a:latin typeface="Times New Roman" charset="0"/>
-                <a:ea typeface="Times New Roman" charset="0"/>
-                <a:cs typeface="Times New Roman" charset="0"/>
-              </a:rPr>
-              <a:t> КАФЕДРА ТЕЛЕКОММУНИКАЦИЙ И ИНФОРМАЦИОННЫХ ТЕХНОЛОГИЙ</a:t>
+              <a:t/>
             </a:r>
             <a:br>
               <a:rPr lang="ru-RU" sz="2200" dirty="0" smtClean="0">
@@ -5087,6 +11146,24 @@
               </a:rPr>
             </a:br>
             <a:endParaRPr lang="ru-RU" sz="2200" dirty="0" smtClean="0">
+              <a:latin typeface="Times New Roman" charset="0"/>
+              <a:ea typeface="Times New Roman" charset="0"/>
+              <a:cs typeface="Times New Roman" charset="0"/>
+            </a:endParaRPr>
+          </a:p>
+          <a:p>
+            <a:pPr marL="274320" indent="-274320" algn="ctr" eaLnBrk="1" fontAlgn="auto" hangingPunct="1">
+              <a:spcBef>
+                <a:spcPts val="580"/>
+              </a:spcBef>
+              <a:spcAft>
+                <a:spcPts val="0"/>
+              </a:spcAft>
+              <a:buFont typeface="Wingdings 2"/>
+              <a:buNone/>
+              <a:defRPr/>
+            </a:pPr>
+            <a:endParaRPr lang="en-US" sz="2800" dirty="0" smtClean="0">
               <a:latin typeface="Times New Roman" charset="0"/>
               <a:ea typeface="Times New Roman" charset="0"/>
               <a:cs typeface="Times New Roman" charset="0"/>
@@ -5128,31 +11205,7 @@
                 <a:ea typeface="Times New Roman" charset="0"/>
                 <a:cs typeface="Times New Roman" charset="0"/>
               </a:rPr>
-              <a:t>Тема: </a:t>
-            </a:r>
-            <a:r>
-              <a:rPr lang="ru-RU" sz="3500" dirty="0" smtClean="0">
-                <a:latin typeface="Times New Roman" charset="0"/>
-                <a:ea typeface="Times New Roman" charset="0"/>
-                <a:cs typeface="Times New Roman" charset="0"/>
-              </a:rPr>
-              <a:t>«</a:t>
-            </a:r>
-            <a:r>
-              <a:rPr lang="ru-RU" sz="3500" dirty="0" smtClean="0">
-                <a:latin typeface="Times New Roman" charset="0"/>
-                <a:ea typeface="Times New Roman" charset="0"/>
-                <a:cs typeface="Times New Roman" charset="0"/>
-              </a:rPr>
-              <a:t>Проектирование </a:t>
-            </a:r>
-            <a:r>
-              <a:rPr lang="ru-RU" sz="3500" dirty="0" smtClean="0">
-                <a:latin typeface="Times New Roman" charset="0"/>
-                <a:ea typeface="Times New Roman" charset="0"/>
-                <a:cs typeface="Times New Roman" charset="0"/>
-              </a:rPr>
-              <a:t>системы </a:t>
+              <a:t>Тема: «Проектирование системы </a:t>
             </a:r>
             <a:r>
               <a:rPr lang="ru-RU" sz="3500" dirty="0">
@@ -5168,9 +11221,145 @@
                 <a:ea typeface="Times New Roman" charset="0"/>
                 <a:cs typeface="Times New Roman" charset="0"/>
               </a:rPr>
-              <a:t>заведения»</a:t>
-            </a:r>
+              <a:t>заведения</a:t>
+            </a:r>
+            <a:r>
+              <a:rPr lang="ru-RU" sz="3500" dirty="0" smtClean="0">
+                <a:latin typeface="Times New Roman" charset="0"/>
+                <a:ea typeface="Times New Roman" charset="0"/>
+                <a:cs typeface="Times New Roman" charset="0"/>
+              </a:rPr>
+              <a:t>»</a:t>
+            </a:r>
+            <a:endParaRPr lang="en-US" dirty="0" smtClean="0">
+              <a:latin typeface="Times New Roman" charset="0"/>
+              <a:ea typeface="Times New Roman" charset="0"/>
+              <a:cs typeface="Times New Roman" charset="0"/>
+            </a:endParaRPr>
+          </a:p>
+          <a:p>
+            <a:pPr marL="274320" indent="-274320" algn="r" eaLnBrk="1" fontAlgn="auto" hangingPunct="1">
+              <a:spcBef>
+                <a:spcPts val="0"/>
+              </a:spcBef>
+              <a:spcAft>
+                <a:spcPts val="0"/>
+              </a:spcAft>
+              <a:buFont typeface="Wingdings 2"/>
+              <a:buNone/>
+              <a:defRPr/>
+            </a:pPr>
             <a:endParaRPr lang="ru-RU" dirty="0" smtClean="0">
+              <a:latin typeface="Times New Roman" charset="0"/>
+              <a:ea typeface="Times New Roman" charset="0"/>
+              <a:cs typeface="Times New Roman" charset="0"/>
+            </a:endParaRPr>
+          </a:p>
+          <a:p>
+            <a:pPr marL="274320" indent="-274320" algn="r" eaLnBrk="1" fontAlgn="auto" hangingPunct="1">
+              <a:spcBef>
+                <a:spcPts val="0"/>
+              </a:spcBef>
+              <a:spcAft>
+                <a:spcPts val="0"/>
+              </a:spcAft>
+              <a:buFont typeface="Wingdings 2"/>
+              <a:buNone/>
+              <a:defRPr/>
+            </a:pPr>
+            <a:endParaRPr lang="en-US" dirty="0" smtClean="0">
+              <a:latin typeface="Times New Roman" charset="0"/>
+              <a:ea typeface="Times New Roman" charset="0"/>
+              <a:cs typeface="Times New Roman" charset="0"/>
+            </a:endParaRPr>
+          </a:p>
+          <a:p>
+            <a:pPr marL="274320" indent="-274320" algn="r" eaLnBrk="1" fontAlgn="auto" hangingPunct="1">
+              <a:spcBef>
+                <a:spcPts val="0"/>
+              </a:spcBef>
+              <a:spcAft>
+                <a:spcPts val="0"/>
+              </a:spcAft>
+              <a:buFont typeface="Wingdings 2"/>
+              <a:buNone/>
+              <a:defRPr/>
+            </a:pPr>
+            <a:r>
+              <a:rPr lang="ru-RU" dirty="0" smtClean="0">
+                <a:latin typeface="Times New Roman" charset="0"/>
+                <a:ea typeface="Times New Roman" charset="0"/>
+                <a:cs typeface="Times New Roman" charset="0"/>
+              </a:rPr>
+              <a:t>Подготовил:</a:t>
+            </a:r>
+            <a:r>
+              <a:rPr lang="en-US" dirty="0" smtClean="0">
+                <a:latin typeface="Times New Roman" charset="0"/>
+                <a:ea typeface="Times New Roman" charset="0"/>
+                <a:cs typeface="Times New Roman" charset="0"/>
+              </a:rPr>
+              <a:t> </a:t>
+            </a:r>
+            <a:r>
+              <a:rPr lang="ru-RU" dirty="0" smtClean="0">
+                <a:latin typeface="Times New Roman" charset="0"/>
+                <a:ea typeface="Times New Roman" charset="0"/>
+                <a:cs typeface="Times New Roman" charset="0"/>
+              </a:rPr>
+              <a:t>студент</a:t>
+            </a:r>
+          </a:p>
+          <a:p>
+            <a:pPr marL="274320" indent="-274320" algn="r" eaLnBrk="1" fontAlgn="auto" hangingPunct="1">
+              <a:spcBef>
+                <a:spcPts val="0"/>
+              </a:spcBef>
+              <a:spcAft>
+                <a:spcPts val="0"/>
+              </a:spcAft>
+              <a:buFont typeface="Wingdings 2"/>
+              <a:buNone/>
+              <a:defRPr/>
+            </a:pPr>
+            <a:r>
+              <a:rPr lang="en-US" dirty="0">
+                <a:latin typeface="Times New Roman" charset="0"/>
+                <a:ea typeface="Times New Roman" charset="0"/>
+                <a:cs typeface="Times New Roman" charset="0"/>
+              </a:rPr>
+              <a:t>4</a:t>
+            </a:r>
+            <a:r>
+              <a:rPr lang="ru-RU" dirty="0" smtClean="0">
+                <a:latin typeface="Times New Roman" charset="0"/>
+                <a:ea typeface="Times New Roman" charset="0"/>
+                <a:cs typeface="Times New Roman" charset="0"/>
+              </a:rPr>
+              <a:t> курса специальности КБ</a:t>
+            </a:r>
+          </a:p>
+          <a:p>
+            <a:pPr marL="274320" indent="-274320" algn="r" eaLnBrk="1" fontAlgn="auto" hangingPunct="1">
+              <a:spcBef>
+                <a:spcPts val="0"/>
+              </a:spcBef>
+              <a:spcAft>
+                <a:spcPts val="0"/>
+              </a:spcAft>
+              <a:buFont typeface="Wingdings 2"/>
+              <a:buNone/>
+              <a:defRPr/>
+            </a:pPr>
+            <a:r>
+              <a:rPr lang="ru-RU" dirty="0" smtClean="0">
+                <a:latin typeface="Times New Roman" charset="0"/>
+                <a:ea typeface="Times New Roman" charset="0"/>
+                <a:cs typeface="Times New Roman" charset="0"/>
+              </a:rPr>
+              <a:t>Радкевич В.И.</a:t>
+            </a:r>
+            <a:endParaRPr lang="ru-RU" dirty="0">
               <a:latin typeface="Times New Roman" charset="0"/>
               <a:ea typeface="Times New Roman" charset="0"/>
               <a:cs typeface="Times New Roman" charset="0"/>
@@ -5206,11 +11395,30 @@
               <a:buNone/>
               <a:defRPr/>
             </a:pPr>
-            <a:endParaRPr lang="ru-RU" dirty="0">
-              <a:latin typeface="Times New Roman" charset="0"/>
-              <a:ea typeface="Times New Roman" charset="0"/>
-              <a:cs typeface="Times New Roman" charset="0"/>
-            </a:endParaRPr>
+            <a:r>
+              <a:rPr lang="ru-RU" dirty="0">
+                <a:latin typeface="Times New Roman" charset="0"/>
+                <a:ea typeface="Times New Roman" charset="0"/>
+                <a:cs typeface="Times New Roman" charset="0"/>
+              </a:rPr>
+              <a:t>				Н</a:t>
+            </a:r>
+            <a:r>
+              <a:rPr lang="ru-RU" dirty="0" smtClean="0">
+                <a:latin typeface="Times New Roman" charset="0"/>
+                <a:ea typeface="Times New Roman" charset="0"/>
+                <a:cs typeface="Times New Roman" charset="0"/>
+              </a:rPr>
+              <a:t>аучный </a:t>
+            </a:r>
+            <a:r>
+              <a:rPr lang="ru-RU" dirty="0">
+                <a:latin typeface="Times New Roman" charset="0"/>
+                <a:ea typeface="Times New Roman" charset="0"/>
+                <a:cs typeface="Times New Roman" charset="0"/>
+              </a:rPr>
+              <a:t>руководитель:</a:t>
+            </a:r>
           </a:p>
           <a:p>
             <a:pPr marL="274320" indent="-274320" algn="r" eaLnBrk="1" fontAlgn="auto" hangingPunct="1">
@@ -5224,6 +11432,22 @@
               <a:buNone/>
               <a:defRPr/>
             </a:pPr>
+            <a:r>
+              <a:rPr lang="ru-RU" dirty="0">
+                <a:latin typeface="Times New Roman" charset="0"/>
+                <a:ea typeface="Times New Roman" charset="0"/>
+                <a:cs typeface="Times New Roman" charset="0"/>
+              </a:rPr>
+              <a:t>				кандидат технических </a:t>
+            </a:r>
+            <a:r>
+              <a:rPr lang="ru-RU" dirty="0" smtClean="0">
+                <a:latin typeface="Times New Roman" charset="0"/>
+                <a:ea typeface="Times New Roman" charset="0"/>
+                <a:cs typeface="Times New Roman" charset="0"/>
+              </a:rPr>
+              <a:t>наук,</a:t>
+            </a:r>
             <a:endParaRPr lang="en-US" dirty="0" smtClean="0">
               <a:latin typeface="Times New Roman" charset="0"/>
               <a:ea typeface="Times New Roman" charset="0"/>
@@ -5243,188 +11467,7 @@
               <a:defRPr/>
             </a:pPr>
             <a:r>
-              <a:rPr lang="ru-RU" sz="1900" dirty="0" smtClean="0">
-                <a:latin typeface="Times New Roman" charset="0"/>
-                <a:ea typeface="Times New Roman" charset="0"/>
-                <a:cs typeface="Times New Roman" charset="0"/>
-              </a:rPr>
-              <a:t>Подготовил:</a:t>
-            </a:r>
-            <a:r>
-              <a:rPr lang="en-US" sz="1900" dirty="0" smtClean="0">
-                <a:latin typeface="Times New Roman" charset="0"/>
-                <a:ea typeface="Times New Roman" charset="0"/>
-                <a:cs typeface="Times New Roman" charset="0"/>
-              </a:rPr>
-              <a:t> </a:t>
-            </a:r>
-            <a:r>
-              <a:rPr lang="ru-RU" sz="1900" dirty="0" smtClean="0">
-                <a:latin typeface="Times New Roman" charset="0"/>
-                <a:ea typeface="Times New Roman" charset="0"/>
-                <a:cs typeface="Times New Roman" charset="0"/>
-              </a:rPr>
-              <a:t>студент</a:t>
-            </a:r>
-          </a:p>
-          <a:p>
-            <a:pPr marL="274320" indent="-274320" algn="r" eaLnBrk="1" fontAlgn="auto" hangingPunct="1">
-              <a:spcBef>
-                <a:spcPts val="0"/>
-              </a:spcBef>
-              <a:spcAft>
-                <a:spcPts val="0"/>
-              </a:spcAft>
-              <a:buFont typeface="Wingdings 2"/>
-              <a:buNone/>
-              <a:defRPr/>
-            </a:pPr>
-            <a:r>
-              <a:rPr lang="en-US" sz="1900" dirty="0">
-                <a:latin typeface="Times New Roman" charset="0"/>
-                <a:ea typeface="Times New Roman" charset="0"/>
-                <a:cs typeface="Times New Roman" charset="0"/>
-              </a:rPr>
-              <a:t>4</a:t>
-            </a:r>
-            <a:r>
-              <a:rPr lang="ru-RU" sz="1900" dirty="0" smtClean="0">
-                <a:latin typeface="Times New Roman" charset="0"/>
-                <a:ea typeface="Times New Roman" charset="0"/>
-                <a:cs typeface="Times New Roman" charset="0"/>
-              </a:rPr>
-              <a:t> курса специальности КБ</a:t>
-            </a:r>
-          </a:p>
-          <a:p>
-            <a:pPr marL="274320" indent="-274320" algn="r" eaLnBrk="1" fontAlgn="auto" hangingPunct="1">
-              <a:spcBef>
-                <a:spcPts val="0"/>
-              </a:spcBef>
-              <a:spcAft>
-                <a:spcPts val="0"/>
-              </a:spcAft>
-              <a:buFont typeface="Wingdings 2"/>
-              <a:buNone/>
-              <a:defRPr/>
-            </a:pPr>
-            <a:r>
-              <a:rPr lang="ru-RU" sz="1900" dirty="0" smtClean="0">
-                <a:latin typeface="Times New Roman" charset="0"/>
-                <a:ea typeface="Times New Roman" charset="0"/>
-                <a:cs typeface="Times New Roman" charset="0"/>
-              </a:rPr>
-              <a:t>Радкевич В.И.</a:t>
-            </a:r>
-            <a:endParaRPr lang="ru-RU" sz="1900" dirty="0">
-              <a:latin typeface="Times New Roman" charset="0"/>
-              <a:ea typeface="Times New Roman" charset="0"/>
-              <a:cs typeface="Times New Roman" charset="0"/>
-            </a:endParaRPr>
-          </a:p>
-          <a:p>
-            <a:pPr marL="274320" indent="-274320" algn="r" eaLnBrk="1" fontAlgn="auto" hangingPunct="1">
-              <a:spcBef>
-                <a:spcPts val="0"/>
-              </a:spcBef>
-              <a:spcAft>
-                <a:spcPts val="0"/>
-              </a:spcAft>
-              <a:buFont typeface="Wingdings 2"/>
-              <a:buNone/>
-              <a:defRPr/>
-            </a:pPr>
-            <a:endParaRPr lang="ru-RU" sz="1900" dirty="0">
-              <a:latin typeface="Times New Roman" charset="0"/>
-              <a:ea typeface="Times New Roman" charset="0"/>
-              <a:cs typeface="Times New Roman" charset="0"/>
-            </a:endParaRPr>
-          </a:p>
-          <a:p>
-            <a:pPr marL="274320" indent="-274320" algn="r" eaLnBrk="1" fontAlgn="auto" hangingPunct="1">
-              <a:spcBef>
-                <a:spcPts val="0"/>
-              </a:spcBef>
-              <a:spcAft>
-                <a:spcPts val="0"/>
-              </a:spcAft>
-              <a:buFont typeface="Wingdings 2"/>
-              <a:buNone/>
-              <a:defRPr/>
-            </a:pPr>
-            <a:r>
-              <a:rPr lang="ru-RU" sz="1900" dirty="0">
-                <a:latin typeface="Times New Roman" charset="0"/>
-                <a:ea typeface="Times New Roman" charset="0"/>
-                <a:cs typeface="Times New Roman" charset="0"/>
-              </a:rPr>
-              <a:t>				Н</a:t>
-            </a:r>
-            <a:r>
-              <a:rPr lang="ru-RU" sz="1900" dirty="0" smtClean="0">
-                <a:latin typeface="Times New Roman" charset="0"/>
-                <a:ea typeface="Times New Roman" charset="0"/>
-                <a:cs typeface="Times New Roman" charset="0"/>
-              </a:rPr>
-              <a:t>аучный </a:t>
-            </a:r>
-            <a:r>
-              <a:rPr lang="ru-RU" sz="1900" dirty="0">
-                <a:latin typeface="Times New Roman" charset="0"/>
-                <a:ea typeface="Times New Roman" charset="0"/>
-                <a:cs typeface="Times New Roman" charset="0"/>
-              </a:rPr>
-              <a:t>руководитель:</a:t>
-            </a:r>
-          </a:p>
-          <a:p>
-            <a:pPr marL="274320" indent="-274320" algn="r" eaLnBrk="1" fontAlgn="auto" hangingPunct="1">
-              <a:spcBef>
-                <a:spcPts val="0"/>
-              </a:spcBef>
-              <a:spcAft>
-                <a:spcPts val="0"/>
-              </a:spcAft>
-              <a:buFont typeface="Wingdings 2"/>
-              <a:buNone/>
-              <a:defRPr/>
-            </a:pPr>
-            <a:r>
-              <a:rPr lang="ru-RU" sz="1900" dirty="0">
-                <a:latin typeface="Times New Roman" charset="0"/>
-                <a:ea typeface="Times New Roman" charset="0"/>
-                <a:cs typeface="Times New Roman" charset="0"/>
-              </a:rPr>
-              <a:t>				кандидат технических </a:t>
-            </a:r>
-            <a:r>
-              <a:rPr lang="ru-RU" sz="1900" dirty="0" smtClean="0">
-                <a:latin typeface="Times New Roman" charset="0"/>
-                <a:ea typeface="Times New Roman" charset="0"/>
-                <a:cs typeface="Times New Roman" charset="0"/>
-              </a:rPr>
-              <a:t>наук,</a:t>
-            </a:r>
-            <a:endParaRPr lang="en-US" sz="1900" dirty="0" smtClean="0">
-              <a:latin typeface="Times New Roman" charset="0"/>
-              <a:ea typeface="Times New Roman" charset="0"/>
-              <a:cs typeface="Times New Roman" charset="0"/>
-            </a:endParaRPr>
-          </a:p>
-          <a:p>
-            <a:pPr marL="274320" indent="-274320" algn="r" eaLnBrk="1" fontAlgn="auto" hangingPunct="1">
-              <a:spcBef>
-                <a:spcPts val="0"/>
-              </a:spcBef>
-              <a:spcAft>
-                <a:spcPts val="0"/>
-              </a:spcAft>
-              <a:buFont typeface="Wingdings 2"/>
-              <a:buNone/>
-              <a:defRPr/>
-            </a:pPr>
-            <a:r>
-              <a:rPr lang="ru-RU" sz="1900" dirty="0" smtClean="0">
+              <a:rPr lang="ru-RU" dirty="0" smtClean="0">
                 <a:latin typeface="Times New Roman" charset="0"/>
                 <a:ea typeface="Times New Roman" charset="0"/>
                 <a:cs typeface="Times New Roman" charset="0"/>
@@ -5469,24 +11512,6 @@
             </a:endParaRPr>
           </a:p>
           <a:p>
-            <a:pPr marL="274320" indent="-274320" eaLnBrk="1" fontAlgn="auto" hangingPunct="1">
-              <a:spcBef>
-                <a:spcPts val="0"/>
-              </a:spcBef>
-              <a:spcAft>
-                <a:spcPts val="0"/>
-              </a:spcAft>
-              <a:buFont typeface="Wingdings 2"/>
-              <a:buNone/>
-              <a:defRPr/>
-            </a:pPr>
-            <a:endParaRPr lang="ru-RU" dirty="0" smtClean="0">
-              <a:latin typeface="Times New Roman" charset="0"/>
-              <a:ea typeface="Times New Roman" charset="0"/>
-              <a:cs typeface="Times New Roman" charset="0"/>
-            </a:endParaRPr>
-          </a:p>
-          <a:p>
             <a:pPr marL="274320" indent="-274320" algn="ctr" eaLnBrk="1" fontAlgn="auto" hangingPunct="1">
               <a:spcBef>
                 <a:spcPts val="0"/>
@@ -5504,7 +11529,23 @@
                 <a:ea typeface="Times New Roman" charset="0"/>
                 <a:cs typeface="Times New Roman" charset="0"/>
               </a:rPr>
-              <a:t>Минск 2017 г.</a:t>
+              <a:t>Минск </a:t>
+            </a:r>
+            <a:r>
+              <a:rPr lang="ru-RU" sz="1800" dirty="0" smtClean="0">
+                <a:latin typeface="Times New Roman" charset="0"/>
+                <a:ea typeface="Times New Roman" charset="0"/>
+                <a:cs typeface="Times New Roman" charset="0"/>
+              </a:rPr>
+              <a:t>2017 </a:t>
+            </a:r>
+            <a:r>
+              <a:rPr lang="ru-RU" sz="1800" dirty="0" smtClean="0">
+                <a:latin typeface="Times New Roman" charset="0"/>
+                <a:ea typeface="Times New Roman" charset="0"/>
+                <a:cs typeface="Times New Roman" charset="0"/>
+              </a:rPr>
+              <a:t>г.</a:t>
             </a:r>
             <a:endParaRPr lang="ru-RU" sz="1800" dirty="0">
               <a:latin typeface="Times New Roman" charset="0"/>
@@ -5516,13 +11557,13 @@
       </p:sp>
       <p:pic>
         <p:nvPicPr>
-          <p:cNvPr id="2" name="Изображение 1"/>
+          <p:cNvPr id="4" name="Picture 3"/>
           <p:cNvPicPr>
             <a:picLocks noChangeAspect="1"/>
           </p:cNvPicPr>
           <p:nvPr/>
         </p:nvPicPr>
-        <p:blipFill>
+        <p:blipFill rotWithShape="1">
           <a:blip r:embed="rId3">
             <a:extLst>
               <a:ext uri="{28A0092B-C50C-407E-A947-70E740481C1C}">
@@ -5530,97 +11571,19 @@
               </a:ext>
             </a:extLst>
           </a:blip>
-          <a:stretch>
-            <a:fillRect/>
-          </a:stretch>
+          <a:srcRect r="71582"/>
+          <a:stretch/>
         </p:blipFill>
         <p:spPr>
           <a:xfrm>
-            <a:off x="271587" y="221339"/>
-            <a:ext cx="825252" cy="1286053"/>
+            <a:off x="395536" y="188640"/>
+            <a:ext cx="1080120" cy="1392936"/>
           </a:xfrm>
           <a:prstGeom prst="rect">
             <a:avLst/>
           </a:prstGeom>
         </p:spPr>
       </p:pic>
-    </p:spTree>
-  </p:cSld>
-  <p:clrMapOvr>
-    <a:masterClrMapping/>
-  </p:clrMapOvr>
-  <p:timing>
-    <p:tnLst>
-      <p:par>
-        <p:cTn id="1" dur="indefinite" restart="never" nodeType="tmRoot"/>
-      </p:par>
-    </p:tnLst>
-  </p:timing>
-</p:sld>
-</file>
-
-<file path=ppt/slides/slide10.xml><?xml version="1.0" encoding="utf-8"?>
-<p:sld xmlns:a="http://schemas.openxmlformats.org/drawingml/2006/main" xmlns:r="http://schemas.openxmlformats.org/officeDocument/2006/relationships" xmlns:p="http://schemas.openxmlformats.org/presentationml/2006/main">
-  <p:cSld>
-    <p:spTree>
-      <p:nvGrpSpPr>
-        <p:cNvPr id="1" name=""/>
-        <p:cNvGrpSpPr/>
-        <p:nvPr/>
-      </p:nvGrpSpPr>
-      <p:grpSpPr>
-        <a:xfrm>
-          <a:off x="0" y="0"/>
-          <a:ext cx="0" cy="0"/>
-          <a:chOff x="0" y="0"/>
-          <a:chExt cx="0" cy="0"/>
-        </a:xfrm>
-      </p:grpSpPr>
-      <p:sp>
-        <p:nvSpPr>
-          <p:cNvPr id="21506" name="Содержимое 2"/>
-          <p:cNvSpPr>
-            <a:spLocks noGrp="1"/>
-          </p:cNvSpPr>
-          <p:nvPr>
-            <p:ph sz="quarter" idx="1"/>
-          </p:nvPr>
-        </p:nvSpPr>
-        <p:spPr>
-          <a:xfrm>
-            <a:off x="457200" y="1600200"/>
-            <a:ext cx="8218488" cy="4525963"/>
-          </a:xfrm>
-        </p:spPr>
-        <p:txBody>
-          <a:bodyPr/>
-          <a:lstStyle/>
-          <a:p>
-            <a:pPr algn="ctr" eaLnBrk="1" hangingPunct="1">
-              <a:buFont typeface="Wingdings 2" charset="2"/>
-              <a:buNone/>
-            </a:pPr>
-            <a:endParaRPr lang="ru-RU" altLang="ru-RU" sz="3200"/>
-          </a:p>
-          <a:p>
-            <a:pPr algn="ctr" eaLnBrk="1" hangingPunct="1">
-              <a:buFont typeface="Wingdings 2" charset="2"/>
-              <a:buNone/>
-            </a:pPr>
-            <a:endParaRPr lang="ru-RU" altLang="ru-RU" sz="3200"/>
-          </a:p>
-          <a:p>
-            <a:pPr algn="ctr" eaLnBrk="1" hangingPunct="1">
-              <a:buFont typeface="Wingdings 2" charset="2"/>
-              <a:buNone/>
-            </a:pPr>
-            <a:r>
-              <a:rPr lang="ru-RU" altLang="ru-RU" sz="3200"/>
-              <a:t>     Спасибо за внимание.</a:t>
-            </a:r>
-          </a:p>
-        </p:txBody>
-      </p:sp>
     </p:spTree>
   </p:cSld>
   <p:clrMapOvr>
@@ -5682,14 +11645,31 @@
               <a:defRPr/>
             </a:pPr>
             <a:r>
-              <a:rPr lang="ru-RU" sz="4400" dirty="0" smtClean="0">
+              <a:rPr lang="ru-RU" sz="4400" b="1" dirty="0" smtClean="0">
+                <a:solidFill>
+                  <a:schemeClr val="tx1"/>
+                </a:solidFill>
                 <a:latin typeface="Times New Roman" charset="0"/>
                 <a:ea typeface="Times New Roman" charset="0"/>
                 <a:cs typeface="Times New Roman" charset="0"/>
               </a:rPr>
-              <a:t>Цели и задачи работы.</a:t>
-            </a:r>
-            <a:endParaRPr lang="ru-RU" sz="4400" dirty="0">
+              <a:t>Цели и задачи </a:t>
+            </a:r>
+            <a:r>
+              <a:rPr lang="ru-RU" sz="4400" b="1" dirty="0" smtClean="0">
+                <a:solidFill>
+                  <a:schemeClr val="tx1"/>
+                </a:solidFill>
+                <a:latin typeface="Times New Roman" charset="0"/>
+                <a:ea typeface="Times New Roman" charset="0"/>
+                <a:cs typeface="Times New Roman" charset="0"/>
+              </a:rPr>
+              <a:t>работы</a:t>
+            </a:r>
+            <a:endParaRPr lang="ru-RU" sz="4400" b="1" dirty="0">
+              <a:solidFill>
+                <a:schemeClr val="tx1"/>
+              </a:solidFill>
               <a:latin typeface="Times New Roman" charset="0"/>
               <a:ea typeface="Times New Roman" charset="0"/>
               <a:cs typeface="Times New Roman" charset="0"/>
@@ -5731,7 +11711,7 @@
               <a:defRPr/>
             </a:pPr>
             <a:r>
-              <a:rPr lang="ru-RU" sz="2100" b="1" u="sng" dirty="0" smtClean="0">
+              <a:rPr lang="ru-RU" sz="2400" b="1" u="sng" dirty="0" smtClean="0">
                 <a:latin typeface="Times New Roman" charset="0"/>
                 <a:ea typeface="Times New Roman" charset="0"/>
                 <a:cs typeface="Times New Roman" charset="0"/>
@@ -5739,7 +11719,7 @@
               <a:t>Цель</a:t>
             </a:r>
             <a:r>
-              <a:rPr lang="ru-RU" sz="2100" b="1" dirty="0" smtClean="0">
+              <a:rPr lang="ru-RU" sz="2400" b="1" dirty="0" smtClean="0">
                 <a:latin typeface="Times New Roman" charset="0"/>
                 <a:ea typeface="Times New Roman" charset="0"/>
                 <a:cs typeface="Times New Roman" charset="0"/>
@@ -5760,7 +11740,7 @@
               <a:defRPr/>
             </a:pPr>
             <a:r>
-              <a:rPr lang="ru-RU" sz="2100" dirty="0" smtClean="0">
+              <a:rPr lang="ru-RU" sz="2400" dirty="0" smtClean="0">
                 <a:latin typeface="Times New Roman" charset="0"/>
                 <a:ea typeface="Times New Roman" charset="0"/>
                 <a:cs typeface="Times New Roman" charset="0"/>
@@ -5768,7 +11748,7 @@
               <a:t>Спроектировать систему </a:t>
             </a:r>
             <a:r>
-              <a:rPr lang="ru-RU" sz="2100" dirty="0">
+              <a:rPr lang="ru-RU" sz="2400" dirty="0">
                 <a:latin typeface="Times New Roman" charset="0"/>
                 <a:ea typeface="Times New Roman" charset="0"/>
                 <a:cs typeface="Times New Roman" charset="0"/>
@@ -5776,13 +11756,26 @@
               <a:t>защиты информации информационной системы класса </a:t>
             </a:r>
             <a:r>
-              <a:rPr lang="ru-RU" sz="2100" dirty="0" smtClean="0">
+              <a:rPr lang="ru-RU" sz="2400" dirty="0" smtClean="0">
                 <a:latin typeface="Times New Roman" charset="0"/>
                 <a:ea typeface="Times New Roman" charset="0"/>
                 <a:cs typeface="Times New Roman" charset="0"/>
               </a:rPr>
-              <a:t>Б2. </a:t>
-            </a:r>
+              <a:t>Б2</a:t>
+            </a:r>
+            <a:r>
+              <a:rPr lang="ru-RU" sz="2400" dirty="0" smtClean="0">
+                <a:latin typeface="Times New Roman" charset="0"/>
+                <a:ea typeface="Times New Roman" charset="0"/>
+                <a:cs typeface="Times New Roman" charset="0"/>
+              </a:rPr>
+              <a:t>.</a:t>
+            </a:r>
+            <a:endParaRPr lang="ru-RU" sz="2400" dirty="0" smtClean="0">
+              <a:latin typeface="Times New Roman" charset="0"/>
+              <a:ea typeface="Times New Roman" charset="0"/>
+              <a:cs typeface="Times New Roman" charset="0"/>
+            </a:endParaRPr>
           </a:p>
           <a:p>
             <a:pPr marL="274320" indent="-274320" eaLnBrk="1" fontAlgn="auto" hangingPunct="1">
@@ -5797,7 +11790,7 @@
               <a:defRPr/>
             </a:pPr>
             <a:r>
-              <a:rPr lang="ru-RU" sz="2100" b="1" u="sng" dirty="0" smtClean="0">
+              <a:rPr lang="ru-RU" sz="2400" b="1" u="sng" dirty="0" smtClean="0">
                 <a:latin typeface="Times New Roman" charset="0"/>
                 <a:ea typeface="Times New Roman" charset="0"/>
                 <a:cs typeface="Times New Roman" charset="0"/>
@@ -5805,7 +11798,7 @@
               <a:t>Задачи</a:t>
             </a:r>
             <a:r>
-              <a:rPr lang="ru-RU" sz="2100" b="1" dirty="0" smtClean="0">
+              <a:rPr lang="ru-RU" sz="2400" b="1" dirty="0" smtClean="0">
                 <a:latin typeface="Times New Roman" charset="0"/>
                 <a:ea typeface="Times New Roman" charset="0"/>
                 <a:cs typeface="Times New Roman" charset="0"/>
@@ -5826,46 +11819,22 @@
               <a:defRPr/>
             </a:pPr>
             <a:r>
-              <a:rPr lang="ru-RU" sz="2100" dirty="0">
+              <a:rPr lang="ru-RU" sz="2400" dirty="0" smtClean="0">
                 <a:latin typeface="Times New Roman" charset="0"/>
                 <a:ea typeface="Times New Roman" charset="0"/>
                 <a:cs typeface="Times New Roman" charset="0"/>
               </a:rPr>
-              <a:t>Проанализировать набор стандартов СТБ 34.101, приказ №62 оперативно-аналитического центра при президенте РБ </a:t>
-            </a:r>
-            <a:r>
-              <a:rPr lang="ru-RU" sz="2100" dirty="0" smtClean="0">
-                <a:latin typeface="Times New Roman" charset="0"/>
-                <a:ea typeface="Times New Roman" charset="0"/>
-                <a:cs typeface="Times New Roman" charset="0"/>
-              </a:rPr>
-              <a:t>«О </a:t>
-            </a:r>
-            <a:r>
-              <a:rPr lang="ru-RU" sz="2100" dirty="0">
-                <a:latin typeface="Times New Roman" charset="0"/>
-                <a:ea typeface="Times New Roman" charset="0"/>
-                <a:cs typeface="Times New Roman" charset="0"/>
-              </a:rPr>
-              <a:t>некоторых вопросах технической и криптографической защиты </a:t>
-            </a:r>
-            <a:r>
-              <a:rPr lang="ru-RU" sz="2100" dirty="0" smtClean="0">
-                <a:latin typeface="Times New Roman" charset="0"/>
-                <a:ea typeface="Times New Roman" charset="0"/>
-                <a:cs typeface="Times New Roman" charset="0"/>
-              </a:rPr>
-              <a:t>информации»</a:t>
-            </a:r>
-            <a:r>
-              <a:rPr lang="en-US" sz="2100" dirty="0" smtClean="0">
+              <a:t>Проанализировать нормативно-техническую базу в области разработки систем защиты информации</a:t>
+            </a:r>
+            <a:r>
+              <a:rPr lang="en-US" sz="2400" dirty="0" smtClean="0">
                 <a:latin typeface="Times New Roman" charset="0"/>
                 <a:ea typeface="Times New Roman" charset="0"/>
                 <a:cs typeface="Times New Roman" charset="0"/>
               </a:rPr>
               <a:t>;</a:t>
             </a:r>
-            <a:endParaRPr lang="ru-RU" sz="2100" dirty="0" smtClean="0">
+            <a:endParaRPr lang="ru-RU" sz="2400" dirty="0" smtClean="0">
               <a:latin typeface="Times New Roman" charset="0"/>
               <a:ea typeface="Times New Roman" charset="0"/>
               <a:cs typeface="Times New Roman" charset="0"/>
@@ -5884,7 +11853,7 @@
               <a:defRPr/>
             </a:pPr>
             <a:r>
-              <a:rPr lang="ru-RU" sz="2100" dirty="0">
+              <a:rPr lang="ru-RU" sz="2400" dirty="0">
                 <a:latin typeface="Times New Roman" charset="0"/>
                 <a:ea typeface="Times New Roman" charset="0"/>
                 <a:cs typeface="Times New Roman" charset="0"/>
@@ -5892,7 +11861,7 @@
               <a:t>Изучить этапы проектирования и создания системы защиты </a:t>
             </a:r>
             <a:r>
-              <a:rPr lang="ru-RU" sz="2100" dirty="0" smtClean="0">
+              <a:rPr lang="ru-RU" sz="2400" dirty="0" smtClean="0">
                 <a:latin typeface="Times New Roman" charset="0"/>
                 <a:ea typeface="Times New Roman" charset="0"/>
                 <a:cs typeface="Times New Roman" charset="0"/>
@@ -5900,14 +11869,14 @@
               <a:t>информации</a:t>
             </a:r>
             <a:r>
-              <a:rPr lang="en-US" sz="2100" dirty="0">
+              <a:rPr lang="en-US" sz="2400" dirty="0">
                 <a:latin typeface="Times New Roman" charset="0"/>
                 <a:ea typeface="Times New Roman" charset="0"/>
                 <a:cs typeface="Times New Roman" charset="0"/>
               </a:rPr>
               <a:t>;</a:t>
             </a:r>
-            <a:endParaRPr lang="ru-RU" sz="2100" dirty="0" smtClean="0">
+            <a:endParaRPr lang="ru-RU" sz="2400" dirty="0" smtClean="0">
               <a:latin typeface="Times New Roman" charset="0"/>
               <a:ea typeface="Times New Roman" charset="0"/>
               <a:cs typeface="Times New Roman" charset="0"/>
@@ -5926,30 +11895,38 @@
               <a:defRPr/>
             </a:pPr>
             <a:r>
-              <a:rPr lang="ru-RU" sz="2100" dirty="0">
+              <a:rPr lang="ru-RU" sz="2400" dirty="0" smtClean="0">
                 <a:latin typeface="Times New Roman" charset="0"/>
                 <a:ea typeface="Times New Roman" charset="0"/>
                 <a:cs typeface="Times New Roman" charset="0"/>
               </a:rPr>
-              <a:t>Определение потенциальных угроз для объекта защиты и анализ возможных последствий их </a:t>
-            </a:r>
-            <a:r>
-              <a:rPr lang="ru-RU" sz="2100" dirty="0" smtClean="0">
+              <a:t>Определить потенциальные угрозы для </a:t>
+            </a:r>
+            <a:r>
+              <a:rPr lang="ru-RU" sz="2400" dirty="0">
                 <a:latin typeface="Times New Roman" charset="0"/>
                 <a:ea typeface="Times New Roman" charset="0"/>
                 <a:cs typeface="Times New Roman" charset="0"/>
               </a:rPr>
-              <a:t>осуществления</a:t>
-            </a:r>
-            <a:r>
-              <a:rPr lang="en-US" sz="2100" dirty="0" smtClean="0">
+              <a:t>объекта </a:t>
+            </a:r>
+            <a:r>
+              <a:rPr lang="ru-RU" sz="2400" dirty="0" smtClean="0">
+                <a:latin typeface="Times New Roman" charset="0"/>
+                <a:ea typeface="Times New Roman" charset="0"/>
+                <a:cs typeface="Times New Roman" charset="0"/>
+              </a:rPr>
+              <a:t>защиты</a:t>
+            </a:r>
+            <a:r>
+              <a:rPr lang="en-US" sz="2400" dirty="0" smtClean="0">
                 <a:latin typeface="Times New Roman" charset="0"/>
                 <a:ea typeface="Times New Roman" charset="0"/>
                 <a:cs typeface="Times New Roman" charset="0"/>
               </a:rPr>
               <a:t>;</a:t>
             </a:r>
-            <a:endParaRPr lang="ru-RU" sz="2100" dirty="0" smtClean="0">
+            <a:endParaRPr lang="ru-RU" sz="2400" dirty="0" smtClean="0">
               <a:latin typeface="Times New Roman" charset="0"/>
               <a:ea typeface="Times New Roman" charset="0"/>
               <a:cs typeface="Times New Roman" charset="0"/>
@@ -5968,29 +11945,42 @@
               <a:defRPr/>
             </a:pPr>
             <a:r>
-              <a:rPr lang="ru-RU" sz="2100" dirty="0">
+              <a:rPr lang="ru-RU" sz="2400" dirty="0" smtClean="0">
                 <a:latin typeface="Times New Roman" charset="0"/>
                 <a:ea typeface="Times New Roman" charset="0"/>
                 <a:cs typeface="Times New Roman" charset="0"/>
               </a:rPr>
-              <a:t>Определение требований к системе защиты информации в техническом задании на информационную </a:t>
-            </a:r>
-            <a:r>
-              <a:rPr lang="ru-RU" sz="2100" dirty="0" smtClean="0">
+              <a:t>Разработать техническое задание </a:t>
+            </a:r>
+            <a:r>
+              <a:rPr lang="ru-RU" sz="2400" dirty="0">
                 <a:latin typeface="Times New Roman" charset="0"/>
                 <a:ea typeface="Times New Roman" charset="0"/>
                 <a:cs typeface="Times New Roman" charset="0"/>
               </a:rPr>
-              <a:t>систему</a:t>
-            </a:r>
-            <a:r>
-              <a:rPr lang="en-US" sz="2100" dirty="0" smtClean="0">
+              <a:t>на </a:t>
+            </a:r>
+            <a:r>
+              <a:rPr lang="ru-RU" sz="2400" dirty="0" smtClean="0">
+                <a:latin typeface="Times New Roman" charset="0"/>
+                <a:ea typeface="Times New Roman" charset="0"/>
+                <a:cs typeface="Times New Roman" charset="0"/>
+              </a:rPr>
+              <a:t>систему защиты информации</a:t>
+            </a:r>
+            <a:r>
+              <a:rPr lang="en-US" sz="2400" dirty="0" smtClean="0">
                 <a:latin typeface="Times New Roman" charset="0"/>
                 <a:ea typeface="Times New Roman" charset="0"/>
                 <a:cs typeface="Times New Roman" charset="0"/>
               </a:rPr>
               <a:t>;</a:t>
             </a:r>
+            <a:endParaRPr lang="en-US" sz="2400" dirty="0" smtClean="0">
+              <a:latin typeface="Times New Roman" charset="0"/>
+              <a:ea typeface="Times New Roman" charset="0"/>
+              <a:cs typeface="Times New Roman" charset="0"/>
+            </a:endParaRPr>
           </a:p>
           <a:p>
             <a:pPr marL="493776" indent="-457200" eaLnBrk="1" fontAlgn="auto" hangingPunct="1">
@@ -6005,14 +11995,22 @@
               <a:defRPr/>
             </a:pPr>
             <a:r>
-              <a:rPr lang="ru-RU" sz="2100" dirty="0" smtClean="0">
+              <a:rPr lang="ru-RU" sz="2400" dirty="0" smtClean="0">
                 <a:latin typeface="Times New Roman" charset="0"/>
                 <a:ea typeface="Times New Roman" charset="0"/>
                 <a:cs typeface="Times New Roman" charset="0"/>
               </a:rPr>
-              <a:t>Разработка политики безопасности для защищаемой системы.</a:t>
-            </a:r>
-            <a:endParaRPr lang="ru-RU" sz="2100" dirty="0">
+              <a:t>Разработать политику </a:t>
+            </a:r>
+            <a:r>
+              <a:rPr lang="ru-RU" sz="2400" dirty="0" smtClean="0">
+                <a:latin typeface="Times New Roman" charset="0"/>
+                <a:ea typeface="Times New Roman" charset="0"/>
+                <a:cs typeface="Times New Roman" charset="0"/>
+              </a:rPr>
+              <a:t>безопасности для защищаемой системы.</a:t>
+            </a:r>
+            <a:endParaRPr lang="ru-RU" sz="2400" dirty="0">
               <a:latin typeface="Times New Roman" charset="0"/>
               <a:ea typeface="Times New Roman" charset="0"/>
               <a:cs typeface="Times New Roman" charset="0"/>
@@ -6059,7 +12057,7 @@
       </p:grpSpPr>
       <p:sp>
         <p:nvSpPr>
-          <p:cNvPr id="2" name="Заголовок 1"/>
+          <p:cNvPr id="2" name="Title 1"/>
           <p:cNvSpPr>
             <a:spLocks noGrp="1"/>
           </p:cNvSpPr>
@@ -6069,24 +12067,52 @@
         </p:nvSpPr>
         <p:spPr>
           <a:xfrm>
-            <a:off x="685800" y="-315416"/>
-            <a:ext cx="7772400" cy="1143000"/>
+            <a:off x="914400" y="476672"/>
+            <a:ext cx="7772400" cy="525458"/>
           </a:xfrm>
         </p:spPr>
         <p:txBody>
-          <a:bodyPr/>
+          <a:bodyPr anchor="ctr"/>
           <a:lstStyle/>
           <a:p>
             <a:pPr algn="ctr"/>
             <a:r>
-              <a:rPr lang="ru-RU" dirty="0" smtClean="0">
+              <a:rPr lang="bg-BG" b="1" dirty="0">
+                <a:solidFill>
+                  <a:schemeClr val="tx1"/>
+                </a:solidFill>
                 <a:latin typeface="Times New Roman" charset="0"/>
                 <a:ea typeface="Times New Roman" charset="0"/>
                 <a:cs typeface="Times New Roman" charset="0"/>
               </a:rPr>
-              <a:t>Этапы разработки СЗИ.</a:t>
-            </a:r>
-            <a:endParaRPr lang="ru-RU" dirty="0">
+              <a:t>З</a:t>
+            </a:r>
+            <a:r>
+              <a:rPr lang="bg-BG" b="1" dirty="0" smtClean="0">
+                <a:solidFill>
+                  <a:schemeClr val="tx1"/>
+                </a:solidFill>
+                <a:latin typeface="Times New Roman" charset="0"/>
+                <a:ea typeface="Times New Roman" charset="0"/>
+                <a:cs typeface="Times New Roman" charset="0"/>
+              </a:rPr>
+              <a:t>ащита </a:t>
+            </a:r>
+            <a:r>
+              <a:rPr lang="bg-BG" b="1" dirty="0">
+                <a:solidFill>
+                  <a:schemeClr val="tx1"/>
+                </a:solidFill>
+                <a:latin typeface="Times New Roman" charset="0"/>
+                <a:ea typeface="Times New Roman" charset="0"/>
+                <a:cs typeface="Times New Roman" charset="0"/>
+              </a:rPr>
+              <a:t>информации</a:t>
+            </a:r>
+            <a:endParaRPr lang="en-US" b="1" dirty="0">
+              <a:solidFill>
+                <a:schemeClr val="tx1"/>
+              </a:solidFill>
               <a:latin typeface="Times New Roman" charset="0"/>
               <a:ea typeface="Times New Roman" charset="0"/>
               <a:cs typeface="Times New Roman" charset="0"/>
@@ -6096,7 +12122,7 @@
       </p:sp>
       <p:sp>
         <p:nvSpPr>
-          <p:cNvPr id="3" name="Объект 2"/>
+          <p:cNvPr id="3" name="Content Placeholder 2"/>
           <p:cNvSpPr>
             <a:spLocks noGrp="1"/>
           </p:cNvSpPr>
@@ -6104,352 +12130,88 @@
             <p:ph sz="quarter" idx="1"/>
           </p:nvPr>
         </p:nvSpPr>
-        <p:spPr>
-          <a:xfrm>
-            <a:off x="179512" y="980728"/>
-            <a:ext cx="8784976" cy="5039072"/>
-          </a:xfrm>
-        </p:spPr>
+        <p:spPr/>
         <p:txBody>
           <a:bodyPr/>
           <a:lstStyle/>
           <a:p>
-            <a:pPr>
-              <a:buFont typeface="Wingdings" charset="2"/>
-              <a:buChar char="Ø"/>
-            </a:pPr>
-            <a:r>
-              <a:rPr lang="ru-RU" sz="1800" b="1" dirty="0" smtClean="0">
-                <a:latin typeface="Times New Roman" charset="0"/>
-                <a:ea typeface="Times New Roman" charset="0"/>
-                <a:cs typeface="Times New Roman" charset="0"/>
-              </a:rPr>
-              <a:t>1 </a:t>
-            </a:r>
-            <a:r>
-              <a:rPr lang="ru-RU" sz="1800" b="1" dirty="0">
-                <a:latin typeface="Times New Roman" charset="0"/>
-                <a:ea typeface="Times New Roman" charset="0"/>
-                <a:cs typeface="Times New Roman" charset="0"/>
-              </a:rPr>
-              <a:t>этап </a:t>
-            </a:r>
-            <a:r>
-              <a:rPr lang="ru-RU" sz="1800" b="1" dirty="0" smtClean="0">
-                <a:latin typeface="Times New Roman" charset="0"/>
-                <a:ea typeface="Times New Roman" charset="0"/>
-                <a:cs typeface="Times New Roman" charset="0"/>
-              </a:rPr>
-              <a:t>(Проектирование системы защиты информации):</a:t>
-            </a:r>
-          </a:p>
-          <a:p>
-            <a:pPr lvl="1">
-              <a:buFont typeface="Wingdings" charset="2"/>
-              <a:buChar char="Ø"/>
-            </a:pPr>
-            <a:r>
-              <a:rPr lang="ru-RU" sz="1800" dirty="0">
-                <a:latin typeface="Times New Roman" charset="0"/>
-                <a:ea typeface="Times New Roman" charset="0"/>
-                <a:cs typeface="Times New Roman" charset="0"/>
-              </a:rPr>
-              <a:t>К</a:t>
-            </a:r>
-            <a:r>
-              <a:rPr lang="ru-RU" sz="1800" dirty="0" smtClean="0">
-                <a:latin typeface="Times New Roman" charset="0"/>
-                <a:ea typeface="Times New Roman" charset="0"/>
-                <a:cs typeface="Times New Roman" charset="0"/>
-              </a:rPr>
-              <a:t>лассификация </a:t>
-            </a:r>
-            <a:r>
-              <a:rPr lang="ru-RU" sz="1800" dirty="0">
-                <a:latin typeface="Times New Roman" charset="0"/>
-                <a:ea typeface="Times New Roman" charset="0"/>
-                <a:cs typeface="Times New Roman" charset="0"/>
-              </a:rPr>
-              <a:t>информации, хранящейся и обрабатываемой в информационной </a:t>
-            </a:r>
-            <a:r>
-              <a:rPr lang="ru-RU" sz="1800" dirty="0" smtClean="0">
-                <a:latin typeface="Times New Roman" charset="0"/>
-                <a:ea typeface="Times New Roman" charset="0"/>
-                <a:cs typeface="Times New Roman" charset="0"/>
-              </a:rPr>
-              <a:t>системе;</a:t>
-            </a:r>
-          </a:p>
-          <a:p>
-            <a:pPr lvl="1">
-              <a:buFont typeface="Wingdings" charset="2"/>
-              <a:buChar char="Ø"/>
-            </a:pPr>
-            <a:r>
-              <a:rPr lang="ru-RU" sz="1800" dirty="0">
-                <a:latin typeface="Times New Roman" charset="0"/>
-                <a:ea typeface="Times New Roman" charset="0"/>
-                <a:cs typeface="Times New Roman" charset="0"/>
-              </a:rPr>
-              <a:t>А</a:t>
-            </a:r>
-            <a:r>
-              <a:rPr lang="ru-RU" sz="1800" dirty="0" smtClean="0">
-                <a:latin typeface="Times New Roman" charset="0"/>
-                <a:ea typeface="Times New Roman" charset="0"/>
-                <a:cs typeface="Times New Roman" charset="0"/>
-              </a:rPr>
-              <a:t>нализ </a:t>
-            </a:r>
-            <a:r>
-              <a:rPr lang="ru-RU" sz="1800" dirty="0">
-                <a:latin typeface="Times New Roman" charset="0"/>
-                <a:ea typeface="Times New Roman" charset="0"/>
-                <a:cs typeface="Times New Roman" charset="0"/>
-              </a:rPr>
-              <a:t>организационной структуры информационной системы и информационных потоков в целях определения </a:t>
-            </a:r>
-            <a:r>
-              <a:rPr lang="ru-RU" sz="1800" dirty="0" smtClean="0">
-                <a:latin typeface="Times New Roman" charset="0"/>
-                <a:ea typeface="Times New Roman" charset="0"/>
-                <a:cs typeface="Times New Roman" charset="0"/>
-              </a:rPr>
-              <a:t>состава </a:t>
-            </a:r>
-            <a:r>
-              <a:rPr lang="ru-RU" sz="1800" dirty="0">
-                <a:latin typeface="Times New Roman" charset="0"/>
-                <a:ea typeface="Times New Roman" charset="0"/>
-                <a:cs typeface="Times New Roman" charset="0"/>
-              </a:rPr>
-              <a:t>и мест размещения элементов </a:t>
-            </a:r>
-            <a:r>
-              <a:rPr lang="ru-RU" sz="1800" dirty="0" smtClean="0">
-                <a:latin typeface="Times New Roman" charset="0"/>
-                <a:ea typeface="Times New Roman" charset="0"/>
-                <a:cs typeface="Times New Roman" charset="0"/>
-              </a:rPr>
-              <a:t>системы;</a:t>
-            </a:r>
-          </a:p>
-          <a:p>
-            <a:pPr lvl="1">
-              <a:buFont typeface="Wingdings" charset="2"/>
-              <a:buChar char="Ø"/>
-            </a:pPr>
-            <a:r>
-              <a:rPr lang="ru-RU" sz="1800" dirty="0">
-                <a:latin typeface="Times New Roman" charset="0"/>
-                <a:ea typeface="Times New Roman" charset="0"/>
-                <a:cs typeface="Times New Roman" charset="0"/>
-              </a:rPr>
-              <a:t>П</a:t>
-            </a:r>
-            <a:r>
-              <a:rPr lang="ru-RU" sz="1800" dirty="0" smtClean="0">
-                <a:latin typeface="Times New Roman" charset="0"/>
-                <a:ea typeface="Times New Roman" charset="0"/>
-                <a:cs typeface="Times New Roman" charset="0"/>
-              </a:rPr>
-              <a:t>рисвоение </a:t>
-            </a:r>
-            <a:r>
-              <a:rPr lang="ru-RU" sz="1800" dirty="0">
-                <a:latin typeface="Times New Roman" charset="0"/>
-                <a:ea typeface="Times New Roman" charset="0"/>
-                <a:cs typeface="Times New Roman" charset="0"/>
-              </a:rPr>
-              <a:t>информационной системе класса типового объекта информатизации в порядке, установленном СТБ </a:t>
-            </a:r>
-            <a:r>
-              <a:rPr lang="ru-RU" sz="1800" dirty="0" smtClean="0">
-                <a:latin typeface="Times New Roman" charset="0"/>
-                <a:ea typeface="Times New Roman" charset="0"/>
-                <a:cs typeface="Times New Roman" charset="0"/>
-              </a:rPr>
-              <a:t>34.101.30-2007;</a:t>
-            </a:r>
-          </a:p>
-          <a:p>
-            <a:pPr lvl="1">
-              <a:buFont typeface="Wingdings" charset="2"/>
-              <a:buChar char="Ø"/>
-            </a:pPr>
-            <a:r>
-              <a:rPr lang="ru-RU" sz="1800" dirty="0">
-                <a:latin typeface="Times New Roman" charset="0"/>
-                <a:ea typeface="Times New Roman" charset="0"/>
-                <a:cs typeface="Times New Roman" charset="0"/>
-              </a:rPr>
-              <a:t>О</a:t>
-            </a:r>
-            <a:r>
-              <a:rPr lang="ru-RU" sz="1800" dirty="0" smtClean="0">
-                <a:latin typeface="Times New Roman" charset="0"/>
-                <a:ea typeface="Times New Roman" charset="0"/>
-                <a:cs typeface="Times New Roman" charset="0"/>
-              </a:rPr>
-              <a:t>пределение </a:t>
-            </a:r>
-            <a:r>
-              <a:rPr lang="ru-RU" sz="1800" dirty="0">
-                <a:latin typeface="Times New Roman" charset="0"/>
-                <a:ea typeface="Times New Roman" charset="0"/>
-                <a:cs typeface="Times New Roman" charset="0"/>
-              </a:rPr>
-              <a:t>требований к системе защиты информации </a:t>
-            </a:r>
-            <a:r>
-              <a:rPr lang="ru-RU" sz="1800" dirty="0" smtClean="0">
-                <a:latin typeface="Times New Roman" charset="0"/>
-                <a:ea typeface="Times New Roman" charset="0"/>
-                <a:cs typeface="Times New Roman" charset="0"/>
-              </a:rPr>
-              <a:t>в </a:t>
-            </a:r>
-            <a:r>
-              <a:rPr lang="ru-RU" sz="1800" dirty="0">
-                <a:latin typeface="Times New Roman" charset="0"/>
-                <a:ea typeface="Times New Roman" charset="0"/>
-                <a:cs typeface="Times New Roman" charset="0"/>
-              </a:rPr>
-              <a:t>техническом задании на информационную </a:t>
-            </a:r>
-            <a:r>
-              <a:rPr lang="ru-RU" sz="1800" dirty="0" smtClean="0">
-                <a:latin typeface="Times New Roman" charset="0"/>
-                <a:ea typeface="Times New Roman" charset="0"/>
-                <a:cs typeface="Times New Roman" charset="0"/>
-              </a:rPr>
-              <a:t>систему.</a:t>
-            </a:r>
-            <a:endParaRPr lang="ru-RU" sz="1800" dirty="0">
-              <a:latin typeface="Times New Roman" charset="0"/>
-              <a:ea typeface="Times New Roman" charset="0"/>
-              <a:cs typeface="Times New Roman" charset="0"/>
-            </a:endParaRPr>
-          </a:p>
-          <a:p>
-            <a:pPr>
-              <a:buFont typeface="Wingdings" charset="2"/>
-              <a:buChar char="Ø"/>
-            </a:pPr>
-            <a:r>
-              <a:rPr lang="ru-RU" sz="1800" b="1" dirty="0" smtClean="0">
-                <a:latin typeface="Times New Roman" charset="0"/>
-                <a:ea typeface="Times New Roman" charset="0"/>
-                <a:cs typeface="Times New Roman" charset="0"/>
-              </a:rPr>
-              <a:t>2 этап (Создание системы защиты информации):</a:t>
-            </a:r>
-          </a:p>
-          <a:p>
-            <a:pPr lvl="1">
-              <a:buFont typeface="Wingdings" charset="2"/>
-              <a:buChar char="Ø"/>
-            </a:pPr>
-            <a:r>
-              <a:rPr lang="ru-RU" sz="1800" dirty="0">
-                <a:latin typeface="Times New Roman" charset="0"/>
-                <a:ea typeface="Times New Roman" charset="0"/>
-                <a:cs typeface="Times New Roman" charset="0"/>
-              </a:rPr>
-              <a:t>Р</a:t>
-            </a:r>
-            <a:r>
-              <a:rPr lang="ru-RU" sz="1800" dirty="0" smtClean="0">
-                <a:latin typeface="Times New Roman" charset="0"/>
-                <a:ea typeface="Times New Roman" charset="0"/>
-                <a:cs typeface="Times New Roman" charset="0"/>
-              </a:rPr>
-              <a:t>азработка </a:t>
-            </a:r>
-            <a:r>
-              <a:rPr lang="ru-RU" sz="1800" dirty="0">
-                <a:latin typeface="Times New Roman" charset="0"/>
-                <a:ea typeface="Times New Roman" charset="0"/>
-                <a:cs typeface="Times New Roman" charset="0"/>
-              </a:rPr>
-              <a:t>политики информационной безопасности</a:t>
-            </a:r>
-            <a:r>
-              <a:rPr lang="ru-RU" sz="1800" dirty="0" smtClean="0">
-                <a:latin typeface="Times New Roman" charset="0"/>
-                <a:ea typeface="Times New Roman" charset="0"/>
-                <a:cs typeface="Times New Roman" charset="0"/>
-              </a:rPr>
-              <a:t>;</a:t>
-            </a:r>
-          </a:p>
-          <a:p>
-            <a:pPr lvl="1">
-              <a:buFont typeface="Wingdings" charset="2"/>
-              <a:buChar char="Ø"/>
-            </a:pPr>
-            <a:r>
-              <a:rPr lang="ru-RU" sz="1800" dirty="0" smtClean="0">
-                <a:latin typeface="Times New Roman" charset="0"/>
-                <a:ea typeface="Times New Roman" charset="0"/>
-                <a:cs typeface="Times New Roman" charset="0"/>
-              </a:rPr>
-              <a:t>Внедрение </a:t>
-            </a:r>
-            <a:r>
-              <a:rPr lang="ru-RU" sz="1800" dirty="0">
-                <a:latin typeface="Times New Roman" charset="0"/>
-                <a:ea typeface="Times New Roman" charset="0"/>
-                <a:cs typeface="Times New Roman" charset="0"/>
-              </a:rPr>
-              <a:t>планируемых к использованию средств защиты информации, проверка их работоспособности и </a:t>
-            </a:r>
-            <a:r>
-              <a:rPr lang="ru-RU" sz="1800" dirty="0" smtClean="0">
-                <a:latin typeface="Times New Roman" charset="0"/>
-                <a:ea typeface="Times New Roman" charset="0"/>
-                <a:cs typeface="Times New Roman" charset="0"/>
-              </a:rPr>
-              <a:t>совместимости;</a:t>
-            </a:r>
-          </a:p>
-          <a:p>
-            <a:pPr lvl="1">
-              <a:buFont typeface="Wingdings" charset="2"/>
-              <a:buChar char="Ø"/>
-            </a:pPr>
-            <a:r>
-              <a:rPr lang="ru-RU" sz="1800" dirty="0" smtClean="0">
-                <a:latin typeface="Times New Roman" charset="0"/>
-                <a:ea typeface="Times New Roman" charset="0"/>
-                <a:cs typeface="Times New Roman" charset="0"/>
-              </a:rPr>
-              <a:t>Внедрение </a:t>
-            </a:r>
-            <a:r>
-              <a:rPr lang="ru-RU" sz="1800" dirty="0">
-                <a:latin typeface="Times New Roman" charset="0"/>
-                <a:ea typeface="Times New Roman" charset="0"/>
-                <a:cs typeface="Times New Roman" charset="0"/>
-              </a:rPr>
-              <a:t>организационных мер по защите </a:t>
-            </a:r>
-            <a:r>
-              <a:rPr lang="ru-RU" sz="1800" dirty="0" smtClean="0">
-                <a:latin typeface="Times New Roman" charset="0"/>
-                <a:ea typeface="Times New Roman" charset="0"/>
-                <a:cs typeface="Times New Roman" charset="0"/>
-              </a:rPr>
+            <a:r>
+              <a:rPr lang="ru-RU" dirty="0" smtClean="0"/>
+              <a:t>Конфиденциальность;</a:t>
+            </a:r>
+          </a:p>
+          <a:p>
+            <a:r>
+              <a:rPr lang="ru-RU" dirty="0" smtClean="0"/>
+              <a:t>Целостность;</a:t>
+            </a:r>
+          </a:p>
+          <a:p>
+            <a:r>
+              <a:rPr lang="ru-RU" dirty="0" smtClean="0"/>
+              <a:t>Доступность;</a:t>
+            </a:r>
+            <a:endParaRPr lang="en-US" dirty="0" smtClean="0"/>
+          </a:p>
+          <a:p>
+            <a:r>
+              <a:rPr lang="ru-RU" dirty="0" smtClean="0"/>
+              <a:t>Подлинность;</a:t>
+            </a:r>
+          </a:p>
+          <a:p>
+            <a:r>
+              <a:rPr lang="ru-RU" dirty="0" smtClean="0"/>
+              <a:t>Сохранность</a:t>
+            </a:r>
+            <a:r>
+              <a:rPr lang="en-US" dirty="0" smtClean="0"/>
+              <a:t/>
+            </a:r>
+            <a:br>
+              <a:rPr lang="en-US" dirty="0" smtClean="0"/>
+            </a:br>
+            <a:r>
+              <a:rPr lang="ru-RU" dirty="0" smtClean="0"/>
               <a:t>информации.</a:t>
             </a:r>
           </a:p>
         </p:txBody>
       </p:sp>
+      <p:pic>
+        <p:nvPicPr>
+          <p:cNvPr id="4" name="Picture 3"/>
+          <p:cNvPicPr>
+            <a:picLocks noChangeAspect="1"/>
+          </p:cNvPicPr>
+          <p:nvPr/>
+        </p:nvPicPr>
+        <p:blipFill>
+          <a:blip r:embed="rId3">
+            <a:extLst>
+              <a:ext uri="{28A0092B-C50C-407E-A947-70E740481C1C}">
+                <a14:useLocalDpi xmlns:a14="http://schemas.microsoft.com/office/drawing/2010/main" val="0"/>
+              </a:ext>
+            </a:extLst>
+          </a:blip>
+          <a:stretch>
+            <a:fillRect/>
+          </a:stretch>
+        </p:blipFill>
+        <p:spPr>
+          <a:xfrm>
+            <a:off x="3995936" y="2140641"/>
+            <a:ext cx="4156275" cy="4006499"/>
+          </a:xfrm>
+          <a:prstGeom prst="rect">
+            <a:avLst/>
+          </a:prstGeom>
+        </p:spPr>
+      </p:pic>
     </p:spTree>
     <p:extLst>
       <p:ext uri="{BB962C8B-B14F-4D97-AF65-F5344CB8AC3E}">
-        <p14:creationId xmlns:p14="http://schemas.microsoft.com/office/powerpoint/2010/main" val="1873458553"/>
+        <p14:creationId xmlns:p14="http://schemas.microsoft.com/office/powerpoint/2010/main" val="980582793"/>
       </p:ext>
     </p:extLst>
   </p:cSld>
@@ -6489,7 +12251,7 @@
         <p:spPr>
           <a:xfrm>
             <a:off x="685800" y="-315416"/>
-            <a:ext cx="7772400" cy="1296144"/>
+            <a:ext cx="7772400" cy="1143000"/>
           </a:xfrm>
         </p:spPr>
         <p:txBody>
@@ -6498,21 +12260,35 @@
           <a:p>
             <a:pPr algn="ctr"/>
             <a:r>
-              <a:rPr lang="ru-RU" sz="2400" dirty="0" smtClean="0">
+              <a:rPr lang="ru-RU" b="1" dirty="0" smtClean="0">
+                <a:solidFill>
+                  <a:schemeClr val="tx1"/>
+                </a:solidFill>
                 <a:latin typeface="Times New Roman" charset="0"/>
                 <a:ea typeface="Times New Roman" charset="0"/>
                 <a:cs typeface="Times New Roman" charset="0"/>
               </a:rPr>
-              <a:t>Анализа организационной </a:t>
-            </a:r>
-            <a:r>
-              <a:rPr lang="ru-RU" sz="2400" dirty="0">
+              <a:t>Этапы разработки </a:t>
+            </a:r>
+            <a:r>
+              <a:rPr lang="ru-RU" b="1" dirty="0" smtClean="0">
+                <a:solidFill>
+                  <a:schemeClr val="tx1"/>
+                </a:solidFill>
                 <a:latin typeface="Times New Roman" charset="0"/>
                 <a:ea typeface="Times New Roman" charset="0"/>
                 <a:cs typeface="Times New Roman" charset="0"/>
               </a:rPr>
-              <a:t>структуры информационной системы</a:t>
-            </a:r>
+              <a:t>СЗИ</a:t>
+            </a:r>
+            <a:endParaRPr lang="ru-RU" b="1" dirty="0">
+              <a:solidFill>
+                <a:schemeClr val="tx1"/>
+              </a:solidFill>
+              <a:latin typeface="Times New Roman" charset="0"/>
+              <a:ea typeface="Times New Roman" charset="0"/>
+              <a:cs typeface="Times New Roman" charset="0"/>
+            </a:endParaRPr>
           </a:p>
         </p:txBody>
       </p:sp>
@@ -6541,88 +12317,337 @@
               <a:buChar char="Ø"/>
             </a:pPr>
             <a:r>
-              <a:rPr lang="ru-RU" sz="1800" dirty="0" smtClean="0"/>
-              <a:t>Организационная структура университета является иерархической.</a:t>
-            </a:r>
-            <a:endParaRPr lang="en-US" sz="1800" dirty="0"/>
+              <a:rPr lang="ru-RU" sz="1800" b="1" dirty="0" smtClean="0">
+                <a:latin typeface="Times New Roman" charset="0"/>
+                <a:ea typeface="Times New Roman" charset="0"/>
+                <a:cs typeface="Times New Roman" charset="0"/>
+              </a:rPr>
+              <a:t>1 </a:t>
+            </a:r>
+            <a:r>
+              <a:rPr lang="ru-RU" sz="1800" b="1" dirty="0">
+                <a:latin typeface="Times New Roman" charset="0"/>
+                <a:ea typeface="Times New Roman" charset="0"/>
+                <a:cs typeface="Times New Roman" charset="0"/>
+              </a:rPr>
+              <a:t>этап </a:t>
+            </a:r>
+            <a:r>
+              <a:rPr lang="ru-RU" sz="1800" b="1" dirty="0" smtClean="0">
+                <a:latin typeface="Times New Roman" charset="0"/>
+                <a:ea typeface="Times New Roman" charset="0"/>
+                <a:cs typeface="Times New Roman" charset="0"/>
+              </a:rPr>
+              <a:t>(Проектирование системы защиты информации):</a:t>
+            </a:r>
+          </a:p>
+          <a:p>
+            <a:pPr lvl="1">
+              <a:buFont typeface="Wingdings" charset="2"/>
+              <a:buChar char="Ø"/>
+            </a:pPr>
+            <a:r>
+              <a:rPr lang="ru-RU" sz="1800" dirty="0">
+                <a:latin typeface="Times New Roman" charset="0"/>
+                <a:ea typeface="Times New Roman" charset="0"/>
+                <a:cs typeface="Times New Roman" charset="0"/>
+              </a:rPr>
+              <a:t>К</a:t>
+            </a:r>
+            <a:r>
+              <a:rPr lang="ru-RU" sz="1800" dirty="0" smtClean="0">
+                <a:latin typeface="Times New Roman" charset="0"/>
+                <a:ea typeface="Times New Roman" charset="0"/>
+                <a:cs typeface="Times New Roman" charset="0"/>
+              </a:rPr>
+              <a:t>лассификация </a:t>
+            </a:r>
+            <a:r>
+              <a:rPr lang="ru-RU" sz="1800" dirty="0">
+                <a:latin typeface="Times New Roman" charset="0"/>
+                <a:ea typeface="Times New Roman" charset="0"/>
+                <a:cs typeface="Times New Roman" charset="0"/>
+              </a:rPr>
+              <a:t>информации, хранящейся и обрабатываемой в информационной </a:t>
+            </a:r>
+            <a:r>
+              <a:rPr lang="ru-RU" sz="1800" dirty="0" smtClean="0">
+                <a:latin typeface="Times New Roman" charset="0"/>
+                <a:ea typeface="Times New Roman" charset="0"/>
+                <a:cs typeface="Times New Roman" charset="0"/>
+              </a:rPr>
+              <a:t>системе;</a:t>
+            </a:r>
+          </a:p>
+          <a:p>
+            <a:pPr lvl="1">
+              <a:buFont typeface="Wingdings" charset="2"/>
+              <a:buChar char="Ø"/>
+            </a:pPr>
+            <a:r>
+              <a:rPr lang="ru-RU" sz="1800" dirty="0">
+                <a:latin typeface="Times New Roman" charset="0"/>
+                <a:ea typeface="Times New Roman" charset="0"/>
+                <a:cs typeface="Times New Roman" charset="0"/>
+              </a:rPr>
+              <a:t>А</a:t>
+            </a:r>
+            <a:r>
+              <a:rPr lang="ru-RU" sz="1800" dirty="0" smtClean="0">
+                <a:latin typeface="Times New Roman" charset="0"/>
+                <a:ea typeface="Times New Roman" charset="0"/>
+                <a:cs typeface="Times New Roman" charset="0"/>
+              </a:rPr>
+              <a:t>нализ </a:t>
+            </a:r>
+            <a:r>
+              <a:rPr lang="ru-RU" sz="1800" dirty="0">
+                <a:latin typeface="Times New Roman" charset="0"/>
+                <a:ea typeface="Times New Roman" charset="0"/>
+                <a:cs typeface="Times New Roman" charset="0"/>
+              </a:rPr>
+              <a:t>организационной структуры информационной системы и информационных потоков в целях определения </a:t>
+            </a:r>
+            <a:r>
+              <a:rPr lang="ru-RU" sz="1800" dirty="0" smtClean="0">
+                <a:latin typeface="Times New Roman" charset="0"/>
+                <a:ea typeface="Times New Roman" charset="0"/>
+                <a:cs typeface="Times New Roman" charset="0"/>
+              </a:rPr>
+              <a:t>состава </a:t>
+            </a:r>
+            <a:r>
+              <a:rPr lang="ru-RU" sz="1800" dirty="0">
+                <a:latin typeface="Times New Roman" charset="0"/>
+                <a:ea typeface="Times New Roman" charset="0"/>
+                <a:cs typeface="Times New Roman" charset="0"/>
+              </a:rPr>
+              <a:t>и мест размещения элементов </a:t>
+            </a:r>
+            <a:r>
+              <a:rPr lang="ru-RU" sz="1800" dirty="0" smtClean="0">
+                <a:latin typeface="Times New Roman" charset="0"/>
+                <a:ea typeface="Times New Roman" charset="0"/>
+                <a:cs typeface="Times New Roman" charset="0"/>
+              </a:rPr>
+              <a:t>системы;</a:t>
+            </a:r>
+          </a:p>
+          <a:p>
+            <a:pPr lvl="1">
+              <a:buFont typeface="Wingdings" charset="2"/>
+              <a:buChar char="Ø"/>
+            </a:pPr>
+            <a:r>
+              <a:rPr lang="ru-RU" sz="1800" dirty="0">
+                <a:latin typeface="Times New Roman" charset="0"/>
+                <a:ea typeface="Times New Roman" charset="0"/>
+                <a:cs typeface="Times New Roman" charset="0"/>
+              </a:rPr>
+              <a:t>П</a:t>
+            </a:r>
+            <a:r>
+              <a:rPr lang="ru-RU" sz="1800" dirty="0" smtClean="0">
+                <a:latin typeface="Times New Roman" charset="0"/>
+                <a:ea typeface="Times New Roman" charset="0"/>
+                <a:cs typeface="Times New Roman" charset="0"/>
+              </a:rPr>
+              <a:t>рисвоение </a:t>
+            </a:r>
+            <a:r>
+              <a:rPr lang="ru-RU" sz="1800" dirty="0">
+                <a:latin typeface="Times New Roman" charset="0"/>
+                <a:ea typeface="Times New Roman" charset="0"/>
+                <a:cs typeface="Times New Roman" charset="0"/>
+              </a:rPr>
+              <a:t>информационной системе класса типового объекта информатизации в порядке, установленном СТБ </a:t>
+            </a:r>
+            <a:r>
+              <a:rPr lang="ru-RU" sz="1800" dirty="0" smtClean="0">
+                <a:latin typeface="Times New Roman" charset="0"/>
+                <a:ea typeface="Times New Roman" charset="0"/>
+                <a:cs typeface="Times New Roman" charset="0"/>
+              </a:rPr>
+              <a:t>34.101.30-2007;</a:t>
+            </a:r>
+          </a:p>
+          <a:p>
+            <a:pPr lvl="1">
+              <a:buFont typeface="Wingdings" charset="2"/>
+              <a:buChar char="Ø"/>
+            </a:pPr>
+            <a:r>
+              <a:rPr lang="ru-RU" sz="1800" dirty="0">
+                <a:latin typeface="Times New Roman" charset="0"/>
+                <a:ea typeface="Times New Roman" charset="0"/>
+                <a:cs typeface="Times New Roman" charset="0"/>
+              </a:rPr>
+              <a:t>О</a:t>
+            </a:r>
+            <a:r>
+              <a:rPr lang="ru-RU" sz="1800" dirty="0" smtClean="0">
+                <a:latin typeface="Times New Roman" charset="0"/>
+                <a:ea typeface="Times New Roman" charset="0"/>
+                <a:cs typeface="Times New Roman" charset="0"/>
+              </a:rPr>
+              <a:t>пределение </a:t>
+            </a:r>
+            <a:r>
+              <a:rPr lang="ru-RU" sz="1800" dirty="0">
+                <a:latin typeface="Times New Roman" charset="0"/>
+                <a:ea typeface="Times New Roman" charset="0"/>
+                <a:cs typeface="Times New Roman" charset="0"/>
+              </a:rPr>
+              <a:t>требований к системе защиты информации </a:t>
+            </a:r>
+            <a:r>
+              <a:rPr lang="ru-RU" sz="1800" dirty="0" smtClean="0">
+                <a:latin typeface="Times New Roman" charset="0"/>
+                <a:ea typeface="Times New Roman" charset="0"/>
+                <a:cs typeface="Times New Roman" charset="0"/>
+              </a:rPr>
+              <a:t>в </a:t>
+            </a:r>
+            <a:r>
+              <a:rPr lang="ru-RU" sz="1800" dirty="0">
+                <a:latin typeface="Times New Roman" charset="0"/>
+                <a:ea typeface="Times New Roman" charset="0"/>
+                <a:cs typeface="Times New Roman" charset="0"/>
+              </a:rPr>
+              <a:t>техническом задании на информационную </a:t>
+            </a:r>
+            <a:r>
+              <a:rPr lang="ru-RU" sz="1800" dirty="0" smtClean="0">
+                <a:latin typeface="Times New Roman" charset="0"/>
+                <a:ea typeface="Times New Roman" charset="0"/>
+                <a:cs typeface="Times New Roman" charset="0"/>
+              </a:rPr>
+              <a:t>систему.</a:t>
+            </a:r>
+            <a:endParaRPr lang="ru-RU" sz="1800" dirty="0">
+              <a:latin typeface="Times New Roman" charset="0"/>
+              <a:ea typeface="Times New Roman" charset="0"/>
+              <a:cs typeface="Times New Roman" charset="0"/>
+            </a:endParaRPr>
           </a:p>
           <a:p>
             <a:pPr>
               <a:buFont typeface="Wingdings" charset="2"/>
               <a:buChar char="Ø"/>
             </a:pPr>
-            <a:endParaRPr lang="ru-RU" sz="1800" dirty="0" smtClean="0">
-              <a:latin typeface="Times New Roman" charset="0"/>
-              <a:ea typeface="Times New Roman" charset="0"/>
-              <a:cs typeface="Times New Roman" charset="0"/>
-            </a:endParaRPr>
+            <a:r>
+              <a:rPr lang="ru-RU" sz="1800" b="1" dirty="0" smtClean="0">
+                <a:latin typeface="Times New Roman" charset="0"/>
+                <a:ea typeface="Times New Roman" charset="0"/>
+                <a:cs typeface="Times New Roman" charset="0"/>
+              </a:rPr>
+              <a:t>2 этап (Создание системы защиты информации):</a:t>
+            </a:r>
+          </a:p>
+          <a:p>
+            <a:pPr lvl="1">
+              <a:buFont typeface="Wingdings" charset="2"/>
+              <a:buChar char="Ø"/>
+            </a:pPr>
+            <a:r>
+              <a:rPr lang="ru-RU" sz="1800" dirty="0">
+                <a:latin typeface="Times New Roman" charset="0"/>
+                <a:ea typeface="Times New Roman" charset="0"/>
+                <a:cs typeface="Times New Roman" charset="0"/>
+              </a:rPr>
+              <a:t>Р</a:t>
+            </a:r>
+            <a:r>
+              <a:rPr lang="ru-RU" sz="1800" dirty="0" smtClean="0">
+                <a:latin typeface="Times New Roman" charset="0"/>
+                <a:ea typeface="Times New Roman" charset="0"/>
+                <a:cs typeface="Times New Roman" charset="0"/>
+              </a:rPr>
+              <a:t>азработка </a:t>
+            </a:r>
+            <a:r>
+              <a:rPr lang="ru-RU" sz="1800" dirty="0">
+                <a:latin typeface="Times New Roman" charset="0"/>
+                <a:ea typeface="Times New Roman" charset="0"/>
+                <a:cs typeface="Times New Roman" charset="0"/>
+              </a:rPr>
+              <a:t>политики информационной безопасности</a:t>
+            </a:r>
+            <a:r>
+              <a:rPr lang="ru-RU" sz="1800" dirty="0" smtClean="0">
+                <a:latin typeface="Times New Roman" charset="0"/>
+                <a:ea typeface="Times New Roman" charset="0"/>
+                <a:cs typeface="Times New Roman" charset="0"/>
+              </a:rPr>
+              <a:t>;</a:t>
+            </a:r>
+          </a:p>
+          <a:p>
+            <a:pPr lvl="1">
+              <a:buFont typeface="Wingdings" charset="2"/>
+              <a:buChar char="Ø"/>
+            </a:pPr>
+            <a:r>
+              <a:rPr lang="ru-RU" sz="1800" dirty="0" smtClean="0">
+                <a:latin typeface="Times New Roman" charset="0"/>
+                <a:ea typeface="Times New Roman" charset="0"/>
+                <a:cs typeface="Times New Roman" charset="0"/>
+              </a:rPr>
+              <a:t>Внедрение </a:t>
+            </a:r>
+            <a:r>
+              <a:rPr lang="ru-RU" sz="1800" dirty="0">
+                <a:latin typeface="Times New Roman" charset="0"/>
+                <a:ea typeface="Times New Roman" charset="0"/>
+                <a:cs typeface="Times New Roman" charset="0"/>
+              </a:rPr>
+              <a:t>планируемых к использованию средств защиты информации, проверка их работоспособности и </a:t>
+            </a:r>
+            <a:r>
+              <a:rPr lang="ru-RU" sz="1800" dirty="0" smtClean="0">
+                <a:latin typeface="Times New Roman" charset="0"/>
+                <a:ea typeface="Times New Roman" charset="0"/>
+                <a:cs typeface="Times New Roman" charset="0"/>
+              </a:rPr>
+              <a:t>совместимости;</a:t>
+            </a:r>
+          </a:p>
+          <a:p>
+            <a:pPr lvl="1">
+              <a:buFont typeface="Wingdings" charset="2"/>
+              <a:buChar char="Ø"/>
+            </a:pPr>
+            <a:r>
+              <a:rPr lang="ru-RU" sz="1800" dirty="0" smtClean="0">
+                <a:latin typeface="Times New Roman" charset="0"/>
+                <a:ea typeface="Times New Roman" charset="0"/>
+                <a:cs typeface="Times New Roman" charset="0"/>
+              </a:rPr>
+              <a:t>Внедрение </a:t>
+            </a:r>
+            <a:r>
+              <a:rPr lang="ru-RU" sz="1800" dirty="0">
+                <a:latin typeface="Times New Roman" charset="0"/>
+                <a:ea typeface="Times New Roman" charset="0"/>
+                <a:cs typeface="Times New Roman" charset="0"/>
+              </a:rPr>
+              <a:t>организационных мер по защите </a:t>
+            </a:r>
+            <a:r>
+              <a:rPr lang="ru-RU" sz="1800" dirty="0" smtClean="0">
+                <a:latin typeface="Times New Roman" charset="0"/>
+                <a:ea typeface="Times New Roman" charset="0"/>
+                <a:cs typeface="Times New Roman" charset="0"/>
+              </a:rPr>
+              <a:t>информации.</a:t>
+            </a:r>
           </a:p>
         </p:txBody>
       </p:sp>
-      <p:pic>
-        <p:nvPicPr>
-          <p:cNvPr id="20" name="Picture 19"/>
-          <p:cNvPicPr>
-            <a:picLocks noChangeAspect="1"/>
-          </p:cNvPicPr>
-          <p:nvPr/>
-        </p:nvPicPr>
-        <p:blipFill>
-          <a:blip r:embed="rId2">
-            <a:extLst>
-              <a:ext uri="{28A0092B-C50C-407E-A947-70E740481C1C}">
-                <a14:useLocalDpi xmlns:a14="http://schemas.microsoft.com/office/drawing/2010/main" val="0"/>
-              </a:ext>
-            </a:extLst>
-          </a:blip>
-          <a:stretch>
-            <a:fillRect/>
-          </a:stretch>
-        </p:blipFill>
-        <p:spPr>
-          <a:xfrm>
-            <a:off x="0" y="1700808"/>
-            <a:ext cx="4975448" cy="4168320"/>
-          </a:xfrm>
-          <a:prstGeom prst="rect">
-            <a:avLst/>
-          </a:prstGeom>
-        </p:spPr>
-      </p:pic>
-      <p:pic>
-        <p:nvPicPr>
-          <p:cNvPr id="21" name="Picture 20"/>
-          <p:cNvPicPr>
-            <a:picLocks noChangeAspect="1"/>
-          </p:cNvPicPr>
-          <p:nvPr/>
-        </p:nvPicPr>
-        <p:blipFill>
-          <a:blip r:embed="rId3">
-            <a:extLst>
-              <a:ext uri="{28A0092B-C50C-407E-A947-70E740481C1C}">
-                <a14:useLocalDpi xmlns:a14="http://schemas.microsoft.com/office/drawing/2010/main" val="0"/>
-              </a:ext>
-            </a:extLst>
-          </a:blip>
-          <a:stretch>
-            <a:fillRect/>
-          </a:stretch>
-        </p:blipFill>
-        <p:spPr>
-          <a:xfrm>
-            <a:off x="4186778" y="1556792"/>
-            <a:ext cx="5076101" cy="4312336"/>
-          </a:xfrm>
-          <a:prstGeom prst="rect">
-            <a:avLst/>
-          </a:prstGeom>
-        </p:spPr>
-      </p:pic>
     </p:spTree>
     <p:extLst>
       <p:ext uri="{BB962C8B-B14F-4D97-AF65-F5344CB8AC3E}">
-        <p14:creationId xmlns:p14="http://schemas.microsoft.com/office/powerpoint/2010/main" val="2140813946"/>
+        <p14:creationId xmlns:p14="http://schemas.microsoft.com/office/powerpoint/2010/main" val="1873458553"/>
       </p:ext>
     </p:extLst>
   </p:cSld>
@@ -6659,21 +12684,32 @@
             <p:ph type="title"/>
           </p:nvPr>
         </p:nvSpPr>
-        <p:spPr/>
+        <p:spPr>
+          <a:xfrm>
+            <a:off x="899592" y="332656"/>
+            <a:ext cx="7772400" cy="436910"/>
+          </a:xfrm>
+        </p:spPr>
         <p:txBody>
-          <a:bodyPr/>
+          <a:bodyPr anchor="ctr"/>
           <a:lstStyle/>
           <a:p>
             <a:pPr algn="ctr"/>
             <a:r>
-              <a:rPr lang="ru-RU" sz="3200" dirty="0" smtClean="0">
+              <a:rPr lang="ru-RU" b="1" dirty="0" smtClean="0">
+                <a:solidFill>
+                  <a:schemeClr val="tx1"/>
+                </a:solidFill>
                 <a:latin typeface="Times New Roman" charset="0"/>
                 <a:ea typeface="Times New Roman" charset="0"/>
                 <a:cs typeface="Times New Roman" charset="0"/>
               </a:rPr>
-              <a:t>Виды информации подлежащие защите</a:t>
-            </a:r>
-            <a:endParaRPr lang="en-US" sz="3200" dirty="0">
+              <a:t>Система класса Б2</a:t>
+            </a:r>
+            <a:endParaRPr lang="en-US" b="1" dirty="0">
+              <a:solidFill>
+                <a:schemeClr val="tx1"/>
+              </a:solidFill>
               <a:latin typeface="Times New Roman" charset="0"/>
               <a:ea typeface="Times New Roman" charset="0"/>
               <a:cs typeface="Times New Roman" charset="0"/>
@@ -6683,592 +12719,90 @@
       </p:sp>
       <p:graphicFrame>
         <p:nvGraphicFramePr>
-          <p:cNvPr id="4" name="Content Placeholder 3"/>
-          <p:cNvGraphicFramePr>
-            <a:graphicFrameLocks noGrp="1"/>
-          </p:cNvGraphicFramePr>
+          <p:cNvPr id="4" name="Diagram 3"/>
+          <p:cNvGraphicFramePr/>
           <p:nvPr>
-            <p:ph sz="quarter" idx="1"/>
             <p:extLst>
               <p:ext uri="{D42A27DB-BD31-4B8C-83A1-F6EECF244321}">
-                <p14:modId xmlns:p14="http://schemas.microsoft.com/office/powerpoint/2010/main" val="1107843752"/>
+                <p14:modId xmlns:p14="http://schemas.microsoft.com/office/powerpoint/2010/main" val="1322294571"/>
               </p:ext>
             </p:extLst>
           </p:nvPr>
         </p:nvGraphicFramePr>
         <p:xfrm>
-          <a:off x="914400" y="1628800"/>
-          <a:ext cx="7772399" cy="4464494"/>
+          <a:off x="335403" y="766972"/>
+          <a:ext cx="8496944" cy="3672408"/>
         </p:xfrm>
         <a:graphic>
-          <a:graphicData uri="http://schemas.openxmlformats.org/drawingml/2006/table">
-            <a:tbl>
-              <a:tblPr>
-                <a:tableStyleId>{5C22544A-7EE6-4342-B048-85BDC9FD1C3A}</a:tableStyleId>
-              </a:tblPr>
-              <a:tblGrid>
-                <a:gridCol w="2885239"/>
-                <a:gridCol w="4887160"/>
-              </a:tblGrid>
-              <a:tr h="267929">
-                <a:tc>
-                  <a:txBody>
-                    <a:bodyPr/>
-                    <a:lstStyle/>
-                    <a:p>
-                      <a:pPr indent="450215">
-                        <a:lnSpc>
-                          <a:spcPts val="1800"/>
-                        </a:lnSpc>
-                        <a:spcAft>
-                          <a:spcPts val="0"/>
-                        </a:spcAft>
-                      </a:pPr>
-                      <a:r>
-                        <a:rPr lang="ru-RU" sz="1400" dirty="0">
-                          <a:effectLst/>
-                        </a:rPr>
-                        <a:t>Виды информации</a:t>
-                      </a:r>
-                      <a:endParaRPr lang="en-US" sz="1200" dirty="0">
-                        <a:effectLst/>
-                        <a:latin typeface="Times New Roman" charset="0"/>
-                        <a:ea typeface="Arial" charset="0"/>
-                        <a:cs typeface="Times New Roman" charset="0"/>
-                      </a:endParaRPr>
-                    </a:p>
-                  </a:txBody>
-                  <a:tcPr marL="68580" marR="68580" marT="0" marB="0" anchor="ctr"/>
-                </a:tc>
-                <a:tc>
-                  <a:txBody>
-                    <a:bodyPr/>
-                    <a:lstStyle/>
-                    <a:p>
-                      <a:pPr indent="450215">
-                        <a:lnSpc>
-                          <a:spcPts val="1800"/>
-                        </a:lnSpc>
-                        <a:spcAft>
-                          <a:spcPts val="0"/>
-                        </a:spcAft>
-                      </a:pPr>
-                      <a:r>
-                        <a:rPr lang="ru-RU" sz="1400">
-                          <a:effectLst/>
-                        </a:rPr>
-                        <a:t>Угроза</a:t>
-                      </a:r>
-                      <a:endParaRPr lang="en-US" sz="1200">
-                        <a:effectLst/>
-                        <a:latin typeface="Times New Roman" charset="0"/>
-                        <a:ea typeface="Arial" charset="0"/>
-                        <a:cs typeface="Times New Roman" charset="0"/>
-                      </a:endParaRPr>
-                    </a:p>
-                  </a:txBody>
-                  <a:tcPr marL="68580" marR="68580" marT="0" marB="0" anchor="ctr"/>
-                </a:tc>
-              </a:tr>
-              <a:tr h="843260">
-                <a:tc>
-                  <a:txBody>
-                    <a:bodyPr/>
-                    <a:lstStyle/>
-                    <a:p>
-                      <a:pPr marL="0" indent="11113" algn="l">
-                        <a:lnSpc>
-                          <a:spcPts val="1800"/>
-                        </a:lnSpc>
-                        <a:spcAft>
-                          <a:spcPts val="0"/>
-                        </a:spcAft>
-                        <a:tabLst/>
-                      </a:pPr>
-                      <a:r>
-                        <a:rPr lang="ru-RU" sz="1400" dirty="0">
-                          <a:effectLst/>
-                        </a:rPr>
-                        <a:t>персональные данные студентов</a:t>
-                      </a:r>
-                      <a:endParaRPr lang="en-US" sz="1200" dirty="0">
-                        <a:effectLst/>
-                        <a:latin typeface="Times New Roman" charset="0"/>
-                        <a:ea typeface="Arial" charset="0"/>
-                        <a:cs typeface="Times New Roman" charset="0"/>
-                      </a:endParaRPr>
-                    </a:p>
-                  </a:txBody>
-                  <a:tcPr marL="68580" marR="68580" marT="0" marB="0" anchor="ctr"/>
-                </a:tc>
-                <a:tc>
-                  <a:txBody>
-                    <a:bodyPr/>
-                    <a:lstStyle/>
-                    <a:p>
-                      <a:pPr marL="342900" lvl="0" indent="-342900">
-                        <a:lnSpc>
-                          <a:spcPts val="1800"/>
-                        </a:lnSpc>
-                        <a:spcAft>
-                          <a:spcPts val="0"/>
-                        </a:spcAft>
-                        <a:buFont typeface="Symbol" charset="2"/>
-                        <a:buChar char=""/>
-                      </a:pPr>
-                      <a:r>
-                        <a:rPr lang="ru-RU" sz="1400">
-                          <a:effectLst/>
-                        </a:rPr>
-                        <a:t>хищение</a:t>
-                      </a:r>
-                      <a:endParaRPr lang="en-US" sz="1200">
-                        <a:effectLst/>
-                      </a:endParaRPr>
-                    </a:p>
-                    <a:p>
-                      <a:pPr marL="342900" lvl="0" indent="-342900">
-                        <a:lnSpc>
-                          <a:spcPts val="1800"/>
-                        </a:lnSpc>
-                        <a:spcAft>
-                          <a:spcPts val="0"/>
-                        </a:spcAft>
-                        <a:buFont typeface="Symbol" charset="2"/>
-                        <a:buChar char=""/>
-                      </a:pPr>
-                      <a:r>
-                        <a:rPr lang="ru-RU" sz="1400">
-                          <a:effectLst/>
-                        </a:rPr>
-                        <a:t>уничтожение</a:t>
-                      </a:r>
-                      <a:endParaRPr lang="en-US" sz="1200">
-                        <a:effectLst/>
-                      </a:endParaRPr>
-                    </a:p>
-                    <a:p>
-                      <a:pPr marL="342900" lvl="0" indent="-342900">
-                        <a:lnSpc>
-                          <a:spcPts val="1800"/>
-                        </a:lnSpc>
-                        <a:spcAft>
-                          <a:spcPts val="0"/>
-                        </a:spcAft>
-                        <a:buFont typeface="Symbol" charset="2"/>
-                        <a:buChar char=""/>
-                      </a:pPr>
-                      <a:r>
-                        <a:rPr lang="ru-RU" sz="1400">
-                          <a:effectLst/>
-                        </a:rPr>
-                        <a:t>модификация</a:t>
-                      </a:r>
-                      <a:endParaRPr lang="en-US" sz="1200">
-                        <a:effectLst/>
-                        <a:latin typeface="Times New Roman" charset="0"/>
-                        <a:ea typeface="Arial" charset="0"/>
-                        <a:cs typeface="Times New Roman" charset="0"/>
-                      </a:endParaRPr>
-                    </a:p>
-                  </a:txBody>
-                  <a:tcPr marL="68580" marR="68580" marT="0" marB="0" anchor="ctr"/>
-                </a:tc>
-              </a:tr>
-              <a:tr h="843260">
-                <a:tc>
-                  <a:txBody>
-                    <a:bodyPr/>
-                    <a:lstStyle/>
-                    <a:p>
-                      <a:pPr marL="0" marR="0" lvl="0" indent="11113" algn="l" defTabSz="914400" rtl="0" eaLnBrk="1" fontAlgn="auto" latinLnBrk="0" hangingPunct="1">
-                        <a:lnSpc>
-                          <a:spcPts val="1800"/>
-                        </a:lnSpc>
-                        <a:spcBef>
-                          <a:spcPts val="0"/>
-                        </a:spcBef>
-                        <a:spcAft>
-                          <a:spcPts val="0"/>
-                        </a:spcAft>
-                        <a:buClrTx/>
-                        <a:buSzTx/>
-                        <a:buFontTx/>
-                        <a:buNone/>
-                        <a:tabLst/>
-                        <a:defRPr/>
-                      </a:pPr>
-                      <a:r>
-                        <a:rPr lang="ru-RU" sz="1400" dirty="0">
-                          <a:effectLst/>
-                        </a:rPr>
-                        <a:t>личные данные сотрудников</a:t>
-                      </a:r>
-                      <a:endParaRPr lang="en-US" sz="1200" dirty="0">
-                        <a:effectLst/>
-                        <a:latin typeface="Times New Roman" charset="0"/>
-                        <a:ea typeface="Arial" charset="0"/>
-                        <a:cs typeface="Times New Roman" charset="0"/>
-                      </a:endParaRPr>
-                    </a:p>
-                  </a:txBody>
-                  <a:tcPr marL="68580" marR="68580" marT="0" marB="0" anchor="ctr"/>
-                </a:tc>
-                <a:tc>
-                  <a:txBody>
-                    <a:bodyPr/>
-                    <a:lstStyle/>
-                    <a:p>
-                      <a:pPr marL="342900" lvl="0" indent="-342900">
-                        <a:lnSpc>
-                          <a:spcPts val="1800"/>
-                        </a:lnSpc>
-                        <a:spcAft>
-                          <a:spcPts val="0"/>
-                        </a:spcAft>
-                        <a:buFont typeface="Symbol" charset="2"/>
-                        <a:buChar char=""/>
-                      </a:pPr>
-                      <a:r>
-                        <a:rPr lang="ru-RU" sz="1400" dirty="0">
-                          <a:effectLst/>
-                        </a:rPr>
-                        <a:t>хищение</a:t>
-                      </a:r>
-                      <a:endParaRPr lang="en-US" sz="1200" dirty="0">
-                        <a:effectLst/>
-                      </a:endParaRPr>
-                    </a:p>
-                    <a:p>
-                      <a:pPr marL="342900" lvl="0" indent="-342900">
-                        <a:lnSpc>
-                          <a:spcPts val="1800"/>
-                        </a:lnSpc>
-                        <a:spcAft>
-                          <a:spcPts val="0"/>
-                        </a:spcAft>
-                        <a:buFont typeface="Symbol" charset="2"/>
-                        <a:buChar char=""/>
-                      </a:pPr>
-                      <a:r>
-                        <a:rPr lang="ru-RU" sz="1400" dirty="0">
-                          <a:effectLst/>
-                        </a:rPr>
-                        <a:t>уничтожение</a:t>
-                      </a:r>
-                      <a:endParaRPr lang="en-US" sz="1200" dirty="0">
-                        <a:effectLst/>
-                      </a:endParaRPr>
-                    </a:p>
-                    <a:p>
-                      <a:pPr marL="342900" lvl="0" indent="-342900">
-                        <a:lnSpc>
-                          <a:spcPts val="1800"/>
-                        </a:lnSpc>
-                        <a:spcAft>
-                          <a:spcPts val="0"/>
-                        </a:spcAft>
-                        <a:buFont typeface="Symbol" charset="2"/>
-                        <a:buChar char=""/>
-                      </a:pPr>
-                      <a:r>
-                        <a:rPr lang="ru-RU" sz="1400" dirty="0">
-                          <a:effectLst/>
-                        </a:rPr>
-                        <a:t>модификация</a:t>
-                      </a:r>
-                      <a:endParaRPr lang="en-US" sz="1200" dirty="0">
-                        <a:effectLst/>
-                        <a:latin typeface="Times New Roman" charset="0"/>
-                        <a:ea typeface="Arial" charset="0"/>
-                        <a:cs typeface="Times New Roman" charset="0"/>
-                      </a:endParaRPr>
-                    </a:p>
-                  </a:txBody>
-                  <a:tcPr marL="68580" marR="68580" marT="0" marB="0" anchor="ctr"/>
-                </a:tc>
-              </a:tr>
-              <a:tr h="843260">
-                <a:tc>
-                  <a:txBody>
-                    <a:bodyPr/>
-                    <a:lstStyle/>
-                    <a:p>
-                      <a:pPr marL="0" indent="11113">
-                        <a:lnSpc>
-                          <a:spcPts val="1800"/>
-                        </a:lnSpc>
-                        <a:spcAft>
-                          <a:spcPts val="0"/>
-                        </a:spcAft>
-                        <a:tabLst/>
-                      </a:pPr>
-                      <a:r>
-                        <a:rPr lang="ru-RU" sz="1400" dirty="0">
-                          <a:effectLst/>
-                        </a:rPr>
-                        <a:t>научно-исследовательские работы</a:t>
-                      </a:r>
-                      <a:endParaRPr lang="en-US" sz="1200" dirty="0">
-                        <a:effectLst/>
-                        <a:latin typeface="Times New Roman" charset="0"/>
-                        <a:ea typeface="Arial" charset="0"/>
-                        <a:cs typeface="Times New Roman" charset="0"/>
-                      </a:endParaRPr>
-                    </a:p>
-                  </a:txBody>
-                  <a:tcPr marL="68580" marR="68580" marT="0" marB="0" anchor="ctr"/>
-                </a:tc>
-                <a:tc>
-                  <a:txBody>
-                    <a:bodyPr/>
-                    <a:lstStyle/>
-                    <a:p>
-                      <a:pPr marL="342900" lvl="0" indent="-342900">
-                        <a:lnSpc>
-                          <a:spcPts val="1800"/>
-                        </a:lnSpc>
-                        <a:spcAft>
-                          <a:spcPts val="0"/>
-                        </a:spcAft>
-                        <a:buFont typeface="Symbol" charset="2"/>
-                        <a:buChar char=""/>
-                      </a:pPr>
-                      <a:r>
-                        <a:rPr lang="ru-RU" sz="1400">
-                          <a:effectLst/>
-                        </a:rPr>
-                        <a:t>копирование</a:t>
-                      </a:r>
-                      <a:endParaRPr lang="en-US" sz="1200">
-                        <a:effectLst/>
-                        <a:latin typeface="Times New Roman" charset="0"/>
-                        <a:ea typeface="Arial" charset="0"/>
-                        <a:cs typeface="Times New Roman" charset="0"/>
-                      </a:endParaRPr>
-                    </a:p>
-                  </a:txBody>
-                  <a:tcPr marL="68580" marR="68580" marT="0" marB="0" anchor="ctr"/>
-                </a:tc>
-              </a:tr>
-              <a:tr h="555595">
-                <a:tc>
-                  <a:txBody>
-                    <a:bodyPr/>
-                    <a:lstStyle/>
-                    <a:p>
-                      <a:pPr marL="0" indent="11113">
-                        <a:lnSpc>
-                          <a:spcPts val="1800"/>
-                        </a:lnSpc>
-                        <a:spcAft>
-                          <a:spcPts val="0"/>
-                        </a:spcAft>
-                        <a:tabLst/>
-                      </a:pPr>
-                      <a:r>
-                        <a:rPr lang="ru-RU" sz="1400" dirty="0">
-                          <a:effectLst/>
-                        </a:rPr>
-                        <a:t>сведения об успеваемости</a:t>
-                      </a:r>
-                      <a:endParaRPr lang="en-US" sz="1200" dirty="0">
-                        <a:effectLst/>
-                        <a:latin typeface="Times New Roman" charset="0"/>
-                        <a:ea typeface="Arial" charset="0"/>
-                        <a:cs typeface="Times New Roman" charset="0"/>
-                      </a:endParaRPr>
-                    </a:p>
-                  </a:txBody>
-                  <a:tcPr marL="68580" marR="68580" marT="0" marB="0" anchor="ctr"/>
-                </a:tc>
-                <a:tc>
-                  <a:txBody>
-                    <a:bodyPr/>
-                    <a:lstStyle/>
-                    <a:p>
-                      <a:pPr marL="342900" lvl="0" indent="-342900">
-                        <a:lnSpc>
-                          <a:spcPts val="1800"/>
-                        </a:lnSpc>
-                        <a:spcAft>
-                          <a:spcPts val="0"/>
-                        </a:spcAft>
-                        <a:buFont typeface="Symbol" charset="2"/>
-                        <a:buChar char=""/>
-                      </a:pPr>
-                      <a:r>
-                        <a:rPr lang="ru-RU" sz="1400">
-                          <a:effectLst/>
-                        </a:rPr>
-                        <a:t>модификация</a:t>
-                      </a:r>
-                      <a:endParaRPr lang="en-US" sz="1200">
-                        <a:effectLst/>
-                        <a:latin typeface="Times New Roman" charset="0"/>
-                        <a:ea typeface="Arial" charset="0"/>
-                        <a:cs typeface="Times New Roman" charset="0"/>
-                      </a:endParaRPr>
-                    </a:p>
-                  </a:txBody>
-                  <a:tcPr marL="68580" marR="68580" marT="0" marB="0" anchor="ctr"/>
-                </a:tc>
-              </a:tr>
-              <a:tr h="555595">
-                <a:tc>
-                  <a:txBody>
-                    <a:bodyPr/>
-                    <a:lstStyle/>
-                    <a:p>
-                      <a:pPr marL="0" indent="11113" algn="just">
-                        <a:lnSpc>
-                          <a:spcPts val="1800"/>
-                        </a:lnSpc>
-                        <a:spcAft>
-                          <a:spcPts val="0"/>
-                        </a:spcAft>
-                        <a:tabLst/>
-                      </a:pPr>
-                      <a:r>
-                        <a:rPr lang="ru-RU" sz="1400" dirty="0">
-                          <a:effectLst/>
-                        </a:rPr>
-                        <a:t>экзаменационные билеты;</a:t>
-                      </a:r>
-                      <a:endParaRPr lang="en-US" sz="1200" dirty="0">
-                        <a:effectLst/>
-                        <a:latin typeface="Times New Roman" charset="0"/>
-                        <a:ea typeface="Arial" charset="0"/>
-                        <a:cs typeface="Times New Roman" charset="0"/>
-                      </a:endParaRPr>
-                    </a:p>
-                  </a:txBody>
-                  <a:tcPr marL="68580" marR="68580" marT="0" marB="0" anchor="ctr"/>
-                </a:tc>
-                <a:tc>
-                  <a:txBody>
-                    <a:bodyPr/>
-                    <a:lstStyle/>
-                    <a:p>
-                      <a:pPr marL="342900" lvl="0" indent="-342900">
-                        <a:lnSpc>
-                          <a:spcPts val="1800"/>
-                        </a:lnSpc>
-                        <a:spcAft>
-                          <a:spcPts val="0"/>
-                        </a:spcAft>
-                        <a:buFont typeface="Symbol" charset="2"/>
-                        <a:buChar char=""/>
-                      </a:pPr>
-                      <a:r>
-                        <a:rPr lang="ru-RU" sz="1400" dirty="0">
-                          <a:effectLst/>
-                        </a:rPr>
-                        <a:t>разглашение</a:t>
-                      </a:r>
-                      <a:endParaRPr lang="en-US" sz="1200" dirty="0">
-                        <a:effectLst/>
-                      </a:endParaRPr>
-                    </a:p>
-                    <a:p>
-                      <a:pPr marL="342900" lvl="0" indent="-342900">
-                        <a:lnSpc>
-                          <a:spcPts val="1800"/>
-                        </a:lnSpc>
-                        <a:spcAft>
-                          <a:spcPts val="0"/>
-                        </a:spcAft>
-                        <a:buFont typeface="Symbol" charset="2"/>
-                        <a:buChar char=""/>
-                      </a:pPr>
-                      <a:r>
-                        <a:rPr lang="ru-RU" sz="1400" dirty="0">
-                          <a:effectLst/>
-                        </a:rPr>
-                        <a:t>модификация</a:t>
-                      </a:r>
-                      <a:endParaRPr lang="en-US" sz="1200" dirty="0">
-                        <a:effectLst/>
-                        <a:latin typeface="Times New Roman" charset="0"/>
-                        <a:ea typeface="Arial" charset="0"/>
-                        <a:cs typeface="Times New Roman" charset="0"/>
-                      </a:endParaRPr>
-                    </a:p>
-                  </a:txBody>
-                  <a:tcPr marL="68580" marR="68580" marT="0" marB="0" anchor="ctr"/>
-                </a:tc>
-              </a:tr>
-              <a:tr h="555595">
-                <a:tc>
-                  <a:txBody>
-                    <a:bodyPr/>
-                    <a:lstStyle/>
-                    <a:p>
-                      <a:pPr marL="0" indent="11113" algn="just">
-                        <a:lnSpc>
-                          <a:spcPts val="1800"/>
-                        </a:lnSpc>
-                        <a:spcAft>
-                          <a:spcPts val="0"/>
-                        </a:spcAft>
-                        <a:tabLst/>
-                      </a:pPr>
-                      <a:r>
-                        <a:rPr lang="ru-RU" sz="1400" dirty="0">
-                          <a:effectLst/>
-                        </a:rPr>
-                        <a:t>нагрузка преподавателей</a:t>
-                      </a:r>
-                      <a:endParaRPr lang="en-US" sz="1200" dirty="0">
-                        <a:effectLst/>
-                        <a:latin typeface="Times New Roman" charset="0"/>
-                        <a:ea typeface="Arial" charset="0"/>
-                        <a:cs typeface="Times New Roman" charset="0"/>
-                      </a:endParaRPr>
-                    </a:p>
-                  </a:txBody>
-                  <a:tcPr marL="68580" marR="68580" marT="0" marB="0" anchor="ctr"/>
-                </a:tc>
-                <a:tc>
-                  <a:txBody>
-                    <a:bodyPr/>
-                    <a:lstStyle/>
-                    <a:p>
-                      <a:pPr marL="342900" lvl="0" indent="-342900">
-                        <a:lnSpc>
-                          <a:spcPts val="1800"/>
-                        </a:lnSpc>
-                        <a:spcAft>
-                          <a:spcPts val="0"/>
-                        </a:spcAft>
-                        <a:buFont typeface="Symbol" charset="2"/>
-                        <a:buChar char=""/>
-                      </a:pPr>
-                      <a:r>
-                        <a:rPr lang="ru-RU" sz="1400" dirty="0">
-                          <a:effectLst/>
-                        </a:rPr>
-                        <a:t>модификация</a:t>
-                      </a:r>
-                      <a:endParaRPr lang="en-US" sz="1200" dirty="0">
-                        <a:effectLst/>
-                        <a:latin typeface="Times New Roman" charset="0"/>
-                        <a:ea typeface="Arial" charset="0"/>
-                        <a:cs typeface="Times New Roman" charset="0"/>
-                      </a:endParaRPr>
-                    </a:p>
-                  </a:txBody>
-                  <a:tcPr marL="68580" marR="68580" marT="0" marB="0" anchor="ctr"/>
-                </a:tc>
-              </a:tr>
-            </a:tbl>
+          <a:graphicData uri="http://schemas.openxmlformats.org/drawingml/2006/diagram">
+            <dgm:relIds xmlns:dgm="http://schemas.openxmlformats.org/drawingml/2006/diagram" xmlns:r="http://schemas.openxmlformats.org/officeDocument/2006/relationships" r:dm="rId3" r:lo="rId4" r:qs="rId5" r:cs="rId6"/>
           </a:graphicData>
         </a:graphic>
       </p:graphicFrame>
+      <p:pic>
+        <p:nvPicPr>
+          <p:cNvPr id="5" name="Picture 4"/>
+          <p:cNvPicPr>
+            <a:picLocks noChangeAspect="1"/>
+          </p:cNvPicPr>
+          <p:nvPr/>
+        </p:nvPicPr>
+        <p:blipFill>
+          <a:blip r:embed="rId8">
+            <a:extLst>
+              <a:ext uri="{28A0092B-C50C-407E-A947-70E740481C1C}">
+                <a14:useLocalDpi xmlns:a14="http://schemas.microsoft.com/office/drawing/2010/main" val="0"/>
+              </a:ext>
+            </a:extLst>
+          </a:blip>
+          <a:stretch>
+            <a:fillRect/>
+          </a:stretch>
+        </p:blipFill>
+        <p:spPr>
+          <a:xfrm>
+            <a:off x="335403" y="4365104"/>
+            <a:ext cx="4164589" cy="2225292"/>
+          </a:xfrm>
+          <a:prstGeom prst="rect">
+            <a:avLst/>
+          </a:prstGeom>
+        </p:spPr>
+      </p:pic>
+      <p:pic>
+        <p:nvPicPr>
+          <p:cNvPr id="6" name="Picture 5"/>
+          <p:cNvPicPr>
+            <a:picLocks noChangeAspect="1"/>
+          </p:cNvPicPr>
+          <p:nvPr/>
+        </p:nvPicPr>
+        <p:blipFill>
+          <a:blip r:embed="rId9">
+            <a:extLst>
+              <a:ext uri="{28A0092B-C50C-407E-A947-70E740481C1C}">
+                <a14:useLocalDpi xmlns:a14="http://schemas.microsoft.com/office/drawing/2010/main" val="0"/>
+              </a:ext>
+            </a:extLst>
+          </a:blip>
+          <a:stretch>
+            <a:fillRect/>
+          </a:stretch>
+        </p:blipFill>
+        <p:spPr>
+          <a:xfrm>
+            <a:off x="5421765" y="4365104"/>
+            <a:ext cx="3163093" cy="2225292"/>
+          </a:xfrm>
+          <a:prstGeom prst="rect">
+            <a:avLst/>
+          </a:prstGeom>
+        </p:spPr>
+      </p:pic>
     </p:spTree>
     <p:extLst>
       <p:ext uri="{BB962C8B-B14F-4D97-AF65-F5344CB8AC3E}">
-        <p14:creationId xmlns:p14="http://schemas.microsoft.com/office/powerpoint/2010/main" val="1519893311"/>
+        <p14:creationId xmlns:p14="http://schemas.microsoft.com/office/powerpoint/2010/main" val="862422613"/>
       </p:ext>
     </p:extLst>
   </p:cSld>
@@ -7307,59 +12841,99 @@
         </p:nvSpPr>
         <p:spPr/>
         <p:txBody>
-          <a:bodyPr/>
+          <a:bodyPr anchor="ctr"/>
           <a:lstStyle/>
           <a:p>
             <a:pPr algn="ctr"/>
             <a:r>
-              <a:rPr lang="ru-RU" sz="2400" dirty="0">
+              <a:rPr lang="ru-RU" b="1" dirty="0" smtClean="0">
+                <a:solidFill>
+                  <a:schemeClr val="tx1"/>
+                </a:solidFill>
                 <a:latin typeface="Times New Roman" charset="0"/>
                 <a:ea typeface="Times New Roman" charset="0"/>
                 <a:cs typeface="Times New Roman" charset="0"/>
               </a:rPr>
-              <a:t>Присвоение информационной системе класса типового объекта информатизации</a:t>
-            </a:r>
-            <a:endParaRPr lang="en-US" sz="2400" dirty="0"/>
+              <a:t>ТЗ и ЗБ?</a:t>
+            </a:r>
+            <a:endParaRPr lang="en-US" b="1" dirty="0">
+              <a:solidFill>
+                <a:schemeClr val="tx1"/>
+              </a:solidFill>
+              <a:latin typeface="Times New Roman" charset="0"/>
+              <a:ea typeface="Times New Roman" charset="0"/>
+              <a:cs typeface="Times New Roman" charset="0"/>
+            </a:endParaRPr>
           </a:p>
         </p:txBody>
       </p:sp>
+      <p:graphicFrame>
+        <p:nvGraphicFramePr>
+          <p:cNvPr id="4" name="Content Placeholder 3"/>
+          <p:cNvGraphicFramePr>
+            <a:graphicFrameLocks noGrp="1"/>
+          </p:cNvGraphicFramePr>
+          <p:nvPr>
+            <p:ph sz="quarter" idx="1"/>
+            <p:extLst>
+              <p:ext uri="{D42A27DB-BD31-4B8C-83A1-F6EECF244321}">
+                <p14:modId xmlns:p14="http://schemas.microsoft.com/office/powerpoint/2010/main" val="1767885552"/>
+              </p:ext>
+            </p:extLst>
+          </p:nvPr>
+        </p:nvGraphicFramePr>
+        <p:xfrm>
+          <a:off x="251520" y="1124744"/>
+          <a:ext cx="7056784" cy="5112568"/>
+        </p:xfrm>
+        <a:graphic>
+          <a:graphicData uri="http://schemas.openxmlformats.org/drawingml/2006/diagram">
+            <dgm:relIds xmlns:dgm="http://schemas.openxmlformats.org/drawingml/2006/diagram" xmlns:r="http://schemas.openxmlformats.org/officeDocument/2006/relationships" r:dm="rId3" r:lo="rId4" r:qs="rId5" r:cs="rId6"/>
+          </a:graphicData>
+        </a:graphic>
+      </p:graphicFrame>
       <p:sp>
         <p:nvSpPr>
-          <p:cNvPr id="3" name="Content Placeholder 2"/>
-          <p:cNvSpPr>
-            <a:spLocks noGrp="1"/>
-          </p:cNvSpPr>
-          <p:nvPr>
-            <p:ph sz="quarter" idx="1"/>
-          </p:nvPr>
+          <p:cNvPr id="5" name="TextBox 4"/>
+          <p:cNvSpPr txBox="1"/>
+          <p:nvPr/>
         </p:nvSpPr>
-        <p:spPr/>
+        <p:spPr>
+          <a:xfrm>
+            <a:off x="7524328" y="3212976"/>
+            <a:ext cx="1979712" cy="923330"/>
+          </a:xfrm>
+          <a:prstGeom prst="rect">
+            <a:avLst/>
+          </a:prstGeom>
+          <a:noFill/>
+        </p:spPr>
         <p:txBody>
-          <a:bodyPr/>
+          <a:bodyPr wrap="square" rtlCol="0">
+            <a:spAutoFit/>
+          </a:bodyPr>
           <a:lstStyle/>
           <a:p>
-            <a:pPr marL="0" indent="0" eaLnBrk="1" fontAlgn="auto" hangingPunct="1">
-              <a:spcBef>
-                <a:spcPts val="0"/>
-              </a:spcBef>
-              <a:spcAft>
-                <a:spcPts val="0"/>
-              </a:spcAft>
-              <a:buClrTx/>
-              <a:buSzTx/>
-              <a:buNone/>
-            </a:pPr>
-            <a:r>
-              <a:rPr lang="ru-RU" dirty="0" smtClean="0"/>
-              <a:t>В нашем случае класс типового объекта уже был изначально задан – Б2. Который предполагает что информационная система работает с информацией распространения которой ограничено, не имеет доступа в сети общего пользования, а так же может находится в нескольких контролируемых зонах.</a:t>
-            </a:r>
+            <a:r>
+              <a:rPr lang="ru-RU" sz="5400" b="1" dirty="0" smtClean="0">
+                <a:latin typeface="Times New Roman" charset="0"/>
+                <a:ea typeface="Times New Roman" charset="0"/>
+                <a:cs typeface="Times New Roman" charset="0"/>
+              </a:rPr>
+              <a:t>ТЗ</a:t>
+            </a:r>
+            <a:endParaRPr lang="en-US" sz="4000" b="1" dirty="0">
+              <a:latin typeface="Times New Roman" charset="0"/>
+              <a:ea typeface="Times New Roman" charset="0"/>
+              <a:cs typeface="Times New Roman" charset="0"/>
+            </a:endParaRPr>
           </a:p>
         </p:txBody>
       </p:sp>
     </p:spTree>
     <p:extLst>
       <p:ext uri="{BB962C8B-B14F-4D97-AF65-F5344CB8AC3E}">
-        <p14:creationId xmlns:p14="http://schemas.microsoft.com/office/powerpoint/2010/main" val="2054478511"/>
+        <p14:creationId xmlns:p14="http://schemas.microsoft.com/office/powerpoint/2010/main" val="674262326"/>
       </p:ext>
     </p:extLst>
   </p:cSld>
@@ -7388,55 +12962,7 @@
       </p:grpSpPr>
       <p:sp>
         <p:nvSpPr>
-          <p:cNvPr id="2" name="Заголовок 1"/>
-          <p:cNvSpPr>
-            <a:spLocks noGrp="1"/>
-          </p:cNvSpPr>
-          <p:nvPr>
-            <p:ph type="title"/>
-          </p:nvPr>
-        </p:nvSpPr>
-        <p:spPr>
-          <a:xfrm>
-            <a:off x="685800" y="-315416"/>
-            <a:ext cx="7772400" cy="1143000"/>
-          </a:xfrm>
-        </p:spPr>
-        <p:txBody>
-          <a:bodyPr/>
-          <a:lstStyle/>
-          <a:p>
-            <a:pPr algn="ctr"/>
-            <a:r>
-              <a:rPr lang="ru-RU" sz="2800" dirty="0">
-                <a:latin typeface="Times New Roman" charset="0"/>
-                <a:ea typeface="Times New Roman" charset="0"/>
-                <a:cs typeface="Times New Roman" charset="0"/>
-              </a:rPr>
-              <a:t>Разработка </a:t>
-            </a:r>
-            <a:r>
-              <a:rPr lang="ru-RU" sz="2800" dirty="0" smtClean="0">
-                <a:latin typeface="Times New Roman" charset="0"/>
-                <a:ea typeface="Times New Roman" charset="0"/>
-                <a:cs typeface="Times New Roman" charset="0"/>
-              </a:rPr>
-              <a:t>ТЗ на </a:t>
-            </a:r>
-            <a:r>
-              <a:rPr lang="ru-RU" sz="2800" dirty="0">
-                <a:latin typeface="Times New Roman" charset="0"/>
-                <a:ea typeface="Times New Roman" charset="0"/>
-                <a:cs typeface="Times New Roman" charset="0"/>
-              </a:rPr>
-              <a:t>информационную систему</a:t>
-            </a:r>
-          </a:p>
-        </p:txBody>
-      </p:sp>
-      <p:sp>
-        <p:nvSpPr>
-          <p:cNvPr id="3" name="Объект 2"/>
+          <p:cNvPr id="21506" name="Содержимое 2"/>
           <p:cNvSpPr>
             <a:spLocks noGrp="1"/>
           </p:cNvSpPr>
@@ -7446,488 +12972,51 @@
         </p:nvSpPr>
         <p:spPr>
           <a:xfrm>
-            <a:off x="179512" y="980728"/>
-            <a:ext cx="8784976" cy="5039072"/>
+            <a:off x="457200" y="1600200"/>
+            <a:ext cx="8218488" cy="4525963"/>
           </a:xfrm>
         </p:spPr>
         <p:txBody>
           <a:bodyPr/>
           <a:lstStyle/>
           <a:p>
-            <a:r>
-              <a:rPr lang="ru-RU" sz="1800" dirty="0" smtClean="0"/>
-              <a:t>Техническое задание устанавливает основное назначение разрабатываемого объекта, его технические и тактико-технические характеристики, показатели качества и технико-экономические требования, предписание по выполнению необходимых стадий создания документации (конструкторской, технологической, программной и т. д.) и её состав, а также специальные требования.</a:t>
-            </a:r>
-          </a:p>
-          <a:p>
-            <a:r>
-              <a:rPr lang="ru-RU" sz="1800" dirty="0" smtClean="0"/>
-              <a:t>Техническое </a:t>
-            </a:r>
-            <a:r>
-              <a:rPr lang="ru-RU" sz="1800" dirty="0"/>
-              <a:t>задание на систему защиты информации строиться по следующему плану:</a:t>
-            </a:r>
-            <a:endParaRPr lang="en-US" sz="1800" dirty="0"/>
-          </a:p>
-          <a:p>
-            <a:pPr lvl="1"/>
-            <a:r>
-              <a:rPr lang="ru-RU" sz="1600" dirty="0"/>
-              <a:t>Общие сведения</a:t>
-            </a:r>
-            <a:endParaRPr lang="en-US" sz="1600" dirty="0"/>
-          </a:p>
-          <a:p>
-            <a:pPr lvl="1"/>
-            <a:r>
-              <a:rPr lang="ru-RU" sz="1600" dirty="0"/>
-              <a:t>Назначения и цели создания системы</a:t>
-            </a:r>
-            <a:endParaRPr lang="en-US" sz="1600" dirty="0"/>
-          </a:p>
-          <a:p>
-            <a:pPr lvl="1"/>
-            <a:r>
-              <a:rPr lang="ru-RU" sz="1600" dirty="0"/>
-              <a:t>Требования к системе защиты информации</a:t>
-            </a:r>
-            <a:endParaRPr lang="en-US" sz="1600" dirty="0"/>
-          </a:p>
-          <a:p>
-            <a:pPr lvl="1"/>
-            <a:r>
-              <a:rPr lang="ru-RU" sz="1600" dirty="0"/>
-              <a:t>Требования к средствам зашиты</a:t>
-            </a:r>
-            <a:endParaRPr lang="en-US" sz="1600" dirty="0"/>
-          </a:p>
-          <a:p>
-            <a:pPr lvl="1"/>
-            <a:r>
-              <a:rPr lang="ru-RU" sz="1600" dirty="0"/>
-              <a:t>Порядок контроля и приёмки системы</a:t>
-            </a:r>
-            <a:endParaRPr lang="en-US" sz="1600" dirty="0"/>
-          </a:p>
-          <a:p>
-            <a:pPr>
-              <a:buFont typeface="Wingdings" charset="2"/>
-              <a:buChar char="Ø"/>
+            <a:pPr algn="ctr" eaLnBrk="1" hangingPunct="1">
+              <a:buFont typeface="Wingdings 2" charset="2"/>
+              <a:buNone/>
             </a:pPr>
-            <a:endParaRPr lang="ru-RU" sz="1800" dirty="0" smtClean="0">
-              <a:latin typeface="Times New Roman" charset="0"/>
-              <a:ea typeface="Times New Roman" charset="0"/>
-              <a:cs typeface="Times New Roman" charset="0"/>
-            </a:endParaRPr>
+            <a:endParaRPr lang="ru-RU" altLang="ru-RU" sz="3200"/>
+          </a:p>
+          <a:p>
+            <a:pPr algn="ctr" eaLnBrk="1" hangingPunct="1">
+              <a:buFont typeface="Wingdings 2" charset="2"/>
+              <a:buNone/>
+            </a:pPr>
+            <a:endParaRPr lang="ru-RU" altLang="ru-RU" sz="3200"/>
+          </a:p>
+          <a:p>
+            <a:pPr algn="ctr" eaLnBrk="1" hangingPunct="1">
+              <a:buFont typeface="Wingdings 2" charset="2"/>
+              <a:buNone/>
+            </a:pPr>
+            <a:r>
+              <a:rPr lang="ru-RU" altLang="ru-RU" sz="3200"/>
+              <a:t>     Спасибо за внимание.</a:t>
+            </a:r>
           </a:p>
         </p:txBody>
       </p:sp>
     </p:spTree>
-    <p:extLst>
-      <p:ext uri="{BB962C8B-B14F-4D97-AF65-F5344CB8AC3E}">
-        <p14:creationId xmlns:p14="http://schemas.microsoft.com/office/powerpoint/2010/main" val="649662379"/>
-      </p:ext>
-    </p:extLst>
   </p:cSld>
   <p:clrMapOvr>
     <a:masterClrMapping/>
   </p:clrMapOvr>
-</p:sld>
-</file>
-
-<file path=ppt/slides/slide8.xml><?xml version="1.0" encoding="utf-8"?>
-<p:sld xmlns:a="http://schemas.openxmlformats.org/drawingml/2006/main" xmlns:r="http://schemas.openxmlformats.org/officeDocument/2006/relationships" xmlns:p="http://schemas.openxmlformats.org/presentationml/2006/main">
-  <p:cSld>
-    <p:spTree>
-      <p:nvGrpSpPr>
-        <p:cNvPr id="1" name=""/>
-        <p:cNvGrpSpPr/>
-        <p:nvPr/>
-      </p:nvGrpSpPr>
-      <p:grpSpPr>
-        <a:xfrm>
-          <a:off x="0" y="0"/>
-          <a:ext cx="0" cy="0"/>
-          <a:chOff x="0" y="0"/>
-          <a:chExt cx="0" cy="0"/>
-        </a:xfrm>
-      </p:grpSpPr>
-      <p:sp>
-        <p:nvSpPr>
-          <p:cNvPr id="2" name="Заголовок 1"/>
-          <p:cNvSpPr>
-            <a:spLocks noGrp="1"/>
-          </p:cNvSpPr>
-          <p:nvPr>
-            <p:ph type="title"/>
-          </p:nvPr>
-        </p:nvSpPr>
-        <p:spPr>
-          <a:xfrm>
-            <a:off x="685800" y="-315416"/>
-            <a:ext cx="7772400" cy="1296144"/>
-          </a:xfrm>
-        </p:spPr>
-        <p:txBody>
-          <a:bodyPr/>
-          <a:lstStyle/>
-          <a:p>
-            <a:pPr algn="ctr"/>
-            <a:r>
-              <a:rPr lang="ru-RU" sz="2800">
-                <a:latin typeface="Times New Roman" charset="0"/>
-                <a:ea typeface="Times New Roman" charset="0"/>
-                <a:cs typeface="Times New Roman" charset="0"/>
-              </a:rPr>
-              <a:t>Разработка политики информационной безопасности</a:t>
-            </a:r>
-            <a:endParaRPr lang="ru-RU" sz="2800" dirty="0">
-              <a:latin typeface="Times New Roman" charset="0"/>
-              <a:ea typeface="Times New Roman" charset="0"/>
-              <a:cs typeface="Times New Roman" charset="0"/>
-            </a:endParaRPr>
-          </a:p>
-        </p:txBody>
-      </p:sp>
-      <p:sp>
-        <p:nvSpPr>
-          <p:cNvPr id="3" name="Объект 2"/>
-          <p:cNvSpPr>
-            <a:spLocks noGrp="1"/>
-          </p:cNvSpPr>
-          <p:nvPr>
-            <p:ph sz="quarter" idx="1"/>
-          </p:nvPr>
-        </p:nvSpPr>
-        <p:spPr>
-          <a:xfrm>
-            <a:off x="179512" y="980728"/>
-            <a:ext cx="8784976" cy="5039072"/>
-          </a:xfrm>
-        </p:spPr>
-        <p:txBody>
-          <a:bodyPr/>
-          <a:lstStyle/>
-          <a:p>
-            <a:r>
-              <a:rPr lang="ru-RU" sz="1800" dirty="0">
-                <a:latin typeface="Times New Roman" charset="0"/>
-                <a:ea typeface="Times New Roman" charset="0"/>
-                <a:cs typeface="Times New Roman" charset="0"/>
-              </a:rPr>
-              <a:t>Политика информационной безопасности должна содержать</a:t>
-            </a:r>
-            <a:r>
-              <a:rPr lang="ru-RU" sz="1800" dirty="0" smtClean="0">
-                <a:latin typeface="Times New Roman" charset="0"/>
-                <a:ea typeface="Times New Roman" charset="0"/>
-                <a:cs typeface="Times New Roman" charset="0"/>
-              </a:rPr>
-              <a:t>:</a:t>
-            </a:r>
-          </a:p>
-          <a:p>
-            <a:pPr lvl="1"/>
-            <a:r>
-              <a:rPr lang="ru-RU" sz="1800" dirty="0">
-                <a:latin typeface="Times New Roman" charset="0"/>
-                <a:ea typeface="Times New Roman" charset="0"/>
-                <a:cs typeface="Times New Roman" charset="0"/>
-              </a:rPr>
-              <a:t>цели создания системы защиты информации</a:t>
-            </a:r>
-            <a:r>
-              <a:rPr lang="ru-RU" sz="1800" dirty="0" smtClean="0">
-                <a:latin typeface="Times New Roman" charset="0"/>
-                <a:ea typeface="Times New Roman" charset="0"/>
-                <a:cs typeface="Times New Roman" charset="0"/>
-              </a:rPr>
-              <a:t>;</a:t>
-            </a:r>
-          </a:p>
-          <a:p>
-            <a:pPr lvl="1"/>
-            <a:r>
-              <a:rPr lang="ru-RU" sz="1800" dirty="0">
-                <a:latin typeface="Times New Roman" charset="0"/>
-                <a:ea typeface="Times New Roman" charset="0"/>
-                <a:cs typeface="Times New Roman" charset="0"/>
-              </a:rPr>
-              <a:t>перечень субъектов и объектов информационной системы, сведения о месте их размещения и порядке информационного взаимодействия субъектов с объектами этой системы и объектов между </a:t>
-            </a:r>
-            <a:r>
-              <a:rPr lang="ru-RU" sz="1800" dirty="0" smtClean="0">
-                <a:latin typeface="Times New Roman" charset="0"/>
-                <a:ea typeface="Times New Roman" charset="0"/>
-                <a:cs typeface="Times New Roman" charset="0"/>
-              </a:rPr>
-              <a:t>собой;</a:t>
-            </a:r>
-          </a:p>
-          <a:p>
-            <a:pPr lvl="1"/>
-            <a:r>
-              <a:rPr lang="ru-RU" sz="1800" dirty="0">
-                <a:latin typeface="Times New Roman" charset="0"/>
-                <a:ea typeface="Times New Roman" charset="0"/>
-                <a:cs typeface="Times New Roman" charset="0"/>
-              </a:rPr>
-              <a:t>способы разграничения доступа субъектов к объектам информационной системы</a:t>
-            </a:r>
-            <a:r>
-              <a:rPr lang="ru-RU" sz="1800" dirty="0" smtClean="0">
-                <a:latin typeface="Times New Roman" charset="0"/>
-                <a:ea typeface="Times New Roman" charset="0"/>
-                <a:cs typeface="Times New Roman" charset="0"/>
-              </a:rPr>
-              <a:t>;</a:t>
-            </a:r>
-          </a:p>
-          <a:p>
-            <a:pPr lvl="1"/>
-            <a:r>
-              <a:rPr lang="ru-RU" sz="1800" dirty="0" smtClean="0">
-                <a:latin typeface="Times New Roman" charset="0"/>
-                <a:ea typeface="Times New Roman" charset="0"/>
-                <a:cs typeface="Times New Roman" charset="0"/>
-              </a:rPr>
-              <a:t>права </a:t>
-            </a:r>
-            <a:r>
-              <a:rPr lang="ru-RU" sz="1800" dirty="0">
-                <a:latin typeface="Times New Roman" charset="0"/>
-                <a:ea typeface="Times New Roman" charset="0"/>
-                <a:cs typeface="Times New Roman" charset="0"/>
-              </a:rPr>
-              <a:t>и обязанности субъектов информационной системы</a:t>
-            </a:r>
-            <a:r>
-              <a:rPr lang="ru-RU" sz="1800" dirty="0" smtClean="0">
-                <a:latin typeface="Times New Roman" charset="0"/>
-                <a:ea typeface="Times New Roman" charset="0"/>
-                <a:cs typeface="Times New Roman" charset="0"/>
-              </a:rPr>
-              <a:t>;</a:t>
-            </a:r>
-          </a:p>
-          <a:p>
-            <a:pPr lvl="1"/>
-            <a:r>
-              <a:rPr lang="ru-RU" sz="1800" dirty="0">
-                <a:latin typeface="Times New Roman" charset="0"/>
-                <a:ea typeface="Times New Roman" charset="0"/>
-                <a:cs typeface="Times New Roman" charset="0"/>
-              </a:rPr>
-              <a:t>перечень организационных мер, направленных на реализацию требований по созданию системы защиты </a:t>
-            </a:r>
-            <a:r>
-              <a:rPr lang="ru-RU" sz="1800" dirty="0" smtClean="0">
-                <a:latin typeface="Times New Roman" charset="0"/>
-                <a:ea typeface="Times New Roman" charset="0"/>
-                <a:cs typeface="Times New Roman" charset="0"/>
-              </a:rPr>
-              <a:t>информации;</a:t>
-            </a:r>
-          </a:p>
-          <a:p>
-            <a:pPr lvl="1"/>
-            <a:r>
-              <a:rPr lang="ru-RU" sz="1800" dirty="0" smtClean="0">
-                <a:latin typeface="Times New Roman" charset="0"/>
-                <a:ea typeface="Times New Roman" charset="0"/>
-                <a:cs typeface="Times New Roman" charset="0"/>
-              </a:rPr>
-              <a:t>порядок </a:t>
-            </a:r>
-            <a:r>
-              <a:rPr lang="ru-RU" sz="1800" dirty="0">
-                <a:latin typeface="Times New Roman" charset="0"/>
-                <a:ea typeface="Times New Roman" charset="0"/>
-                <a:cs typeface="Times New Roman" charset="0"/>
-              </a:rPr>
-              <a:t>действий при возникновении угроз обеспечения конфиденциальности, целостности, доступности, подлинности и сохранности информации, в том числе чрезвычайных и непредотвратимых обстоятельств (непреодолимой силы), и при ликвидации их последствий</a:t>
-            </a:r>
-            <a:r>
-              <a:rPr lang="ru-RU" sz="1800" dirty="0" smtClean="0">
-                <a:latin typeface="Times New Roman" charset="0"/>
-                <a:ea typeface="Times New Roman" charset="0"/>
-                <a:cs typeface="Times New Roman" charset="0"/>
-              </a:rPr>
-              <a:t>.</a:t>
-            </a:r>
-          </a:p>
-        </p:txBody>
-      </p:sp>
-    </p:spTree>
-    <p:extLst>
-      <p:ext uri="{BB962C8B-B14F-4D97-AF65-F5344CB8AC3E}">
-        <p14:creationId xmlns:p14="http://schemas.microsoft.com/office/powerpoint/2010/main" val="1445896361"/>
-      </p:ext>
-    </p:extLst>
-  </p:cSld>
-  <p:clrMapOvr>
-    <a:masterClrMapping/>
-  </p:clrMapOvr>
-</p:sld>
-</file>
-
-<file path=ppt/slides/slide9.xml><?xml version="1.0" encoding="utf-8"?>
-<p:sld xmlns:a="http://schemas.openxmlformats.org/drawingml/2006/main" xmlns:r="http://schemas.openxmlformats.org/officeDocument/2006/relationships" xmlns:p="http://schemas.openxmlformats.org/presentationml/2006/main">
-  <p:cSld>
-    <p:spTree>
-      <p:nvGrpSpPr>
-        <p:cNvPr id="1" name=""/>
-        <p:cNvGrpSpPr/>
-        <p:nvPr/>
-      </p:nvGrpSpPr>
-      <p:grpSpPr>
-        <a:xfrm>
-          <a:off x="0" y="0"/>
-          <a:ext cx="0" cy="0"/>
-          <a:chOff x="0" y="0"/>
-          <a:chExt cx="0" cy="0"/>
-        </a:xfrm>
-      </p:grpSpPr>
-      <p:sp>
-        <p:nvSpPr>
-          <p:cNvPr id="2" name="Заголовок 1"/>
-          <p:cNvSpPr>
-            <a:spLocks noGrp="1"/>
-          </p:cNvSpPr>
-          <p:nvPr>
-            <p:ph type="title"/>
-          </p:nvPr>
-        </p:nvSpPr>
-        <p:spPr>
-          <a:xfrm>
-            <a:off x="685800" y="-315416"/>
-            <a:ext cx="7772400" cy="1296144"/>
-          </a:xfrm>
-        </p:spPr>
-        <p:txBody>
-          <a:bodyPr/>
-          <a:lstStyle/>
-          <a:p>
-            <a:pPr algn="ctr"/>
-            <a:r>
-              <a:rPr lang="ru-RU" sz="2800" dirty="0">
-                <a:latin typeface="Times New Roman" charset="0"/>
-                <a:ea typeface="Times New Roman" charset="0"/>
-                <a:cs typeface="Times New Roman" charset="0"/>
-              </a:rPr>
-              <a:t>Внедрение организационных мер по защите информации</a:t>
-            </a:r>
-          </a:p>
-        </p:txBody>
-      </p:sp>
-      <p:sp>
-        <p:nvSpPr>
-          <p:cNvPr id="3" name="Объект 2"/>
-          <p:cNvSpPr>
-            <a:spLocks noGrp="1"/>
-          </p:cNvSpPr>
-          <p:nvPr>
-            <p:ph sz="quarter" idx="1"/>
-          </p:nvPr>
-        </p:nvSpPr>
-        <p:spPr>
-          <a:xfrm>
-            <a:off x="179512" y="980728"/>
-            <a:ext cx="8784976" cy="5039072"/>
-          </a:xfrm>
-        </p:spPr>
-        <p:txBody>
-          <a:bodyPr/>
-          <a:lstStyle/>
-          <a:p>
-            <a:r>
-              <a:rPr lang="ru-RU" sz="1800" dirty="0">
-                <a:latin typeface="Times New Roman" charset="0"/>
-                <a:ea typeface="Times New Roman" charset="0"/>
-                <a:cs typeface="Times New Roman" charset="0"/>
-              </a:rPr>
-              <a:t>В целях реализации политики информационной безопасности разрабатываются локальные нормативные правовые акты организации, регламентирующие порядок:</a:t>
-            </a:r>
-          </a:p>
-          <a:p>
-            <a:pPr lvl="1"/>
-            <a:r>
-              <a:rPr lang="ru-RU" sz="1800" dirty="0">
-                <a:latin typeface="Times New Roman" charset="0"/>
-                <a:ea typeface="Times New Roman" charset="0"/>
-                <a:cs typeface="Times New Roman" charset="0"/>
-              </a:rPr>
-              <a:t>использования объектов информационной системы и их управления (администрирования);</a:t>
-            </a:r>
-          </a:p>
-          <a:p>
-            <a:pPr lvl="1"/>
-            <a:r>
-              <a:rPr lang="ru-RU" sz="1800" dirty="0">
-                <a:latin typeface="Times New Roman" charset="0"/>
-                <a:ea typeface="Times New Roman" charset="0"/>
-                <a:cs typeface="Times New Roman" charset="0"/>
-              </a:rPr>
-              <a:t>резервирования и уничтожения информации;</a:t>
-            </a:r>
-          </a:p>
-          <a:p>
-            <a:pPr lvl="1"/>
-            <a:r>
-              <a:rPr lang="ru-RU" sz="1800" dirty="0">
-                <a:latin typeface="Times New Roman" charset="0"/>
-                <a:ea typeface="Times New Roman" charset="0"/>
-                <a:cs typeface="Times New Roman" charset="0"/>
-              </a:rPr>
-              <a:t>защиты от вредоносного программного обеспечения;</a:t>
-            </a:r>
-          </a:p>
-          <a:p>
-            <a:pPr lvl="1"/>
-            <a:r>
-              <a:rPr lang="ru-RU" sz="1800" dirty="0">
-                <a:latin typeface="Times New Roman" charset="0"/>
-                <a:ea typeface="Times New Roman" charset="0"/>
-                <a:cs typeface="Times New Roman" charset="0"/>
-              </a:rPr>
-              <a:t>выявления угроз, которые могут привести к сбоям, нарушению функционирования информационной системы;</a:t>
-            </a:r>
-          </a:p>
-          <a:p>
-            <a:pPr lvl="1"/>
-            <a:r>
-              <a:rPr lang="ru-RU" sz="1800" dirty="0">
-                <a:latin typeface="Times New Roman" charset="0"/>
-                <a:ea typeface="Times New Roman" charset="0"/>
-                <a:cs typeface="Times New Roman" charset="0"/>
-              </a:rPr>
-              <a:t>реагирования на инциденты информационной безопасности;</a:t>
-            </a:r>
-          </a:p>
-          <a:p>
-            <a:pPr lvl="1"/>
-            <a:r>
-              <a:rPr lang="ru-RU" sz="1800" dirty="0">
-                <a:latin typeface="Times New Roman" charset="0"/>
-                <a:ea typeface="Times New Roman" charset="0"/>
-                <a:cs typeface="Times New Roman" charset="0"/>
-              </a:rPr>
-              <a:t>контроля (мониторинга) за функционированием информационной системы.</a:t>
-            </a:r>
-          </a:p>
-        </p:txBody>
-      </p:sp>
-    </p:spTree>
-    <p:extLst>
-      <p:ext uri="{BB962C8B-B14F-4D97-AF65-F5344CB8AC3E}">
-        <p14:creationId xmlns:p14="http://schemas.microsoft.com/office/powerpoint/2010/main" val="1865205250"/>
-      </p:ext>
-    </p:extLst>
-  </p:cSld>
-  <p:clrMapOvr>
-    <a:masterClrMapping/>
-  </p:clrMapOvr>
+  <p:timing>
+    <p:tnLst>
+      <p:par>
+        <p:cTn id="1" dur="indefinite" restart="never" nodeType="tmRoot"/>
+      </p:par>
+    </p:tnLst>
+  </p:timing>
 </p:sld>
 </file>
 

--- a/diploma_radkevich.pptx
+++ b/diploma_radkevich.pptx
@@ -1880,6 +1880,13 @@
         </dgm:presLayoutVars>
       </dgm:prSet>
       <dgm:spPr/>
+      <dgm:t>
+        <a:bodyPr/>
+        <a:lstStyle/>
+        <a:p>
+          <a:endParaRPr lang="en-US"/>
+        </a:p>
+      </dgm:t>
     </dgm:pt>
     <dgm:pt modelId="{47AE162D-EC10-7343-A4F0-7D7376F90BCE}" type="pres">
       <dgm:prSet presAssocID="{4A41A610-8481-A048-B706-9DC0082484EE}" presName="node" presStyleLbl="node1" presStyleIdx="0" presStyleCnt="2" custScaleY="133507">
@@ -1917,9 +1924,9 @@
     </dgm:pt>
   </dgm:ptLst>
   <dgm:cxnLst>
-    <dgm:cxn modelId="{400683B6-9ED8-4D41-8F09-127F6DFB5FA5}" type="presOf" srcId="{DBDE0CE2-05B5-9442-9E39-D1BCA623C6E0}" destId="{47BC6B5C-00C9-7943-BD08-51CEB6882355}" srcOrd="0" destOrd="0" presId="urn:microsoft.com/office/officeart/2005/8/layout/default"/>
     <dgm:cxn modelId="{040A40A8-3692-AD44-8BA7-A832DBC34243}" type="presOf" srcId="{4A41A610-8481-A048-B706-9DC0082484EE}" destId="{47AE162D-EC10-7343-A4F0-7D7376F90BCE}" srcOrd="0" destOrd="0" presId="urn:microsoft.com/office/officeart/2005/8/layout/default"/>
     <dgm:cxn modelId="{9DD49378-33F4-E745-900D-4BA6D96F763A}" srcId="{DBDE0CE2-05B5-9442-9E39-D1BCA623C6E0}" destId="{8FC543A0-BEF4-7242-835D-E2FA63C80006}" srcOrd="1" destOrd="0" parTransId="{A6B0A66E-1AA0-B24B-9EB7-8AEA5AFB6AD7}" sibTransId="{4D328C4E-1B24-2B46-B3D0-9F533D468661}"/>
+    <dgm:cxn modelId="{400683B6-9ED8-4D41-8F09-127F6DFB5FA5}" type="presOf" srcId="{DBDE0CE2-05B5-9442-9E39-D1BCA623C6E0}" destId="{47BC6B5C-00C9-7943-BD08-51CEB6882355}" srcOrd="0" destOrd="0" presId="urn:microsoft.com/office/officeart/2005/8/layout/default"/>
     <dgm:cxn modelId="{FC078C7D-F8C0-1B44-8ED3-07DCDFEC53E3}" srcId="{DBDE0CE2-05B5-9442-9E39-D1BCA623C6E0}" destId="{4A41A610-8481-A048-B706-9DC0082484EE}" srcOrd="0" destOrd="0" parTransId="{CE614C01-B700-A649-B3CA-84D77C43A6E8}" sibTransId="{0781CB0E-D563-4D42-BC21-3D655F027EE8}"/>
     <dgm:cxn modelId="{1ED7E4A7-5650-E74B-BAA4-6964AA91347D}" type="presOf" srcId="{8FC543A0-BEF4-7242-835D-E2FA63C80006}" destId="{631A1666-C234-D84A-961E-AC19B939696F}" srcOrd="0" destOrd="0" presId="urn:microsoft.com/office/officeart/2005/8/layout/default"/>
     <dgm:cxn modelId="{C726104D-369D-4A4B-9E20-EED35468FB3D}" type="presParOf" srcId="{47BC6B5C-00C9-7943-BD08-51CEB6882355}" destId="{47AE162D-EC10-7343-A4F0-7D7376F90BCE}" srcOrd="0" destOrd="0" presId="urn:microsoft.com/office/officeart/2005/8/layout/default"/>
@@ -2108,6 +2115,13 @@
         </dgm:presLayoutVars>
       </dgm:prSet>
       <dgm:spPr/>
+      <dgm:t>
+        <a:bodyPr/>
+        <a:lstStyle/>
+        <a:p>
+          <a:endParaRPr lang="en-US"/>
+        </a:p>
+      </dgm:t>
     </dgm:pt>
     <dgm:pt modelId="{A6F78139-B7AA-2E47-BA0B-1E77E34E59BA}" type="pres">
       <dgm:prSet presAssocID="{D4EF2F5A-5CD1-C942-9510-3B49D8A73545}" presName="horFlow" presStyleCnt="0"/>
@@ -2116,6 +2130,13 @@
     <dgm:pt modelId="{250D1BB7-1DEF-2747-8630-09926DAC8C56}" type="pres">
       <dgm:prSet presAssocID="{D4EF2F5A-5CD1-C942-9510-3B49D8A73545}" presName="bigChev" presStyleLbl="node1" presStyleIdx="0" presStyleCnt="2"/>
       <dgm:spPr/>
+      <dgm:t>
+        <a:bodyPr/>
+        <a:lstStyle/>
+        <a:p>
+          <a:endParaRPr lang="en-US"/>
+        </a:p>
+      </dgm:t>
     </dgm:pt>
     <dgm:pt modelId="{55CFAB59-CC6B-6D4B-9CA4-6D1689028405}" type="pres">
       <dgm:prSet presAssocID="{F4E77238-CE8B-2242-8556-31100A1B258A}" presName="parTrans" presStyleCnt="0"/>
@@ -2176,15 +2197,15 @@
     </dgm:pt>
   </dgm:ptLst>
   <dgm:cxnLst>
-    <dgm:cxn modelId="{D5830E2B-C9FA-EF4C-9A4D-98D76D4A48F7}" type="presOf" srcId="{788CC632-171F-1943-8D7F-2B62FB60C573}" destId="{6BA6A454-8F66-FF48-9093-8D8A9705792D}" srcOrd="0" destOrd="0" presId="urn:microsoft.com/office/officeart/2005/8/layout/lProcess3"/>
+    <dgm:cxn modelId="{FF494D36-51D3-5244-9EC6-7557BA644DAC}" srcId="{D277101A-9FD8-BE46-A7A3-294E4A608BC4}" destId="{788CC632-171F-1943-8D7F-2B62FB60C573}" srcOrd="0" destOrd="0" parTransId="{C5A9CD5F-1A3C-C24E-9FC5-E2A42BDB6B79}" sibTransId="{4B97A73D-860C-224B-83AD-F6F0213AF73B}"/>
     <dgm:cxn modelId="{6EB57A10-BF3B-184E-A99D-4ACE1C6297BB}" srcId="{08956FB5-2BA9-F444-B631-C7A32D7D7FFF}" destId="{D4EF2F5A-5CD1-C942-9510-3B49D8A73545}" srcOrd="0" destOrd="0" parTransId="{B289CD9A-015E-134A-813E-9D43902ED969}" sibTransId="{DE352029-B2A6-0349-BE79-12433AA329DB}"/>
+    <dgm:cxn modelId="{44B65CBF-DB95-224D-8EA9-2FFAFA266E84}" type="presOf" srcId="{D277101A-9FD8-BE46-A7A3-294E4A608BC4}" destId="{62005EC8-3BFC-7341-8D82-6CD018C202C3}" srcOrd="0" destOrd="0" presId="urn:microsoft.com/office/officeart/2005/8/layout/lProcess3"/>
+    <dgm:cxn modelId="{F6EE8793-6662-144E-94B0-BE0569D3ADC8}" srcId="{D4EF2F5A-5CD1-C942-9510-3B49D8A73545}" destId="{54B0D7A7-3B21-7B4F-8B8C-B60F0806E7A5}" srcOrd="0" destOrd="0" parTransId="{F4E77238-CE8B-2242-8556-31100A1B258A}" sibTransId="{1B260CE7-8635-7F4D-80B1-A64FEC2113BC}"/>
+    <dgm:cxn modelId="{F95B757D-E29E-D544-A9D2-9B483EC18864}" type="presOf" srcId="{54B0D7A7-3B21-7B4F-8B8C-B60F0806E7A5}" destId="{D2C6DD9C-DB43-FD48-A61C-8ADC33C393BA}" srcOrd="0" destOrd="0" presId="urn:microsoft.com/office/officeart/2005/8/layout/lProcess3"/>
+    <dgm:cxn modelId="{50EA4708-C272-2142-99FF-15343A1D2519}" type="presOf" srcId="{08956FB5-2BA9-F444-B631-C7A32D7D7FFF}" destId="{B4E6E3C7-9165-2849-8038-5C655F37E655}" srcOrd="0" destOrd="0" presId="urn:microsoft.com/office/officeart/2005/8/layout/lProcess3"/>
     <dgm:cxn modelId="{B4ED797E-8702-3244-B5A1-5078223F73F5}" type="presOf" srcId="{D4EF2F5A-5CD1-C942-9510-3B49D8A73545}" destId="{250D1BB7-1DEF-2747-8630-09926DAC8C56}" srcOrd="0" destOrd="0" presId="urn:microsoft.com/office/officeart/2005/8/layout/lProcess3"/>
     <dgm:cxn modelId="{7374C3C4-7E72-5B4A-BDED-0C2798A68BA8}" srcId="{08956FB5-2BA9-F444-B631-C7A32D7D7FFF}" destId="{D277101A-9FD8-BE46-A7A3-294E4A608BC4}" srcOrd="1" destOrd="0" parTransId="{B3A12F3F-A674-F142-9F73-E5BCD2A2335B}" sibTransId="{224C74CB-5768-6E4B-8EF9-2BE2A6F369F3}"/>
-    <dgm:cxn modelId="{F95B757D-E29E-D544-A9D2-9B483EC18864}" type="presOf" srcId="{54B0D7A7-3B21-7B4F-8B8C-B60F0806E7A5}" destId="{D2C6DD9C-DB43-FD48-A61C-8ADC33C393BA}" srcOrd="0" destOrd="0" presId="urn:microsoft.com/office/officeart/2005/8/layout/lProcess3"/>
-    <dgm:cxn modelId="{44B65CBF-DB95-224D-8EA9-2FFAFA266E84}" type="presOf" srcId="{D277101A-9FD8-BE46-A7A3-294E4A608BC4}" destId="{62005EC8-3BFC-7341-8D82-6CD018C202C3}" srcOrd="0" destOrd="0" presId="urn:microsoft.com/office/officeart/2005/8/layout/lProcess3"/>
-    <dgm:cxn modelId="{F6EE8793-6662-144E-94B0-BE0569D3ADC8}" srcId="{D4EF2F5A-5CD1-C942-9510-3B49D8A73545}" destId="{54B0D7A7-3B21-7B4F-8B8C-B60F0806E7A5}" srcOrd="0" destOrd="0" parTransId="{F4E77238-CE8B-2242-8556-31100A1B258A}" sibTransId="{1B260CE7-8635-7F4D-80B1-A64FEC2113BC}"/>
-    <dgm:cxn modelId="{FF494D36-51D3-5244-9EC6-7557BA644DAC}" srcId="{D277101A-9FD8-BE46-A7A3-294E4A608BC4}" destId="{788CC632-171F-1943-8D7F-2B62FB60C573}" srcOrd="0" destOrd="0" parTransId="{C5A9CD5F-1A3C-C24E-9FC5-E2A42BDB6B79}" sibTransId="{4B97A73D-860C-224B-83AD-F6F0213AF73B}"/>
-    <dgm:cxn modelId="{50EA4708-C272-2142-99FF-15343A1D2519}" type="presOf" srcId="{08956FB5-2BA9-F444-B631-C7A32D7D7FFF}" destId="{B4E6E3C7-9165-2849-8038-5C655F37E655}" srcOrd="0" destOrd="0" presId="urn:microsoft.com/office/officeart/2005/8/layout/lProcess3"/>
+    <dgm:cxn modelId="{D5830E2B-C9FA-EF4C-9A4D-98D76D4A48F7}" type="presOf" srcId="{788CC632-171F-1943-8D7F-2B62FB60C573}" destId="{6BA6A454-8F66-FF48-9093-8D8A9705792D}" srcOrd="0" destOrd="0" presId="urn:microsoft.com/office/officeart/2005/8/layout/lProcess3"/>
     <dgm:cxn modelId="{926C2EE6-0745-CE41-B20D-65F7512E4064}" type="presParOf" srcId="{B4E6E3C7-9165-2849-8038-5C655F37E655}" destId="{A6F78139-B7AA-2E47-BA0B-1E77E34E59BA}" srcOrd="0" destOrd="0" presId="urn:microsoft.com/office/officeart/2005/8/layout/lProcess3"/>
     <dgm:cxn modelId="{B6DC2F4C-1F28-0248-B9CD-F8B17815B9AE}" type="presParOf" srcId="{A6F78139-B7AA-2E47-BA0B-1E77E34E59BA}" destId="{250D1BB7-1DEF-2747-8630-09926DAC8C56}" srcOrd="0" destOrd="0" presId="urn:microsoft.com/office/officeart/2005/8/layout/lProcess3"/>
     <dgm:cxn modelId="{2DE99937-D08A-484A-B2C6-5B3D620D6CCB}" type="presParOf" srcId="{A6F78139-B7AA-2E47-BA0B-1E77E34E59BA}" destId="{55CFAB59-CC6B-6D4B-9CA4-6D1689028405}" srcOrd="1" destOrd="0" presId="urn:microsoft.com/office/officeart/2005/8/layout/lProcess3"/>
@@ -2408,7 +2429,7 @@
       </dsp:nvSpPr>
       <dsp:spPr>
         <a:xfrm>
-          <a:off x="2067" y="780675"/>
+          <a:off x="2067" y="564651"/>
           <a:ext cx="4148617" cy="1659446"/>
         </a:xfrm>
         <a:prstGeom prst="chevron">
@@ -2481,7 +2502,7 @@
         </a:p>
       </dsp:txBody>
       <dsp:txXfrm>
-        <a:off x="831790" y="780675"/>
+        <a:off x="831790" y="564651"/>
         <a:ext cx="2489171" cy="1659446"/>
       </dsp:txXfrm>
     </dsp:sp>
@@ -2492,7 +2513,7 @@
       </dsp:nvSpPr>
       <dsp:spPr>
         <a:xfrm>
-          <a:off x="3611364" y="921728"/>
+          <a:off x="3611364" y="705704"/>
           <a:ext cx="3443352" cy="1377340"/>
         </a:xfrm>
         <a:prstGeom prst="chevron">
@@ -2559,7 +2580,7 @@
         </a:p>
       </dsp:txBody>
       <dsp:txXfrm>
-        <a:off x="4300034" y="921728"/>
+        <a:off x="4300034" y="705704"/>
         <a:ext cx="2066012" cy="1377340"/>
       </dsp:txXfrm>
     </dsp:sp>
@@ -2570,7 +2591,7 @@
       </dsp:nvSpPr>
       <dsp:spPr>
         <a:xfrm>
-          <a:off x="2067" y="2672445"/>
+          <a:off x="2067" y="2456421"/>
           <a:ext cx="4148617" cy="1659446"/>
         </a:xfrm>
         <a:prstGeom prst="chevron">
@@ -2643,7 +2664,7 @@
         </a:p>
       </dsp:txBody>
       <dsp:txXfrm>
-        <a:off x="831790" y="2672445"/>
+        <a:off x="831790" y="2456421"/>
         <a:ext cx="2489171" cy="1659446"/>
       </dsp:txXfrm>
     </dsp:sp>
@@ -2654,7 +2675,7 @@
       </dsp:nvSpPr>
       <dsp:spPr>
         <a:xfrm>
-          <a:off x="3611364" y="2813498"/>
+          <a:off x="3611364" y="2597474"/>
           <a:ext cx="3443352" cy="1377340"/>
         </a:xfrm>
         <a:prstGeom prst="chevron">
@@ -2721,7 +2742,7 @@
         </a:p>
       </dsp:txBody>
       <dsp:txXfrm>
-        <a:off x="4300034" y="2813498"/>
+        <a:off x="4300034" y="2597474"/>
         <a:ext cx="2066012" cy="1377340"/>
       </dsp:txXfrm>
     </dsp:sp>
@@ -5332,7 +5353,7 @@
               <a:pPr>
                 <a:defRPr/>
               </a:pPr>
-              <a:t>14.06.2017</a:t>
+              <a:t>15.06.2017</a:t>
             </a:fld>
             <a:endParaRPr lang="ru-RU" dirty="0"/>
           </a:p>
@@ -7264,7 +7285,7 @@
               <a:pPr>
                 <a:defRPr/>
               </a:pPr>
-              <a:t>14.06.2017</a:t>
+              <a:t>15.06.2017</a:t>
             </a:fld>
             <a:endParaRPr lang="ru-RU" dirty="0"/>
           </a:p>
@@ -7456,7 +7477,7 @@
               <a:pPr>
                 <a:defRPr/>
               </a:pPr>
-              <a:t>14.06.2017</a:t>
+              <a:t>15.06.2017</a:t>
             </a:fld>
             <a:endParaRPr lang="ru-RU" dirty="0"/>
           </a:p>
@@ -7658,7 +7679,7 @@
               <a:pPr>
                 <a:defRPr/>
               </a:pPr>
-              <a:t>14.06.2017</a:t>
+              <a:t>15.06.2017</a:t>
             </a:fld>
             <a:endParaRPr lang="ru-RU" dirty="0"/>
           </a:p>
@@ -7855,7 +7876,7 @@
               <a:pPr>
                 <a:defRPr/>
               </a:pPr>
-              <a:t>14.06.2017</a:t>
+              <a:t>15.06.2017</a:t>
             </a:fld>
             <a:endParaRPr lang="ru-RU" dirty="0"/>
           </a:p>
@@ -8365,7 +8386,7 @@
               <a:pPr>
                 <a:defRPr/>
               </a:pPr>
-              <a:t>14.06.2017</a:t>
+              <a:t>15.06.2017</a:t>
             </a:fld>
             <a:endParaRPr lang="ru-RU" dirty="0"/>
           </a:p>
@@ -8629,7 +8650,7 @@
               <a:pPr>
                 <a:defRPr/>
               </a:pPr>
-              <a:t>14.06.2017</a:t>
+              <a:t>15.06.2017</a:t>
             </a:fld>
             <a:endParaRPr lang="ru-RU" dirty="0"/>
           </a:p>
@@ -9018,7 +9039,7 @@
               <a:pPr>
                 <a:defRPr/>
               </a:pPr>
-              <a:t>14.06.2017</a:t>
+              <a:t>15.06.2017</a:t>
             </a:fld>
             <a:endParaRPr lang="ru-RU" dirty="0"/>
           </a:p>
@@ -9158,7 +9179,7 @@
               <a:pPr>
                 <a:defRPr/>
               </a:pPr>
-              <a:t>14.06.2017</a:t>
+              <a:t>15.06.2017</a:t>
             </a:fld>
             <a:endParaRPr lang="ru-RU" dirty="0"/>
           </a:p>
@@ -9275,7 +9296,7 @@
               <a:pPr>
                 <a:defRPr/>
               </a:pPr>
-              <a:t>14.06.2017</a:t>
+              <a:t>15.06.2017</a:t>
             </a:fld>
             <a:endParaRPr lang="ru-RU" dirty="0"/>
           </a:p>
@@ -9642,7 +9663,7 @@
               <a:pPr>
                 <a:defRPr/>
               </a:pPr>
-              <a:t>14.06.2017</a:t>
+              <a:t>15.06.2017</a:t>
             </a:fld>
             <a:endParaRPr lang="ru-RU" dirty="0"/>
           </a:p>
@@ -10056,7 +10077,7 @@
               <a:pPr>
                 <a:defRPr/>
               </a:pPr>
-              <a:t>14.06.2017</a:t>
+              <a:t>15.06.2017</a:t>
             </a:fld>
             <a:endParaRPr lang="ru-RU" dirty="0"/>
           </a:p>
@@ -10469,7 +10490,7 @@
               <a:pPr>
                 <a:defRPr/>
               </a:pPr>
-              <a:t>14.06.2017</a:t>
+              <a:t>15.06.2017</a:t>
             </a:fld>
             <a:endParaRPr lang="ru-RU" dirty="0"/>
           </a:p>
@@ -11221,15 +11242,7 @@
                 <a:ea typeface="Times New Roman" charset="0"/>
                 <a:cs typeface="Times New Roman" charset="0"/>
               </a:rPr>
-              <a:t>заведения</a:t>
-            </a:r>
-            <a:r>
-              <a:rPr lang="ru-RU" sz="3500" dirty="0" smtClean="0">
-                <a:latin typeface="Times New Roman" charset="0"/>
-                <a:ea typeface="Times New Roman" charset="0"/>
-                <a:cs typeface="Times New Roman" charset="0"/>
-              </a:rPr>
-              <a:t>»</a:t>
+              <a:t>заведения»</a:t>
             </a:r>
             <a:endParaRPr lang="en-US" dirty="0" smtClean="0">
               <a:latin typeface="Times New Roman" charset="0"/>
@@ -11529,23 +11542,7 @@
                 <a:ea typeface="Times New Roman" charset="0"/>
                 <a:cs typeface="Times New Roman" charset="0"/>
               </a:rPr>
-              <a:t>Минск </a:t>
-            </a:r>
-            <a:r>
-              <a:rPr lang="ru-RU" sz="1800" dirty="0" smtClean="0">
-                <a:latin typeface="Times New Roman" charset="0"/>
-                <a:ea typeface="Times New Roman" charset="0"/>
-                <a:cs typeface="Times New Roman" charset="0"/>
-              </a:rPr>
-              <a:t>2017 </a:t>
-            </a:r>
-            <a:r>
-              <a:rPr lang="ru-RU" sz="1800" dirty="0" smtClean="0">
-                <a:latin typeface="Times New Roman" charset="0"/>
-                <a:ea typeface="Times New Roman" charset="0"/>
-                <a:cs typeface="Times New Roman" charset="0"/>
-              </a:rPr>
-              <a:t>г.</a:t>
+              <a:t>Минск 2017 г.</a:t>
             </a:r>
             <a:endParaRPr lang="ru-RU" sz="1800" dirty="0">
               <a:latin typeface="Times New Roman" charset="0"/>
@@ -11653,18 +11650,7 @@
                 <a:ea typeface="Times New Roman" charset="0"/>
                 <a:cs typeface="Times New Roman" charset="0"/>
               </a:rPr>
-              <a:t>Цели и задачи </a:t>
-            </a:r>
-            <a:r>
-              <a:rPr lang="ru-RU" sz="4400" b="1" dirty="0" smtClean="0">
-                <a:solidFill>
-                  <a:schemeClr val="tx1"/>
-                </a:solidFill>
-                <a:latin typeface="Times New Roman" charset="0"/>
-                <a:ea typeface="Times New Roman" charset="0"/>
-                <a:cs typeface="Times New Roman" charset="0"/>
-              </a:rPr>
-              <a:t>работы</a:t>
+              <a:t>Цели и задачи работы</a:t>
             </a:r>
             <a:endParaRPr lang="ru-RU" sz="4400" b="1" dirty="0">
               <a:solidFill>
@@ -11761,21 +11747,8 @@
                 <a:ea typeface="Times New Roman" charset="0"/>
                 <a:cs typeface="Times New Roman" charset="0"/>
               </a:rPr>
-              <a:t>Б2</a:t>
-            </a:r>
-            <a:r>
-              <a:rPr lang="ru-RU" sz="2400" dirty="0" smtClean="0">
-                <a:latin typeface="Times New Roman" charset="0"/>
-                <a:ea typeface="Times New Roman" charset="0"/>
-                <a:cs typeface="Times New Roman" charset="0"/>
-              </a:rPr>
-              <a:t>.</a:t>
-            </a:r>
-            <a:endParaRPr lang="ru-RU" sz="2400" dirty="0" smtClean="0">
-              <a:latin typeface="Times New Roman" charset="0"/>
-              <a:ea typeface="Times New Roman" charset="0"/>
-              <a:cs typeface="Times New Roman" charset="0"/>
-            </a:endParaRPr>
+              <a:t>Б2.</a:t>
+            </a:r>
           </a:p>
           <a:p>
             <a:pPr marL="274320" indent="-274320" eaLnBrk="1" fontAlgn="auto" hangingPunct="1">
@@ -11976,11 +11949,6 @@
               </a:rPr>
               <a:t>;</a:t>
             </a:r>
-            <a:endParaRPr lang="en-US" sz="2400" dirty="0" smtClean="0">
-              <a:latin typeface="Times New Roman" charset="0"/>
-              <a:ea typeface="Times New Roman" charset="0"/>
-              <a:cs typeface="Times New Roman" charset="0"/>
-            </a:endParaRPr>
           </a:p>
           <a:p>
             <a:pPr marL="493776" indent="-457200" eaLnBrk="1" fontAlgn="auto" hangingPunct="1">
@@ -12000,15 +11968,7 @@
                 <a:ea typeface="Times New Roman" charset="0"/>
                 <a:cs typeface="Times New Roman" charset="0"/>
               </a:rPr>
-              <a:t>Разработать политику </a:t>
-            </a:r>
-            <a:r>
-              <a:rPr lang="ru-RU" sz="2400" dirty="0" smtClean="0">
-                <a:latin typeface="Times New Roman" charset="0"/>
-                <a:ea typeface="Times New Roman" charset="0"/>
-                <a:cs typeface="Times New Roman" charset="0"/>
-              </a:rPr>
-              <a:t>безопасности для защищаемой системы.</a:t>
+              <a:t>Разработать политику безопасности для защищаемой системы.</a:t>
             </a:r>
             <a:endParaRPr lang="ru-RU" sz="2400" dirty="0">
               <a:latin typeface="Times New Roman" charset="0"/>
@@ -12268,18 +12228,7 @@
                 <a:ea typeface="Times New Roman" charset="0"/>
                 <a:cs typeface="Times New Roman" charset="0"/>
               </a:rPr>
-              <a:t>Этапы разработки </a:t>
-            </a:r>
-            <a:r>
-              <a:rPr lang="ru-RU" b="1" dirty="0" smtClean="0">
-                <a:solidFill>
-                  <a:schemeClr val="tx1"/>
-                </a:solidFill>
-                <a:latin typeface="Times New Roman" charset="0"/>
-                <a:ea typeface="Times New Roman" charset="0"/>
-                <a:cs typeface="Times New Roman" charset="0"/>
-              </a:rPr>
-              <a:t>СЗИ</a:t>
+              <a:t>Этапы разработки СЗИ</a:t>
             </a:r>
             <a:endParaRPr lang="ru-RU" b="1" dirty="0">
               <a:solidFill>
@@ -12877,14 +12826,14 @@
             <p:ph sz="quarter" idx="1"/>
             <p:extLst>
               <p:ext uri="{D42A27DB-BD31-4B8C-83A1-F6EECF244321}">
-                <p14:modId xmlns:p14="http://schemas.microsoft.com/office/powerpoint/2010/main" val="1767885552"/>
+                <p14:modId xmlns:p14="http://schemas.microsoft.com/office/powerpoint/2010/main" val="1978818709"/>
               </p:ext>
             </p:extLst>
           </p:nvPr>
         </p:nvGraphicFramePr>
         <p:xfrm>
-          <a:off x="251520" y="1124744"/>
-          <a:ext cx="7056784" cy="5112568"/>
+          <a:off x="251520" y="1556792"/>
+          <a:ext cx="7056784" cy="4680520"/>
         </p:xfrm>
         <a:graphic>
           <a:graphicData uri="http://schemas.openxmlformats.org/drawingml/2006/diagram">
@@ -12900,7 +12849,7 @@
         </p:nvSpPr>
         <p:spPr>
           <a:xfrm>
-            <a:off x="7524328" y="3212976"/>
+            <a:off x="7524328" y="3435387"/>
             <a:ext cx="1979712" cy="923330"/>
           </a:xfrm>
           <a:prstGeom prst="rect">
@@ -12923,6 +12872,44 @@
               <a:t>ТЗ</a:t>
             </a:r>
             <a:endParaRPr lang="en-US" sz="4000" b="1" dirty="0">
+              <a:latin typeface="Times New Roman" charset="0"/>
+              <a:ea typeface="Times New Roman" charset="0"/>
+              <a:cs typeface="Times New Roman" charset="0"/>
+            </a:endParaRPr>
+          </a:p>
+        </p:txBody>
+      </p:sp>
+      <p:sp>
+        <p:nvSpPr>
+          <p:cNvPr id="3" name="TextBox 2"/>
+          <p:cNvSpPr txBox="1"/>
+          <p:nvPr/>
+        </p:nvSpPr>
+        <p:spPr>
+          <a:xfrm>
+            <a:off x="251520" y="1448120"/>
+            <a:ext cx="1642053" cy="584775"/>
+          </a:xfrm>
+          <a:prstGeom prst="rect">
+            <a:avLst/>
+          </a:prstGeom>
+          <a:noFill/>
+        </p:spPr>
+        <p:txBody>
+          <a:bodyPr wrap="none" rtlCol="0">
+            <a:spAutoFit/>
+          </a:bodyPr>
+          <a:lstStyle/>
+          <a:p>
+            <a:r>
+              <a:rPr lang="ru-RU" sz="3200" dirty="0" smtClean="0">
+                <a:latin typeface="Times New Roman" charset="0"/>
+                <a:ea typeface="Times New Roman" charset="0"/>
+                <a:cs typeface="Times New Roman" charset="0"/>
+              </a:rPr>
+              <a:t>ЗБ если:</a:t>
+            </a:r>
+            <a:endParaRPr lang="en-US" sz="3200" dirty="0">
               <a:latin typeface="Times New Roman" charset="0"/>
               <a:ea typeface="Times New Roman" charset="0"/>
               <a:cs typeface="Times New Roman" charset="0"/>
